--- a/NFC_brandi.pptx
+++ b/NFC_brandi.pptx
@@ -5,7 +5,7 @@
     <p:sldMasterId id="2147483684" r:id="rId1"/>
   </p:sldMasterIdLst>
   <p:notesMasterIdLst>
-    <p:notesMasterId r:id="rId13"/>
+    <p:notesMasterId r:id="rId14"/>
   </p:notesMasterIdLst>
   <p:sldIdLst>
     <p:sldId id="256" r:id="rId2"/>
@@ -14,11 +14,12 @@
     <p:sldId id="262" r:id="rId5"/>
     <p:sldId id="266" r:id="rId6"/>
     <p:sldId id="261" r:id="rId7"/>
-    <p:sldId id="259" r:id="rId8"/>
-    <p:sldId id="258" r:id="rId9"/>
-    <p:sldId id="263" r:id="rId10"/>
-    <p:sldId id="265" r:id="rId11"/>
-    <p:sldId id="264" r:id="rId12"/>
+    <p:sldId id="267" r:id="rId8"/>
+    <p:sldId id="259" r:id="rId9"/>
+    <p:sldId id="258" r:id="rId10"/>
+    <p:sldId id="263" r:id="rId11"/>
+    <p:sldId id="265" r:id="rId12"/>
+    <p:sldId id="264" r:id="rId13"/>
   </p:sldIdLst>
   <p:sldSz cx="9144000" cy="6858000" type="screen4x3"/>
   <p:notesSz cx="6858000" cy="9144000"/>
@@ -3583,6 +3584,13 @@
         </dgm:presLayoutVars>
       </dgm:prSet>
       <dgm:spPr/>
+      <dgm:t>
+        <a:bodyPr/>
+        <a:lstStyle/>
+        <a:p>
+          <a:endParaRPr lang="en-US"/>
+        </a:p>
+      </dgm:t>
     </dgm:pt>
     <dgm:pt modelId="{898E7B4B-7D79-409D-9247-2BDBDF9944A2}" type="pres">
       <dgm:prSet presAssocID="{178030DC-726A-4F7F-B6D9-45B4898A896E}" presName="diamond" presStyleLbl="bgShp" presStyleIdx="0" presStyleCnt="1"/>
@@ -3597,6 +3605,13 @@
         </dgm:presLayoutVars>
       </dgm:prSet>
       <dgm:spPr/>
+      <dgm:t>
+        <a:bodyPr/>
+        <a:lstStyle/>
+        <a:p>
+          <a:endParaRPr lang="en-US"/>
+        </a:p>
+      </dgm:t>
     </dgm:pt>
     <dgm:pt modelId="{1CA8266B-5D95-41D0-9056-49C3011D2C19}" type="pres">
       <dgm:prSet presAssocID="{178030DC-726A-4F7F-B6D9-45B4898A896E}" presName="quad2" presStyleLbl="node1" presStyleIdx="1" presStyleCnt="4">
@@ -3607,6 +3622,13 @@
         </dgm:presLayoutVars>
       </dgm:prSet>
       <dgm:spPr/>
+      <dgm:t>
+        <a:bodyPr/>
+        <a:lstStyle/>
+        <a:p>
+          <a:endParaRPr lang="en-US"/>
+        </a:p>
+      </dgm:t>
     </dgm:pt>
     <dgm:pt modelId="{04E939BC-71A7-4396-BB8C-C0AF37034F1B}" type="pres">
       <dgm:prSet presAssocID="{178030DC-726A-4F7F-B6D9-45B4898A896E}" presName="quad3" presStyleLbl="node1" presStyleIdx="2" presStyleCnt="4">
@@ -3617,6 +3639,13 @@
         </dgm:presLayoutVars>
       </dgm:prSet>
       <dgm:spPr/>
+      <dgm:t>
+        <a:bodyPr/>
+        <a:lstStyle/>
+        <a:p>
+          <a:endParaRPr lang="en-US"/>
+        </a:p>
+      </dgm:t>
     </dgm:pt>
     <dgm:pt modelId="{59890E49-B03D-4558-8694-578A7D3A6811}" type="pres">
       <dgm:prSet presAssocID="{178030DC-726A-4F7F-B6D9-45B4898A896E}" presName="quad4" presStyleLbl="node1" presStyleIdx="3" presStyleCnt="4">
@@ -3642,8 +3671,8 @@
     <dgm:cxn modelId="{27BBD0EF-3D40-47C4-9214-1F5AB814D5E2}" srcId="{178030DC-726A-4F7F-B6D9-45B4898A896E}" destId="{2724BF06-9A75-4CC7-AB7A-ED85F53D9F68}" srcOrd="0" destOrd="0" parTransId="{F3C1426C-33E2-476C-8530-A247BE2BA294}" sibTransId="{4EE2FB96-B7F2-4311-BA50-07D4AD5C39F1}"/>
     <dgm:cxn modelId="{4B34A8D4-65D6-46A1-84CC-50B52C82284D}" srcId="{178030DC-726A-4F7F-B6D9-45B4898A896E}" destId="{616D85F2-BA9C-4E78-A0C8-847B651428D6}" srcOrd="3" destOrd="0" parTransId="{A81A9056-DF50-4F46-86F2-CA9597977D86}" sibTransId="{48E7EB04-56B6-4C10-855C-75E54E185E5E}"/>
     <dgm:cxn modelId="{C66E8B73-4D3A-4632-8542-4FEBB03082AD}" type="presOf" srcId="{0C3F0D16-84A4-46F0-8399-68C45BE0CC05}" destId="{04E939BC-71A7-4396-BB8C-C0AF37034F1B}" srcOrd="0" destOrd="0" presId="urn:microsoft.com/office/officeart/2005/8/layout/matrix3"/>
+    <dgm:cxn modelId="{E2F6E7BC-7B66-4D81-A2A4-965490242AE0}" type="presOf" srcId="{616D85F2-BA9C-4E78-A0C8-847B651428D6}" destId="{59890E49-B03D-4558-8694-578A7D3A6811}" srcOrd="0" destOrd="0" presId="urn:microsoft.com/office/officeart/2005/8/layout/matrix3"/>
     <dgm:cxn modelId="{7823AD6D-94B0-4A60-98BE-3495CFDD828F}" type="presOf" srcId="{2724BF06-9A75-4CC7-AB7A-ED85F53D9F68}" destId="{D7FA41AC-5AFE-456B-8B00-AB1ACAB2FF7C}" srcOrd="0" destOrd="0" presId="urn:microsoft.com/office/officeart/2005/8/layout/matrix3"/>
-    <dgm:cxn modelId="{E2F6E7BC-7B66-4D81-A2A4-965490242AE0}" type="presOf" srcId="{616D85F2-BA9C-4E78-A0C8-847B651428D6}" destId="{59890E49-B03D-4558-8694-578A7D3A6811}" srcOrd="0" destOrd="0" presId="urn:microsoft.com/office/officeart/2005/8/layout/matrix3"/>
     <dgm:cxn modelId="{DC698647-0A61-40EC-93A4-B8A860441BD3}" srcId="{178030DC-726A-4F7F-B6D9-45B4898A896E}" destId="{0C3F0D16-84A4-46F0-8399-68C45BE0CC05}" srcOrd="2" destOrd="0" parTransId="{EB968261-3F6E-42D7-8A3C-8743B6E65EF8}" sibTransId="{B25E921C-538E-4A6E-81FB-8E2C42DDD832}"/>
     <dgm:cxn modelId="{BEEC3622-6BD7-4ED8-BD98-ED950D116DCC}" type="presOf" srcId="{F6FCD83F-55E7-40A3-85DC-E7CD163F3992}" destId="{1CA8266B-5D95-41D0-9056-49C3011D2C19}" srcOrd="0" destOrd="0" presId="urn:microsoft.com/office/officeart/2005/8/layout/matrix3"/>
     <dgm:cxn modelId="{213191C0-705B-4665-A86C-D371960FFD9B}" type="presParOf" srcId="{559D0FE3-DDF9-4B61-A624-2891F0A76812}" destId="{898E7B4B-7D79-409D-9247-2BDBDF9944A2}" srcOrd="0" destOrd="0" presId="urn:microsoft.com/office/officeart/2005/8/layout/matrix3"/>
@@ -3656,7 +3685,7 @@
   <dgm:whole/>
   <dgm:extLst>
     <a:ext uri="http://schemas.microsoft.com/office/drawing/2008/diagram">
-      <dsp:dataModelExt xmlns:dsp="http://schemas.microsoft.com/office/drawing/2008/diagram" xmlns="" relId="rId6" minVer="http://schemas.openxmlformats.org/drawingml/2006/diagram"/>
+      <dsp:dataModelExt xmlns:dsp="http://schemas.microsoft.com/office/drawing/2008/diagram" xmlns="" relId="rId7" minVer="http://schemas.openxmlformats.org/drawingml/2006/diagram"/>
     </a:ext>
   </dgm:extLst>
 </dgm:dataModel>
@@ -3724,11 +3753,7 @@
           <a:pPr rtl="0"/>
           <a:r>
             <a:rPr lang="en-US" dirty="0" smtClean="0"/>
-            <a:t>Device acts as a </a:t>
-          </a:r>
-          <a:r>
-            <a:rPr lang="en-US" dirty="0" smtClean="0"/>
-            <a:t>passive tag</a:t>
+            <a:t>Device acts as a passive tag</a:t>
           </a:r>
           <a:endParaRPr lang="en-US" dirty="0"/>
         </a:p>
@@ -4276,7 +4301,7 @@
   <dgm:whole/>
   <dgm:extLst>
     <a:ext uri="http://schemas.microsoft.com/office/drawing/2008/diagram">
-      <dsp:dataModelExt xmlns:dsp="http://schemas.microsoft.com/office/drawing/2008/diagram" xmlns="" relId="rId6" minVer="http://schemas.openxmlformats.org/drawingml/2006/diagram"/>
+      <dsp:dataModelExt xmlns:dsp="http://schemas.microsoft.com/office/drawing/2008/diagram" xmlns="" relId="rId7" minVer="http://schemas.openxmlformats.org/drawingml/2006/diagram"/>
     </a:ext>
   </dgm:extLst>
 </dgm:dataModel>
@@ -4961,8 +4986,8 @@
     <dgm:cxn modelId="{EE88C7A4-A1BB-405B-8497-6CCC7DAD3C14}" srcId="{A647AF76-3372-4282-A7FB-D94F3661BD24}" destId="{FD66A2FA-144D-4B03-8741-032664A8A131}" srcOrd="3" destOrd="0" parTransId="{647BAE80-99F9-4AC7-B50A-5A436F9B35C9}" sibTransId="{FD669672-B1B2-4C3F-BDB3-AD75CF583DA8}"/>
     <dgm:cxn modelId="{FDA1E4D5-AA9E-48B0-AF35-7D1590893200}" type="presOf" srcId="{08FDE10F-F01E-4EF8-9ADB-2D7E2AC130B5}" destId="{E57CEF5C-44CB-4024-A7D8-BCA7E88F8038}" srcOrd="0" destOrd="1" presId="urn:microsoft.com/office/officeart/2005/8/layout/bList2"/>
     <dgm:cxn modelId="{12ED7C03-E9C2-4765-ADE0-D50F6F729122}" type="presOf" srcId="{4B020EA8-A6D1-4F1E-8816-7196A71E6D80}" destId="{FEED18D9-511A-4610-915B-F7BC334A4CE6}" srcOrd="0" destOrd="5" presId="urn:microsoft.com/office/officeart/2005/8/layout/bList2"/>
+    <dgm:cxn modelId="{FF91DD13-089F-4EA3-BD37-930E2FA247B8}" srcId="{A647AF76-3372-4282-A7FB-D94F3661BD24}" destId="{E6A22546-FE8F-41B2-817D-225B83B7FFC6}" srcOrd="5" destOrd="0" parTransId="{9B806525-37EC-4A6B-AD2F-4F2D045724FA}" sibTransId="{239A051C-2127-43AE-8166-B8D871D66546}"/>
     <dgm:cxn modelId="{D504640B-87B8-409B-8117-39F6A19062EE}" type="presOf" srcId="{FD66A2FA-144D-4B03-8741-032664A8A131}" destId="{E57CEF5C-44CB-4024-A7D8-BCA7E88F8038}" srcOrd="0" destOrd="3" presId="urn:microsoft.com/office/officeart/2005/8/layout/bList2"/>
-    <dgm:cxn modelId="{FF91DD13-089F-4EA3-BD37-930E2FA247B8}" srcId="{A647AF76-3372-4282-A7FB-D94F3661BD24}" destId="{E6A22546-FE8F-41B2-817D-225B83B7FFC6}" srcOrd="5" destOrd="0" parTransId="{9B806525-37EC-4A6B-AD2F-4F2D045724FA}" sibTransId="{239A051C-2127-43AE-8166-B8D871D66546}"/>
     <dgm:cxn modelId="{334BDED4-0E4E-4372-9792-C1C02FD97435}" srcId="{BA0B0533-E7A3-44A2-A68F-2E1BB8E85879}" destId="{A647AF76-3372-4282-A7FB-D94F3661BD24}" srcOrd="1" destOrd="0" parTransId="{BEBC477A-72AA-4484-B083-11E51DB3A901}" sibTransId="{053D819F-0F85-4630-8F5B-F82FDB269CAE}"/>
     <dgm:cxn modelId="{4DF24B6A-35FE-4C28-9A1D-F36AB2FC51CB}" type="presOf" srcId="{10B790B8-52AD-43EB-92DC-32B5250316DE}" destId="{DD3F6823-9F5A-44CB-9ABF-726F35A9CC7B}" srcOrd="0" destOrd="0" presId="urn:microsoft.com/office/officeart/2005/8/layout/bList2"/>
     <dgm:cxn modelId="{87C2FD1F-87AC-4C2E-B222-79C20D5AED99}" srcId="{D3CD6361-0534-47AE-A826-3DFAAC0F43F0}" destId="{04B0D5E7-825E-48ED-994B-58C296487BB1}" srcOrd="4" destOrd="0" parTransId="{3C43DBA3-04D5-4438-827A-FF8AB62904E7}" sibTransId="{5B5B22A2-8560-4D68-B0C1-98902B5B5E46}"/>
@@ -5255,6 +5280,13 @@
         </dgm:presLayoutVars>
       </dgm:prSet>
       <dgm:spPr/>
+      <dgm:t>
+        <a:bodyPr/>
+        <a:lstStyle/>
+        <a:p>
+          <a:endParaRPr lang="en-US"/>
+        </a:p>
+      </dgm:t>
     </dgm:pt>
     <dgm:pt modelId="{AE3140F3-D011-4B79-A18F-96FC831AF3DD}" type="pres">
       <dgm:prSet presAssocID="{38FDB9F1-E202-4C33-AB1A-18EF144197AE}" presName="root" presStyleCnt="0"/>
@@ -5267,10 +5299,24 @@
     <dgm:pt modelId="{768F005E-A484-4309-8F14-86445FAF87DD}" type="pres">
       <dgm:prSet presAssocID="{38FDB9F1-E202-4C33-AB1A-18EF144197AE}" presName="rootText" presStyleLbl="node1" presStyleIdx="0" presStyleCnt="3"/>
       <dgm:spPr/>
+      <dgm:t>
+        <a:bodyPr/>
+        <a:lstStyle/>
+        <a:p>
+          <a:endParaRPr lang="en-US"/>
+        </a:p>
+      </dgm:t>
     </dgm:pt>
     <dgm:pt modelId="{A1B6EB25-389A-49C2-BA2F-1BCE6C4DB98D}" type="pres">
       <dgm:prSet presAssocID="{38FDB9F1-E202-4C33-AB1A-18EF144197AE}" presName="rootConnector" presStyleLbl="node1" presStyleIdx="0" presStyleCnt="3"/>
       <dgm:spPr/>
+      <dgm:t>
+        <a:bodyPr/>
+        <a:lstStyle/>
+        <a:p>
+          <a:endParaRPr lang="en-US"/>
+        </a:p>
+      </dgm:t>
     </dgm:pt>
     <dgm:pt modelId="{709A398B-DE4C-4C6E-B7B7-72E114C0A8B6}" type="pres">
       <dgm:prSet presAssocID="{38FDB9F1-E202-4C33-AB1A-18EF144197AE}" presName="childShape" presStyleCnt="0"/>
@@ -5279,6 +5325,13 @@
     <dgm:pt modelId="{59F92D86-7EB4-4DA3-8F8D-FA11DAD86209}" type="pres">
       <dgm:prSet presAssocID="{4380517D-BE21-4B1A-BA9C-B264D6488C41}" presName="Name13" presStyleLbl="parChTrans1D2" presStyleIdx="0" presStyleCnt="3"/>
       <dgm:spPr/>
+      <dgm:t>
+        <a:bodyPr/>
+        <a:lstStyle/>
+        <a:p>
+          <a:endParaRPr lang="en-US"/>
+        </a:p>
+      </dgm:t>
     </dgm:pt>
     <dgm:pt modelId="{AE845357-41FB-45FC-BB51-CD77F8426DF4}" type="pres">
       <dgm:prSet presAssocID="{B6CC46EB-8752-4720-A532-2C506B14AF4A}" presName="childText" presStyleLbl="bgAcc1" presStyleIdx="0" presStyleCnt="3">
@@ -5287,6 +5340,13 @@
         </dgm:presLayoutVars>
       </dgm:prSet>
       <dgm:spPr/>
+      <dgm:t>
+        <a:bodyPr/>
+        <a:lstStyle/>
+        <a:p>
+          <a:endParaRPr lang="en-US"/>
+        </a:p>
+      </dgm:t>
     </dgm:pt>
     <dgm:pt modelId="{6E9B1E6F-BA8F-4023-AAE4-78E76B88F95F}" type="pres">
       <dgm:prSet presAssocID="{3F61756A-FFE2-4736-8F2D-882BD5552AA8}" presName="root" presStyleCnt="0"/>
@@ -5299,10 +5359,24 @@
     <dgm:pt modelId="{4061B5B9-17C4-4D4A-9823-68D18C8355D2}" type="pres">
       <dgm:prSet presAssocID="{3F61756A-FFE2-4736-8F2D-882BD5552AA8}" presName="rootText" presStyleLbl="node1" presStyleIdx="1" presStyleCnt="3"/>
       <dgm:spPr/>
+      <dgm:t>
+        <a:bodyPr/>
+        <a:lstStyle/>
+        <a:p>
+          <a:endParaRPr lang="en-US"/>
+        </a:p>
+      </dgm:t>
     </dgm:pt>
     <dgm:pt modelId="{67A9576A-2067-44AB-AF89-E5F155DC42BE}" type="pres">
       <dgm:prSet presAssocID="{3F61756A-FFE2-4736-8F2D-882BD5552AA8}" presName="rootConnector" presStyleLbl="node1" presStyleIdx="1" presStyleCnt="3"/>
       <dgm:spPr/>
+      <dgm:t>
+        <a:bodyPr/>
+        <a:lstStyle/>
+        <a:p>
+          <a:endParaRPr lang="en-US"/>
+        </a:p>
+      </dgm:t>
     </dgm:pt>
     <dgm:pt modelId="{1FC3B049-62EA-4A5B-A6DB-BB1C5820DDFA}" type="pres">
       <dgm:prSet presAssocID="{3F61756A-FFE2-4736-8F2D-882BD5552AA8}" presName="childShape" presStyleCnt="0"/>
@@ -5311,6 +5385,13 @@
     <dgm:pt modelId="{64C6F06D-75A8-412A-8DD5-5A436B420339}" type="pres">
       <dgm:prSet presAssocID="{F6F22387-4B49-4A26-A161-4ACA904D9707}" presName="Name13" presStyleLbl="parChTrans1D2" presStyleIdx="1" presStyleCnt="3"/>
       <dgm:spPr/>
+      <dgm:t>
+        <a:bodyPr/>
+        <a:lstStyle/>
+        <a:p>
+          <a:endParaRPr lang="en-US"/>
+        </a:p>
+      </dgm:t>
     </dgm:pt>
     <dgm:pt modelId="{7AD682C4-D691-480B-B251-95985202C79F}" type="pres">
       <dgm:prSet presAssocID="{A5770817-7B6E-41FC-8EC8-FC57ED4F78C2}" presName="childText" presStyleLbl="bgAcc1" presStyleIdx="1" presStyleCnt="3">
@@ -5319,6 +5400,13 @@
         </dgm:presLayoutVars>
       </dgm:prSet>
       <dgm:spPr/>
+      <dgm:t>
+        <a:bodyPr/>
+        <a:lstStyle/>
+        <a:p>
+          <a:endParaRPr lang="en-US"/>
+        </a:p>
+      </dgm:t>
     </dgm:pt>
     <dgm:pt modelId="{18538623-AF39-44C8-8936-E9B09B9D47C7}" type="pres">
       <dgm:prSet presAssocID="{723E0E71-C2E9-450E-B9D5-9A9F177859A2}" presName="root" presStyleCnt="0"/>
@@ -5331,10 +5419,24 @@
     <dgm:pt modelId="{6B893459-FD32-44E5-B068-09AE2EFEA057}" type="pres">
       <dgm:prSet presAssocID="{723E0E71-C2E9-450E-B9D5-9A9F177859A2}" presName="rootText" presStyleLbl="node1" presStyleIdx="2" presStyleCnt="3"/>
       <dgm:spPr/>
+      <dgm:t>
+        <a:bodyPr/>
+        <a:lstStyle/>
+        <a:p>
+          <a:endParaRPr lang="en-US"/>
+        </a:p>
+      </dgm:t>
     </dgm:pt>
     <dgm:pt modelId="{8EDBB0EB-7C12-459A-978A-AFCC46C3EDB0}" type="pres">
       <dgm:prSet presAssocID="{723E0E71-C2E9-450E-B9D5-9A9F177859A2}" presName="rootConnector" presStyleLbl="node1" presStyleIdx="2" presStyleCnt="3"/>
       <dgm:spPr/>
+      <dgm:t>
+        <a:bodyPr/>
+        <a:lstStyle/>
+        <a:p>
+          <a:endParaRPr lang="en-US"/>
+        </a:p>
+      </dgm:t>
     </dgm:pt>
     <dgm:pt modelId="{EABA646A-54E2-420B-AF6E-31A79DD3797B}" type="pres">
       <dgm:prSet presAssocID="{723E0E71-C2E9-450E-B9D5-9A9F177859A2}" presName="childShape" presStyleCnt="0"/>
@@ -5343,6 +5445,13 @@
     <dgm:pt modelId="{D309E9B5-F4E0-4763-94F9-8AE08AF244C6}" type="pres">
       <dgm:prSet presAssocID="{AF0C6532-1EF5-4DC0-9401-7A7F8E950A6A}" presName="Name13" presStyleLbl="parChTrans1D2" presStyleIdx="2" presStyleCnt="3"/>
       <dgm:spPr/>
+      <dgm:t>
+        <a:bodyPr/>
+        <a:lstStyle/>
+        <a:p>
+          <a:endParaRPr lang="en-US"/>
+        </a:p>
+      </dgm:t>
     </dgm:pt>
     <dgm:pt modelId="{041506C0-697F-485C-BE27-E9A388660F88}" type="pres">
       <dgm:prSet presAssocID="{BFB06111-A6C6-4067-9DF0-56E2DB1125D5}" presName="childText" presStyleLbl="bgAcc1" presStyleIdx="2" presStyleCnt="3">
@@ -5351,6 +5460,13 @@
         </dgm:presLayoutVars>
       </dgm:prSet>
       <dgm:spPr/>
+      <dgm:t>
+        <a:bodyPr/>
+        <a:lstStyle/>
+        <a:p>
+          <a:endParaRPr lang="en-US"/>
+        </a:p>
+      </dgm:t>
     </dgm:pt>
   </dgm:ptLst>
   <dgm:cxnLst>
@@ -5399,7 +5515,7 @@
   <dgm:whole/>
   <dgm:extLst>
     <a:ext uri="http://schemas.microsoft.com/office/drawing/2008/diagram">
-      <dsp:dataModelExt xmlns:dsp="http://schemas.microsoft.com/office/drawing/2008/diagram" xmlns="" relId="rId6" minVer="http://schemas.openxmlformats.org/drawingml/2006/diagram"/>
+      <dsp:dataModelExt xmlns:dsp="http://schemas.microsoft.com/office/drawing/2008/diagram" xmlns="" relId="rId7" minVer="http://schemas.openxmlformats.org/drawingml/2006/diagram"/>
     </a:ext>
   </dgm:extLst>
 </dgm:dataModel>
@@ -5912,11 +6028,7 @@
           </a:pPr>
           <a:r>
             <a:rPr lang="en-US" sz="2100" kern="1200" dirty="0" smtClean="0"/>
-            <a:t>Device acts as a </a:t>
-          </a:r>
-          <a:r>
-            <a:rPr lang="en-US" sz="2100" kern="1200" dirty="0" smtClean="0"/>
-            <a:t>passive tag</a:t>
+            <a:t>Device acts as a passive tag</a:t>
           </a:r>
           <a:endParaRPr lang="en-US" sz="2100" kern="1200" dirty="0"/>
         </a:p>
@@ -12988,7 +13100,8 @@
           <a:p>
             <a:fld id="{8AE786AB-24B3-4FB8-BF92-1B117D0FE415}" type="datetimeFigureOut">
               <a:rPr lang="en-US" smtClean="0"/>
-              <a:t>3/29/2014</a:t>
+              <a:pPr/>
+              <a:t>4/1/2014</a:t>
             </a:fld>
             <a:endParaRPr lang="en-US"/>
           </a:p>
@@ -13149,6 +13262,7 @@
           <a:p>
             <a:fld id="{394D8DB5-5FC1-4510-BABE-87359DBFAF17}" type="slidenum">
               <a:rPr lang="en-US" smtClean="0"/>
+              <a:pPr/>
               <a:t>‹#›</a:t>
             </a:fld>
             <a:endParaRPr lang="en-US"/>
@@ -13299,6 +13413,498 @@
           </a:bodyPr>
           <a:lstStyle/>
           <a:p>
+            <a:endParaRPr lang="en-US"/>
+          </a:p>
+        </p:txBody>
+      </p:sp>
+      <p:sp>
+        <p:nvSpPr>
+          <p:cNvPr id="4" name="Slide Number Placeholder 3"/>
+          <p:cNvSpPr>
+            <a:spLocks noGrp="1"/>
+          </p:cNvSpPr>
+          <p:nvPr>
+            <p:ph type="sldNum" sz="quarter" idx="10"/>
+          </p:nvPr>
+        </p:nvSpPr>
+        <p:spPr/>
+        <p:txBody>
+          <a:bodyPr/>
+          <a:lstStyle/>
+          <a:p>
+            <a:fld id="{394D8DB5-5FC1-4510-BABE-87359DBFAF17}" type="slidenum">
+              <a:rPr lang="en-US" smtClean="0"/>
+              <a:pPr/>
+              <a:t>1</a:t>
+            </a:fld>
+            <a:endParaRPr lang="en-US"/>
+          </a:p>
+        </p:txBody>
+      </p:sp>
+    </p:spTree>
+  </p:cSld>
+  <p:clrMapOvr>
+    <a:masterClrMapping/>
+  </p:clrMapOvr>
+</p:notes>
+</file>
+
+<file path=ppt/notesSlides/notesSlide10.xml><?xml version="1.0" encoding="utf-8"?>
+<p:notes xmlns:a="http://schemas.openxmlformats.org/drawingml/2006/main" xmlns:r="http://schemas.openxmlformats.org/officeDocument/2006/relationships" xmlns:p="http://schemas.openxmlformats.org/presentationml/2006/main">
+  <p:cSld>
+    <p:spTree>
+      <p:nvGrpSpPr>
+        <p:cNvPr id="1" name=""/>
+        <p:cNvGrpSpPr/>
+        <p:nvPr/>
+      </p:nvGrpSpPr>
+      <p:grpSpPr>
+        <a:xfrm>
+          <a:off x="0" y="0"/>
+          <a:ext cx="0" cy="0"/>
+          <a:chOff x="0" y="0"/>
+          <a:chExt cx="0" cy="0"/>
+        </a:xfrm>
+      </p:grpSpPr>
+      <p:sp>
+        <p:nvSpPr>
+          <p:cNvPr id="2" name="Slide Image Placeholder 1"/>
+          <p:cNvSpPr>
+            <a:spLocks noGrp="1" noRot="1" noChangeAspect="1"/>
+          </p:cNvSpPr>
+          <p:nvPr>
+            <p:ph type="sldImg"/>
+          </p:nvPr>
+        </p:nvSpPr>
+        <p:spPr/>
+      </p:sp>
+      <p:sp>
+        <p:nvSpPr>
+          <p:cNvPr id="3" name="Notes Placeholder 2"/>
+          <p:cNvSpPr>
+            <a:spLocks noGrp="1"/>
+          </p:cNvSpPr>
+          <p:nvPr>
+            <p:ph type="body" idx="1"/>
+          </p:nvPr>
+        </p:nvSpPr>
+        <p:spPr/>
+        <p:txBody>
+          <a:bodyPr>
+            <a:normAutofit/>
+          </a:bodyPr>
+          <a:lstStyle/>
+          <a:p>
+            <a:endParaRPr lang="en-US"/>
+          </a:p>
+        </p:txBody>
+      </p:sp>
+      <p:sp>
+        <p:nvSpPr>
+          <p:cNvPr id="4" name="Slide Number Placeholder 3"/>
+          <p:cNvSpPr>
+            <a:spLocks noGrp="1"/>
+          </p:cNvSpPr>
+          <p:nvPr>
+            <p:ph type="sldNum" sz="quarter" idx="10"/>
+          </p:nvPr>
+        </p:nvSpPr>
+        <p:spPr/>
+        <p:txBody>
+          <a:bodyPr/>
+          <a:lstStyle/>
+          <a:p>
+            <a:fld id="{394D8DB5-5FC1-4510-BABE-87359DBFAF17}" type="slidenum">
+              <a:rPr lang="en-US" smtClean="0"/>
+              <a:pPr/>
+              <a:t>10</a:t>
+            </a:fld>
+            <a:endParaRPr lang="en-US"/>
+          </a:p>
+        </p:txBody>
+      </p:sp>
+    </p:spTree>
+  </p:cSld>
+  <p:clrMapOvr>
+    <a:masterClrMapping/>
+  </p:clrMapOvr>
+</p:notes>
+</file>
+
+<file path=ppt/notesSlides/notesSlide11.xml><?xml version="1.0" encoding="utf-8"?>
+<p:notes xmlns:a="http://schemas.openxmlformats.org/drawingml/2006/main" xmlns:r="http://schemas.openxmlformats.org/officeDocument/2006/relationships" xmlns:p="http://schemas.openxmlformats.org/presentationml/2006/main">
+  <p:cSld>
+    <p:spTree>
+      <p:nvGrpSpPr>
+        <p:cNvPr id="1" name=""/>
+        <p:cNvGrpSpPr/>
+        <p:nvPr/>
+      </p:nvGrpSpPr>
+      <p:grpSpPr>
+        <a:xfrm>
+          <a:off x="0" y="0"/>
+          <a:ext cx="0" cy="0"/>
+          <a:chOff x="0" y="0"/>
+          <a:chExt cx="0" cy="0"/>
+        </a:xfrm>
+      </p:grpSpPr>
+      <p:sp>
+        <p:nvSpPr>
+          <p:cNvPr id="2" name="Slide Image Placeholder 1"/>
+          <p:cNvSpPr>
+            <a:spLocks noGrp="1" noRot="1" noChangeAspect="1"/>
+          </p:cNvSpPr>
+          <p:nvPr>
+            <p:ph type="sldImg"/>
+          </p:nvPr>
+        </p:nvSpPr>
+        <p:spPr/>
+      </p:sp>
+      <p:sp>
+        <p:nvSpPr>
+          <p:cNvPr id="3" name="Notes Placeholder 2"/>
+          <p:cNvSpPr>
+            <a:spLocks noGrp="1"/>
+          </p:cNvSpPr>
+          <p:nvPr>
+            <p:ph type="body" idx="1"/>
+          </p:nvPr>
+        </p:nvSpPr>
+        <p:spPr/>
+        <p:txBody>
+          <a:bodyPr>
+            <a:normAutofit/>
+          </a:bodyPr>
+          <a:lstStyle/>
+          <a:p>
+            <a:endParaRPr lang="en-US"/>
+          </a:p>
+        </p:txBody>
+      </p:sp>
+      <p:sp>
+        <p:nvSpPr>
+          <p:cNvPr id="4" name="Slide Number Placeholder 3"/>
+          <p:cNvSpPr>
+            <a:spLocks noGrp="1"/>
+          </p:cNvSpPr>
+          <p:nvPr>
+            <p:ph type="sldNum" sz="quarter" idx="10"/>
+          </p:nvPr>
+        </p:nvSpPr>
+        <p:spPr/>
+        <p:txBody>
+          <a:bodyPr/>
+          <a:lstStyle/>
+          <a:p>
+            <a:fld id="{394D8DB5-5FC1-4510-BABE-87359DBFAF17}" type="slidenum">
+              <a:rPr lang="en-US" smtClean="0"/>
+              <a:pPr/>
+              <a:t>11</a:t>
+            </a:fld>
+            <a:endParaRPr lang="en-US"/>
+          </a:p>
+        </p:txBody>
+      </p:sp>
+    </p:spTree>
+  </p:cSld>
+  <p:clrMapOvr>
+    <a:masterClrMapping/>
+  </p:clrMapOvr>
+</p:notes>
+</file>
+
+<file path=ppt/notesSlides/notesSlide12.xml><?xml version="1.0" encoding="utf-8"?>
+<p:notes xmlns:a="http://schemas.openxmlformats.org/drawingml/2006/main" xmlns:r="http://schemas.openxmlformats.org/officeDocument/2006/relationships" xmlns:p="http://schemas.openxmlformats.org/presentationml/2006/main">
+  <p:cSld>
+    <p:spTree>
+      <p:nvGrpSpPr>
+        <p:cNvPr id="1" name=""/>
+        <p:cNvGrpSpPr/>
+        <p:nvPr/>
+      </p:nvGrpSpPr>
+      <p:grpSpPr>
+        <a:xfrm>
+          <a:off x="0" y="0"/>
+          <a:ext cx="0" cy="0"/>
+          <a:chOff x="0" y="0"/>
+          <a:chExt cx="0" cy="0"/>
+        </a:xfrm>
+      </p:grpSpPr>
+      <p:sp>
+        <p:nvSpPr>
+          <p:cNvPr id="2" name="Slide Image Placeholder 1"/>
+          <p:cNvSpPr>
+            <a:spLocks noGrp="1" noRot="1" noChangeAspect="1"/>
+          </p:cNvSpPr>
+          <p:nvPr>
+            <p:ph type="sldImg"/>
+          </p:nvPr>
+        </p:nvSpPr>
+        <p:spPr/>
+      </p:sp>
+      <p:sp>
+        <p:nvSpPr>
+          <p:cNvPr id="3" name="Notes Placeholder 2"/>
+          <p:cNvSpPr>
+            <a:spLocks noGrp="1"/>
+          </p:cNvSpPr>
+          <p:nvPr>
+            <p:ph type="body" idx="1"/>
+          </p:nvPr>
+        </p:nvSpPr>
+        <p:spPr/>
+        <p:txBody>
+          <a:bodyPr>
+            <a:normAutofit/>
+          </a:bodyPr>
+          <a:lstStyle/>
+          <a:p>
+            <a:endParaRPr lang="en-US"/>
+          </a:p>
+        </p:txBody>
+      </p:sp>
+      <p:sp>
+        <p:nvSpPr>
+          <p:cNvPr id="4" name="Slide Number Placeholder 3"/>
+          <p:cNvSpPr>
+            <a:spLocks noGrp="1"/>
+          </p:cNvSpPr>
+          <p:nvPr>
+            <p:ph type="sldNum" sz="quarter" idx="10"/>
+          </p:nvPr>
+        </p:nvSpPr>
+        <p:spPr/>
+        <p:txBody>
+          <a:bodyPr/>
+          <a:lstStyle/>
+          <a:p>
+            <a:fld id="{394D8DB5-5FC1-4510-BABE-87359DBFAF17}" type="slidenum">
+              <a:rPr lang="en-US" smtClean="0"/>
+              <a:pPr/>
+              <a:t>12</a:t>
+            </a:fld>
+            <a:endParaRPr lang="en-US"/>
+          </a:p>
+        </p:txBody>
+      </p:sp>
+    </p:spTree>
+  </p:cSld>
+  <p:clrMapOvr>
+    <a:masterClrMapping/>
+  </p:clrMapOvr>
+</p:notes>
+</file>
+
+<file path=ppt/notesSlides/notesSlide2.xml><?xml version="1.0" encoding="utf-8"?>
+<p:notes xmlns:a="http://schemas.openxmlformats.org/drawingml/2006/main" xmlns:r="http://schemas.openxmlformats.org/officeDocument/2006/relationships" xmlns:p="http://schemas.openxmlformats.org/presentationml/2006/main">
+  <p:cSld>
+    <p:spTree>
+      <p:nvGrpSpPr>
+        <p:cNvPr id="1" name=""/>
+        <p:cNvGrpSpPr/>
+        <p:nvPr/>
+      </p:nvGrpSpPr>
+      <p:grpSpPr>
+        <a:xfrm>
+          <a:off x="0" y="0"/>
+          <a:ext cx="0" cy="0"/>
+          <a:chOff x="0" y="0"/>
+          <a:chExt cx="0" cy="0"/>
+        </a:xfrm>
+      </p:grpSpPr>
+      <p:sp>
+        <p:nvSpPr>
+          <p:cNvPr id="2" name="Slide Image Placeholder 1"/>
+          <p:cNvSpPr>
+            <a:spLocks noGrp="1" noRot="1" noChangeAspect="1"/>
+          </p:cNvSpPr>
+          <p:nvPr>
+            <p:ph type="sldImg"/>
+          </p:nvPr>
+        </p:nvSpPr>
+        <p:spPr/>
+      </p:sp>
+      <p:sp>
+        <p:nvSpPr>
+          <p:cNvPr id="3" name="Notes Placeholder 2"/>
+          <p:cNvSpPr>
+            <a:spLocks noGrp="1"/>
+          </p:cNvSpPr>
+          <p:nvPr>
+            <p:ph type="body" idx="1"/>
+          </p:nvPr>
+        </p:nvSpPr>
+        <p:spPr/>
+        <p:txBody>
+          <a:bodyPr>
+            <a:normAutofit/>
+          </a:bodyPr>
+          <a:lstStyle/>
+          <a:p>
+            <a:endParaRPr lang="en-US"/>
+          </a:p>
+        </p:txBody>
+      </p:sp>
+      <p:sp>
+        <p:nvSpPr>
+          <p:cNvPr id="4" name="Slide Number Placeholder 3"/>
+          <p:cNvSpPr>
+            <a:spLocks noGrp="1"/>
+          </p:cNvSpPr>
+          <p:nvPr>
+            <p:ph type="sldNum" sz="quarter" idx="10"/>
+          </p:nvPr>
+        </p:nvSpPr>
+        <p:spPr/>
+        <p:txBody>
+          <a:bodyPr/>
+          <a:lstStyle/>
+          <a:p>
+            <a:fld id="{394D8DB5-5FC1-4510-BABE-87359DBFAF17}" type="slidenum">
+              <a:rPr lang="en-US" smtClean="0"/>
+              <a:pPr/>
+              <a:t>2</a:t>
+            </a:fld>
+            <a:endParaRPr lang="en-US"/>
+          </a:p>
+        </p:txBody>
+      </p:sp>
+    </p:spTree>
+  </p:cSld>
+  <p:clrMapOvr>
+    <a:masterClrMapping/>
+  </p:clrMapOvr>
+</p:notes>
+</file>
+
+<file path=ppt/notesSlides/notesSlide3.xml><?xml version="1.0" encoding="utf-8"?>
+<p:notes xmlns:a="http://schemas.openxmlformats.org/drawingml/2006/main" xmlns:r="http://schemas.openxmlformats.org/officeDocument/2006/relationships" xmlns:p="http://schemas.openxmlformats.org/presentationml/2006/main">
+  <p:cSld>
+    <p:spTree>
+      <p:nvGrpSpPr>
+        <p:cNvPr id="1" name=""/>
+        <p:cNvGrpSpPr/>
+        <p:nvPr/>
+      </p:nvGrpSpPr>
+      <p:grpSpPr>
+        <a:xfrm>
+          <a:off x="0" y="0"/>
+          <a:ext cx="0" cy="0"/>
+          <a:chOff x="0" y="0"/>
+          <a:chExt cx="0" cy="0"/>
+        </a:xfrm>
+      </p:grpSpPr>
+      <p:sp>
+        <p:nvSpPr>
+          <p:cNvPr id="2" name="Slide Image Placeholder 1"/>
+          <p:cNvSpPr>
+            <a:spLocks noGrp="1" noRot="1" noChangeAspect="1"/>
+          </p:cNvSpPr>
+          <p:nvPr>
+            <p:ph type="sldImg"/>
+          </p:nvPr>
+        </p:nvSpPr>
+        <p:spPr/>
+      </p:sp>
+      <p:sp>
+        <p:nvSpPr>
+          <p:cNvPr id="3" name="Notes Placeholder 2"/>
+          <p:cNvSpPr>
+            <a:spLocks noGrp="1"/>
+          </p:cNvSpPr>
+          <p:nvPr>
+            <p:ph type="body" idx="1"/>
+          </p:nvPr>
+        </p:nvSpPr>
+        <p:spPr/>
+        <p:txBody>
+          <a:bodyPr>
+            <a:normAutofit/>
+          </a:bodyPr>
+          <a:lstStyle/>
+          <a:p>
+            <a:endParaRPr lang="en-US"/>
+          </a:p>
+        </p:txBody>
+      </p:sp>
+      <p:sp>
+        <p:nvSpPr>
+          <p:cNvPr id="4" name="Slide Number Placeholder 3"/>
+          <p:cNvSpPr>
+            <a:spLocks noGrp="1"/>
+          </p:cNvSpPr>
+          <p:nvPr>
+            <p:ph type="sldNum" sz="quarter" idx="10"/>
+          </p:nvPr>
+        </p:nvSpPr>
+        <p:spPr/>
+        <p:txBody>
+          <a:bodyPr/>
+          <a:lstStyle/>
+          <a:p>
+            <a:fld id="{394D8DB5-5FC1-4510-BABE-87359DBFAF17}" type="slidenum">
+              <a:rPr lang="en-US" smtClean="0"/>
+              <a:pPr/>
+              <a:t>3</a:t>
+            </a:fld>
+            <a:endParaRPr lang="en-US"/>
+          </a:p>
+        </p:txBody>
+      </p:sp>
+    </p:spTree>
+  </p:cSld>
+  <p:clrMapOvr>
+    <a:masterClrMapping/>
+  </p:clrMapOvr>
+</p:notes>
+</file>
+
+<file path=ppt/notesSlides/notesSlide4.xml><?xml version="1.0" encoding="utf-8"?>
+<p:notes xmlns:a="http://schemas.openxmlformats.org/drawingml/2006/main" xmlns:r="http://schemas.openxmlformats.org/officeDocument/2006/relationships" xmlns:p="http://schemas.openxmlformats.org/presentationml/2006/main">
+  <p:cSld>
+    <p:spTree>
+      <p:nvGrpSpPr>
+        <p:cNvPr id="1" name=""/>
+        <p:cNvGrpSpPr/>
+        <p:nvPr/>
+      </p:nvGrpSpPr>
+      <p:grpSpPr>
+        <a:xfrm>
+          <a:off x="0" y="0"/>
+          <a:ext cx="0" cy="0"/>
+          <a:chOff x="0" y="0"/>
+          <a:chExt cx="0" cy="0"/>
+        </a:xfrm>
+      </p:grpSpPr>
+      <p:sp>
+        <p:nvSpPr>
+          <p:cNvPr id="2" name="Slide Image Placeholder 1"/>
+          <p:cNvSpPr>
+            <a:spLocks noGrp="1" noRot="1" noChangeAspect="1"/>
+          </p:cNvSpPr>
+          <p:nvPr>
+            <p:ph type="sldImg"/>
+          </p:nvPr>
+        </p:nvSpPr>
+        <p:spPr/>
+      </p:sp>
+      <p:sp>
+        <p:nvSpPr>
+          <p:cNvPr id="3" name="Notes Placeholder 2"/>
+          <p:cNvSpPr>
+            <a:spLocks noGrp="1"/>
+          </p:cNvSpPr>
+          <p:nvPr>
+            <p:ph type="body" idx="1"/>
+          </p:nvPr>
+        </p:nvSpPr>
+        <p:spPr/>
+        <p:txBody>
+          <a:bodyPr>
+            <a:normAutofit/>
+          </a:bodyPr>
+          <a:lstStyle/>
+          <a:p>
             <a:pPr marL="0" marR="0" indent="0" algn="l" defTabSz="914400" rtl="0" eaLnBrk="1" fontAlgn="auto" latinLnBrk="0" hangingPunct="1">
               <a:lnSpc>
                 <a:spcPct val="100000"/>
@@ -13402,6 +14008,7 @@
           <a:p>
             <a:fld id="{394D8DB5-5FC1-4510-BABE-87359DBFAF17}" type="slidenum">
               <a:rPr lang="en-US" smtClean="0"/>
+              <a:pPr/>
               <a:t>4</a:t>
             </a:fld>
             <a:endParaRPr lang="en-US"/>
@@ -13416,7 +14023,7 @@
 </p:notes>
 </file>
 
-<file path=ppt/notesSlides/notesSlide2.xml><?xml version="1.0" encoding="utf-8"?>
+<file path=ppt/notesSlides/notesSlide5.xml><?xml version="1.0" encoding="utf-8"?>
 <p:notes xmlns:a="http://schemas.openxmlformats.org/drawingml/2006/main" xmlns:r="http://schemas.openxmlformats.org/officeDocument/2006/relationships" xmlns:p="http://schemas.openxmlformats.org/presentationml/2006/main">
   <p:cSld>
     <p:spTree>
@@ -13775,6 +14382,7 @@
           <a:p>
             <a:fld id="{394D8DB5-5FC1-4510-BABE-87359DBFAF17}" type="slidenum">
               <a:rPr lang="en-US" smtClean="0"/>
+              <a:pPr/>
               <a:t>5</a:t>
             </a:fld>
             <a:endParaRPr lang="en-US"/>
@@ -13789,7 +14397,7 @@
 </p:notes>
 </file>
 
-<file path=ppt/notesSlides/notesSlide3.xml><?xml version="1.0" encoding="utf-8"?>
+<file path=ppt/notesSlides/notesSlide6.xml><?xml version="1.0" encoding="utf-8"?>
 <p:notes xmlns:a="http://schemas.openxmlformats.org/drawingml/2006/main" xmlns:r="http://schemas.openxmlformats.org/officeDocument/2006/relationships" xmlns:p="http://schemas.openxmlformats.org/presentationml/2006/main">
   <p:cSld>
     <p:spTree>
@@ -13835,7 +14443,7 @@
           </a:bodyPr>
           <a:lstStyle/>
           <a:p>
-            <a:endParaRPr lang="en-US" dirty="0"/>
+            <a:endParaRPr lang="en-US"/>
           </a:p>
         </p:txBody>
       </p:sp>
@@ -13856,7 +14464,8 @@
           <a:p>
             <a:fld id="{394D8DB5-5FC1-4510-BABE-87359DBFAF17}" type="slidenum">
               <a:rPr lang="en-US" smtClean="0"/>
-              <a:t>7</a:t>
+              <a:pPr/>
+              <a:t>6</a:t>
             </a:fld>
             <a:endParaRPr lang="en-US"/>
           </a:p>
@@ -13870,7 +14479,7 @@
 </p:notes>
 </file>
 
-<file path=ppt/notesSlides/notesSlide4.xml><?xml version="1.0" encoding="utf-8"?>
+<file path=ppt/notesSlides/notesSlide7.xml><?xml version="1.0" encoding="utf-8"?>
 <p:notes xmlns:a="http://schemas.openxmlformats.org/drawingml/2006/main" xmlns:r="http://schemas.openxmlformats.org/officeDocument/2006/relationships" xmlns:p="http://schemas.openxmlformats.org/presentationml/2006/main">
   <p:cSld>
     <p:spTree>
@@ -13916,7 +14525,7 @@
           </a:bodyPr>
           <a:lstStyle/>
           <a:p>
-            <a:endParaRPr lang="en-US" dirty="0"/>
+            <a:endParaRPr lang="en-US"/>
           </a:p>
         </p:txBody>
       </p:sp>
@@ -13937,7 +14546,172 @@
           <a:p>
             <a:fld id="{394D8DB5-5FC1-4510-BABE-87359DBFAF17}" type="slidenum">
               <a:rPr lang="en-US" smtClean="0"/>
+              <a:pPr/>
+              <a:t>7</a:t>
+            </a:fld>
+            <a:endParaRPr lang="en-US"/>
+          </a:p>
+        </p:txBody>
+      </p:sp>
+    </p:spTree>
+  </p:cSld>
+  <p:clrMapOvr>
+    <a:masterClrMapping/>
+  </p:clrMapOvr>
+</p:notes>
+</file>
+
+<file path=ppt/notesSlides/notesSlide8.xml><?xml version="1.0" encoding="utf-8"?>
+<p:notes xmlns:a="http://schemas.openxmlformats.org/drawingml/2006/main" xmlns:r="http://schemas.openxmlformats.org/officeDocument/2006/relationships" xmlns:p="http://schemas.openxmlformats.org/presentationml/2006/main">
+  <p:cSld>
+    <p:spTree>
+      <p:nvGrpSpPr>
+        <p:cNvPr id="1" name=""/>
+        <p:cNvGrpSpPr/>
+        <p:nvPr/>
+      </p:nvGrpSpPr>
+      <p:grpSpPr>
+        <a:xfrm>
+          <a:off x="0" y="0"/>
+          <a:ext cx="0" cy="0"/>
+          <a:chOff x="0" y="0"/>
+          <a:chExt cx="0" cy="0"/>
+        </a:xfrm>
+      </p:grpSpPr>
+      <p:sp>
+        <p:nvSpPr>
+          <p:cNvPr id="2" name="Slide Image Placeholder 1"/>
+          <p:cNvSpPr>
+            <a:spLocks noGrp="1" noRot="1" noChangeAspect="1"/>
+          </p:cNvSpPr>
+          <p:nvPr>
+            <p:ph type="sldImg"/>
+          </p:nvPr>
+        </p:nvSpPr>
+        <p:spPr/>
+      </p:sp>
+      <p:sp>
+        <p:nvSpPr>
+          <p:cNvPr id="3" name="Notes Placeholder 2"/>
+          <p:cNvSpPr>
+            <a:spLocks noGrp="1"/>
+          </p:cNvSpPr>
+          <p:nvPr>
+            <p:ph type="body" idx="1"/>
+          </p:nvPr>
+        </p:nvSpPr>
+        <p:spPr/>
+        <p:txBody>
+          <a:bodyPr>
+            <a:normAutofit/>
+          </a:bodyPr>
+          <a:lstStyle/>
+          <a:p>
+            <a:endParaRPr lang="en-US" dirty="0"/>
+          </a:p>
+        </p:txBody>
+      </p:sp>
+      <p:sp>
+        <p:nvSpPr>
+          <p:cNvPr id="4" name="Slide Number Placeholder 3"/>
+          <p:cNvSpPr>
+            <a:spLocks noGrp="1"/>
+          </p:cNvSpPr>
+          <p:nvPr>
+            <p:ph type="sldNum" sz="quarter" idx="10"/>
+          </p:nvPr>
+        </p:nvSpPr>
+        <p:spPr/>
+        <p:txBody>
+          <a:bodyPr/>
+          <a:lstStyle/>
+          <a:p>
+            <a:fld id="{394D8DB5-5FC1-4510-BABE-87359DBFAF17}" type="slidenum">
+              <a:rPr lang="en-US" smtClean="0"/>
+              <a:pPr/>
               <a:t>8</a:t>
+            </a:fld>
+            <a:endParaRPr lang="en-US"/>
+          </a:p>
+        </p:txBody>
+      </p:sp>
+    </p:spTree>
+  </p:cSld>
+  <p:clrMapOvr>
+    <a:masterClrMapping/>
+  </p:clrMapOvr>
+</p:notes>
+</file>
+
+<file path=ppt/notesSlides/notesSlide9.xml><?xml version="1.0" encoding="utf-8"?>
+<p:notes xmlns:a="http://schemas.openxmlformats.org/drawingml/2006/main" xmlns:r="http://schemas.openxmlformats.org/officeDocument/2006/relationships" xmlns:p="http://schemas.openxmlformats.org/presentationml/2006/main">
+  <p:cSld>
+    <p:spTree>
+      <p:nvGrpSpPr>
+        <p:cNvPr id="1" name=""/>
+        <p:cNvGrpSpPr/>
+        <p:nvPr/>
+      </p:nvGrpSpPr>
+      <p:grpSpPr>
+        <a:xfrm>
+          <a:off x="0" y="0"/>
+          <a:ext cx="0" cy="0"/>
+          <a:chOff x="0" y="0"/>
+          <a:chExt cx="0" cy="0"/>
+        </a:xfrm>
+      </p:grpSpPr>
+      <p:sp>
+        <p:nvSpPr>
+          <p:cNvPr id="2" name="Slide Image Placeholder 1"/>
+          <p:cNvSpPr>
+            <a:spLocks noGrp="1" noRot="1" noChangeAspect="1"/>
+          </p:cNvSpPr>
+          <p:nvPr>
+            <p:ph type="sldImg"/>
+          </p:nvPr>
+        </p:nvSpPr>
+        <p:spPr/>
+      </p:sp>
+      <p:sp>
+        <p:nvSpPr>
+          <p:cNvPr id="3" name="Notes Placeholder 2"/>
+          <p:cNvSpPr>
+            <a:spLocks noGrp="1"/>
+          </p:cNvSpPr>
+          <p:nvPr>
+            <p:ph type="body" idx="1"/>
+          </p:nvPr>
+        </p:nvSpPr>
+        <p:spPr/>
+        <p:txBody>
+          <a:bodyPr>
+            <a:normAutofit/>
+          </a:bodyPr>
+          <a:lstStyle/>
+          <a:p>
+            <a:endParaRPr lang="en-US" dirty="0"/>
+          </a:p>
+        </p:txBody>
+      </p:sp>
+      <p:sp>
+        <p:nvSpPr>
+          <p:cNvPr id="4" name="Slide Number Placeholder 3"/>
+          <p:cNvSpPr>
+            <a:spLocks noGrp="1"/>
+          </p:cNvSpPr>
+          <p:nvPr>
+            <p:ph type="sldNum" sz="quarter" idx="10"/>
+          </p:nvPr>
+        </p:nvSpPr>
+        <p:spPr/>
+        <p:txBody>
+          <a:bodyPr/>
+          <a:lstStyle/>
+          <a:p>
+            <a:fld id="{394D8DB5-5FC1-4510-BABE-87359DBFAF17}" type="slidenum">
+              <a:rPr lang="en-US" smtClean="0"/>
+              <a:pPr/>
+              <a:t>9</a:t>
             </a:fld>
             <a:endParaRPr lang="en-US"/>
           </a:p>
@@ -14095,7 +14869,7 @@
             <a:fld id="{F390FA6F-46DA-449E-BCA1-C46472DB8D2B}" type="datetimeFigureOut">
               <a:rPr lang="en-US" smtClean="0"/>
               <a:pPr/>
-              <a:t>3/29/2014</a:t>
+              <a:t>4/1/2014</a:t>
             </a:fld>
             <a:endParaRPr lang="en-US"/>
           </a:p>
@@ -14456,7 +15230,7 @@
             <a:fld id="{F390FA6F-46DA-449E-BCA1-C46472DB8D2B}" type="datetimeFigureOut">
               <a:rPr lang="en-US" smtClean="0"/>
               <a:pPr/>
-              <a:t>3/29/2014</a:t>
+              <a:t>4/1/2014</a:t>
             </a:fld>
             <a:endParaRPr lang="en-US"/>
           </a:p>
@@ -14633,7 +15407,7 @@
             <a:fld id="{F390FA6F-46DA-449E-BCA1-C46472DB8D2B}" type="datetimeFigureOut">
               <a:rPr lang="en-US" smtClean="0"/>
               <a:pPr/>
-              <a:t>3/29/2014</a:t>
+              <a:t>4/1/2014</a:t>
             </a:fld>
             <a:endParaRPr lang="en-US"/>
           </a:p>
@@ -14870,7 +15644,7 @@
             <a:fld id="{F390FA6F-46DA-449E-BCA1-C46472DB8D2B}" type="datetimeFigureOut">
               <a:rPr lang="en-US" smtClean="0"/>
               <a:pPr/>
-              <a:t>3/29/2014</a:t>
+              <a:t>4/1/2014</a:t>
             </a:fld>
             <a:endParaRPr lang="en-US"/>
           </a:p>
@@ -15141,7 +15915,7 @@
             <a:fld id="{F390FA6F-46DA-449E-BCA1-C46472DB8D2B}" type="datetimeFigureOut">
               <a:rPr lang="en-US" smtClean="0"/>
               <a:pPr/>
-              <a:t>3/29/2014</a:t>
+              <a:t>4/1/2014</a:t>
             </a:fld>
             <a:endParaRPr lang="en-US"/>
           </a:p>
@@ -15363,7 +16137,7 @@
             <a:fld id="{F390FA6F-46DA-449E-BCA1-C46472DB8D2B}" type="datetimeFigureOut">
               <a:rPr lang="en-US" smtClean="0"/>
               <a:pPr/>
-              <a:t>3/29/2014</a:t>
+              <a:t>4/1/2014</a:t>
             </a:fld>
             <a:endParaRPr lang="en-US"/>
           </a:p>
@@ -15717,7 +16491,7 @@
             <a:fld id="{F390FA6F-46DA-449E-BCA1-C46472DB8D2B}" type="datetimeFigureOut">
               <a:rPr lang="en-US" smtClean="0"/>
               <a:pPr/>
-              <a:t>3/29/2014</a:t>
+              <a:t>4/1/2014</a:t>
             </a:fld>
             <a:endParaRPr lang="en-US"/>
           </a:p>
@@ -15951,7 +16725,7 @@
             <a:fld id="{F390FA6F-46DA-449E-BCA1-C46472DB8D2B}" type="datetimeFigureOut">
               <a:rPr lang="en-US" smtClean="0"/>
               <a:pPr/>
-              <a:t>3/29/2014</a:t>
+              <a:t>4/1/2014</a:t>
             </a:fld>
             <a:endParaRPr lang="en-US"/>
           </a:p>
@@ -16093,7 +16867,7 @@
             <a:fld id="{F390FA6F-46DA-449E-BCA1-C46472DB8D2B}" type="datetimeFigureOut">
               <a:rPr lang="en-US" smtClean="0"/>
               <a:pPr/>
-              <a:t>3/29/2014</a:t>
+              <a:t>4/1/2014</a:t>
             </a:fld>
             <a:endParaRPr lang="en-US"/>
           </a:p>
@@ -16372,7 +17146,7 @@
             <a:fld id="{F390FA6F-46DA-449E-BCA1-C46472DB8D2B}" type="datetimeFigureOut">
               <a:rPr lang="en-US" smtClean="0"/>
               <a:pPr/>
-              <a:t>3/29/2014</a:t>
+              <a:t>4/1/2014</a:t>
             </a:fld>
             <a:endParaRPr lang="en-US"/>
           </a:p>
@@ -16781,7 +17555,7 @@
             <a:fld id="{F390FA6F-46DA-449E-BCA1-C46472DB8D2B}" type="datetimeFigureOut">
               <a:rPr lang="en-US" smtClean="0"/>
               <a:pPr/>
-              <a:t>3/29/2014</a:t>
+              <a:t>4/1/2014</a:t>
             </a:fld>
             <a:endParaRPr lang="en-US"/>
           </a:p>
@@ -17121,7 +17895,7 @@
             <a:fld id="{F390FA6F-46DA-449E-BCA1-C46472DB8D2B}" type="datetimeFigureOut">
               <a:rPr lang="en-US" smtClean="0"/>
               <a:pPr/>
-              <a:t>3/29/2014</a:t>
+              <a:t>4/1/2014</a:t>
             </a:fld>
             <a:endParaRPr lang="en-US"/>
           </a:p>
@@ -17744,35 +18518,32 @@
           <a:p>
             <a:r>
               <a:rPr lang="en-US" dirty="0" smtClean="0"/>
-              <a:t>Questions?</a:t>
+              <a:t>NFC Security: Concerns (Brandi)</a:t>
             </a:r>
             <a:endParaRPr lang="en-US" dirty="0"/>
           </a:p>
         </p:txBody>
       </p:sp>
-      <p:pic>
-        <p:nvPicPr>
-          <p:cNvPr id="4" name="Content Placeholder 3" descr="question.jpg"/>
-          <p:cNvPicPr>
-            <a:picLocks noGrp="1" noChangeAspect="1"/>
-          </p:cNvPicPr>
+      <p:graphicFrame>
+        <p:nvGraphicFramePr>
+          <p:cNvPr id="4" name="Content Placeholder 3"/>
+          <p:cNvGraphicFramePr>
+            <a:graphicFrameLocks noGrp="1"/>
+          </p:cNvGraphicFramePr>
           <p:nvPr>
             <p:ph sz="quarter" idx="1"/>
           </p:nvPr>
-        </p:nvPicPr>
-        <p:blipFill>
-          <a:blip r:embed="rId2" cstate="print"/>
-          <a:stretch>
-            <a:fillRect/>
-          </a:stretch>
-        </p:blipFill>
-        <p:spPr>
-          <a:xfrm>
-            <a:off x="3109912" y="1401762"/>
-            <a:ext cx="2924175" cy="4572000"/>
-          </a:xfrm>
-        </p:spPr>
-      </p:pic>
+        </p:nvGraphicFramePr>
+        <p:xfrm>
+          <a:off x="457200" y="1219200"/>
+          <a:ext cx="8229600" cy="4937760"/>
+        </p:xfrm>
+        <a:graphic>
+          <a:graphicData uri="http://schemas.openxmlformats.org/drawingml/2006/diagram">
+            <dgm:relIds xmlns:dgm="http://schemas.openxmlformats.org/drawingml/2006/diagram" xmlns:r="http://schemas.openxmlformats.org/officeDocument/2006/relationships" r:dm="rId3" r:lo="rId4" r:qs="rId5" r:cs="rId6"/>
+          </a:graphicData>
+        </a:graphic>
+      </p:graphicFrame>
     </p:spTree>
   </p:cSld>
   <p:clrMapOvr>
@@ -17822,6 +18593,84 @@
           <a:p>
             <a:r>
               <a:rPr lang="en-US" dirty="0" smtClean="0"/>
+              <a:t>Questions?</a:t>
+            </a:r>
+            <a:endParaRPr lang="en-US" dirty="0"/>
+          </a:p>
+        </p:txBody>
+      </p:sp>
+      <p:pic>
+        <p:nvPicPr>
+          <p:cNvPr id="4" name="Content Placeholder 3" descr="question.jpg"/>
+          <p:cNvPicPr>
+            <a:picLocks noGrp="1" noChangeAspect="1"/>
+          </p:cNvPicPr>
+          <p:nvPr>
+            <p:ph sz="quarter" idx="1"/>
+          </p:nvPr>
+        </p:nvPicPr>
+        <p:blipFill>
+          <a:blip r:embed="rId3" cstate="print"/>
+          <a:stretch>
+            <a:fillRect/>
+          </a:stretch>
+        </p:blipFill>
+        <p:spPr>
+          <a:xfrm>
+            <a:off x="3109912" y="1401762"/>
+            <a:ext cx="2924175" cy="4572000"/>
+          </a:xfrm>
+        </p:spPr>
+      </p:pic>
+    </p:spTree>
+  </p:cSld>
+  <p:clrMapOvr>
+    <a:masterClrMapping/>
+  </p:clrMapOvr>
+  <p:timing>
+    <p:tnLst>
+      <p:par>
+        <p:cTn id="1" dur="indefinite" restart="never" nodeType="tmRoot"/>
+      </p:par>
+    </p:tnLst>
+  </p:timing>
+</p:sld>
+</file>
+
+<file path=ppt/slides/slide12.xml><?xml version="1.0" encoding="utf-8"?>
+<p:sld xmlns:a="http://schemas.openxmlformats.org/drawingml/2006/main" xmlns:r="http://schemas.openxmlformats.org/officeDocument/2006/relationships" xmlns:p="http://schemas.openxmlformats.org/presentationml/2006/main">
+  <p:cSld>
+    <p:spTree>
+      <p:nvGrpSpPr>
+        <p:cNvPr id="1" name=""/>
+        <p:cNvGrpSpPr/>
+        <p:nvPr/>
+      </p:nvGrpSpPr>
+      <p:grpSpPr>
+        <a:xfrm>
+          <a:off x="0" y="0"/>
+          <a:ext cx="0" cy="0"/>
+          <a:chOff x="0" y="0"/>
+          <a:chExt cx="0" cy="0"/>
+        </a:xfrm>
+      </p:grpSpPr>
+      <p:sp>
+        <p:nvSpPr>
+          <p:cNvPr id="2" name="Title 1"/>
+          <p:cNvSpPr>
+            <a:spLocks noGrp="1"/>
+          </p:cNvSpPr>
+          <p:nvPr>
+            <p:ph type="title"/>
+          </p:nvPr>
+        </p:nvSpPr>
+        <p:spPr/>
+        <p:txBody>
+          <a:bodyPr/>
+          <a:lstStyle/>
+          <a:p>
+            <a:r>
+              <a:rPr lang="en-US" dirty="0" smtClean="0"/>
               <a:t>References</a:t>
             </a:r>
             <a:endParaRPr lang="en-US" dirty="0"/>
@@ -17841,21 +18690,13 @@
         <p:spPr/>
         <p:txBody>
           <a:bodyPr>
-            <a:normAutofit fontScale="77500" lnSpcReduction="20000"/>
+            <a:normAutofit fontScale="55000" lnSpcReduction="20000"/>
           </a:bodyPr>
           <a:lstStyle/>
           <a:p>
             <a:r>
               <a:rPr lang="en-US" dirty="0" smtClean="0"/>
-              <a:t>Murray, Kevin D. “The Great Seal Bug Story.” Murray Associates, May 4 2011. Web. 27 May 2013</a:t>
-            </a:r>
-            <a:r>
-              <a:rPr lang="en-US" dirty="0" smtClean="0"/>
-              <a:t>. &lt;http://</a:t>
-            </a:r>
-            <a:r>
-              <a:rPr lang="en-US" dirty="0" smtClean="0"/>
-              <a:t>www.spybusters.com/Great_Seal_Bug.html&gt;</a:t>
+              <a:t>Murray, Kevin D. “The Great Seal Bug Story.” Murray Associates, May 4 2011. Web. 27 May 2013. &lt;http://www.spybusters.com/Great_Seal_Bug.html&gt;</a:t>
             </a:r>
           </a:p>
           <a:p>
@@ -17869,41 +18710,13 @@
             </a:r>
             <a:r>
               <a:rPr lang="en-US" dirty="0" smtClean="0"/>
-              <a:t> but True: The Theremin.” Mr. J’s Music Room, Jan 2 </a:t>
+              <a:t> but True: The Theremin.” Mr. J’s Music Room, Jan 2 2011. Web. 27 May 2013. &lt;http://mrjsmusicroom.com/wierd%20but%20true/wierd%20but%20true%20january.html&gt;</a:t>
             </a:r>
+          </a:p>
+          <a:p>
             <a:r>
               <a:rPr lang="en-US" dirty="0" smtClean="0"/>
-              <a:t>2011. Web. 27 May 2013. </a:t>
-            </a:r>
-            <a:r>
-              <a:rPr lang="en-US" dirty="0" smtClean="0"/>
-              <a:t>&lt;http</a:t>
-            </a:r>
-            <a:r>
-              <a:rPr lang="en-US" dirty="0" smtClean="0"/>
-              <a:t>://</a:t>
-            </a:r>
-            <a:r>
-              <a:rPr lang="en-US" dirty="0" smtClean="0"/>
-              <a:t>mrjsmusicroom.com/wierd%20but%20true/wierd%20but%20true%20january.html&gt;</a:t>
-            </a:r>
-          </a:p>
-          <a:p>
-            <a:r>
-              <a:rPr lang="en-US" dirty="0" smtClean="0"/>
-              <a:t>Peter Pringle. “</a:t>
-            </a:r>
-            <a:r>
-              <a:rPr lang="en-US" dirty="0" smtClean="0"/>
-              <a:t>THEREMIN - Over The </a:t>
-            </a:r>
-            <a:r>
-              <a:rPr lang="en-US" dirty="0" smtClean="0"/>
-              <a:t>Rainbow.” </a:t>
-            </a:r>
-            <a:r>
-              <a:rPr lang="en-US" dirty="0" smtClean="0"/>
-              <a:t>Video. </a:t>
+              <a:t>Peter Pringle. “THEREMIN - Over The Rainbow.” Video. </a:t>
             </a:r>
             <a:r>
               <a:rPr lang="en-US" dirty="0" err="1" smtClean="0"/>
@@ -17911,27 +18724,7 @@
             </a:r>
             <a:r>
               <a:rPr lang="en-US" dirty="0" smtClean="0"/>
-              <a:t>, </a:t>
-            </a:r>
-            <a:r>
-              <a:rPr lang="en-US" dirty="0" smtClean="0"/>
-              <a:t>Jan 10 2009. </a:t>
-            </a:r>
-            <a:r>
-              <a:rPr lang="en-US" dirty="0" smtClean="0"/>
-              <a:t>Web. 27 May 2013. </a:t>
-            </a:r>
-            <a:r>
-              <a:rPr lang="en-US" dirty="0" smtClean="0"/>
-              <a:t>&lt;https</a:t>
-            </a:r>
-            <a:r>
-              <a:rPr lang="en-US" dirty="0" smtClean="0"/>
-              <a:t>://</a:t>
-            </a:r>
-            <a:r>
-              <a:rPr lang="en-US" dirty="0" smtClean="0"/>
-              <a:t>www.youtube.com/watch?v=xcTPRjiCs6s#t=7&gt;</a:t>
+              <a:t>, Jan 10 2009. Web. 27 May 2013. &lt;https://www.youtube.com/watch?v=xcTPRjiCs6s#t=7&gt;</a:t>
             </a:r>
           </a:p>
           <a:p>
@@ -17941,15 +18734,7 @@
             </a:r>
             <a:r>
               <a:rPr lang="en-US" dirty="0" smtClean="0"/>
-              <a:t>. “</a:t>
-            </a:r>
-            <a:r>
-              <a:rPr lang="en-US" dirty="0" smtClean="0"/>
-              <a:t>UN Spy Debate, Reds 'Bugged' American Embassy </a:t>
-            </a:r>
-            <a:r>
-              <a:rPr lang="en-US" dirty="0" smtClean="0"/>
-              <a:t>1960/5/27.” Video. </a:t>
+              <a:t>. “UN Spy Debate, Reds 'Bugged' American Embassy 1960/5/27.” Video. </a:t>
             </a:r>
             <a:r>
               <a:rPr lang="en-US" dirty="0" err="1" smtClean="0"/>
@@ -17957,17 +18742,8 @@
             </a:r>
             <a:r>
               <a:rPr lang="en-US" dirty="0" smtClean="0"/>
-              <a:t>, Sep 13 2006. Web. 27 May 2013</a:t>
+              <a:t>, Sep 13 2006. Web. 27 May 2013. &lt;https://www.youtube.com/watch?v=YPJjxiuyy4A&gt;</a:t>
             </a:r>
-            <a:r>
-              <a:rPr lang="en-US" dirty="0" smtClean="0"/>
-              <a:t>. &lt;https://</a:t>
-            </a:r>
-            <a:r>
-              <a:rPr lang="en-US" dirty="0" smtClean="0"/>
-              <a:t>www.youtube.com/watch?v=YPJjxiuyy4A&gt;</a:t>
-            </a:r>
-            <a:endParaRPr lang="en-US" dirty="0" smtClean="0"/>
           </a:p>
           <a:p>
             <a:r>
@@ -17996,15 +18772,7 @@
             </a:r>
             <a:r>
               <a:rPr lang="en-US" dirty="0" smtClean="0"/>
-              <a:t>. “Practical </a:t>
-            </a:r>
-            <a:r>
-              <a:rPr lang="en-US" dirty="0" smtClean="0"/>
-              <a:t>Experiences with NFC Security </a:t>
-            </a:r>
-            <a:r>
-              <a:rPr lang="en-US" dirty="0" smtClean="0"/>
-              <a:t>on Mobile Phones.” </a:t>
+              <a:t>. “Practical Experiences with NFC Security on Mobile Phones.” </a:t>
             </a:r>
             <a:r>
               <a:rPr lang="en-US" dirty="0" err="1" smtClean="0"/>
@@ -18020,12 +18788,66 @@
             </a:r>
             <a:r>
               <a:rPr lang="en-US" dirty="0" smtClean="0"/>
-              <a:t> </a:t>
+              <a:t> Leuven.</a:t>
             </a:r>
+          </a:p>
+          <a:p>
             <a:r>
               <a:rPr lang="en-US" dirty="0" smtClean="0"/>
-              <a:t>Leuven.</a:t>
+              <a:t>Everything You Need to Know About Near Field Communication | Popular Science </a:t>
             </a:r>
+          </a:p>
+          <a:p>
+            <a:r>
+              <a:rPr lang="en-US" dirty="0" smtClean="0">
+                <a:hlinkClick r:id="rId3"/>
+              </a:rPr>
+              <a:t>http://www.popsci.com/gadgets/article/2011-02/near-field-communication-helping-your-</a:t>
+            </a:r>
+          </a:p>
+          <a:p>
+            <a:r>
+              <a:rPr lang="en-US" dirty="0" smtClean="0">
+                <a:hlinkClick r:id="rId3"/>
+              </a:rPr>
+              <a:t>smartphone-replace-your-wallet-2010</a:t>
+            </a:r>
+            <a:endParaRPr lang="en-US" dirty="0" smtClean="0"/>
+          </a:p>
+          <a:p>
+            <a:pPr lvl="1"/>
+            <a:r>
+              <a:rPr lang="en-US" dirty="0" smtClean="0"/>
+              <a:t>What is NFC? How does NFC work? For what might you use NFC? - a quick guide to NFC - PC Advisor</a:t>
+            </a:r>
+          </a:p>
+          <a:p>
+            <a:pPr lvl="1"/>
+            <a:r>
+              <a:rPr lang="en-US" dirty="0" smtClean="0"/>
+              <a:t>http://www.pcadvisor.co.uk/how-to/mobile-phone/3472879/what-is-nfc-how-nfc-works-what-it-does/</a:t>
+            </a:r>
+          </a:p>
+          <a:p>
+            <a:pPr lvl="1"/>
+            <a:endParaRPr lang="en-US" dirty="0" smtClean="0"/>
+          </a:p>
+          <a:p>
+            <a:pPr lvl="1"/>
+            <a:r>
+              <a:rPr lang="en-US" dirty="0" smtClean="0"/>
+              <a:t>How it Works: NFC (near field communication)</a:t>
+            </a:r>
+          </a:p>
+          <a:p>
+            <a:pPr lvl="1"/>
+            <a:r>
+              <a:rPr lang="en-US" dirty="0" smtClean="0"/>
+              <a:t>http://www.androidauthority.com/how-it-works-nfc-near-field-communication-97144/</a:t>
+            </a:r>
+          </a:p>
+          <a:p>
+            <a:pPr lvl="1"/>
             <a:endParaRPr lang="en-US" dirty="0"/>
           </a:p>
         </p:txBody>
@@ -18079,11 +18901,7 @@
           <a:p>
             <a:r>
               <a:rPr lang="en-US" dirty="0" smtClean="0"/>
-              <a:t>What is NFC</a:t>
-            </a:r>
-            <a:r>
-              <a:rPr lang="en-US" dirty="0" smtClean="0"/>
-              <a:t>? (Brandi)</a:t>
+              <a:t>What is NFC? (Brandi)</a:t>
             </a:r>
             <a:endParaRPr lang="en-US" dirty="0"/>
           </a:p>
@@ -18105,7 +18923,7 @@
         </p:xfrm>
         <a:graphic>
           <a:graphicData uri="http://schemas.openxmlformats.org/drawingml/2006/diagram">
-            <dgm:relIds xmlns:dgm="http://schemas.openxmlformats.org/drawingml/2006/diagram" xmlns:r="http://schemas.openxmlformats.org/officeDocument/2006/relationships" r:dm="rId2" r:lo="rId3" r:qs="rId4" r:cs="rId5"/>
+            <dgm:relIds xmlns:dgm="http://schemas.openxmlformats.org/drawingml/2006/diagram" xmlns:r="http://schemas.openxmlformats.org/officeDocument/2006/relationships" r:dm="rId3" r:lo="rId4" r:qs="rId5" r:cs="rId6"/>
           </a:graphicData>
         </a:graphic>
       </p:graphicFrame>
@@ -18158,11 +18976,7 @@
           <a:p>
             <a:r>
               <a:rPr lang="en-US" dirty="0" smtClean="0"/>
-              <a:t>3 Modes of </a:t>
-            </a:r>
-            <a:r>
-              <a:rPr lang="en-US" dirty="0" smtClean="0"/>
-              <a:t>Operation (Brandi)</a:t>
+              <a:t>3 Modes of Operation (Brandi)</a:t>
             </a:r>
             <a:endParaRPr lang="en-US" dirty="0"/>
           </a:p>
@@ -18184,7 +18998,7 @@
         </p:xfrm>
         <a:graphic>
           <a:graphicData uri="http://schemas.openxmlformats.org/drawingml/2006/diagram">
-            <dgm:relIds xmlns:dgm="http://schemas.openxmlformats.org/drawingml/2006/diagram" xmlns:r="http://schemas.openxmlformats.org/officeDocument/2006/relationships" r:dm="rId2" r:lo="rId3" r:qs="rId4" r:cs="rId5"/>
+            <dgm:relIds xmlns:dgm="http://schemas.openxmlformats.org/drawingml/2006/diagram" xmlns:r="http://schemas.openxmlformats.org/officeDocument/2006/relationships" r:dm="rId3" r:lo="rId4" r:qs="rId5" r:cs="rId6"/>
           </a:graphicData>
         </a:graphic>
       </p:graphicFrame>
@@ -18239,11 +19053,7 @@
           <a:p>
             <a:r>
               <a:rPr lang="en-US" dirty="0" smtClean="0"/>
-              <a:t>NFC History (Brandi</a:t>
-            </a:r>
-            <a:r>
-              <a:rPr lang="en-US" dirty="0" smtClean="0"/>
-              <a:t>): </a:t>
+              <a:t>NFC History (Brandi): </a:t>
             </a:r>
             <a:r>
               <a:rPr lang="en-US" dirty="0" smtClean="0">
@@ -18432,11 +19242,7 @@
           <a:p>
             <a:r>
               <a:rPr lang="en-US" dirty="0" smtClean="0"/>
-              <a:t>NFC History (Brandi</a:t>
-            </a:r>
-            <a:r>
-              <a:rPr lang="en-US" dirty="0" smtClean="0"/>
-              <a:t>): </a:t>
+              <a:t>NFC History (Brandi): </a:t>
             </a:r>
             <a:r>
               <a:rPr lang="en-US" dirty="0" smtClean="0">
@@ -18604,7 +19410,59 @@
           <a:bodyPr/>
           <a:lstStyle/>
           <a:p>
-            <a:endParaRPr lang="en-US"/>
+            <a:r>
+              <a:rPr lang="en-US" dirty="0" smtClean="0"/>
+              <a:t>NFC is an outgrowth of RFID.</a:t>
+            </a:r>
+          </a:p>
+          <a:p>
+            <a:r>
+              <a:rPr lang="en-US" dirty="0" smtClean="0"/>
+              <a:t>NFC uses electromagnetic induction to generate current and exchange information</a:t>
+            </a:r>
+            <a:r>
+              <a:rPr lang="en-US" dirty="0" smtClean="0"/>
+              <a:t>.</a:t>
+            </a:r>
+          </a:p>
+          <a:p>
+            <a:r>
+              <a:rPr lang="en-US" dirty="0" smtClean="0"/>
+              <a:t>NFC has a maximum transmission rate of approximately 480kbs.</a:t>
+            </a:r>
+          </a:p>
+          <a:p>
+            <a:endParaRPr lang="en-US" dirty="0" smtClean="0"/>
+          </a:p>
+          <a:p>
+            <a:r>
+              <a:rPr lang="en-US" dirty="0" smtClean="0"/>
+              <a:t>Absolute Maximum </a:t>
+            </a:r>
+            <a:r>
+              <a:rPr lang="en-US" dirty="0" smtClean="0"/>
+              <a:t>range: 20cm (7.5 inches</a:t>
+            </a:r>
+            <a:r>
+              <a:rPr lang="en-US" dirty="0" smtClean="0"/>
+              <a:t>).</a:t>
+            </a:r>
+          </a:p>
+          <a:p>
+            <a:r>
+              <a:rPr lang="en-US" dirty="0" smtClean="0"/>
+              <a:t>Practical Maximum range 10cm (4 inches).</a:t>
+            </a:r>
+            <a:endParaRPr lang="en-US" dirty="0" smtClean="0"/>
+          </a:p>
+          <a:p>
+            <a:r>
+              <a:rPr lang="en-US" dirty="0" smtClean="0"/>
+              <a:t>Ideal range: 4cm (1.5 inches).</a:t>
+            </a:r>
+          </a:p>
+          <a:p>
+            <a:endParaRPr lang="en-US" dirty="0"/>
           </a:p>
         </p:txBody>
       </p:sp>
@@ -18657,11 +19515,7 @@
           <a:p>
             <a:r>
               <a:rPr lang="en-US" dirty="0" smtClean="0"/>
-              <a:t>NFC Future (Don</a:t>
-            </a:r>
-            <a:r>
-              <a:rPr lang="en-US" dirty="0" smtClean="0"/>
-              <a:t>)</a:t>
+              <a:t>Technical Details (II)</a:t>
             </a:r>
             <a:endParaRPr lang="en-US" dirty="0"/>
           </a:p>
@@ -18682,6 +19536,27 @@
           <a:bodyPr/>
           <a:lstStyle/>
           <a:p>
+            <a:pPr>
+              <a:buNone/>
+            </a:pPr>
+            <a:r>
+              <a:rPr lang="en-US" dirty="0" smtClean="0"/>
+              <a:t>NFC Protocols:</a:t>
+            </a:r>
+          </a:p>
+          <a:p>
+            <a:pPr>
+              <a:buNone/>
+            </a:pPr>
+            <a:r>
+              <a:rPr lang="en-US" dirty="0" smtClean="0"/>
+              <a:t>ISO 14443 (already used by RFID for secure information transfer for credit-card processing).</a:t>
+            </a:r>
+          </a:p>
+          <a:p>
+            <a:pPr>
+              <a:buNone/>
+            </a:pPr>
             <a:endParaRPr lang="en-US" dirty="0"/>
           </a:p>
         </p:txBody>
@@ -18691,13 +19566,6 @@
   <p:clrMapOvr>
     <a:masterClrMapping/>
   </p:clrMapOvr>
-  <p:timing>
-    <p:tnLst>
-      <p:par>
-        <p:cTn id="1" dur="indefinite" restart="never" nodeType="tmRoot"/>
-      </p:par>
-    </p:tnLst>
-  </p:timing>
 </p:sld>
 </file>
 
@@ -18735,36 +19603,210 @@
           <a:p>
             <a:r>
               <a:rPr lang="en-US" dirty="0" smtClean="0"/>
-              <a:t>NFC vs. </a:t>
+              <a:t>NFC </a:t>
             </a:r>
             <a:r>
               <a:rPr lang="en-US" dirty="0" smtClean="0"/>
-              <a:t>Bluetooth (Brandi)</a:t>
+              <a:t>USES</a:t>
             </a:r>
             <a:endParaRPr lang="en-US" dirty="0"/>
           </a:p>
         </p:txBody>
       </p:sp>
-      <p:graphicFrame>
-        <p:nvGraphicFramePr>
-          <p:cNvPr id="6" name="Content Placeholder 5"/>
-          <p:cNvGraphicFramePr>
-            <a:graphicFrameLocks noGrp="1"/>
-          </p:cNvGraphicFramePr>
+      <p:sp>
+        <p:nvSpPr>
+          <p:cNvPr id="3" name="Content Placeholder 2"/>
+          <p:cNvSpPr>
+            <a:spLocks noGrp="1"/>
+          </p:cNvSpPr>
           <p:nvPr>
             <p:ph sz="quarter" idx="1"/>
           </p:nvPr>
-        </p:nvGraphicFramePr>
-        <p:xfrm>
-          <a:off x="457200" y="1219200"/>
-          <a:ext cx="8229600" cy="4937760"/>
-        </p:xfrm>
-        <a:graphic>
-          <a:graphicData uri="http://schemas.openxmlformats.org/drawingml/2006/diagram">
-            <dgm:relIds xmlns:dgm="http://schemas.openxmlformats.org/drawingml/2006/diagram" xmlns:r="http://schemas.openxmlformats.org/officeDocument/2006/relationships" r:dm="rId3" r:lo="rId4" r:qs="rId5" r:cs="rId6"/>
-          </a:graphicData>
-        </a:graphic>
-      </p:graphicFrame>
+        </p:nvSpPr>
+        <p:spPr/>
+        <p:txBody>
+          <a:bodyPr>
+            <a:normAutofit fontScale="77500" lnSpcReduction="20000"/>
+          </a:bodyPr>
+          <a:lstStyle/>
+          <a:p>
+            <a:r>
+              <a:rPr lang="en-US" dirty="0" smtClean="0"/>
+              <a:t>PAIR:</a:t>
+            </a:r>
+          </a:p>
+          <a:p>
+            <a:pPr lvl="1"/>
+            <a:r>
+              <a:rPr lang="en-US" dirty="0" smtClean="0"/>
+              <a:t>Pair two </a:t>
+            </a:r>
+            <a:r>
+              <a:rPr lang="en-US" dirty="0" err="1" smtClean="0"/>
+              <a:t>nfc</a:t>
+            </a:r>
+            <a:r>
+              <a:rPr lang="en-US" dirty="0" smtClean="0"/>
+              <a:t>-enabled devices by a simple bump (easier than by </a:t>
+            </a:r>
+            <a:r>
+              <a:rPr lang="en-US" dirty="0" err="1" smtClean="0"/>
+              <a:t>bluetooth</a:t>
+            </a:r>
+            <a:r>
+              <a:rPr lang="en-US" dirty="0" smtClean="0"/>
+              <a:t>).</a:t>
+            </a:r>
+          </a:p>
+          <a:p>
+            <a:pPr lvl="2">
+              <a:buNone/>
+            </a:pPr>
+            <a:r>
+              <a:rPr lang="en-US" dirty="0" smtClean="0"/>
+              <a:t>Connect phone to speakers or other </a:t>
+            </a:r>
+            <a:r>
+              <a:rPr lang="en-US" dirty="0" err="1" smtClean="0"/>
+              <a:t>nfc</a:t>
+            </a:r>
+            <a:r>
+              <a:rPr lang="en-US" dirty="0" smtClean="0"/>
+              <a:t> aware devices</a:t>
+            </a:r>
+          </a:p>
+          <a:p>
+            <a:pPr lvl="2"/>
+            <a:endParaRPr lang="en-US" dirty="0" smtClean="0"/>
+          </a:p>
+          <a:p>
+            <a:r>
+              <a:rPr lang="en-US" dirty="0" smtClean="0"/>
+              <a:t>SHARE:</a:t>
+            </a:r>
+          </a:p>
+          <a:p>
+            <a:pPr lvl="1"/>
+            <a:r>
+              <a:rPr lang="en-US" dirty="0" smtClean="0"/>
+              <a:t>Share contact information with a simple bump of phones.</a:t>
+            </a:r>
+          </a:p>
+          <a:p>
+            <a:pPr lvl="2"/>
+            <a:r>
+              <a:rPr lang="en-US" dirty="0" smtClean="0"/>
+              <a:t>Establish a connection for playing networked games (use </a:t>
+            </a:r>
+            <a:r>
+              <a:rPr lang="en-US" dirty="0" err="1" smtClean="0"/>
+              <a:t>nfc</a:t>
+            </a:r>
+            <a:r>
+              <a:rPr lang="en-US" dirty="0" smtClean="0"/>
+              <a:t> to initiate the </a:t>
+            </a:r>
+            <a:r>
+              <a:rPr lang="en-US" dirty="0" err="1" smtClean="0"/>
+              <a:t>bluetooth</a:t>
+            </a:r>
+            <a:r>
+              <a:rPr lang="en-US" dirty="0" smtClean="0"/>
+              <a:t> / </a:t>
+            </a:r>
+            <a:r>
+              <a:rPr lang="en-US" dirty="0" err="1" smtClean="0"/>
+              <a:t>wifi</a:t>
+            </a:r>
+            <a:r>
+              <a:rPr lang="en-US" dirty="0" smtClean="0"/>
+              <a:t> </a:t>
+            </a:r>
+            <a:r>
+              <a:rPr lang="en-US" dirty="0" err="1" smtClean="0"/>
+              <a:t>adhoc</a:t>
+            </a:r>
+            <a:r>
+              <a:rPr lang="en-US" dirty="0" smtClean="0"/>
+              <a:t> connection).</a:t>
+            </a:r>
+          </a:p>
+          <a:p>
+            <a:pPr lvl="2"/>
+            <a:endParaRPr lang="en-US" dirty="0" smtClean="0"/>
+          </a:p>
+          <a:p>
+            <a:r>
+              <a:rPr lang="en-US" dirty="0" smtClean="0"/>
+              <a:t>TRANSACTIONS:</a:t>
+            </a:r>
+          </a:p>
+          <a:p>
+            <a:pPr lvl="1"/>
+            <a:r>
+              <a:rPr lang="en-US" dirty="0" smtClean="0"/>
+              <a:t>Use to pay at </a:t>
+            </a:r>
+            <a:r>
+              <a:rPr lang="en-US" dirty="0" err="1" smtClean="0"/>
+              <a:t>nfc</a:t>
+            </a:r>
+            <a:r>
+              <a:rPr lang="en-US" dirty="0" smtClean="0"/>
+              <a:t>-enabled payment stations (similar to swiping a transit card to pay a toll).</a:t>
+            </a:r>
+          </a:p>
+          <a:p>
+            <a:pPr lvl="2">
+              <a:buNone/>
+            </a:pPr>
+            <a:r>
+              <a:rPr lang="en-US" dirty="0" smtClean="0"/>
+              <a:t>Eventually replace the need to carry all kinds of credit cards</a:t>
+            </a:r>
+          </a:p>
+          <a:p>
+            <a:pPr lvl="2"/>
+            <a:endParaRPr lang="en-US" dirty="0" smtClean="0"/>
+          </a:p>
+          <a:p>
+            <a:pPr lvl="2"/>
+            <a:r>
+              <a:rPr lang="en-US" dirty="0" smtClean="0"/>
+              <a:t>IDENTIFICATION:</a:t>
+            </a:r>
+          </a:p>
+          <a:p>
+            <a:pPr lvl="3"/>
+            <a:r>
+              <a:rPr lang="en-US" dirty="0" smtClean="0"/>
+              <a:t>Could be used in place of government issued ID.</a:t>
+            </a:r>
+          </a:p>
+          <a:p>
+            <a:pPr lvl="4">
+              <a:buNone/>
+            </a:pPr>
+            <a:r>
+              <a:rPr lang="en-US" dirty="0" smtClean="0"/>
+              <a:t>Could be used to replace corporate ID badges</a:t>
+            </a:r>
+          </a:p>
+          <a:p>
+            <a:pPr lvl="5">
+              <a:buNone/>
+            </a:pPr>
+            <a:r>
+              <a:rPr lang="en-US" dirty="0" smtClean="0"/>
+              <a:t>Already used in passports to provide various pieces of personal information.</a:t>
+            </a:r>
+          </a:p>
+          <a:p>
+            <a:pPr lvl="5"/>
+            <a:endParaRPr lang="en-US" dirty="0"/>
+          </a:p>
+        </p:txBody>
+      </p:sp>
     </p:spTree>
   </p:cSld>
   <p:clrMapOvr>
@@ -18814,7 +19856,7 @@
           <a:p>
             <a:r>
               <a:rPr lang="en-US" dirty="0" smtClean="0"/>
-              <a:t>NFC Security: Concerns (Brandi)</a:t>
+              <a:t>NFC vs. Bluetooth (Brandi)</a:t>
             </a:r>
             <a:endParaRPr lang="en-US" dirty="0"/>
           </a:p>
@@ -18822,7 +19864,7 @@
       </p:sp>
       <p:graphicFrame>
         <p:nvGraphicFramePr>
-          <p:cNvPr id="4" name="Content Placeholder 3"/>
+          <p:cNvPr id="6" name="Content Placeholder 5"/>
           <p:cNvGraphicFramePr>
             <a:graphicFrameLocks noGrp="1"/>
           </p:cNvGraphicFramePr>
@@ -18836,7 +19878,7 @@
         </p:xfrm>
         <a:graphic>
           <a:graphicData uri="http://schemas.openxmlformats.org/drawingml/2006/diagram">
-            <dgm:relIds xmlns:dgm="http://schemas.openxmlformats.org/drawingml/2006/diagram" xmlns:r="http://schemas.openxmlformats.org/officeDocument/2006/relationships" r:dm="rId2" r:lo="rId3" r:qs="rId4" r:cs="rId5"/>
+            <dgm:relIds xmlns:dgm="http://schemas.openxmlformats.org/drawingml/2006/diagram" xmlns:r="http://schemas.openxmlformats.org/officeDocument/2006/relationships" r:dm="rId3" r:lo="rId4" r:qs="rId5" r:cs="rId6"/>
           </a:graphicData>
         </a:graphic>
       </p:graphicFrame>

--- a/NFC_brandi.pptx
+++ b/NFC_brandi.pptx
@@ -9,17 +9,17 @@
   </p:notesMasterIdLst>
   <p:sldIdLst>
     <p:sldId id="256" r:id="rId2"/>
-    <p:sldId id="257" r:id="rId3"/>
-    <p:sldId id="260" r:id="rId4"/>
-    <p:sldId id="262" r:id="rId5"/>
-    <p:sldId id="266" r:id="rId6"/>
+    <p:sldId id="268" r:id="rId3"/>
+    <p:sldId id="269" r:id="rId4"/>
+    <p:sldId id="270" r:id="rId5"/>
+    <p:sldId id="271" r:id="rId6"/>
     <p:sldId id="261" r:id="rId7"/>
     <p:sldId id="267" r:id="rId8"/>
     <p:sldId id="259" r:id="rId9"/>
     <p:sldId id="258" r:id="rId10"/>
-    <p:sldId id="263" r:id="rId11"/>
-    <p:sldId id="265" r:id="rId12"/>
-    <p:sldId id="264" r:id="rId13"/>
+    <p:sldId id="272" r:id="rId11"/>
+    <p:sldId id="273" r:id="rId12"/>
+    <p:sldId id="274" r:id="rId13"/>
   </p:sldIdLst>
   <p:sldSz cx="9144000" cy="6858000" type="screen4x3"/>
   <p:notesSz cx="6858000" cy="9144000"/>
@@ -1788,6 +1788,753 @@
 </file>
 
 <file path=ppt/diagrams/colors3.xml><?xml version="1.0" encoding="utf-8"?>
+<dgm:colorsDef xmlns:dgm="http://schemas.openxmlformats.org/drawingml/2006/diagram" xmlns:a="http://schemas.openxmlformats.org/drawingml/2006/main" uniqueId="urn:microsoft.com/office/officeart/2005/8/colors/accent5_2">
+  <dgm:title val=""/>
+  <dgm:desc val=""/>
+  <dgm:catLst>
+    <dgm:cat type="accent5" pri="11200"/>
+  </dgm:catLst>
+  <dgm:styleLbl name="node0">
+    <dgm:fillClrLst meth="repeat">
+      <a:schemeClr val="accent5"/>
+    </dgm:fillClrLst>
+    <dgm:linClrLst meth="repeat">
+      <a:schemeClr val="lt1"/>
+    </dgm:linClrLst>
+    <dgm:effectClrLst/>
+    <dgm:txLinClrLst/>
+    <dgm:txFillClrLst/>
+    <dgm:txEffectClrLst/>
+  </dgm:styleLbl>
+  <dgm:styleLbl name="node1">
+    <dgm:fillClrLst meth="repeat">
+      <a:schemeClr val="accent5"/>
+    </dgm:fillClrLst>
+    <dgm:linClrLst meth="repeat">
+      <a:schemeClr val="lt1"/>
+    </dgm:linClrLst>
+    <dgm:effectClrLst/>
+    <dgm:txLinClrLst/>
+    <dgm:txFillClrLst/>
+    <dgm:txEffectClrLst/>
+  </dgm:styleLbl>
+  <dgm:styleLbl name="alignNode1">
+    <dgm:fillClrLst meth="repeat">
+      <a:schemeClr val="accent5"/>
+    </dgm:fillClrLst>
+    <dgm:linClrLst meth="repeat">
+      <a:schemeClr val="accent5"/>
+    </dgm:linClrLst>
+    <dgm:effectClrLst/>
+    <dgm:txLinClrLst/>
+    <dgm:txFillClrLst/>
+    <dgm:txEffectClrLst/>
+  </dgm:styleLbl>
+  <dgm:styleLbl name="lnNode1">
+    <dgm:fillClrLst meth="repeat">
+      <a:schemeClr val="accent5"/>
+    </dgm:fillClrLst>
+    <dgm:linClrLst meth="repeat">
+      <a:schemeClr val="lt1"/>
+    </dgm:linClrLst>
+    <dgm:effectClrLst/>
+    <dgm:txLinClrLst/>
+    <dgm:txFillClrLst/>
+    <dgm:txEffectClrLst/>
+  </dgm:styleLbl>
+  <dgm:styleLbl name="vennNode1">
+    <dgm:fillClrLst meth="repeat">
+      <a:schemeClr val="accent5">
+        <a:alpha val="50000"/>
+      </a:schemeClr>
+    </dgm:fillClrLst>
+    <dgm:linClrLst meth="repeat">
+      <a:schemeClr val="lt1"/>
+    </dgm:linClrLst>
+    <dgm:effectClrLst/>
+    <dgm:txLinClrLst/>
+    <dgm:txFillClrLst/>
+    <dgm:txEffectClrLst/>
+  </dgm:styleLbl>
+  <dgm:styleLbl name="node2">
+    <dgm:fillClrLst meth="repeat">
+      <a:schemeClr val="accent5"/>
+    </dgm:fillClrLst>
+    <dgm:linClrLst meth="repeat">
+      <a:schemeClr val="lt1"/>
+    </dgm:linClrLst>
+    <dgm:effectClrLst/>
+    <dgm:txLinClrLst/>
+    <dgm:txFillClrLst/>
+    <dgm:txEffectClrLst/>
+  </dgm:styleLbl>
+  <dgm:styleLbl name="node3">
+    <dgm:fillClrLst meth="repeat">
+      <a:schemeClr val="accent5"/>
+    </dgm:fillClrLst>
+    <dgm:linClrLst meth="repeat">
+      <a:schemeClr val="lt1"/>
+    </dgm:linClrLst>
+    <dgm:effectClrLst/>
+    <dgm:txLinClrLst/>
+    <dgm:txFillClrLst/>
+    <dgm:txEffectClrLst/>
+  </dgm:styleLbl>
+  <dgm:styleLbl name="node4">
+    <dgm:fillClrLst meth="repeat">
+      <a:schemeClr val="accent5"/>
+    </dgm:fillClrLst>
+    <dgm:linClrLst meth="repeat">
+      <a:schemeClr val="lt1"/>
+    </dgm:linClrLst>
+    <dgm:effectClrLst/>
+    <dgm:txLinClrLst/>
+    <dgm:txFillClrLst/>
+    <dgm:txEffectClrLst/>
+  </dgm:styleLbl>
+  <dgm:styleLbl name="fgImgPlace1">
+    <dgm:fillClrLst meth="repeat">
+      <a:schemeClr val="accent5">
+        <a:tint val="50000"/>
+      </a:schemeClr>
+    </dgm:fillClrLst>
+    <dgm:linClrLst meth="repeat">
+      <a:schemeClr val="lt1"/>
+    </dgm:linClrLst>
+    <dgm:effectClrLst/>
+    <dgm:txLinClrLst/>
+    <dgm:txFillClrLst meth="repeat">
+      <a:schemeClr val="lt1"/>
+    </dgm:txFillClrLst>
+    <dgm:txEffectClrLst/>
+  </dgm:styleLbl>
+  <dgm:styleLbl name="alignImgPlace1">
+    <dgm:fillClrLst meth="repeat">
+      <a:schemeClr val="accent5">
+        <a:tint val="50000"/>
+      </a:schemeClr>
+    </dgm:fillClrLst>
+    <dgm:linClrLst meth="repeat">
+      <a:schemeClr val="lt1"/>
+    </dgm:linClrLst>
+    <dgm:effectClrLst/>
+    <dgm:txLinClrLst/>
+    <dgm:txFillClrLst meth="repeat">
+      <a:schemeClr val="lt1"/>
+    </dgm:txFillClrLst>
+    <dgm:txEffectClrLst/>
+  </dgm:styleLbl>
+  <dgm:styleLbl name="bgImgPlace1">
+    <dgm:fillClrLst meth="repeat">
+      <a:schemeClr val="accent5">
+        <a:tint val="50000"/>
+      </a:schemeClr>
+    </dgm:fillClrLst>
+    <dgm:linClrLst meth="repeat">
+      <a:schemeClr val="lt1"/>
+    </dgm:linClrLst>
+    <dgm:effectClrLst/>
+    <dgm:txLinClrLst/>
+    <dgm:txFillClrLst meth="repeat">
+      <a:schemeClr val="lt1"/>
+    </dgm:txFillClrLst>
+    <dgm:txEffectClrLst/>
+  </dgm:styleLbl>
+  <dgm:styleLbl name="sibTrans2D1">
+    <dgm:fillClrLst meth="repeat">
+      <a:schemeClr val="accent5">
+        <a:tint val="60000"/>
+      </a:schemeClr>
+    </dgm:fillClrLst>
+    <dgm:linClrLst meth="repeat">
+      <a:schemeClr val="accent5">
+        <a:tint val="60000"/>
+      </a:schemeClr>
+    </dgm:linClrLst>
+    <dgm:effectClrLst/>
+    <dgm:txLinClrLst/>
+    <dgm:txFillClrLst/>
+    <dgm:txEffectClrLst/>
+  </dgm:styleLbl>
+  <dgm:styleLbl name="fgSibTrans2D1">
+    <dgm:fillClrLst meth="repeat">
+      <a:schemeClr val="accent5">
+        <a:tint val="60000"/>
+      </a:schemeClr>
+    </dgm:fillClrLst>
+    <dgm:linClrLst meth="repeat">
+      <a:schemeClr val="accent5">
+        <a:tint val="60000"/>
+      </a:schemeClr>
+    </dgm:linClrLst>
+    <dgm:effectClrLst/>
+    <dgm:txLinClrLst/>
+    <dgm:txFillClrLst/>
+    <dgm:txEffectClrLst/>
+  </dgm:styleLbl>
+  <dgm:styleLbl name="bgSibTrans2D1">
+    <dgm:fillClrLst meth="repeat">
+      <a:schemeClr val="accent5">
+        <a:tint val="60000"/>
+      </a:schemeClr>
+    </dgm:fillClrLst>
+    <dgm:linClrLst meth="repeat">
+      <a:schemeClr val="accent5">
+        <a:tint val="60000"/>
+      </a:schemeClr>
+    </dgm:linClrLst>
+    <dgm:effectClrLst/>
+    <dgm:txLinClrLst/>
+    <dgm:txFillClrLst/>
+    <dgm:txEffectClrLst/>
+  </dgm:styleLbl>
+  <dgm:styleLbl name="sibTrans1D1">
+    <dgm:fillClrLst meth="repeat">
+      <a:schemeClr val="accent5"/>
+    </dgm:fillClrLst>
+    <dgm:linClrLst meth="repeat">
+      <a:schemeClr val="accent5"/>
+    </dgm:linClrLst>
+    <dgm:effectClrLst/>
+    <dgm:txLinClrLst/>
+    <dgm:txFillClrLst meth="repeat">
+      <a:schemeClr val="tx1"/>
+    </dgm:txFillClrLst>
+    <dgm:txEffectClrLst/>
+  </dgm:styleLbl>
+  <dgm:styleLbl name="callout">
+    <dgm:fillClrLst meth="repeat">
+      <a:schemeClr val="accent5"/>
+    </dgm:fillClrLst>
+    <dgm:linClrLst meth="repeat">
+      <a:schemeClr val="accent5">
+        <a:tint val="50000"/>
+      </a:schemeClr>
+    </dgm:linClrLst>
+    <dgm:effectClrLst/>
+    <dgm:txLinClrLst/>
+    <dgm:txFillClrLst meth="repeat">
+      <a:schemeClr val="tx1"/>
+    </dgm:txFillClrLst>
+    <dgm:txEffectClrLst/>
+  </dgm:styleLbl>
+  <dgm:styleLbl name="asst0">
+    <dgm:fillClrLst meth="repeat">
+      <a:schemeClr val="accent5"/>
+    </dgm:fillClrLst>
+    <dgm:linClrLst meth="repeat">
+      <a:schemeClr val="lt1"/>
+    </dgm:linClrLst>
+    <dgm:effectClrLst/>
+    <dgm:txLinClrLst/>
+    <dgm:txFillClrLst/>
+    <dgm:txEffectClrLst/>
+  </dgm:styleLbl>
+  <dgm:styleLbl name="asst1">
+    <dgm:fillClrLst meth="repeat">
+      <a:schemeClr val="accent5"/>
+    </dgm:fillClrLst>
+    <dgm:linClrLst meth="repeat">
+      <a:schemeClr val="lt1"/>
+    </dgm:linClrLst>
+    <dgm:effectClrLst/>
+    <dgm:txLinClrLst/>
+    <dgm:txFillClrLst/>
+    <dgm:txEffectClrLst/>
+  </dgm:styleLbl>
+  <dgm:styleLbl name="asst2">
+    <dgm:fillClrLst meth="repeat">
+      <a:schemeClr val="accent5"/>
+    </dgm:fillClrLst>
+    <dgm:linClrLst meth="repeat">
+      <a:schemeClr val="lt1"/>
+    </dgm:linClrLst>
+    <dgm:effectClrLst/>
+    <dgm:txLinClrLst/>
+    <dgm:txFillClrLst/>
+    <dgm:txEffectClrLst/>
+  </dgm:styleLbl>
+  <dgm:styleLbl name="asst3">
+    <dgm:fillClrLst meth="repeat">
+      <a:schemeClr val="accent5"/>
+    </dgm:fillClrLst>
+    <dgm:linClrLst meth="repeat">
+      <a:schemeClr val="lt1"/>
+    </dgm:linClrLst>
+    <dgm:effectClrLst/>
+    <dgm:txLinClrLst/>
+    <dgm:txFillClrLst/>
+    <dgm:txEffectClrLst/>
+  </dgm:styleLbl>
+  <dgm:styleLbl name="asst4">
+    <dgm:fillClrLst meth="repeat">
+      <a:schemeClr val="accent5"/>
+    </dgm:fillClrLst>
+    <dgm:linClrLst meth="repeat">
+      <a:schemeClr val="lt1"/>
+    </dgm:linClrLst>
+    <dgm:effectClrLst/>
+    <dgm:txLinClrLst/>
+    <dgm:txFillClrLst/>
+    <dgm:txEffectClrLst/>
+  </dgm:styleLbl>
+  <dgm:styleLbl name="parChTrans2D1">
+    <dgm:fillClrLst meth="repeat">
+      <a:schemeClr val="accent5">
+        <a:tint val="60000"/>
+      </a:schemeClr>
+    </dgm:fillClrLst>
+    <dgm:linClrLst meth="repeat">
+      <a:schemeClr val="accent5">
+        <a:tint val="60000"/>
+      </a:schemeClr>
+    </dgm:linClrLst>
+    <dgm:effectClrLst/>
+    <dgm:txLinClrLst/>
+    <dgm:txFillClrLst meth="repeat">
+      <a:schemeClr val="lt1"/>
+    </dgm:txFillClrLst>
+    <dgm:txEffectClrLst/>
+  </dgm:styleLbl>
+  <dgm:styleLbl name="parChTrans2D2">
+    <dgm:fillClrLst meth="repeat">
+      <a:schemeClr val="accent5"/>
+    </dgm:fillClrLst>
+    <dgm:linClrLst meth="repeat">
+      <a:schemeClr val="accent5"/>
+    </dgm:linClrLst>
+    <dgm:effectClrLst/>
+    <dgm:txLinClrLst/>
+    <dgm:txFillClrLst meth="repeat">
+      <a:schemeClr val="lt1"/>
+    </dgm:txFillClrLst>
+    <dgm:txEffectClrLst/>
+  </dgm:styleLbl>
+  <dgm:styleLbl name="parChTrans2D3">
+    <dgm:fillClrLst meth="repeat">
+      <a:schemeClr val="accent5"/>
+    </dgm:fillClrLst>
+    <dgm:linClrLst meth="repeat">
+      <a:schemeClr val="accent5"/>
+    </dgm:linClrLst>
+    <dgm:effectClrLst/>
+    <dgm:txLinClrLst/>
+    <dgm:txFillClrLst meth="repeat">
+      <a:schemeClr val="lt1"/>
+    </dgm:txFillClrLst>
+    <dgm:txEffectClrLst/>
+  </dgm:styleLbl>
+  <dgm:styleLbl name="parChTrans2D4">
+    <dgm:fillClrLst meth="repeat">
+      <a:schemeClr val="accent5"/>
+    </dgm:fillClrLst>
+    <dgm:linClrLst meth="repeat">
+      <a:schemeClr val="accent5"/>
+    </dgm:linClrLst>
+    <dgm:effectClrLst/>
+    <dgm:txLinClrLst/>
+    <dgm:txFillClrLst meth="repeat">
+      <a:schemeClr val="lt1"/>
+    </dgm:txFillClrLst>
+    <dgm:txEffectClrLst/>
+  </dgm:styleLbl>
+  <dgm:styleLbl name="parChTrans1D1">
+    <dgm:fillClrLst meth="repeat">
+      <a:schemeClr val="accent5"/>
+    </dgm:fillClrLst>
+    <dgm:linClrLst meth="repeat">
+      <a:schemeClr val="accent5">
+        <a:shade val="60000"/>
+      </a:schemeClr>
+    </dgm:linClrLst>
+    <dgm:effectClrLst/>
+    <dgm:txLinClrLst/>
+    <dgm:txFillClrLst meth="repeat">
+      <a:schemeClr val="tx1"/>
+    </dgm:txFillClrLst>
+    <dgm:txEffectClrLst/>
+  </dgm:styleLbl>
+  <dgm:styleLbl name="parChTrans1D2">
+    <dgm:fillClrLst meth="repeat">
+      <a:schemeClr val="accent5"/>
+    </dgm:fillClrLst>
+    <dgm:linClrLst meth="repeat">
+      <a:schemeClr val="accent5">
+        <a:shade val="60000"/>
+      </a:schemeClr>
+    </dgm:linClrLst>
+    <dgm:effectClrLst/>
+    <dgm:txLinClrLst/>
+    <dgm:txFillClrLst meth="repeat">
+      <a:schemeClr val="tx1"/>
+    </dgm:txFillClrLst>
+    <dgm:txEffectClrLst/>
+  </dgm:styleLbl>
+  <dgm:styleLbl name="parChTrans1D3">
+    <dgm:fillClrLst meth="repeat">
+      <a:schemeClr val="accent5"/>
+    </dgm:fillClrLst>
+    <dgm:linClrLst meth="repeat">
+      <a:schemeClr val="accent5">
+        <a:shade val="80000"/>
+      </a:schemeClr>
+    </dgm:linClrLst>
+    <dgm:effectClrLst/>
+    <dgm:txLinClrLst/>
+    <dgm:txFillClrLst meth="repeat">
+      <a:schemeClr val="tx1"/>
+    </dgm:txFillClrLst>
+    <dgm:txEffectClrLst/>
+  </dgm:styleLbl>
+  <dgm:styleLbl name="parChTrans1D4">
+    <dgm:fillClrLst meth="repeat">
+      <a:schemeClr val="accent5"/>
+    </dgm:fillClrLst>
+    <dgm:linClrLst meth="repeat">
+      <a:schemeClr val="accent5">
+        <a:shade val="80000"/>
+      </a:schemeClr>
+    </dgm:linClrLst>
+    <dgm:effectClrLst/>
+    <dgm:txLinClrLst/>
+    <dgm:txFillClrLst meth="repeat">
+      <a:schemeClr val="tx1"/>
+    </dgm:txFillClrLst>
+    <dgm:txEffectClrLst/>
+  </dgm:styleLbl>
+  <dgm:styleLbl name="fgAcc1">
+    <dgm:fillClrLst meth="repeat">
+      <a:schemeClr val="lt1">
+        <a:alpha val="90000"/>
+      </a:schemeClr>
+    </dgm:fillClrLst>
+    <dgm:linClrLst meth="repeat">
+      <a:schemeClr val="accent5"/>
+    </dgm:linClrLst>
+    <dgm:effectClrLst/>
+    <dgm:txLinClrLst/>
+    <dgm:txFillClrLst meth="repeat">
+      <a:schemeClr val="dk1"/>
+    </dgm:txFillClrLst>
+    <dgm:txEffectClrLst/>
+  </dgm:styleLbl>
+  <dgm:styleLbl name="conFgAcc1">
+    <dgm:fillClrLst meth="repeat">
+      <a:schemeClr val="lt1">
+        <a:alpha val="90000"/>
+      </a:schemeClr>
+    </dgm:fillClrLst>
+    <dgm:linClrLst meth="repeat">
+      <a:schemeClr val="accent5"/>
+    </dgm:linClrLst>
+    <dgm:effectClrLst/>
+    <dgm:txLinClrLst/>
+    <dgm:txFillClrLst meth="repeat">
+      <a:schemeClr val="dk1"/>
+    </dgm:txFillClrLst>
+    <dgm:txEffectClrLst/>
+  </dgm:styleLbl>
+  <dgm:styleLbl name="alignAcc1">
+    <dgm:fillClrLst meth="repeat">
+      <a:schemeClr val="lt1">
+        <a:alpha val="90000"/>
+      </a:schemeClr>
+    </dgm:fillClrLst>
+    <dgm:linClrLst meth="repeat">
+      <a:schemeClr val="accent5"/>
+    </dgm:linClrLst>
+    <dgm:effectClrLst/>
+    <dgm:txLinClrLst/>
+    <dgm:txFillClrLst meth="repeat">
+      <a:schemeClr val="dk1"/>
+    </dgm:txFillClrLst>
+    <dgm:txEffectClrLst/>
+  </dgm:styleLbl>
+  <dgm:styleLbl name="trAlignAcc1">
+    <dgm:fillClrLst meth="repeat">
+      <a:schemeClr val="lt1">
+        <a:alpha val="40000"/>
+      </a:schemeClr>
+    </dgm:fillClrLst>
+    <dgm:linClrLst meth="repeat">
+      <a:schemeClr val="accent5"/>
+    </dgm:linClrLst>
+    <dgm:effectClrLst/>
+    <dgm:txLinClrLst/>
+    <dgm:txFillClrLst meth="repeat">
+      <a:schemeClr val="dk1"/>
+    </dgm:txFillClrLst>
+    <dgm:txEffectClrLst/>
+  </dgm:styleLbl>
+  <dgm:styleLbl name="bgAcc1">
+    <dgm:fillClrLst meth="repeat">
+      <a:schemeClr val="lt1">
+        <a:alpha val="90000"/>
+      </a:schemeClr>
+    </dgm:fillClrLst>
+    <dgm:linClrLst meth="repeat">
+      <a:schemeClr val="accent5"/>
+    </dgm:linClrLst>
+    <dgm:effectClrLst/>
+    <dgm:txLinClrLst/>
+    <dgm:txFillClrLst meth="repeat">
+      <a:schemeClr val="dk1"/>
+    </dgm:txFillClrLst>
+    <dgm:txEffectClrLst/>
+  </dgm:styleLbl>
+  <dgm:styleLbl name="solidFgAcc1">
+    <dgm:fillClrLst meth="repeat">
+      <a:schemeClr val="lt1"/>
+    </dgm:fillClrLst>
+    <dgm:linClrLst meth="repeat">
+      <a:schemeClr val="accent5"/>
+    </dgm:linClrLst>
+    <dgm:effectClrLst/>
+    <dgm:txLinClrLst/>
+    <dgm:txFillClrLst meth="repeat">
+      <a:schemeClr val="dk1"/>
+    </dgm:txFillClrLst>
+    <dgm:txEffectClrLst/>
+  </dgm:styleLbl>
+  <dgm:styleLbl name="solidAlignAcc1">
+    <dgm:fillClrLst meth="repeat">
+      <a:schemeClr val="lt1"/>
+    </dgm:fillClrLst>
+    <dgm:linClrLst meth="repeat">
+      <a:schemeClr val="accent5"/>
+    </dgm:linClrLst>
+    <dgm:effectClrLst/>
+    <dgm:txLinClrLst/>
+    <dgm:txFillClrLst meth="repeat">
+      <a:schemeClr val="dk1"/>
+    </dgm:txFillClrLst>
+    <dgm:txEffectClrLst/>
+  </dgm:styleLbl>
+  <dgm:styleLbl name="solidBgAcc1">
+    <dgm:fillClrLst meth="repeat">
+      <a:schemeClr val="lt1"/>
+    </dgm:fillClrLst>
+    <dgm:linClrLst meth="repeat">
+      <a:schemeClr val="accent5"/>
+    </dgm:linClrLst>
+    <dgm:effectClrLst/>
+    <dgm:txLinClrLst/>
+    <dgm:txFillClrLst meth="repeat">
+      <a:schemeClr val="dk1"/>
+    </dgm:txFillClrLst>
+    <dgm:txEffectClrLst/>
+  </dgm:styleLbl>
+  <dgm:styleLbl name="fgAccFollowNode1">
+    <dgm:fillClrLst meth="repeat">
+      <a:schemeClr val="accent5">
+        <a:alpha val="90000"/>
+        <a:tint val="40000"/>
+      </a:schemeClr>
+    </dgm:fillClrLst>
+    <dgm:linClrLst meth="repeat">
+      <a:schemeClr val="accent5">
+        <a:alpha val="90000"/>
+        <a:tint val="40000"/>
+      </a:schemeClr>
+    </dgm:linClrLst>
+    <dgm:effectClrLst/>
+    <dgm:txLinClrLst/>
+    <dgm:txFillClrLst meth="repeat">
+      <a:schemeClr val="dk1"/>
+    </dgm:txFillClrLst>
+    <dgm:txEffectClrLst/>
+  </dgm:styleLbl>
+  <dgm:styleLbl name="alignAccFollowNode1">
+    <dgm:fillClrLst meth="repeat">
+      <a:schemeClr val="accent5">
+        <a:alpha val="90000"/>
+        <a:tint val="40000"/>
+      </a:schemeClr>
+    </dgm:fillClrLst>
+    <dgm:linClrLst meth="repeat">
+      <a:schemeClr val="accent5">
+        <a:alpha val="90000"/>
+        <a:tint val="40000"/>
+      </a:schemeClr>
+    </dgm:linClrLst>
+    <dgm:effectClrLst/>
+    <dgm:txLinClrLst/>
+    <dgm:txFillClrLst meth="repeat">
+      <a:schemeClr val="dk1"/>
+    </dgm:txFillClrLst>
+    <dgm:txEffectClrLst/>
+  </dgm:styleLbl>
+  <dgm:styleLbl name="bgAccFollowNode1">
+    <dgm:fillClrLst meth="repeat">
+      <a:schemeClr val="accent5">
+        <a:alpha val="90000"/>
+        <a:tint val="40000"/>
+      </a:schemeClr>
+    </dgm:fillClrLst>
+    <dgm:linClrLst meth="repeat">
+      <a:schemeClr val="accent5">
+        <a:alpha val="90000"/>
+        <a:tint val="40000"/>
+      </a:schemeClr>
+    </dgm:linClrLst>
+    <dgm:effectClrLst/>
+    <dgm:txLinClrLst/>
+    <dgm:txFillClrLst meth="repeat">
+      <a:schemeClr val="dk1"/>
+    </dgm:txFillClrLst>
+    <dgm:txEffectClrLst/>
+  </dgm:styleLbl>
+  <dgm:styleLbl name="fgAcc0">
+    <dgm:fillClrLst meth="repeat">
+      <a:schemeClr val="lt1">
+        <a:alpha val="90000"/>
+      </a:schemeClr>
+    </dgm:fillClrLst>
+    <dgm:linClrLst meth="repeat">
+      <a:schemeClr val="accent5"/>
+    </dgm:linClrLst>
+    <dgm:effectClrLst/>
+    <dgm:txLinClrLst/>
+    <dgm:txFillClrLst meth="repeat">
+      <a:schemeClr val="dk1"/>
+    </dgm:txFillClrLst>
+    <dgm:txEffectClrLst/>
+  </dgm:styleLbl>
+  <dgm:styleLbl name="fgAcc2">
+    <dgm:fillClrLst meth="repeat">
+      <a:schemeClr val="lt1">
+        <a:alpha val="90000"/>
+      </a:schemeClr>
+    </dgm:fillClrLst>
+    <dgm:linClrLst meth="repeat">
+      <a:schemeClr val="accent5"/>
+    </dgm:linClrLst>
+    <dgm:effectClrLst/>
+    <dgm:txLinClrLst/>
+    <dgm:txFillClrLst meth="repeat">
+      <a:schemeClr val="dk1"/>
+    </dgm:txFillClrLst>
+    <dgm:txEffectClrLst/>
+  </dgm:styleLbl>
+  <dgm:styleLbl name="fgAcc3">
+    <dgm:fillClrLst meth="repeat">
+      <a:schemeClr val="lt1">
+        <a:alpha val="90000"/>
+      </a:schemeClr>
+    </dgm:fillClrLst>
+    <dgm:linClrLst meth="repeat">
+      <a:schemeClr val="accent5"/>
+    </dgm:linClrLst>
+    <dgm:effectClrLst/>
+    <dgm:txLinClrLst/>
+    <dgm:txFillClrLst meth="repeat">
+      <a:schemeClr val="dk1"/>
+    </dgm:txFillClrLst>
+    <dgm:txEffectClrLst/>
+  </dgm:styleLbl>
+  <dgm:styleLbl name="fgAcc4">
+    <dgm:fillClrLst meth="repeat">
+      <a:schemeClr val="lt1">
+        <a:alpha val="90000"/>
+      </a:schemeClr>
+    </dgm:fillClrLst>
+    <dgm:linClrLst meth="repeat">
+      <a:schemeClr val="accent5"/>
+    </dgm:linClrLst>
+    <dgm:effectClrLst/>
+    <dgm:txLinClrLst/>
+    <dgm:txFillClrLst meth="repeat">
+      <a:schemeClr val="dk1"/>
+    </dgm:txFillClrLst>
+    <dgm:txEffectClrLst/>
+  </dgm:styleLbl>
+  <dgm:styleLbl name="bgShp">
+    <dgm:fillClrLst meth="repeat">
+      <a:schemeClr val="accent5">
+        <a:tint val="40000"/>
+      </a:schemeClr>
+    </dgm:fillClrLst>
+    <dgm:linClrLst meth="repeat">
+      <a:schemeClr val="accent5"/>
+    </dgm:linClrLst>
+    <dgm:effectClrLst/>
+    <dgm:txLinClrLst/>
+    <dgm:txFillClrLst meth="repeat">
+      <a:schemeClr val="dk1"/>
+    </dgm:txFillClrLst>
+    <dgm:txEffectClrLst/>
+  </dgm:styleLbl>
+  <dgm:styleLbl name="dkBgShp">
+    <dgm:fillClrLst meth="repeat">
+      <a:schemeClr val="accent5">
+        <a:shade val="80000"/>
+      </a:schemeClr>
+    </dgm:fillClrLst>
+    <dgm:linClrLst meth="repeat">
+      <a:schemeClr val="accent5"/>
+    </dgm:linClrLst>
+    <dgm:effectClrLst/>
+    <dgm:txLinClrLst/>
+    <dgm:txFillClrLst meth="repeat">
+      <a:schemeClr val="lt1"/>
+    </dgm:txFillClrLst>
+    <dgm:txEffectClrLst/>
+  </dgm:styleLbl>
+  <dgm:styleLbl name="trBgShp">
+    <dgm:fillClrLst meth="repeat">
+      <a:schemeClr val="accent5">
+        <a:tint val="50000"/>
+        <a:alpha val="40000"/>
+      </a:schemeClr>
+    </dgm:fillClrLst>
+    <dgm:linClrLst meth="repeat">
+      <a:schemeClr val="accent5"/>
+    </dgm:linClrLst>
+    <dgm:effectClrLst/>
+    <dgm:txLinClrLst/>
+    <dgm:txFillClrLst meth="repeat">
+      <a:schemeClr val="lt1"/>
+    </dgm:txFillClrLst>
+    <dgm:txEffectClrLst/>
+  </dgm:styleLbl>
+  <dgm:styleLbl name="fgShp">
+    <dgm:fillClrLst meth="repeat">
+      <a:schemeClr val="accent5">
+        <a:tint val="60000"/>
+      </a:schemeClr>
+    </dgm:fillClrLst>
+    <dgm:linClrLst meth="repeat">
+      <a:schemeClr val="lt1"/>
+    </dgm:linClrLst>
+    <dgm:effectClrLst/>
+    <dgm:txLinClrLst/>
+    <dgm:txFillClrLst meth="repeat">
+      <a:schemeClr val="dk1"/>
+    </dgm:txFillClrLst>
+    <dgm:txEffectClrLst/>
+  </dgm:styleLbl>
+  <dgm:styleLbl name="revTx">
+    <dgm:fillClrLst meth="repeat">
+      <a:schemeClr val="lt1">
+        <a:alpha val="0"/>
+      </a:schemeClr>
+    </dgm:fillClrLst>
+    <dgm:linClrLst meth="repeat">
+      <a:schemeClr val="dk1">
+        <a:alpha val="0"/>
+      </a:schemeClr>
+    </dgm:linClrLst>
+    <dgm:effectClrLst/>
+    <dgm:txLinClrLst/>
+    <dgm:txFillClrLst meth="repeat">
+      <a:schemeClr val="tx1"/>
+    </dgm:txFillClrLst>
+    <dgm:txEffectClrLst/>
+  </dgm:styleLbl>
+</dgm:colorsDef>
+</file>
+
+<file path=ppt/diagrams/colors4.xml><?xml version="1.0" encoding="utf-8"?>
 <dgm:colorsDef xmlns:dgm="http://schemas.openxmlformats.org/drawingml/2006/diagram" xmlns:a="http://schemas.openxmlformats.org/drawingml/2006/main" uniqueId="urn:microsoft.com/office/officeart/2005/8/colors/accent2_2">
   <dgm:title val=""/>
   <dgm:desc val=""/>
@@ -2534,7 +3281,7 @@
 </dgm:colorsDef>
 </file>
 
-<file path=ppt/diagrams/colors4.xml><?xml version="1.0" encoding="utf-8"?>
+<file path=ppt/diagrams/colors5.xml><?xml version="1.0" encoding="utf-8"?>
 <dgm:colorsDef xmlns:dgm="http://schemas.openxmlformats.org/drawingml/2006/diagram" xmlns:a="http://schemas.openxmlformats.org/drawingml/2006/main" uniqueId="urn:microsoft.com/office/officeart/2005/8/colors/accent3_3">
   <dgm:title val=""/>
   <dgm:desc val=""/>
@@ -3666,26 +4413,26 @@
     </dgm:pt>
   </dgm:ptLst>
   <dgm:cxnLst>
-    <dgm:cxn modelId="{2C5BBF2B-6F55-4396-92AD-7CA416BAEA36}" type="presOf" srcId="{178030DC-726A-4F7F-B6D9-45B4898A896E}" destId="{559D0FE3-DDF9-4B61-A624-2891F0A76812}" srcOrd="0" destOrd="0" presId="urn:microsoft.com/office/officeart/2005/8/layout/matrix3"/>
     <dgm:cxn modelId="{252DDAF9-0585-460D-9A1C-1EDC215CA39B}" srcId="{178030DC-726A-4F7F-B6D9-45B4898A896E}" destId="{F6FCD83F-55E7-40A3-85DC-E7CD163F3992}" srcOrd="1" destOrd="0" parTransId="{94E7F0F9-597D-44C8-A27E-8396DCF065B9}" sibTransId="{694F9B6A-69D1-45A9-A3CC-52D6A45A3FEF}"/>
+    <dgm:cxn modelId="{56F5DA49-21D3-410E-969F-FB36F87D26BA}" type="presOf" srcId="{F6FCD83F-55E7-40A3-85DC-E7CD163F3992}" destId="{1CA8266B-5D95-41D0-9056-49C3011D2C19}" srcOrd="0" destOrd="0" presId="urn:microsoft.com/office/officeart/2005/8/layout/matrix3"/>
     <dgm:cxn modelId="{27BBD0EF-3D40-47C4-9214-1F5AB814D5E2}" srcId="{178030DC-726A-4F7F-B6D9-45B4898A896E}" destId="{2724BF06-9A75-4CC7-AB7A-ED85F53D9F68}" srcOrd="0" destOrd="0" parTransId="{F3C1426C-33E2-476C-8530-A247BE2BA294}" sibTransId="{4EE2FB96-B7F2-4311-BA50-07D4AD5C39F1}"/>
+    <dgm:cxn modelId="{E07E0569-1ACA-42DE-B13B-AF986BCA3785}" type="presOf" srcId="{0C3F0D16-84A4-46F0-8399-68C45BE0CC05}" destId="{04E939BC-71A7-4396-BB8C-C0AF37034F1B}" srcOrd="0" destOrd="0" presId="urn:microsoft.com/office/officeart/2005/8/layout/matrix3"/>
     <dgm:cxn modelId="{4B34A8D4-65D6-46A1-84CC-50B52C82284D}" srcId="{178030DC-726A-4F7F-B6D9-45B4898A896E}" destId="{616D85F2-BA9C-4E78-A0C8-847B651428D6}" srcOrd="3" destOrd="0" parTransId="{A81A9056-DF50-4F46-86F2-CA9597977D86}" sibTransId="{48E7EB04-56B6-4C10-855C-75E54E185E5E}"/>
-    <dgm:cxn modelId="{C66E8B73-4D3A-4632-8542-4FEBB03082AD}" type="presOf" srcId="{0C3F0D16-84A4-46F0-8399-68C45BE0CC05}" destId="{04E939BC-71A7-4396-BB8C-C0AF37034F1B}" srcOrd="0" destOrd="0" presId="urn:microsoft.com/office/officeart/2005/8/layout/matrix3"/>
-    <dgm:cxn modelId="{E2F6E7BC-7B66-4D81-A2A4-965490242AE0}" type="presOf" srcId="{616D85F2-BA9C-4E78-A0C8-847B651428D6}" destId="{59890E49-B03D-4558-8694-578A7D3A6811}" srcOrd="0" destOrd="0" presId="urn:microsoft.com/office/officeart/2005/8/layout/matrix3"/>
-    <dgm:cxn modelId="{7823AD6D-94B0-4A60-98BE-3495CFDD828F}" type="presOf" srcId="{2724BF06-9A75-4CC7-AB7A-ED85F53D9F68}" destId="{D7FA41AC-5AFE-456B-8B00-AB1ACAB2FF7C}" srcOrd="0" destOrd="0" presId="urn:microsoft.com/office/officeart/2005/8/layout/matrix3"/>
+    <dgm:cxn modelId="{201EFB52-AA82-43E1-B780-63C0472A3D4F}" type="presOf" srcId="{178030DC-726A-4F7F-B6D9-45B4898A896E}" destId="{559D0FE3-DDF9-4B61-A624-2891F0A76812}" srcOrd="0" destOrd="0" presId="urn:microsoft.com/office/officeart/2005/8/layout/matrix3"/>
+    <dgm:cxn modelId="{B66AA209-58A1-405A-968B-C8D178661C3A}" type="presOf" srcId="{616D85F2-BA9C-4E78-A0C8-847B651428D6}" destId="{59890E49-B03D-4558-8694-578A7D3A6811}" srcOrd="0" destOrd="0" presId="urn:microsoft.com/office/officeart/2005/8/layout/matrix3"/>
+    <dgm:cxn modelId="{E575E030-EB47-4C94-84E9-EC74B8D95380}" type="presOf" srcId="{2724BF06-9A75-4CC7-AB7A-ED85F53D9F68}" destId="{D7FA41AC-5AFE-456B-8B00-AB1ACAB2FF7C}" srcOrd="0" destOrd="0" presId="urn:microsoft.com/office/officeart/2005/8/layout/matrix3"/>
     <dgm:cxn modelId="{DC698647-0A61-40EC-93A4-B8A860441BD3}" srcId="{178030DC-726A-4F7F-B6D9-45B4898A896E}" destId="{0C3F0D16-84A4-46F0-8399-68C45BE0CC05}" srcOrd="2" destOrd="0" parTransId="{EB968261-3F6E-42D7-8A3C-8743B6E65EF8}" sibTransId="{B25E921C-538E-4A6E-81FB-8E2C42DDD832}"/>
-    <dgm:cxn modelId="{BEEC3622-6BD7-4ED8-BD98-ED950D116DCC}" type="presOf" srcId="{F6FCD83F-55E7-40A3-85DC-E7CD163F3992}" destId="{1CA8266B-5D95-41D0-9056-49C3011D2C19}" srcOrd="0" destOrd="0" presId="urn:microsoft.com/office/officeart/2005/8/layout/matrix3"/>
-    <dgm:cxn modelId="{213191C0-705B-4665-A86C-D371960FFD9B}" type="presParOf" srcId="{559D0FE3-DDF9-4B61-A624-2891F0A76812}" destId="{898E7B4B-7D79-409D-9247-2BDBDF9944A2}" srcOrd="0" destOrd="0" presId="urn:microsoft.com/office/officeart/2005/8/layout/matrix3"/>
-    <dgm:cxn modelId="{2AD5BC91-E9F0-4F70-B2CA-AD40B0327125}" type="presParOf" srcId="{559D0FE3-DDF9-4B61-A624-2891F0A76812}" destId="{D7FA41AC-5AFE-456B-8B00-AB1ACAB2FF7C}" srcOrd="1" destOrd="0" presId="urn:microsoft.com/office/officeart/2005/8/layout/matrix3"/>
-    <dgm:cxn modelId="{BF1615AC-99A4-4244-8576-B5F0EDCCD737}" type="presParOf" srcId="{559D0FE3-DDF9-4B61-A624-2891F0A76812}" destId="{1CA8266B-5D95-41D0-9056-49C3011D2C19}" srcOrd="2" destOrd="0" presId="urn:microsoft.com/office/officeart/2005/8/layout/matrix3"/>
-    <dgm:cxn modelId="{B098267B-CA01-42E2-A4B1-0D9AFB288E3D}" type="presParOf" srcId="{559D0FE3-DDF9-4B61-A624-2891F0A76812}" destId="{04E939BC-71A7-4396-BB8C-C0AF37034F1B}" srcOrd="3" destOrd="0" presId="urn:microsoft.com/office/officeart/2005/8/layout/matrix3"/>
-    <dgm:cxn modelId="{BF9D627A-D692-4B42-987F-E784E1AC1531}" type="presParOf" srcId="{559D0FE3-DDF9-4B61-A624-2891F0A76812}" destId="{59890E49-B03D-4558-8694-578A7D3A6811}" srcOrd="4" destOrd="0" presId="urn:microsoft.com/office/officeart/2005/8/layout/matrix3"/>
+    <dgm:cxn modelId="{DD54BADF-9188-41CE-9851-4B9DFAE3A9AF}" type="presParOf" srcId="{559D0FE3-DDF9-4B61-A624-2891F0A76812}" destId="{898E7B4B-7D79-409D-9247-2BDBDF9944A2}" srcOrd="0" destOrd="0" presId="urn:microsoft.com/office/officeart/2005/8/layout/matrix3"/>
+    <dgm:cxn modelId="{0873E027-62A4-407D-A6AE-B29B19B29F09}" type="presParOf" srcId="{559D0FE3-DDF9-4B61-A624-2891F0A76812}" destId="{D7FA41AC-5AFE-456B-8B00-AB1ACAB2FF7C}" srcOrd="1" destOrd="0" presId="urn:microsoft.com/office/officeart/2005/8/layout/matrix3"/>
+    <dgm:cxn modelId="{6511B624-909C-47CB-A3AC-4AEE447D7C07}" type="presParOf" srcId="{559D0FE3-DDF9-4B61-A624-2891F0A76812}" destId="{1CA8266B-5D95-41D0-9056-49C3011D2C19}" srcOrd="2" destOrd="0" presId="urn:microsoft.com/office/officeart/2005/8/layout/matrix3"/>
+    <dgm:cxn modelId="{3B1B134F-4550-4EEA-AD78-0DB1A2C15ECD}" type="presParOf" srcId="{559D0FE3-DDF9-4B61-A624-2891F0A76812}" destId="{04E939BC-71A7-4396-BB8C-C0AF37034F1B}" srcOrd="3" destOrd="0" presId="urn:microsoft.com/office/officeart/2005/8/layout/matrix3"/>
+    <dgm:cxn modelId="{06C7CD99-A670-4F44-B34E-62803B2F1542}" type="presParOf" srcId="{559D0FE3-DDF9-4B61-A624-2891F0A76812}" destId="{59890E49-B03D-4558-8694-578A7D3A6811}" srcOrd="4" destOrd="0" presId="urn:microsoft.com/office/officeart/2005/8/layout/matrix3"/>
   </dgm:cxnLst>
   <dgm:bg/>
   <dgm:whole/>
   <dgm:extLst>
     <a:ext uri="http://schemas.microsoft.com/office/drawing/2008/diagram">
-      <dsp:dataModelExt xmlns:dsp="http://schemas.microsoft.com/office/drawing/2008/diagram" xmlns="" relId="rId7" minVer="http://schemas.openxmlformats.org/drawingml/2006/diagram"/>
+      <dsp:dataModelExt xmlns:dsp="http://schemas.microsoft.com/office/drawing/2008/diagram" xmlns="" relId="rId6" minVer="http://schemas.openxmlformats.org/drawingml/2006/diagram"/>
     </a:ext>
   </dgm:extLst>
 </dgm:dataModel>
@@ -3753,7 +4500,7 @@
           <a:pPr rtl="0"/>
           <a:r>
             <a:rPr lang="en-US" dirty="0" smtClean="0"/>
-            <a:t>Device acts as a passive tag</a:t>
+            <a:t>Device acts as a passive tag (Target)</a:t>
           </a:r>
           <a:endParaRPr lang="en-US" dirty="0"/>
         </a:p>
@@ -3829,7 +4576,7 @@
           <a:pPr rtl="0"/>
           <a:r>
             <a:rPr lang="en-US" dirty="0" smtClean="0"/>
-            <a:t>Device is a active card reader</a:t>
+            <a:t>Device is a active card reader (Initiator)</a:t>
           </a:r>
           <a:endParaRPr lang="en-US" dirty="0"/>
         </a:p>
@@ -4248,54 +4995,779 @@
     </dgm:pt>
   </dgm:ptLst>
   <dgm:cxnLst>
-    <dgm:cxn modelId="{1E7A1A11-46C6-480B-BC79-E65C7D84CBE6}" type="presOf" srcId="{B7542F8D-2BF0-4171-BFFE-7611E952E857}" destId="{626FDB32-C431-4986-9109-B34078D79621}" srcOrd="0" destOrd="0" presId="urn:microsoft.com/office/officeart/2005/8/layout/lProcess2"/>
-    <dgm:cxn modelId="{9EFC2677-D6FF-48F5-B837-B32473C753A2}" type="presOf" srcId="{F9735C92-802A-4C57-9A85-15FA34881B2C}" destId="{C6A7FAD4-7815-46E2-8335-E1FBFE3EA5ED}" srcOrd="0" destOrd="0" presId="urn:microsoft.com/office/officeart/2005/8/layout/lProcess2"/>
+    <dgm:cxn modelId="{420F1F58-B5A3-45A7-9C5F-75DF1056FF07}" type="presOf" srcId="{09BC11A3-26BC-4782-9A91-0AAD49053295}" destId="{9ECD10C0-A373-4907-90C2-8F546750EC63}" srcOrd="0" destOrd="0" presId="urn:microsoft.com/office/officeart/2005/8/layout/lProcess2"/>
+    <dgm:cxn modelId="{285C641F-D330-4D59-B630-A4B778F4C484}" type="presOf" srcId="{B9ED403D-CF84-42C1-A0CD-DD7598CCA1E9}" destId="{C350CE58-42CD-4AAC-9BAF-F631A45A552A}" srcOrd="0" destOrd="0" presId="urn:microsoft.com/office/officeart/2005/8/layout/lProcess2"/>
+    <dgm:cxn modelId="{79A8BE4C-E0FF-45F1-8F99-AEA7957174F8}" type="presOf" srcId="{A17FFCE6-B0B9-4396-B503-AF2713F87F6F}" destId="{F960E333-CBFA-4095-8722-14EA2A580D6B}" srcOrd="0" destOrd="0" presId="urn:microsoft.com/office/officeart/2005/8/layout/lProcess2"/>
     <dgm:cxn modelId="{F551D1A6-5658-41D9-8BCC-BDA63CEEDF04}" srcId="{18A55B79-2567-4355-9F2A-E6E255FCD331}" destId="{F9735C92-802A-4C57-9A85-15FA34881B2C}" srcOrd="0" destOrd="0" parTransId="{5DDF771A-5531-4CFC-90B8-9FEDDE5B02FC}" sibTransId="{6FE4F117-065E-4D67-938E-57D72F76C8C3}"/>
+    <dgm:cxn modelId="{2679124E-0C81-4CD9-9AF9-F4551731669E}" srcId="{75D0AB08-A852-4760-AC0F-473586CB832E}" destId="{BFEB64DC-99A6-4933-96B6-E9E839680F75}" srcOrd="1" destOrd="0" parTransId="{F6F0F198-5CF6-4477-8ACA-29C197676CB9}" sibTransId="{819D1087-CE73-4024-A942-5AEBD6342AB0}"/>
+    <dgm:cxn modelId="{62B4A1EC-00B6-40A6-BE17-A9ACCE144D61}" type="presOf" srcId="{18A55B79-2567-4355-9F2A-E6E255FCD331}" destId="{A2537FE1-3A89-4D8F-A0C0-73D0B3EE4334}" srcOrd="0" destOrd="0" presId="urn:microsoft.com/office/officeart/2005/8/layout/lProcess2"/>
+    <dgm:cxn modelId="{BBC8812D-2B39-4889-863A-3845CDA04432}" type="presOf" srcId="{B7542F8D-2BF0-4171-BFFE-7611E952E857}" destId="{DDD8300F-2E43-4E02-AD56-B9DB7D2F87C3}" srcOrd="1" destOrd="0" presId="urn:microsoft.com/office/officeart/2005/8/layout/lProcess2"/>
+    <dgm:cxn modelId="{898A0B6C-4C23-4C71-9E26-E87781327B8A}" srcId="{F9735C92-802A-4C57-9A85-15FA34881B2C}" destId="{09BC11A3-26BC-4782-9A91-0AAD49053295}" srcOrd="1" destOrd="0" parTransId="{17297F55-18D9-4BD0-A691-B7124F5F42E9}" sibTransId="{58C8A897-75CD-410D-8CEC-0B07B86B9BAE}"/>
+    <dgm:cxn modelId="{9995E0E8-C4F5-4BA9-A564-F13C2ADB853B}" srcId="{B7542F8D-2BF0-4171-BFFE-7611E952E857}" destId="{33E9F82A-6C4F-4879-A2D9-26C1AB57E013}" srcOrd="0" destOrd="0" parTransId="{30656118-A1A6-445E-93EA-96FD141430BD}" sibTransId="{86840714-A83E-4D5A-941E-A3F9BFD66CAA}"/>
+    <dgm:cxn modelId="{B21E19EC-6605-41EC-ADE1-82DDDCE10C27}" type="presOf" srcId="{5AD08B70-7DDA-4C1C-BC45-BF172D5DDC28}" destId="{E2293E9B-23C7-45D1-AE25-C5937A0393DD}" srcOrd="0" destOrd="0" presId="urn:microsoft.com/office/officeart/2005/8/layout/lProcess2"/>
+    <dgm:cxn modelId="{034AFB1A-A06E-48A9-AA9C-DD0866E2C877}" type="presOf" srcId="{75D0AB08-A852-4760-AC0F-473586CB832E}" destId="{DC0C04DF-91B3-436B-9B4E-85BBD803F774}" srcOrd="1" destOrd="0" presId="urn:microsoft.com/office/officeart/2005/8/layout/lProcess2"/>
+    <dgm:cxn modelId="{CCDE70FC-6664-40AB-9611-EADDD3C84527}" type="presOf" srcId="{33E9F82A-6C4F-4879-A2D9-26C1AB57E013}" destId="{0EE83E56-7551-44DD-908E-A13E42D9004A}" srcOrd="0" destOrd="0" presId="urn:microsoft.com/office/officeart/2005/8/layout/lProcess2"/>
+    <dgm:cxn modelId="{1748AB87-2920-45FA-9EC9-4F013717BD8B}" type="presOf" srcId="{B7542F8D-2BF0-4171-BFFE-7611E952E857}" destId="{626FDB32-C431-4986-9109-B34078D79621}" srcOrd="0" destOrd="0" presId="urn:microsoft.com/office/officeart/2005/8/layout/lProcess2"/>
     <dgm:cxn modelId="{7E92FF08-4645-44FC-B690-4EA42F7AC94D}" srcId="{B7542F8D-2BF0-4171-BFFE-7611E952E857}" destId="{5AD08B70-7DDA-4C1C-BC45-BF172D5DDC28}" srcOrd="1" destOrd="0" parTransId="{CF897784-DD56-4C1D-B417-E9D49565C42A}" sibTransId="{6069E751-3701-4B89-8726-0A2C7077CE82}"/>
-    <dgm:cxn modelId="{4A800BA5-1270-4E96-9B8B-A6C8ED08954F}" type="presOf" srcId="{BFEB64DC-99A6-4933-96B6-E9E839680F75}" destId="{62C838B4-3A76-4658-936A-4506498C325F}" srcOrd="0" destOrd="0" presId="urn:microsoft.com/office/officeart/2005/8/layout/lProcess2"/>
-    <dgm:cxn modelId="{D5A823B5-0BFB-4A0E-94D1-65A72127A0AA}" type="presOf" srcId="{F9735C92-802A-4C57-9A85-15FA34881B2C}" destId="{578F6EA5-6F92-41E2-B492-526C08D645F2}" srcOrd="1" destOrd="0" presId="urn:microsoft.com/office/officeart/2005/8/layout/lProcess2"/>
-    <dgm:cxn modelId="{2679124E-0C81-4CD9-9AF9-F4551731669E}" srcId="{75D0AB08-A852-4760-AC0F-473586CB832E}" destId="{BFEB64DC-99A6-4933-96B6-E9E839680F75}" srcOrd="1" destOrd="0" parTransId="{F6F0F198-5CF6-4477-8ACA-29C197676CB9}" sibTransId="{819D1087-CE73-4024-A942-5AEBD6342AB0}"/>
-    <dgm:cxn modelId="{0629407C-5208-4735-9D2E-97BA0CB61F78}" type="presOf" srcId="{75D0AB08-A852-4760-AC0F-473586CB832E}" destId="{DC0C04DF-91B3-436B-9B4E-85BBD803F774}" srcOrd="1" destOrd="0" presId="urn:microsoft.com/office/officeart/2005/8/layout/lProcess2"/>
-    <dgm:cxn modelId="{1F2D8568-B190-4118-9FE8-700BE938E0A1}" type="presOf" srcId="{75D0AB08-A852-4760-AC0F-473586CB832E}" destId="{C2E0CFBC-BB45-4228-9CB3-F49EACB82D78}" srcOrd="0" destOrd="0" presId="urn:microsoft.com/office/officeart/2005/8/layout/lProcess2"/>
+    <dgm:cxn modelId="{A3A2A04F-3523-4CEB-8DCF-D6CBF9960D54}" type="presOf" srcId="{75D0AB08-A852-4760-AC0F-473586CB832E}" destId="{C2E0CFBC-BB45-4228-9CB3-F49EACB82D78}" srcOrd="0" destOrd="0" presId="urn:microsoft.com/office/officeart/2005/8/layout/lProcess2"/>
+    <dgm:cxn modelId="{303ECA3E-BCD2-43D5-A7BF-8788B4335BB1}" srcId="{75D0AB08-A852-4760-AC0F-473586CB832E}" destId="{B9ED403D-CF84-42C1-A0CD-DD7598CCA1E9}" srcOrd="0" destOrd="0" parTransId="{73CDCB6B-AB89-46DA-A9A7-AE439E991BF6}" sibTransId="{1C47D6C8-B335-4ED6-B270-D65B3F397101}"/>
+    <dgm:cxn modelId="{483D68E4-D63E-4A96-BA95-BF724BDF7649}" srcId="{18A55B79-2567-4355-9F2A-E6E255FCD331}" destId="{75D0AB08-A852-4760-AC0F-473586CB832E}" srcOrd="1" destOrd="0" parTransId="{BBB093F1-0755-42A6-B68F-EC61A3C8F2C1}" sibTransId="{D6225C3D-E3FC-4247-B184-3E5F3FC050E9}"/>
+    <dgm:cxn modelId="{7BDA942A-9E04-4465-8072-EE6EAC473FFB}" srcId="{F9735C92-802A-4C57-9A85-15FA34881B2C}" destId="{A17FFCE6-B0B9-4396-B503-AF2713F87F6F}" srcOrd="0" destOrd="0" parTransId="{0BB34095-D3FA-4C7E-8CB4-A23B7466B828}" sibTransId="{4FB94D81-D5F8-43D1-95DB-0310A18F6B24}"/>
+    <dgm:cxn modelId="{47DDFDDF-EAA8-4CF5-AEAB-9921B1B32238}" type="presOf" srcId="{F9735C92-802A-4C57-9A85-15FA34881B2C}" destId="{C6A7FAD4-7815-46E2-8335-E1FBFE3EA5ED}" srcOrd="0" destOrd="0" presId="urn:microsoft.com/office/officeart/2005/8/layout/lProcess2"/>
+    <dgm:cxn modelId="{D36C5725-C5A2-4EE7-8315-D0D11D605620}" type="presOf" srcId="{BFEB64DC-99A6-4933-96B6-E9E839680F75}" destId="{62C838B4-3A76-4658-936A-4506498C325F}" srcOrd="0" destOrd="0" presId="urn:microsoft.com/office/officeart/2005/8/layout/lProcess2"/>
     <dgm:cxn modelId="{DFD40C9F-6E2B-483E-BAB0-A91628444ABF}" srcId="{18A55B79-2567-4355-9F2A-E6E255FCD331}" destId="{B7542F8D-2BF0-4171-BFFE-7611E952E857}" srcOrd="2" destOrd="0" parTransId="{AE79ECEB-3882-4E43-B2D0-BF34ABC25F1E}" sibTransId="{5B5EC869-A5D4-4FE3-A9B3-9301BB034D0A}"/>
-    <dgm:cxn modelId="{303ECA3E-BCD2-43D5-A7BF-8788B4335BB1}" srcId="{75D0AB08-A852-4760-AC0F-473586CB832E}" destId="{B9ED403D-CF84-42C1-A0CD-DD7598CCA1E9}" srcOrd="0" destOrd="0" parTransId="{73CDCB6B-AB89-46DA-A9A7-AE439E991BF6}" sibTransId="{1C47D6C8-B335-4ED6-B270-D65B3F397101}"/>
-    <dgm:cxn modelId="{0875D2BF-0E83-4293-AF17-34A6B4A26AB3}" type="presOf" srcId="{5AD08B70-7DDA-4C1C-BC45-BF172D5DDC28}" destId="{E2293E9B-23C7-45D1-AE25-C5937A0393DD}" srcOrd="0" destOrd="0" presId="urn:microsoft.com/office/officeart/2005/8/layout/lProcess2"/>
-    <dgm:cxn modelId="{447AAA88-A529-4933-95DD-467C73D2197F}" type="presOf" srcId="{A17FFCE6-B0B9-4396-B503-AF2713F87F6F}" destId="{F960E333-CBFA-4095-8722-14EA2A580D6B}" srcOrd="0" destOrd="0" presId="urn:microsoft.com/office/officeart/2005/8/layout/lProcess2"/>
-    <dgm:cxn modelId="{483D68E4-D63E-4A96-BA95-BF724BDF7649}" srcId="{18A55B79-2567-4355-9F2A-E6E255FCD331}" destId="{75D0AB08-A852-4760-AC0F-473586CB832E}" srcOrd="1" destOrd="0" parTransId="{BBB093F1-0755-42A6-B68F-EC61A3C8F2C1}" sibTransId="{D6225C3D-E3FC-4247-B184-3E5F3FC050E9}"/>
-    <dgm:cxn modelId="{54097534-492A-4860-BDC8-64ED183BF43C}" type="presOf" srcId="{B9ED403D-CF84-42C1-A0CD-DD7598CCA1E9}" destId="{C350CE58-42CD-4AAC-9BAF-F631A45A552A}" srcOrd="0" destOrd="0" presId="urn:microsoft.com/office/officeart/2005/8/layout/lProcess2"/>
-    <dgm:cxn modelId="{898A0B6C-4C23-4C71-9E26-E87781327B8A}" srcId="{F9735C92-802A-4C57-9A85-15FA34881B2C}" destId="{09BC11A3-26BC-4782-9A91-0AAD49053295}" srcOrd="1" destOrd="0" parTransId="{17297F55-18D9-4BD0-A691-B7124F5F42E9}" sibTransId="{58C8A897-75CD-410D-8CEC-0B07B86B9BAE}"/>
-    <dgm:cxn modelId="{F08F17AD-43A0-4F8F-8C80-0E5DAA017EA9}" type="presOf" srcId="{33E9F82A-6C4F-4879-A2D9-26C1AB57E013}" destId="{0EE83E56-7551-44DD-908E-A13E42D9004A}" srcOrd="0" destOrd="0" presId="urn:microsoft.com/office/officeart/2005/8/layout/lProcess2"/>
-    <dgm:cxn modelId="{02888729-7468-40DD-A00E-CEE9244008E7}" type="presOf" srcId="{09BC11A3-26BC-4782-9A91-0AAD49053295}" destId="{9ECD10C0-A373-4907-90C2-8F546750EC63}" srcOrd="0" destOrd="0" presId="urn:microsoft.com/office/officeart/2005/8/layout/lProcess2"/>
-    <dgm:cxn modelId="{9995E0E8-C4F5-4BA9-A564-F13C2ADB853B}" srcId="{B7542F8D-2BF0-4171-BFFE-7611E952E857}" destId="{33E9F82A-6C4F-4879-A2D9-26C1AB57E013}" srcOrd="0" destOrd="0" parTransId="{30656118-A1A6-445E-93EA-96FD141430BD}" sibTransId="{86840714-A83E-4D5A-941E-A3F9BFD66CAA}"/>
-    <dgm:cxn modelId="{7BDA942A-9E04-4465-8072-EE6EAC473FFB}" srcId="{F9735C92-802A-4C57-9A85-15FA34881B2C}" destId="{A17FFCE6-B0B9-4396-B503-AF2713F87F6F}" srcOrd="0" destOrd="0" parTransId="{0BB34095-D3FA-4C7E-8CB4-A23B7466B828}" sibTransId="{4FB94D81-D5F8-43D1-95DB-0310A18F6B24}"/>
-    <dgm:cxn modelId="{CC631ECF-1DFB-4DD8-A0C5-925BFAE44824}" type="presOf" srcId="{18A55B79-2567-4355-9F2A-E6E255FCD331}" destId="{A2537FE1-3A89-4D8F-A0C0-73D0B3EE4334}" srcOrd="0" destOrd="0" presId="urn:microsoft.com/office/officeart/2005/8/layout/lProcess2"/>
-    <dgm:cxn modelId="{532762B5-D852-4598-A392-92AB8FC9E137}" type="presOf" srcId="{B7542F8D-2BF0-4171-BFFE-7611E952E857}" destId="{DDD8300F-2E43-4E02-AD56-B9DB7D2F87C3}" srcOrd="1" destOrd="0" presId="urn:microsoft.com/office/officeart/2005/8/layout/lProcess2"/>
-    <dgm:cxn modelId="{0E0B848E-ABF6-43B2-99FC-53682F5B3C47}" type="presParOf" srcId="{A2537FE1-3A89-4D8F-A0C0-73D0B3EE4334}" destId="{70F31043-AD36-4BE1-943F-2AE3F30B7D0F}" srcOrd="0" destOrd="0" presId="urn:microsoft.com/office/officeart/2005/8/layout/lProcess2"/>
-    <dgm:cxn modelId="{5C6F7E9E-A7BC-4161-9E10-7882FF48537B}" type="presParOf" srcId="{70F31043-AD36-4BE1-943F-2AE3F30B7D0F}" destId="{C6A7FAD4-7815-46E2-8335-E1FBFE3EA5ED}" srcOrd="0" destOrd="0" presId="urn:microsoft.com/office/officeart/2005/8/layout/lProcess2"/>
-    <dgm:cxn modelId="{4E345992-E4DB-4D40-B9A5-C5EF96DBB8B5}" type="presParOf" srcId="{70F31043-AD36-4BE1-943F-2AE3F30B7D0F}" destId="{578F6EA5-6F92-41E2-B492-526C08D645F2}" srcOrd="1" destOrd="0" presId="urn:microsoft.com/office/officeart/2005/8/layout/lProcess2"/>
-    <dgm:cxn modelId="{8448D1DE-0B7D-41EF-83B5-D5A3D410A73A}" type="presParOf" srcId="{70F31043-AD36-4BE1-943F-2AE3F30B7D0F}" destId="{6CC8E6F5-4E69-48C5-9ACE-675FC1CBEBDF}" srcOrd="2" destOrd="0" presId="urn:microsoft.com/office/officeart/2005/8/layout/lProcess2"/>
-    <dgm:cxn modelId="{3389F444-27F5-4791-B8C2-41FFB5C439B1}" type="presParOf" srcId="{6CC8E6F5-4E69-48C5-9ACE-675FC1CBEBDF}" destId="{6FABCF1F-3D35-4B58-BAC5-0FE36430A0B9}" srcOrd="0" destOrd="0" presId="urn:microsoft.com/office/officeart/2005/8/layout/lProcess2"/>
-    <dgm:cxn modelId="{2D5C922C-5439-47E9-B60B-CAF1E40158AA}" type="presParOf" srcId="{6FABCF1F-3D35-4B58-BAC5-0FE36430A0B9}" destId="{F960E333-CBFA-4095-8722-14EA2A580D6B}" srcOrd="0" destOrd="0" presId="urn:microsoft.com/office/officeart/2005/8/layout/lProcess2"/>
-    <dgm:cxn modelId="{AFEA555B-E647-4FDA-9553-072483F471BD}" type="presParOf" srcId="{6FABCF1F-3D35-4B58-BAC5-0FE36430A0B9}" destId="{CDC9D3B5-0369-4DBC-AA47-E7ECCFCC4661}" srcOrd="1" destOrd="0" presId="urn:microsoft.com/office/officeart/2005/8/layout/lProcess2"/>
-    <dgm:cxn modelId="{93A84629-2232-4537-9B1B-38205255C94C}" type="presParOf" srcId="{6FABCF1F-3D35-4B58-BAC5-0FE36430A0B9}" destId="{9ECD10C0-A373-4907-90C2-8F546750EC63}" srcOrd="2" destOrd="0" presId="urn:microsoft.com/office/officeart/2005/8/layout/lProcess2"/>
-    <dgm:cxn modelId="{BAC88006-B060-4E4F-8EE0-E7D10FBA95AF}" type="presParOf" srcId="{A2537FE1-3A89-4D8F-A0C0-73D0B3EE4334}" destId="{7D7C3A01-005F-4622-8A8A-081561993F4C}" srcOrd="1" destOrd="0" presId="urn:microsoft.com/office/officeart/2005/8/layout/lProcess2"/>
-    <dgm:cxn modelId="{8157DC22-C294-4F7A-81F9-F4068E3554F0}" type="presParOf" srcId="{A2537FE1-3A89-4D8F-A0C0-73D0B3EE4334}" destId="{C59EA61E-EA02-4799-9D66-0766C95ADD31}" srcOrd="2" destOrd="0" presId="urn:microsoft.com/office/officeart/2005/8/layout/lProcess2"/>
-    <dgm:cxn modelId="{FFB750D7-1873-4E9D-838E-4964AFD09ED0}" type="presParOf" srcId="{C59EA61E-EA02-4799-9D66-0766C95ADD31}" destId="{C2E0CFBC-BB45-4228-9CB3-F49EACB82D78}" srcOrd="0" destOrd="0" presId="urn:microsoft.com/office/officeart/2005/8/layout/lProcess2"/>
-    <dgm:cxn modelId="{CAFB9404-D012-485D-B1B3-84455BC0A02C}" type="presParOf" srcId="{C59EA61E-EA02-4799-9D66-0766C95ADD31}" destId="{DC0C04DF-91B3-436B-9B4E-85BBD803F774}" srcOrd="1" destOrd="0" presId="urn:microsoft.com/office/officeart/2005/8/layout/lProcess2"/>
-    <dgm:cxn modelId="{49A07B39-3CAE-46A7-81D7-21985D6D2EC5}" type="presParOf" srcId="{C59EA61E-EA02-4799-9D66-0766C95ADD31}" destId="{BF1CC893-368A-4580-801C-1C7BB7649CAE}" srcOrd="2" destOrd="0" presId="urn:microsoft.com/office/officeart/2005/8/layout/lProcess2"/>
-    <dgm:cxn modelId="{90A7D9BE-28B9-4FD8-AD15-13675D2B92CA}" type="presParOf" srcId="{BF1CC893-368A-4580-801C-1C7BB7649CAE}" destId="{713829D5-BDA5-4050-A6AD-E0D6B71D2136}" srcOrd="0" destOrd="0" presId="urn:microsoft.com/office/officeart/2005/8/layout/lProcess2"/>
-    <dgm:cxn modelId="{23111E82-28C5-4946-BE86-779737C3B2F1}" type="presParOf" srcId="{713829D5-BDA5-4050-A6AD-E0D6B71D2136}" destId="{C350CE58-42CD-4AAC-9BAF-F631A45A552A}" srcOrd="0" destOrd="0" presId="urn:microsoft.com/office/officeart/2005/8/layout/lProcess2"/>
-    <dgm:cxn modelId="{9371E6B4-35FA-4AB3-95D0-272188E48D8F}" type="presParOf" srcId="{713829D5-BDA5-4050-A6AD-E0D6B71D2136}" destId="{C12CBE7D-BE55-4D8F-BEE5-26C47F7936DD}" srcOrd="1" destOrd="0" presId="urn:microsoft.com/office/officeart/2005/8/layout/lProcess2"/>
-    <dgm:cxn modelId="{91EF677A-740F-4450-97A5-9557896A8FCF}" type="presParOf" srcId="{713829D5-BDA5-4050-A6AD-E0D6B71D2136}" destId="{62C838B4-3A76-4658-936A-4506498C325F}" srcOrd="2" destOrd="0" presId="urn:microsoft.com/office/officeart/2005/8/layout/lProcess2"/>
-    <dgm:cxn modelId="{E2931C88-B325-4C2A-A50A-662618DF37A1}" type="presParOf" srcId="{A2537FE1-3A89-4D8F-A0C0-73D0B3EE4334}" destId="{4818BC79-B27C-43B1-8788-AD9FF5E473A0}" srcOrd="3" destOrd="0" presId="urn:microsoft.com/office/officeart/2005/8/layout/lProcess2"/>
-    <dgm:cxn modelId="{E3BF7313-DD7E-460C-B2A9-B39941A26D24}" type="presParOf" srcId="{A2537FE1-3A89-4D8F-A0C0-73D0B3EE4334}" destId="{5E02F62A-A7F6-439F-A1D1-6F8F0FE5327D}" srcOrd="4" destOrd="0" presId="urn:microsoft.com/office/officeart/2005/8/layout/lProcess2"/>
-    <dgm:cxn modelId="{7AAF0CBD-A13A-4652-895F-4DFA69465E0B}" type="presParOf" srcId="{5E02F62A-A7F6-439F-A1D1-6F8F0FE5327D}" destId="{626FDB32-C431-4986-9109-B34078D79621}" srcOrd="0" destOrd="0" presId="urn:microsoft.com/office/officeart/2005/8/layout/lProcess2"/>
-    <dgm:cxn modelId="{246F05D3-B8B4-4706-9062-A933FCF1E1F6}" type="presParOf" srcId="{5E02F62A-A7F6-439F-A1D1-6F8F0FE5327D}" destId="{DDD8300F-2E43-4E02-AD56-B9DB7D2F87C3}" srcOrd="1" destOrd="0" presId="urn:microsoft.com/office/officeart/2005/8/layout/lProcess2"/>
-    <dgm:cxn modelId="{8B2B9126-BF9A-484B-AA4C-76E6F21FD6AA}" type="presParOf" srcId="{5E02F62A-A7F6-439F-A1D1-6F8F0FE5327D}" destId="{C6AE9D09-0720-46A4-8678-36FB33259ABE}" srcOrd="2" destOrd="0" presId="urn:microsoft.com/office/officeart/2005/8/layout/lProcess2"/>
-    <dgm:cxn modelId="{29C47F47-461B-4F90-B0F7-5FFA119B3702}" type="presParOf" srcId="{C6AE9D09-0720-46A4-8678-36FB33259ABE}" destId="{D9498F08-F1E2-4363-9910-F3D00DA752A7}" srcOrd="0" destOrd="0" presId="urn:microsoft.com/office/officeart/2005/8/layout/lProcess2"/>
-    <dgm:cxn modelId="{D134D532-8F5F-4D5F-A4BD-6CADD793117E}" type="presParOf" srcId="{D9498F08-F1E2-4363-9910-F3D00DA752A7}" destId="{0EE83E56-7551-44DD-908E-A13E42D9004A}" srcOrd="0" destOrd="0" presId="urn:microsoft.com/office/officeart/2005/8/layout/lProcess2"/>
-    <dgm:cxn modelId="{27066F24-7D39-417F-8D59-6425F16B209B}" type="presParOf" srcId="{D9498F08-F1E2-4363-9910-F3D00DA752A7}" destId="{677E1A88-D386-4709-86E2-79E8823EA8EC}" srcOrd="1" destOrd="0" presId="urn:microsoft.com/office/officeart/2005/8/layout/lProcess2"/>
-    <dgm:cxn modelId="{E9671214-92B7-4CDA-99FD-BE89EB6DA0AF}" type="presParOf" srcId="{D9498F08-F1E2-4363-9910-F3D00DA752A7}" destId="{E2293E9B-23C7-45D1-AE25-C5937A0393DD}" srcOrd="2" destOrd="0" presId="urn:microsoft.com/office/officeart/2005/8/layout/lProcess2"/>
+    <dgm:cxn modelId="{84B4997F-792D-43A6-BDC8-EC95198957A2}" type="presOf" srcId="{F9735C92-802A-4C57-9A85-15FA34881B2C}" destId="{578F6EA5-6F92-41E2-B492-526C08D645F2}" srcOrd="1" destOrd="0" presId="urn:microsoft.com/office/officeart/2005/8/layout/lProcess2"/>
+    <dgm:cxn modelId="{8A31A650-A5BE-40CD-AFDC-7113ACE59433}" type="presParOf" srcId="{A2537FE1-3A89-4D8F-A0C0-73D0B3EE4334}" destId="{70F31043-AD36-4BE1-943F-2AE3F30B7D0F}" srcOrd="0" destOrd="0" presId="urn:microsoft.com/office/officeart/2005/8/layout/lProcess2"/>
+    <dgm:cxn modelId="{3B945BB8-1AD0-4AD2-8ADA-7BE37FBB6362}" type="presParOf" srcId="{70F31043-AD36-4BE1-943F-2AE3F30B7D0F}" destId="{C6A7FAD4-7815-46E2-8335-E1FBFE3EA5ED}" srcOrd="0" destOrd="0" presId="urn:microsoft.com/office/officeart/2005/8/layout/lProcess2"/>
+    <dgm:cxn modelId="{3D634B63-36D4-4E07-91C3-15A2B6E161DC}" type="presParOf" srcId="{70F31043-AD36-4BE1-943F-2AE3F30B7D0F}" destId="{578F6EA5-6F92-41E2-B492-526C08D645F2}" srcOrd="1" destOrd="0" presId="urn:microsoft.com/office/officeart/2005/8/layout/lProcess2"/>
+    <dgm:cxn modelId="{28BC491C-E27A-44FB-A5B2-477958108572}" type="presParOf" srcId="{70F31043-AD36-4BE1-943F-2AE3F30B7D0F}" destId="{6CC8E6F5-4E69-48C5-9ACE-675FC1CBEBDF}" srcOrd="2" destOrd="0" presId="urn:microsoft.com/office/officeart/2005/8/layout/lProcess2"/>
+    <dgm:cxn modelId="{848416BA-EEB3-4B9F-B7AA-D00B5A2B8FE9}" type="presParOf" srcId="{6CC8E6F5-4E69-48C5-9ACE-675FC1CBEBDF}" destId="{6FABCF1F-3D35-4B58-BAC5-0FE36430A0B9}" srcOrd="0" destOrd="0" presId="urn:microsoft.com/office/officeart/2005/8/layout/lProcess2"/>
+    <dgm:cxn modelId="{E3431EC3-A570-414E-A98C-EC5DD3A7B067}" type="presParOf" srcId="{6FABCF1F-3D35-4B58-BAC5-0FE36430A0B9}" destId="{F960E333-CBFA-4095-8722-14EA2A580D6B}" srcOrd="0" destOrd="0" presId="urn:microsoft.com/office/officeart/2005/8/layout/lProcess2"/>
+    <dgm:cxn modelId="{0835821D-67ED-4DD3-9DE7-43C8EE67418B}" type="presParOf" srcId="{6FABCF1F-3D35-4B58-BAC5-0FE36430A0B9}" destId="{CDC9D3B5-0369-4DBC-AA47-E7ECCFCC4661}" srcOrd="1" destOrd="0" presId="urn:microsoft.com/office/officeart/2005/8/layout/lProcess2"/>
+    <dgm:cxn modelId="{F2E5D0B1-4D14-4461-8FF4-543762BE6504}" type="presParOf" srcId="{6FABCF1F-3D35-4B58-BAC5-0FE36430A0B9}" destId="{9ECD10C0-A373-4907-90C2-8F546750EC63}" srcOrd="2" destOrd="0" presId="urn:microsoft.com/office/officeart/2005/8/layout/lProcess2"/>
+    <dgm:cxn modelId="{783CCBDC-23B7-4F60-B824-ABC20902C264}" type="presParOf" srcId="{A2537FE1-3A89-4D8F-A0C0-73D0B3EE4334}" destId="{7D7C3A01-005F-4622-8A8A-081561993F4C}" srcOrd="1" destOrd="0" presId="urn:microsoft.com/office/officeart/2005/8/layout/lProcess2"/>
+    <dgm:cxn modelId="{6C411AFB-1B94-4831-8D5D-519F26CE79B4}" type="presParOf" srcId="{A2537FE1-3A89-4D8F-A0C0-73D0B3EE4334}" destId="{C59EA61E-EA02-4799-9D66-0766C95ADD31}" srcOrd="2" destOrd="0" presId="urn:microsoft.com/office/officeart/2005/8/layout/lProcess2"/>
+    <dgm:cxn modelId="{947599F9-A6B1-4A0F-86FD-DA16FCF70F24}" type="presParOf" srcId="{C59EA61E-EA02-4799-9D66-0766C95ADD31}" destId="{C2E0CFBC-BB45-4228-9CB3-F49EACB82D78}" srcOrd="0" destOrd="0" presId="urn:microsoft.com/office/officeart/2005/8/layout/lProcess2"/>
+    <dgm:cxn modelId="{2A6B2DAA-CC96-4D70-86AF-925704BF1E47}" type="presParOf" srcId="{C59EA61E-EA02-4799-9D66-0766C95ADD31}" destId="{DC0C04DF-91B3-436B-9B4E-85BBD803F774}" srcOrd="1" destOrd="0" presId="urn:microsoft.com/office/officeart/2005/8/layout/lProcess2"/>
+    <dgm:cxn modelId="{C655CB12-EF14-42BB-A1E7-31F0CA983434}" type="presParOf" srcId="{C59EA61E-EA02-4799-9D66-0766C95ADD31}" destId="{BF1CC893-368A-4580-801C-1C7BB7649CAE}" srcOrd="2" destOrd="0" presId="urn:microsoft.com/office/officeart/2005/8/layout/lProcess2"/>
+    <dgm:cxn modelId="{A7DB0499-3219-4CBB-9A71-62E053D41054}" type="presParOf" srcId="{BF1CC893-368A-4580-801C-1C7BB7649CAE}" destId="{713829D5-BDA5-4050-A6AD-E0D6B71D2136}" srcOrd="0" destOrd="0" presId="urn:microsoft.com/office/officeart/2005/8/layout/lProcess2"/>
+    <dgm:cxn modelId="{145C36DC-905B-48B8-A35D-04D6E7FE7323}" type="presParOf" srcId="{713829D5-BDA5-4050-A6AD-E0D6B71D2136}" destId="{C350CE58-42CD-4AAC-9BAF-F631A45A552A}" srcOrd="0" destOrd="0" presId="urn:microsoft.com/office/officeart/2005/8/layout/lProcess2"/>
+    <dgm:cxn modelId="{D61A47FF-AAAF-4BDE-AFC3-9D6707518CF6}" type="presParOf" srcId="{713829D5-BDA5-4050-A6AD-E0D6B71D2136}" destId="{C12CBE7D-BE55-4D8F-BEE5-26C47F7936DD}" srcOrd="1" destOrd="0" presId="urn:microsoft.com/office/officeart/2005/8/layout/lProcess2"/>
+    <dgm:cxn modelId="{F0CD8BDB-E989-41C4-AB05-E643280EA8BA}" type="presParOf" srcId="{713829D5-BDA5-4050-A6AD-E0D6B71D2136}" destId="{62C838B4-3A76-4658-936A-4506498C325F}" srcOrd="2" destOrd="0" presId="urn:microsoft.com/office/officeart/2005/8/layout/lProcess2"/>
+    <dgm:cxn modelId="{0C85B932-3DA2-490E-88A3-F405F78526DF}" type="presParOf" srcId="{A2537FE1-3A89-4D8F-A0C0-73D0B3EE4334}" destId="{4818BC79-B27C-43B1-8788-AD9FF5E473A0}" srcOrd="3" destOrd="0" presId="urn:microsoft.com/office/officeart/2005/8/layout/lProcess2"/>
+    <dgm:cxn modelId="{1D1015CE-64F2-43F2-A267-1402ED9FF6F8}" type="presParOf" srcId="{A2537FE1-3A89-4D8F-A0C0-73D0B3EE4334}" destId="{5E02F62A-A7F6-439F-A1D1-6F8F0FE5327D}" srcOrd="4" destOrd="0" presId="urn:microsoft.com/office/officeart/2005/8/layout/lProcess2"/>
+    <dgm:cxn modelId="{89B179F1-47B9-4C6A-B808-A7A966D61105}" type="presParOf" srcId="{5E02F62A-A7F6-439F-A1D1-6F8F0FE5327D}" destId="{626FDB32-C431-4986-9109-B34078D79621}" srcOrd="0" destOrd="0" presId="urn:microsoft.com/office/officeart/2005/8/layout/lProcess2"/>
+    <dgm:cxn modelId="{C5535E7A-F54B-4E79-9E5F-AD039BCE8FE8}" type="presParOf" srcId="{5E02F62A-A7F6-439F-A1D1-6F8F0FE5327D}" destId="{DDD8300F-2E43-4E02-AD56-B9DB7D2F87C3}" srcOrd="1" destOrd="0" presId="urn:microsoft.com/office/officeart/2005/8/layout/lProcess2"/>
+    <dgm:cxn modelId="{8871FFAB-40A9-4CCF-A0D4-C1198C5CDF28}" type="presParOf" srcId="{5E02F62A-A7F6-439F-A1D1-6F8F0FE5327D}" destId="{C6AE9D09-0720-46A4-8678-36FB33259ABE}" srcOrd="2" destOrd="0" presId="urn:microsoft.com/office/officeart/2005/8/layout/lProcess2"/>
+    <dgm:cxn modelId="{DF07459E-0CD7-4DB3-98F1-BE102DF30A53}" type="presParOf" srcId="{C6AE9D09-0720-46A4-8678-36FB33259ABE}" destId="{D9498F08-F1E2-4363-9910-F3D00DA752A7}" srcOrd="0" destOrd="0" presId="urn:microsoft.com/office/officeart/2005/8/layout/lProcess2"/>
+    <dgm:cxn modelId="{F0CB64D3-37E0-453C-B170-91B8A94CAD02}" type="presParOf" srcId="{D9498F08-F1E2-4363-9910-F3D00DA752A7}" destId="{0EE83E56-7551-44DD-908E-A13E42D9004A}" srcOrd="0" destOrd="0" presId="urn:microsoft.com/office/officeart/2005/8/layout/lProcess2"/>
+    <dgm:cxn modelId="{B231895B-AD98-47CA-AC5D-5592E6B5A399}" type="presParOf" srcId="{D9498F08-F1E2-4363-9910-F3D00DA752A7}" destId="{677E1A88-D386-4709-86E2-79E8823EA8EC}" srcOrd="1" destOrd="0" presId="urn:microsoft.com/office/officeart/2005/8/layout/lProcess2"/>
+    <dgm:cxn modelId="{8B299C6F-25E1-43DC-9156-348DB80324E6}" type="presParOf" srcId="{D9498F08-F1E2-4363-9910-F3D00DA752A7}" destId="{E2293E9B-23C7-45D1-AE25-C5937A0393DD}" srcOrd="2" destOrd="0" presId="urn:microsoft.com/office/officeart/2005/8/layout/lProcess2"/>
+  </dgm:cxnLst>
+  <dgm:bg/>
+  <dgm:whole/>
+  <dgm:extLst>
+    <a:ext uri="http://schemas.microsoft.com/office/drawing/2008/diagram">
+      <dsp:dataModelExt xmlns:dsp="http://schemas.microsoft.com/office/drawing/2008/diagram" xmlns="" relId="rId6" minVer="http://schemas.openxmlformats.org/drawingml/2006/diagram"/>
+    </a:ext>
+  </dgm:extLst>
+</dgm:dataModel>
+</file>
+
+<file path=ppt/diagrams/data3.xml><?xml version="1.0" encoding="utf-8"?>
+<dgm:dataModel xmlns:dgm="http://schemas.openxmlformats.org/drawingml/2006/diagram" xmlns:a="http://schemas.openxmlformats.org/drawingml/2006/main">
+  <dgm:ptLst>
+    <dgm:pt modelId="{3B3B8AAC-E5D3-4ADC-A026-DB883069E176}" type="doc">
+      <dgm:prSet loTypeId="urn:microsoft.com/office/officeart/2005/8/layout/vList2" loCatId="list" qsTypeId="urn:microsoft.com/office/officeart/2005/8/quickstyle/simple1" qsCatId="simple" csTypeId="urn:microsoft.com/office/officeart/2005/8/colors/accent5_2" csCatId="accent5"/>
+      <dgm:spPr/>
+      <dgm:t>
+        <a:bodyPr/>
+        <a:lstStyle/>
+        <a:p>
+          <a:endParaRPr lang="en-US"/>
+        </a:p>
+      </dgm:t>
+    </dgm:pt>
+    <dgm:pt modelId="{3368363C-C642-4A14-B110-BCCFEF6B339F}">
+      <dgm:prSet/>
+      <dgm:spPr/>
+      <dgm:t>
+        <a:bodyPr/>
+        <a:lstStyle/>
+        <a:p>
+          <a:pPr rtl="0"/>
+          <a:r>
+            <a:rPr lang="en-US" dirty="0" smtClean="0"/>
+            <a:t>PAIR:</a:t>
+          </a:r>
+          <a:endParaRPr lang="en-US" dirty="0"/>
+        </a:p>
+      </dgm:t>
+    </dgm:pt>
+    <dgm:pt modelId="{DDF87A2B-0DC1-41EA-8E17-4D1DEFF35E27}" type="parTrans" cxnId="{4FB00519-BDA9-45C2-AE55-5372901CCF29}">
+      <dgm:prSet/>
+      <dgm:spPr/>
+      <dgm:t>
+        <a:bodyPr/>
+        <a:lstStyle/>
+        <a:p>
+          <a:endParaRPr lang="en-US"/>
+        </a:p>
+      </dgm:t>
+    </dgm:pt>
+    <dgm:pt modelId="{21A827BA-2301-45D6-B8F0-B84C70882112}" type="sibTrans" cxnId="{4FB00519-BDA9-45C2-AE55-5372901CCF29}">
+      <dgm:prSet/>
+      <dgm:spPr/>
+      <dgm:t>
+        <a:bodyPr/>
+        <a:lstStyle/>
+        <a:p>
+          <a:endParaRPr lang="en-US"/>
+        </a:p>
+      </dgm:t>
+    </dgm:pt>
+    <dgm:pt modelId="{FBBCEF5A-96AA-4E1C-BDCE-8DE149EC5C18}">
+      <dgm:prSet/>
+      <dgm:spPr/>
+      <dgm:t>
+        <a:bodyPr/>
+        <a:lstStyle/>
+        <a:p>
+          <a:pPr rtl="0"/>
+          <a:r>
+            <a:rPr lang="en-US" dirty="0" smtClean="0"/>
+            <a:t>Pair two </a:t>
+          </a:r>
+          <a:r>
+            <a:rPr lang="en-US" dirty="0" err="1" smtClean="0"/>
+            <a:t>nfc</a:t>
+          </a:r>
+          <a:r>
+            <a:rPr lang="en-US" dirty="0" smtClean="0"/>
+            <a:t>-enabled devices by a simple bump (easier than by </a:t>
+          </a:r>
+          <a:r>
+            <a:rPr lang="en-US" dirty="0" err="1" smtClean="0"/>
+            <a:t>bluetooth</a:t>
+          </a:r>
+          <a:r>
+            <a:rPr lang="en-US" dirty="0" smtClean="0"/>
+            <a:t>).</a:t>
+          </a:r>
+          <a:endParaRPr lang="en-US" dirty="0"/>
+        </a:p>
+      </dgm:t>
+    </dgm:pt>
+    <dgm:pt modelId="{A18A6300-181E-4B36-82BA-8107314AD75B}" type="parTrans" cxnId="{7094AEA6-E614-4057-87E6-458B040775EC}">
+      <dgm:prSet/>
+      <dgm:spPr/>
+      <dgm:t>
+        <a:bodyPr/>
+        <a:lstStyle/>
+        <a:p>
+          <a:endParaRPr lang="en-US"/>
+        </a:p>
+      </dgm:t>
+    </dgm:pt>
+    <dgm:pt modelId="{C841E4BC-9964-4FB5-8265-16A3977FCDEB}" type="sibTrans" cxnId="{7094AEA6-E614-4057-87E6-458B040775EC}">
+      <dgm:prSet/>
+      <dgm:spPr/>
+      <dgm:t>
+        <a:bodyPr/>
+        <a:lstStyle/>
+        <a:p>
+          <a:endParaRPr lang="en-US"/>
+        </a:p>
+      </dgm:t>
+    </dgm:pt>
+    <dgm:pt modelId="{C63004D5-8E62-4E11-8D8B-CCB79714098C}">
+      <dgm:prSet/>
+      <dgm:spPr/>
+      <dgm:t>
+        <a:bodyPr/>
+        <a:lstStyle/>
+        <a:p>
+          <a:pPr rtl="0"/>
+          <a:r>
+            <a:rPr lang="en-US" dirty="0" smtClean="0"/>
+            <a:t>Connect phone to speakers or other NFC aware devices</a:t>
+          </a:r>
+          <a:endParaRPr lang="en-US" dirty="0"/>
+        </a:p>
+      </dgm:t>
+    </dgm:pt>
+    <dgm:pt modelId="{00C41648-DE59-473B-A6B5-BF182E8DD5F4}" type="parTrans" cxnId="{49B1A8EF-2EBE-4601-AF52-F1ADF9034F8F}">
+      <dgm:prSet/>
+      <dgm:spPr/>
+      <dgm:t>
+        <a:bodyPr/>
+        <a:lstStyle/>
+        <a:p>
+          <a:endParaRPr lang="en-US"/>
+        </a:p>
+      </dgm:t>
+    </dgm:pt>
+    <dgm:pt modelId="{9248806D-C9D9-478A-8E2E-39FA08AB277D}" type="sibTrans" cxnId="{49B1A8EF-2EBE-4601-AF52-F1ADF9034F8F}">
+      <dgm:prSet/>
+      <dgm:spPr/>
+      <dgm:t>
+        <a:bodyPr/>
+        <a:lstStyle/>
+        <a:p>
+          <a:endParaRPr lang="en-US"/>
+        </a:p>
+      </dgm:t>
+    </dgm:pt>
+    <dgm:pt modelId="{DD6A7EBC-9BEB-4A2F-9DDA-F97BFC986D37}">
+      <dgm:prSet/>
+      <dgm:spPr/>
+      <dgm:t>
+        <a:bodyPr/>
+        <a:lstStyle/>
+        <a:p>
+          <a:pPr rtl="0"/>
+          <a:r>
+            <a:rPr lang="en-US" dirty="0" smtClean="0"/>
+            <a:t>SHARE:</a:t>
+          </a:r>
+          <a:endParaRPr lang="en-US" dirty="0"/>
+        </a:p>
+      </dgm:t>
+    </dgm:pt>
+    <dgm:pt modelId="{D6A50D0C-E640-486B-A7B9-D1C2B34D90A5}" type="parTrans" cxnId="{4D48735E-2A3B-4973-B275-495003E5469A}">
+      <dgm:prSet/>
+      <dgm:spPr/>
+      <dgm:t>
+        <a:bodyPr/>
+        <a:lstStyle/>
+        <a:p>
+          <a:endParaRPr lang="en-US"/>
+        </a:p>
+      </dgm:t>
+    </dgm:pt>
+    <dgm:pt modelId="{DDAA72A8-8024-4D61-B66A-E7019E54E0BB}" type="sibTrans" cxnId="{4D48735E-2A3B-4973-B275-495003E5469A}">
+      <dgm:prSet/>
+      <dgm:spPr/>
+      <dgm:t>
+        <a:bodyPr/>
+        <a:lstStyle/>
+        <a:p>
+          <a:endParaRPr lang="en-US"/>
+        </a:p>
+      </dgm:t>
+    </dgm:pt>
+    <dgm:pt modelId="{DEA64DE7-0E98-43DD-AA6A-A24648A58BB4}">
+      <dgm:prSet/>
+      <dgm:spPr/>
+      <dgm:t>
+        <a:bodyPr/>
+        <a:lstStyle/>
+        <a:p>
+          <a:pPr rtl="0"/>
+          <a:r>
+            <a:rPr lang="en-US" dirty="0" smtClean="0"/>
+            <a:t>Share contact information with a simple bump of phones.</a:t>
+          </a:r>
+          <a:endParaRPr lang="en-US" dirty="0"/>
+        </a:p>
+      </dgm:t>
+    </dgm:pt>
+    <dgm:pt modelId="{9A5DD831-3355-4456-9ECA-CD71493495D4}" type="parTrans" cxnId="{C58FE026-6FF4-4B68-A1A9-742075AA8B39}">
+      <dgm:prSet/>
+      <dgm:spPr/>
+      <dgm:t>
+        <a:bodyPr/>
+        <a:lstStyle/>
+        <a:p>
+          <a:endParaRPr lang="en-US"/>
+        </a:p>
+      </dgm:t>
+    </dgm:pt>
+    <dgm:pt modelId="{60406118-B83A-4627-8939-0BA01AE2E9CD}" type="sibTrans" cxnId="{C58FE026-6FF4-4B68-A1A9-742075AA8B39}">
+      <dgm:prSet/>
+      <dgm:spPr/>
+      <dgm:t>
+        <a:bodyPr/>
+        <a:lstStyle/>
+        <a:p>
+          <a:endParaRPr lang="en-US"/>
+        </a:p>
+      </dgm:t>
+    </dgm:pt>
+    <dgm:pt modelId="{62022D8A-8107-4E1A-AB0C-3CA8812A2E92}">
+      <dgm:prSet/>
+      <dgm:spPr/>
+      <dgm:t>
+        <a:bodyPr/>
+        <a:lstStyle/>
+        <a:p>
+          <a:pPr rtl="0"/>
+          <a:r>
+            <a:rPr lang="en-US" dirty="0" smtClean="0"/>
+            <a:t>Establish a connection for playing networked games (use </a:t>
+          </a:r>
+          <a:r>
+            <a:rPr lang="en-US" dirty="0" err="1" smtClean="0"/>
+            <a:t>nfc</a:t>
+          </a:r>
+          <a:r>
+            <a:rPr lang="en-US" dirty="0" smtClean="0"/>
+            <a:t> to initiate the </a:t>
+          </a:r>
+          <a:r>
+            <a:rPr lang="en-US" dirty="0" err="1" smtClean="0"/>
+            <a:t>bluetooth</a:t>
+          </a:r>
+          <a:r>
+            <a:rPr lang="en-US" dirty="0" smtClean="0"/>
+            <a:t> / </a:t>
+          </a:r>
+          <a:r>
+            <a:rPr lang="en-US" dirty="0" err="1" smtClean="0"/>
+            <a:t>wifi</a:t>
+          </a:r>
+          <a:r>
+            <a:rPr lang="en-US" dirty="0" smtClean="0"/>
+            <a:t> </a:t>
+          </a:r>
+          <a:r>
+            <a:rPr lang="en-US" dirty="0" err="1" smtClean="0"/>
+            <a:t>adhoc</a:t>
+          </a:r>
+          <a:r>
+            <a:rPr lang="en-US" dirty="0" smtClean="0"/>
+            <a:t> connection).</a:t>
+          </a:r>
+          <a:endParaRPr lang="en-US" dirty="0"/>
+        </a:p>
+      </dgm:t>
+    </dgm:pt>
+    <dgm:pt modelId="{5155570F-99FF-4D63-9602-E743A5179523}" type="parTrans" cxnId="{627B0E4E-8064-4359-B88A-D94D4B7B02D8}">
+      <dgm:prSet/>
+      <dgm:spPr/>
+      <dgm:t>
+        <a:bodyPr/>
+        <a:lstStyle/>
+        <a:p>
+          <a:endParaRPr lang="en-US"/>
+        </a:p>
+      </dgm:t>
+    </dgm:pt>
+    <dgm:pt modelId="{46D745E8-F89F-42D7-A52A-A2790448660A}" type="sibTrans" cxnId="{627B0E4E-8064-4359-B88A-D94D4B7B02D8}">
+      <dgm:prSet/>
+      <dgm:spPr/>
+      <dgm:t>
+        <a:bodyPr/>
+        <a:lstStyle/>
+        <a:p>
+          <a:endParaRPr lang="en-US"/>
+        </a:p>
+      </dgm:t>
+    </dgm:pt>
+    <dgm:pt modelId="{10DC4083-39D7-4892-A906-AD1ED95523ED}">
+      <dgm:prSet/>
+      <dgm:spPr/>
+      <dgm:t>
+        <a:bodyPr/>
+        <a:lstStyle/>
+        <a:p>
+          <a:pPr rtl="0"/>
+          <a:r>
+            <a:rPr lang="en-US" dirty="0" smtClean="0"/>
+            <a:t>TRANSACTIONS:</a:t>
+          </a:r>
+          <a:endParaRPr lang="en-US" dirty="0"/>
+        </a:p>
+      </dgm:t>
+    </dgm:pt>
+    <dgm:pt modelId="{0489530C-D48D-4A4F-A2EF-3B11E3999999}" type="parTrans" cxnId="{8F02B809-A93D-4F69-87CD-B47CEDDBA16A}">
+      <dgm:prSet/>
+      <dgm:spPr/>
+      <dgm:t>
+        <a:bodyPr/>
+        <a:lstStyle/>
+        <a:p>
+          <a:endParaRPr lang="en-US"/>
+        </a:p>
+      </dgm:t>
+    </dgm:pt>
+    <dgm:pt modelId="{86901024-2059-430C-952E-ACB5875EFC81}" type="sibTrans" cxnId="{8F02B809-A93D-4F69-87CD-B47CEDDBA16A}">
+      <dgm:prSet/>
+      <dgm:spPr/>
+      <dgm:t>
+        <a:bodyPr/>
+        <a:lstStyle/>
+        <a:p>
+          <a:endParaRPr lang="en-US"/>
+        </a:p>
+      </dgm:t>
+    </dgm:pt>
+    <dgm:pt modelId="{138CFFC8-FE19-45DF-98E5-263A0E7D6688}">
+      <dgm:prSet/>
+      <dgm:spPr/>
+      <dgm:t>
+        <a:bodyPr/>
+        <a:lstStyle/>
+        <a:p>
+          <a:pPr rtl="0"/>
+          <a:r>
+            <a:rPr lang="en-US" dirty="0" smtClean="0"/>
+            <a:t>Use to pay at </a:t>
+          </a:r>
+          <a:r>
+            <a:rPr lang="en-US" dirty="0" err="1" smtClean="0"/>
+            <a:t>nfc</a:t>
+          </a:r>
+          <a:r>
+            <a:rPr lang="en-US" dirty="0" smtClean="0"/>
+            <a:t>-enabled payment stations (similar to swiping a transit card to pay a toll).</a:t>
+          </a:r>
+          <a:endParaRPr lang="en-US" dirty="0"/>
+        </a:p>
+      </dgm:t>
+    </dgm:pt>
+    <dgm:pt modelId="{FD6A70D9-93CB-4FED-BF51-65AB86854E08}" type="parTrans" cxnId="{E8402B81-E784-44A7-960C-6758AF4922ED}">
+      <dgm:prSet/>
+      <dgm:spPr/>
+      <dgm:t>
+        <a:bodyPr/>
+        <a:lstStyle/>
+        <a:p>
+          <a:endParaRPr lang="en-US"/>
+        </a:p>
+      </dgm:t>
+    </dgm:pt>
+    <dgm:pt modelId="{6F637C1D-E512-4419-AB21-8413B160FA35}" type="sibTrans" cxnId="{E8402B81-E784-44A7-960C-6758AF4922ED}">
+      <dgm:prSet/>
+      <dgm:spPr/>
+      <dgm:t>
+        <a:bodyPr/>
+        <a:lstStyle/>
+        <a:p>
+          <a:endParaRPr lang="en-US"/>
+        </a:p>
+      </dgm:t>
+    </dgm:pt>
+    <dgm:pt modelId="{056A7EA6-0587-4DD3-A02B-0575F0B2B59C}">
+      <dgm:prSet/>
+      <dgm:spPr/>
+      <dgm:t>
+        <a:bodyPr/>
+        <a:lstStyle/>
+        <a:p>
+          <a:pPr rtl="0"/>
+          <a:r>
+            <a:rPr lang="en-US" dirty="0" smtClean="0"/>
+            <a:t>Eventually replace the need to carry all kinds of credit cards</a:t>
+          </a:r>
+          <a:endParaRPr lang="en-US" dirty="0"/>
+        </a:p>
+      </dgm:t>
+    </dgm:pt>
+    <dgm:pt modelId="{E59C0F10-B62F-4DA1-A227-0C1D068B4ECB}" type="parTrans" cxnId="{C08750B5-BADC-408E-B1F6-65883220EAE0}">
+      <dgm:prSet/>
+      <dgm:spPr/>
+      <dgm:t>
+        <a:bodyPr/>
+        <a:lstStyle/>
+        <a:p>
+          <a:endParaRPr lang="en-US"/>
+        </a:p>
+      </dgm:t>
+    </dgm:pt>
+    <dgm:pt modelId="{7FBDCD99-3E4C-4337-A793-1BF34C16E698}" type="sibTrans" cxnId="{C08750B5-BADC-408E-B1F6-65883220EAE0}">
+      <dgm:prSet/>
+      <dgm:spPr/>
+      <dgm:t>
+        <a:bodyPr/>
+        <a:lstStyle/>
+        <a:p>
+          <a:endParaRPr lang="en-US"/>
+        </a:p>
+      </dgm:t>
+    </dgm:pt>
+    <dgm:pt modelId="{02242EB9-6EE2-45C2-B8E6-847C61EB735A}">
+      <dgm:prSet/>
+      <dgm:spPr/>
+      <dgm:t>
+        <a:bodyPr/>
+        <a:lstStyle/>
+        <a:p>
+          <a:pPr rtl="0"/>
+          <a:r>
+            <a:rPr lang="en-US" dirty="0" smtClean="0"/>
+            <a:t>IDENTIFICATION:</a:t>
+          </a:r>
+          <a:endParaRPr lang="en-US" dirty="0"/>
+        </a:p>
+      </dgm:t>
+    </dgm:pt>
+    <dgm:pt modelId="{9677AB10-09DB-4391-9E96-1B6A3B952E78}" type="parTrans" cxnId="{FB5B2A3F-B1B4-4D76-8104-3721D8C5E87D}">
+      <dgm:prSet/>
+      <dgm:spPr/>
+      <dgm:t>
+        <a:bodyPr/>
+        <a:lstStyle/>
+        <a:p>
+          <a:endParaRPr lang="en-US"/>
+        </a:p>
+      </dgm:t>
+    </dgm:pt>
+    <dgm:pt modelId="{59ED8482-93F0-4472-88EE-58A67BF5574F}" type="sibTrans" cxnId="{FB5B2A3F-B1B4-4D76-8104-3721D8C5E87D}">
+      <dgm:prSet/>
+      <dgm:spPr/>
+      <dgm:t>
+        <a:bodyPr/>
+        <a:lstStyle/>
+        <a:p>
+          <a:endParaRPr lang="en-US"/>
+        </a:p>
+      </dgm:t>
+    </dgm:pt>
+    <dgm:pt modelId="{5EF78741-8A89-4506-BAB5-81F49968012F}">
+      <dgm:prSet/>
+      <dgm:spPr/>
+      <dgm:t>
+        <a:bodyPr/>
+        <a:lstStyle/>
+        <a:p>
+          <a:pPr rtl="0"/>
+          <a:r>
+            <a:rPr lang="en-US" dirty="0" smtClean="0"/>
+            <a:t>Could be used in place of government issued ID.</a:t>
+          </a:r>
+          <a:endParaRPr lang="en-US" dirty="0"/>
+        </a:p>
+      </dgm:t>
+    </dgm:pt>
+    <dgm:pt modelId="{8B969FEC-1457-4B8A-8C99-F787844BADA2}" type="parTrans" cxnId="{D43589F1-3488-4D16-A96A-DCE8528012B8}">
+      <dgm:prSet/>
+      <dgm:spPr/>
+      <dgm:t>
+        <a:bodyPr/>
+        <a:lstStyle/>
+        <a:p>
+          <a:endParaRPr lang="en-US"/>
+        </a:p>
+      </dgm:t>
+    </dgm:pt>
+    <dgm:pt modelId="{4567FEAC-6729-48C4-A9CD-F00E14EBBD01}" type="sibTrans" cxnId="{D43589F1-3488-4D16-A96A-DCE8528012B8}">
+      <dgm:prSet/>
+      <dgm:spPr/>
+      <dgm:t>
+        <a:bodyPr/>
+        <a:lstStyle/>
+        <a:p>
+          <a:endParaRPr lang="en-US"/>
+        </a:p>
+      </dgm:t>
+    </dgm:pt>
+    <dgm:pt modelId="{6082AD92-CAE2-4EF3-B08B-7E39A39BA16B}">
+      <dgm:prSet/>
+      <dgm:spPr/>
+      <dgm:t>
+        <a:bodyPr/>
+        <a:lstStyle/>
+        <a:p>
+          <a:pPr rtl="0"/>
+          <a:r>
+            <a:rPr lang="en-US" dirty="0" smtClean="0"/>
+            <a:t>Could be used to replace corporate ID badges</a:t>
+          </a:r>
+          <a:endParaRPr lang="en-US" dirty="0"/>
+        </a:p>
+      </dgm:t>
+    </dgm:pt>
+    <dgm:pt modelId="{86A4415C-0532-44CA-ACCD-D1983E6CB713}" type="parTrans" cxnId="{ED95C7A8-0869-4FE5-A2D0-AE07A6609C0D}">
+      <dgm:prSet/>
+      <dgm:spPr/>
+      <dgm:t>
+        <a:bodyPr/>
+        <a:lstStyle/>
+        <a:p>
+          <a:endParaRPr lang="en-US"/>
+        </a:p>
+      </dgm:t>
+    </dgm:pt>
+    <dgm:pt modelId="{96AFDFA7-861F-4A37-B3F6-8AB6A7EBB434}" type="sibTrans" cxnId="{ED95C7A8-0869-4FE5-A2D0-AE07A6609C0D}">
+      <dgm:prSet/>
+      <dgm:spPr/>
+      <dgm:t>
+        <a:bodyPr/>
+        <a:lstStyle/>
+        <a:p>
+          <a:endParaRPr lang="en-US"/>
+        </a:p>
+      </dgm:t>
+    </dgm:pt>
+    <dgm:pt modelId="{1B3135D0-F040-453F-9F40-6616E6126848}">
+      <dgm:prSet/>
+      <dgm:spPr/>
+      <dgm:t>
+        <a:bodyPr/>
+        <a:lstStyle/>
+        <a:p>
+          <a:pPr rtl="0"/>
+          <a:r>
+            <a:rPr lang="en-US" dirty="0" smtClean="0"/>
+            <a:t>Already used in passports to provide various pieces of personal information.</a:t>
+          </a:r>
+          <a:endParaRPr lang="en-US" dirty="0"/>
+        </a:p>
+      </dgm:t>
+    </dgm:pt>
+    <dgm:pt modelId="{28E60791-1229-4040-B18C-C0F288ECC45B}" type="parTrans" cxnId="{59322182-D125-4F17-990A-D4276226CA56}">
+      <dgm:prSet/>
+      <dgm:spPr/>
+      <dgm:t>
+        <a:bodyPr/>
+        <a:lstStyle/>
+        <a:p>
+          <a:endParaRPr lang="en-US"/>
+        </a:p>
+      </dgm:t>
+    </dgm:pt>
+    <dgm:pt modelId="{677F4E32-2A90-475F-AE72-FE95AC5F009F}" type="sibTrans" cxnId="{59322182-D125-4F17-990A-D4276226CA56}">
+      <dgm:prSet/>
+      <dgm:spPr/>
+      <dgm:t>
+        <a:bodyPr/>
+        <a:lstStyle/>
+        <a:p>
+          <a:endParaRPr lang="en-US"/>
+        </a:p>
+      </dgm:t>
+    </dgm:pt>
+    <dgm:pt modelId="{28405EBD-342A-4E49-9435-2740AF654CBE}">
+      <dgm:prSet/>
+      <dgm:spPr/>
+      <dgm:t>
+        <a:bodyPr/>
+        <a:lstStyle/>
+        <a:p>
+          <a:pPr rtl="0"/>
+          <a:endParaRPr lang="en-US" dirty="0"/>
+        </a:p>
+      </dgm:t>
+    </dgm:pt>
+    <dgm:pt modelId="{66A56F29-C286-476D-8A89-7937000570B4}" type="parTrans" cxnId="{0356174D-D852-4F4F-A9F3-2A0E1018B1B9}">
+      <dgm:prSet/>
+      <dgm:spPr/>
+      <dgm:t>
+        <a:bodyPr/>
+        <a:lstStyle/>
+        <a:p>
+          <a:endParaRPr lang="en-US"/>
+        </a:p>
+      </dgm:t>
+    </dgm:pt>
+    <dgm:pt modelId="{2CB5893A-E02C-4FE9-B168-05591AA101D9}" type="sibTrans" cxnId="{0356174D-D852-4F4F-A9F3-2A0E1018B1B9}">
+      <dgm:prSet/>
+      <dgm:spPr/>
+      <dgm:t>
+        <a:bodyPr/>
+        <a:lstStyle/>
+        <a:p>
+          <a:endParaRPr lang="en-US"/>
+        </a:p>
+      </dgm:t>
+    </dgm:pt>
+    <dgm:pt modelId="{37F72BB7-683C-458E-9335-82025EBDFAE5}" type="pres">
+      <dgm:prSet presAssocID="{3B3B8AAC-E5D3-4ADC-A026-DB883069E176}" presName="linear" presStyleCnt="0">
+        <dgm:presLayoutVars>
+          <dgm:animLvl val="lvl"/>
+          <dgm:resizeHandles val="exact"/>
+        </dgm:presLayoutVars>
+      </dgm:prSet>
+      <dgm:spPr/>
+    </dgm:pt>
+    <dgm:pt modelId="{DFFB47A0-CAA6-42B0-BB1A-3020E4674706}" type="pres">
+      <dgm:prSet presAssocID="{3368363C-C642-4A14-B110-BCCFEF6B339F}" presName="parentText" presStyleLbl="node1" presStyleIdx="0" presStyleCnt="4">
+        <dgm:presLayoutVars>
+          <dgm:chMax val="0"/>
+          <dgm:bulletEnabled val="1"/>
+        </dgm:presLayoutVars>
+      </dgm:prSet>
+      <dgm:spPr/>
+    </dgm:pt>
+    <dgm:pt modelId="{4F8C8037-0DE3-4D37-A91A-2A055D52B275}" type="pres">
+      <dgm:prSet presAssocID="{3368363C-C642-4A14-B110-BCCFEF6B339F}" presName="childText" presStyleLbl="revTx" presStyleIdx="0" presStyleCnt="4">
+        <dgm:presLayoutVars>
+          <dgm:bulletEnabled val="1"/>
+        </dgm:presLayoutVars>
+      </dgm:prSet>
+      <dgm:spPr/>
+    </dgm:pt>
+    <dgm:pt modelId="{055C8BBF-1FE8-487E-8F42-DCFCEB6E7C63}" type="pres">
+      <dgm:prSet presAssocID="{DD6A7EBC-9BEB-4A2F-9DDA-F97BFC986D37}" presName="parentText" presStyleLbl="node1" presStyleIdx="1" presStyleCnt="4">
+        <dgm:presLayoutVars>
+          <dgm:chMax val="0"/>
+          <dgm:bulletEnabled val="1"/>
+        </dgm:presLayoutVars>
+      </dgm:prSet>
+      <dgm:spPr/>
+    </dgm:pt>
+    <dgm:pt modelId="{B070C0AB-2AB2-4F75-8E4B-4E1A7DD1E53C}" type="pres">
+      <dgm:prSet presAssocID="{DD6A7EBC-9BEB-4A2F-9DDA-F97BFC986D37}" presName="childText" presStyleLbl="revTx" presStyleIdx="1" presStyleCnt="4">
+        <dgm:presLayoutVars>
+          <dgm:bulletEnabled val="1"/>
+        </dgm:presLayoutVars>
+      </dgm:prSet>
+      <dgm:spPr/>
+    </dgm:pt>
+    <dgm:pt modelId="{796020B1-3D5F-44EF-B292-FE6512B981C5}" type="pres">
+      <dgm:prSet presAssocID="{10DC4083-39D7-4892-A906-AD1ED95523ED}" presName="parentText" presStyleLbl="node1" presStyleIdx="2" presStyleCnt="4">
+        <dgm:presLayoutVars>
+          <dgm:chMax val="0"/>
+          <dgm:bulletEnabled val="1"/>
+        </dgm:presLayoutVars>
+      </dgm:prSet>
+      <dgm:spPr/>
+    </dgm:pt>
+    <dgm:pt modelId="{B68156C1-4134-4611-833B-074BF3B386BE}" type="pres">
+      <dgm:prSet presAssocID="{10DC4083-39D7-4892-A906-AD1ED95523ED}" presName="childText" presStyleLbl="revTx" presStyleIdx="2" presStyleCnt="4">
+        <dgm:presLayoutVars>
+          <dgm:bulletEnabled val="1"/>
+        </dgm:presLayoutVars>
+      </dgm:prSet>
+      <dgm:spPr/>
+    </dgm:pt>
+    <dgm:pt modelId="{6B1645DE-F167-46CA-8B6E-BDEDC5D12718}" type="pres">
+      <dgm:prSet presAssocID="{02242EB9-6EE2-45C2-B8E6-847C61EB735A}" presName="parentText" presStyleLbl="node1" presStyleIdx="3" presStyleCnt="4">
+        <dgm:presLayoutVars>
+          <dgm:chMax val="0"/>
+          <dgm:bulletEnabled val="1"/>
+        </dgm:presLayoutVars>
+      </dgm:prSet>
+      <dgm:spPr/>
+    </dgm:pt>
+    <dgm:pt modelId="{45FA3829-6A95-45B4-892E-D607870AD566}" type="pres">
+      <dgm:prSet presAssocID="{02242EB9-6EE2-45C2-B8E6-847C61EB735A}" presName="childText" presStyleLbl="revTx" presStyleIdx="3" presStyleCnt="4">
+        <dgm:presLayoutVars>
+          <dgm:bulletEnabled val="1"/>
+        </dgm:presLayoutVars>
+      </dgm:prSet>
+      <dgm:spPr/>
+    </dgm:pt>
+  </dgm:ptLst>
+  <dgm:cxnLst>
+    <dgm:cxn modelId="{49B1A8EF-2EBE-4601-AF52-F1ADF9034F8F}" srcId="{FBBCEF5A-96AA-4E1C-BDCE-8DE149EC5C18}" destId="{C63004D5-8E62-4E11-8D8B-CCB79714098C}" srcOrd="0" destOrd="0" parTransId="{00C41648-DE59-473B-A6B5-BF182E8DD5F4}" sibTransId="{9248806D-C9D9-478A-8E2E-39FA08AB277D}"/>
+    <dgm:cxn modelId="{2E40B35E-B495-40B3-9F48-19811F352E14}" type="presOf" srcId="{138CFFC8-FE19-45DF-98E5-263A0E7D6688}" destId="{B68156C1-4134-4611-833B-074BF3B386BE}" srcOrd="0" destOrd="0" presId="urn:microsoft.com/office/officeart/2005/8/layout/vList2"/>
+    <dgm:cxn modelId="{4D48735E-2A3B-4973-B275-495003E5469A}" srcId="{3B3B8AAC-E5D3-4ADC-A026-DB883069E176}" destId="{DD6A7EBC-9BEB-4A2F-9DDA-F97BFC986D37}" srcOrd="1" destOrd="0" parTransId="{D6A50D0C-E640-486B-A7B9-D1C2B34D90A5}" sibTransId="{DDAA72A8-8024-4D61-B66A-E7019E54E0BB}"/>
+    <dgm:cxn modelId="{C08750B5-BADC-408E-B1F6-65883220EAE0}" srcId="{138CFFC8-FE19-45DF-98E5-263A0E7D6688}" destId="{056A7EA6-0587-4DD3-A02B-0575F0B2B59C}" srcOrd="0" destOrd="0" parTransId="{E59C0F10-B62F-4DA1-A227-0C1D068B4ECB}" sibTransId="{7FBDCD99-3E4C-4337-A793-1BF34C16E698}"/>
+    <dgm:cxn modelId="{7094AEA6-E614-4057-87E6-458B040775EC}" srcId="{3368363C-C642-4A14-B110-BCCFEF6B339F}" destId="{FBBCEF5A-96AA-4E1C-BDCE-8DE149EC5C18}" srcOrd="0" destOrd="0" parTransId="{A18A6300-181E-4B36-82BA-8107314AD75B}" sibTransId="{C841E4BC-9964-4FB5-8265-16A3977FCDEB}"/>
+    <dgm:cxn modelId="{C58FE026-6FF4-4B68-A1A9-742075AA8B39}" srcId="{DD6A7EBC-9BEB-4A2F-9DDA-F97BFC986D37}" destId="{DEA64DE7-0E98-43DD-AA6A-A24648A58BB4}" srcOrd="0" destOrd="0" parTransId="{9A5DD831-3355-4456-9ECA-CD71493495D4}" sibTransId="{60406118-B83A-4627-8939-0BA01AE2E9CD}"/>
+    <dgm:cxn modelId="{E8402B81-E784-44A7-960C-6758AF4922ED}" srcId="{10DC4083-39D7-4892-A906-AD1ED95523ED}" destId="{138CFFC8-FE19-45DF-98E5-263A0E7D6688}" srcOrd="0" destOrd="0" parTransId="{FD6A70D9-93CB-4FED-BF51-65AB86854E08}" sibTransId="{6F637C1D-E512-4419-AB21-8413B160FA35}"/>
+    <dgm:cxn modelId="{D43589F1-3488-4D16-A96A-DCE8528012B8}" srcId="{02242EB9-6EE2-45C2-B8E6-847C61EB735A}" destId="{5EF78741-8A89-4506-BAB5-81F49968012F}" srcOrd="0" destOrd="0" parTransId="{8B969FEC-1457-4B8A-8C99-F787844BADA2}" sibTransId="{4567FEAC-6729-48C4-A9CD-F00E14EBBD01}"/>
+    <dgm:cxn modelId="{F3D5E394-3845-4205-8CB3-E46646C381C5}" type="presOf" srcId="{C63004D5-8E62-4E11-8D8B-CCB79714098C}" destId="{4F8C8037-0DE3-4D37-A91A-2A055D52B275}" srcOrd="0" destOrd="1" presId="urn:microsoft.com/office/officeart/2005/8/layout/vList2"/>
+    <dgm:cxn modelId="{DA837867-4954-4F26-860F-48F71657C1D4}" type="presOf" srcId="{3368363C-C642-4A14-B110-BCCFEF6B339F}" destId="{DFFB47A0-CAA6-42B0-BB1A-3020E4674706}" srcOrd="0" destOrd="0" presId="urn:microsoft.com/office/officeart/2005/8/layout/vList2"/>
+    <dgm:cxn modelId="{0356174D-D852-4F4F-A9F3-2A0E1018B1B9}" srcId="{1B3135D0-F040-453F-9F40-6616E6126848}" destId="{28405EBD-342A-4E49-9435-2740AF654CBE}" srcOrd="0" destOrd="0" parTransId="{66A56F29-C286-476D-8A89-7937000570B4}" sibTransId="{2CB5893A-E02C-4FE9-B168-05591AA101D9}"/>
+    <dgm:cxn modelId="{976FC5EC-8545-4C75-B9AD-4FFF395D5277}" type="presOf" srcId="{62022D8A-8107-4E1A-AB0C-3CA8812A2E92}" destId="{B070C0AB-2AB2-4F75-8E4B-4E1A7DD1E53C}" srcOrd="0" destOrd="1" presId="urn:microsoft.com/office/officeart/2005/8/layout/vList2"/>
+    <dgm:cxn modelId="{4ED8EC1A-0C05-496B-8F75-1BCBB4DDF213}" type="presOf" srcId="{056A7EA6-0587-4DD3-A02B-0575F0B2B59C}" destId="{B68156C1-4134-4611-833B-074BF3B386BE}" srcOrd="0" destOrd="1" presId="urn:microsoft.com/office/officeart/2005/8/layout/vList2"/>
+    <dgm:cxn modelId="{08B20F40-E0BC-40A8-BEBA-ED6FE44341D8}" type="presOf" srcId="{5EF78741-8A89-4506-BAB5-81F49968012F}" destId="{45FA3829-6A95-45B4-892E-D607870AD566}" srcOrd="0" destOrd="0" presId="urn:microsoft.com/office/officeart/2005/8/layout/vList2"/>
+    <dgm:cxn modelId="{742696A3-84E0-4F57-B84A-DD761B14044C}" type="presOf" srcId="{6082AD92-CAE2-4EF3-B08B-7E39A39BA16B}" destId="{45FA3829-6A95-45B4-892E-D607870AD566}" srcOrd="0" destOrd="1" presId="urn:microsoft.com/office/officeart/2005/8/layout/vList2"/>
+    <dgm:cxn modelId="{ED95C7A8-0869-4FE5-A2D0-AE07A6609C0D}" srcId="{5EF78741-8A89-4506-BAB5-81F49968012F}" destId="{6082AD92-CAE2-4EF3-B08B-7E39A39BA16B}" srcOrd="0" destOrd="0" parTransId="{86A4415C-0532-44CA-ACCD-D1983E6CB713}" sibTransId="{96AFDFA7-861F-4A37-B3F6-8AB6A7EBB434}"/>
+    <dgm:cxn modelId="{627B0E4E-8064-4359-B88A-D94D4B7B02D8}" srcId="{DEA64DE7-0E98-43DD-AA6A-A24648A58BB4}" destId="{62022D8A-8107-4E1A-AB0C-3CA8812A2E92}" srcOrd="0" destOrd="0" parTransId="{5155570F-99FF-4D63-9602-E743A5179523}" sibTransId="{46D745E8-F89F-42D7-A52A-A2790448660A}"/>
+    <dgm:cxn modelId="{0F95754B-E4CE-4318-94DA-6138E3BAA2AD}" type="presOf" srcId="{10DC4083-39D7-4892-A906-AD1ED95523ED}" destId="{796020B1-3D5F-44EF-B292-FE6512B981C5}" srcOrd="0" destOrd="0" presId="urn:microsoft.com/office/officeart/2005/8/layout/vList2"/>
+    <dgm:cxn modelId="{0483C2AF-FAC9-4787-B64D-27B473729E86}" type="presOf" srcId="{DD6A7EBC-9BEB-4A2F-9DDA-F97BFC986D37}" destId="{055C8BBF-1FE8-487E-8F42-DCFCEB6E7C63}" srcOrd="0" destOrd="0" presId="urn:microsoft.com/office/officeart/2005/8/layout/vList2"/>
+    <dgm:cxn modelId="{FB5B2A3F-B1B4-4D76-8104-3721D8C5E87D}" srcId="{3B3B8AAC-E5D3-4ADC-A026-DB883069E176}" destId="{02242EB9-6EE2-45C2-B8E6-847C61EB735A}" srcOrd="3" destOrd="0" parTransId="{9677AB10-09DB-4391-9E96-1B6A3B952E78}" sibTransId="{59ED8482-93F0-4472-88EE-58A67BF5574F}"/>
+    <dgm:cxn modelId="{609579DA-8B79-4E2E-B3D2-49CA750E375C}" type="presOf" srcId="{FBBCEF5A-96AA-4E1C-BDCE-8DE149EC5C18}" destId="{4F8C8037-0DE3-4D37-A91A-2A055D52B275}" srcOrd="0" destOrd="0" presId="urn:microsoft.com/office/officeart/2005/8/layout/vList2"/>
+    <dgm:cxn modelId="{66B47094-4781-4100-8A46-0F73974A323D}" type="presOf" srcId="{DEA64DE7-0E98-43DD-AA6A-A24648A58BB4}" destId="{B070C0AB-2AB2-4F75-8E4B-4E1A7DD1E53C}" srcOrd="0" destOrd="0" presId="urn:microsoft.com/office/officeart/2005/8/layout/vList2"/>
+    <dgm:cxn modelId="{8F02B809-A93D-4F69-87CD-B47CEDDBA16A}" srcId="{3B3B8AAC-E5D3-4ADC-A026-DB883069E176}" destId="{10DC4083-39D7-4892-A906-AD1ED95523ED}" srcOrd="2" destOrd="0" parTransId="{0489530C-D48D-4A4F-A2EF-3B11E3999999}" sibTransId="{86901024-2059-430C-952E-ACB5875EFC81}"/>
+    <dgm:cxn modelId="{EA5AA9EB-633B-401E-8FF1-6934DA44DF4F}" type="presOf" srcId="{1B3135D0-F040-453F-9F40-6616E6126848}" destId="{45FA3829-6A95-45B4-892E-D607870AD566}" srcOrd="0" destOrd="2" presId="urn:microsoft.com/office/officeart/2005/8/layout/vList2"/>
+    <dgm:cxn modelId="{21630ECE-328F-4EA0-B993-3D10BFF6863F}" type="presOf" srcId="{02242EB9-6EE2-45C2-B8E6-847C61EB735A}" destId="{6B1645DE-F167-46CA-8B6E-BDEDC5D12718}" srcOrd="0" destOrd="0" presId="urn:microsoft.com/office/officeart/2005/8/layout/vList2"/>
+    <dgm:cxn modelId="{A57463DE-3670-4389-A4FF-8E54532B97D4}" type="presOf" srcId="{28405EBD-342A-4E49-9435-2740AF654CBE}" destId="{45FA3829-6A95-45B4-892E-D607870AD566}" srcOrd="0" destOrd="3" presId="urn:microsoft.com/office/officeart/2005/8/layout/vList2"/>
+    <dgm:cxn modelId="{59322182-D125-4F17-990A-D4276226CA56}" srcId="{5EF78741-8A89-4506-BAB5-81F49968012F}" destId="{1B3135D0-F040-453F-9F40-6616E6126848}" srcOrd="1" destOrd="0" parTransId="{28E60791-1229-4040-B18C-C0F288ECC45B}" sibTransId="{677F4E32-2A90-475F-AE72-FE95AC5F009F}"/>
+    <dgm:cxn modelId="{4FB00519-BDA9-45C2-AE55-5372901CCF29}" srcId="{3B3B8AAC-E5D3-4ADC-A026-DB883069E176}" destId="{3368363C-C642-4A14-B110-BCCFEF6B339F}" srcOrd="0" destOrd="0" parTransId="{DDF87A2B-0DC1-41EA-8E17-4D1DEFF35E27}" sibTransId="{21A827BA-2301-45D6-B8F0-B84C70882112}"/>
+    <dgm:cxn modelId="{095C95EA-780D-4668-B891-3402189D4B11}" type="presOf" srcId="{3B3B8AAC-E5D3-4ADC-A026-DB883069E176}" destId="{37F72BB7-683C-458E-9335-82025EBDFAE5}" srcOrd="0" destOrd="0" presId="urn:microsoft.com/office/officeart/2005/8/layout/vList2"/>
+    <dgm:cxn modelId="{A57DFCED-CF95-4339-8303-1C746009E9E9}" type="presParOf" srcId="{37F72BB7-683C-458E-9335-82025EBDFAE5}" destId="{DFFB47A0-CAA6-42B0-BB1A-3020E4674706}" srcOrd="0" destOrd="0" presId="urn:microsoft.com/office/officeart/2005/8/layout/vList2"/>
+    <dgm:cxn modelId="{AA2F2E5A-CFDC-47FF-938A-B46BB4382B3E}" type="presParOf" srcId="{37F72BB7-683C-458E-9335-82025EBDFAE5}" destId="{4F8C8037-0DE3-4D37-A91A-2A055D52B275}" srcOrd="1" destOrd="0" presId="urn:microsoft.com/office/officeart/2005/8/layout/vList2"/>
+    <dgm:cxn modelId="{ABD5D1D1-3473-49F4-909A-CDFDA439C918}" type="presParOf" srcId="{37F72BB7-683C-458E-9335-82025EBDFAE5}" destId="{055C8BBF-1FE8-487E-8F42-DCFCEB6E7C63}" srcOrd="2" destOrd="0" presId="urn:microsoft.com/office/officeart/2005/8/layout/vList2"/>
+    <dgm:cxn modelId="{C996891F-9F7D-40F6-B46B-C082200CDC36}" type="presParOf" srcId="{37F72BB7-683C-458E-9335-82025EBDFAE5}" destId="{B070C0AB-2AB2-4F75-8E4B-4E1A7DD1E53C}" srcOrd="3" destOrd="0" presId="urn:microsoft.com/office/officeart/2005/8/layout/vList2"/>
+    <dgm:cxn modelId="{1D34DC9C-4060-4677-8A82-1D709063B240}" type="presParOf" srcId="{37F72BB7-683C-458E-9335-82025EBDFAE5}" destId="{796020B1-3D5F-44EF-B292-FE6512B981C5}" srcOrd="4" destOrd="0" presId="urn:microsoft.com/office/officeart/2005/8/layout/vList2"/>
+    <dgm:cxn modelId="{9D5F51E8-6ED3-443C-AD3F-84C8D54AF66E}" type="presParOf" srcId="{37F72BB7-683C-458E-9335-82025EBDFAE5}" destId="{B68156C1-4134-4611-833B-074BF3B386BE}" srcOrd="5" destOrd="0" presId="urn:microsoft.com/office/officeart/2005/8/layout/vList2"/>
+    <dgm:cxn modelId="{E5ADB4B5-FE50-4411-80A3-8D0D6AFBDC3F}" type="presParOf" srcId="{37F72BB7-683C-458E-9335-82025EBDFAE5}" destId="{6B1645DE-F167-46CA-8B6E-BDEDC5D12718}" srcOrd="6" destOrd="0" presId="urn:microsoft.com/office/officeart/2005/8/layout/vList2"/>
+    <dgm:cxn modelId="{74ED7ECF-4D82-4BFD-9150-F4BE12CB5722}" type="presParOf" srcId="{37F72BB7-683C-458E-9335-82025EBDFAE5}" destId="{45FA3829-6A95-45B4-892E-D607870AD566}" srcOrd="7" destOrd="0" presId="urn:microsoft.com/office/officeart/2005/8/layout/vList2"/>
   </dgm:cxnLst>
   <dgm:bg/>
   <dgm:whole/>
@@ -4307,7 +5779,7 @@
 </dgm:dataModel>
 </file>
 
-<file path=ppt/diagrams/data3.xml><?xml version="1.0" encoding="utf-8"?>
+<file path=ppt/diagrams/data4.xml><?xml version="1.0" encoding="utf-8"?>
 <dgm:dataModel xmlns:dgm="http://schemas.openxmlformats.org/drawingml/2006/diagram" xmlns:a="http://schemas.openxmlformats.org/drawingml/2006/main">
   <dgm:ptLst>
     <dgm:pt modelId="{BA0B0533-E7A3-44A2-A68F-2E1BB8E85879}" type="doc">
@@ -5027,11 +6499,11 @@
 </dgm:dataModel>
 </file>
 
-<file path=ppt/diagrams/data4.xml><?xml version="1.0" encoding="utf-8"?>
+<file path=ppt/diagrams/data5.xml><?xml version="1.0" encoding="utf-8"?>
 <dgm:dataModel xmlns:dgm="http://schemas.openxmlformats.org/drawingml/2006/diagram" xmlns:a="http://schemas.openxmlformats.org/drawingml/2006/main">
   <dgm:ptLst>
     <dgm:pt modelId="{63EFF2B8-FA42-48DE-86AD-63FC2262D43F}" type="doc">
-      <dgm:prSet loTypeId="urn:microsoft.com/office/officeart/2005/8/layout/hierarchy3" loCatId="list" qsTypeId="urn:microsoft.com/office/officeart/2005/8/quickstyle/simple1" qsCatId="simple" csTypeId="urn:microsoft.com/office/officeart/2005/8/colors/accent3_3" csCatId="accent3"/>
+      <dgm:prSet loTypeId="urn:microsoft.com/office/officeart/2005/8/layout/hierarchy3" loCatId="list" qsTypeId="urn:microsoft.com/office/officeart/2005/8/quickstyle/simple1" qsCatId="simple" csTypeId="urn:microsoft.com/office/officeart/2005/8/colors/accent3_3" csCatId="accent3" phldr="1"/>
       <dgm:spPr/>
       <dgm:t>
         <a:bodyPr/>
@@ -5089,7 +6561,7 @@
           <a:pPr rtl="0"/>
           <a:r>
             <a:rPr lang="en-US" dirty="0" smtClean="0"/>
-            <a:t>a</a:t>
+            <a:t>Complicated</a:t>
           </a:r>
           <a:endParaRPr lang="en-US" dirty="0"/>
         </a:p>
@@ -5165,9 +6637,8 @@
           <a:pPr rtl="0"/>
           <a:r>
             <a:rPr lang="en-US" dirty="0" smtClean="0"/>
-            <a:t>a</a:t>
+            <a:t>Easy to perform</a:t>
           </a:r>
-          <a:endParaRPr lang="en-US" dirty="0"/>
         </a:p>
       </dgm:t>
     </dgm:pt>
@@ -5203,7 +6674,7 @@
           <a:pPr rtl="0"/>
           <a:r>
             <a:rPr lang="en-US" dirty="0" smtClean="0"/>
-            <a:t>Man-in-the-Middle</a:t>
+            <a:t>Man-in-the-Middle attacks</a:t>
           </a:r>
           <a:endParaRPr lang="en-US" dirty="0"/>
         </a:p>
@@ -5241,7 +6712,7 @@
           <a:pPr rtl="0"/>
           <a:r>
             <a:rPr lang="en-US" dirty="0" smtClean="0"/>
-            <a:t>a</a:t>
+            <a:t>Short range makes MITM hard</a:t>
           </a:r>
           <a:endParaRPr lang="en-US" dirty="0"/>
         </a:p>
@@ -5268,6 +6739,103 @@
           <a:endParaRPr lang="en-US"/>
         </a:p>
       </dgm:t>
+    </dgm:pt>
+    <dgm:pt modelId="{91C53457-6B92-497A-9436-A10DED6FDC2B}">
+      <dgm:prSet/>
+      <dgm:spPr/>
+      <dgm:t>
+        <a:bodyPr/>
+        <a:lstStyle/>
+        <a:p>
+          <a:r>
+            <a:rPr lang="en-US" dirty="0" smtClean="0"/>
+            <a:t>Almost impossible to prevent</a:t>
+          </a:r>
+          <a:endParaRPr lang="en-US" dirty="0"/>
+        </a:p>
+      </dgm:t>
+    </dgm:pt>
+    <dgm:pt modelId="{48C98AE9-C73B-40B8-9157-BD1B69AEB374}" type="parTrans" cxnId="{49FD5CD6-982E-43EA-B88D-6D91BA06D340}">
+      <dgm:prSet/>
+      <dgm:spPr/>
+      <dgm:t>
+        <a:bodyPr/>
+        <a:lstStyle/>
+        <a:p>
+          <a:endParaRPr lang="en-US"/>
+        </a:p>
+      </dgm:t>
+    </dgm:pt>
+    <dgm:pt modelId="{82286411-B5FF-4803-AA1B-541C0084A740}" type="sibTrans" cxnId="{49FD5CD6-982E-43EA-B88D-6D91BA06D340}">
+      <dgm:prSet/>
+      <dgm:spPr/>
+      <dgm:t>
+        <a:bodyPr/>
+        <a:lstStyle/>
+        <a:p>
+          <a:endParaRPr lang="en-US"/>
+        </a:p>
+      </dgm:t>
+    </dgm:pt>
+    <dgm:pt modelId="{135958F1-D8E2-47F2-9F88-6A53D29DEEC4}">
+      <dgm:prSet/>
+      <dgm:spPr/>
+      <dgm:t>
+        <a:bodyPr/>
+        <a:lstStyle/>
+        <a:p>
+          <a:r>
+            <a:rPr lang="en-US" dirty="0" smtClean="0"/>
+            <a:t>Requires proximity</a:t>
+          </a:r>
+          <a:endParaRPr lang="en-US" dirty="0"/>
+        </a:p>
+      </dgm:t>
+    </dgm:pt>
+    <dgm:pt modelId="{AFF88E45-E251-4832-8AA3-F0E647AAFB58}" type="parTrans" cxnId="{C9CB77B8-F5E1-4FA3-AF0C-D670703A203D}">
+      <dgm:prSet/>
+      <dgm:spPr/>
+      <dgm:t>
+        <a:bodyPr/>
+        <a:lstStyle/>
+        <a:p>
+          <a:endParaRPr lang="en-US"/>
+        </a:p>
+      </dgm:t>
+    </dgm:pt>
+    <dgm:pt modelId="{9E005692-7016-4DB3-8CA0-E9F7FE810E34}" type="sibTrans" cxnId="{C9CB77B8-F5E1-4FA3-AF0C-D670703A203D}">
+      <dgm:prSet/>
+      <dgm:spPr/>
+      <dgm:t>
+        <a:bodyPr/>
+        <a:lstStyle/>
+        <a:p>
+          <a:endParaRPr lang="en-US"/>
+        </a:p>
+      </dgm:t>
+    </dgm:pt>
+    <dgm:pt modelId="{52281A13-2EC7-451C-B482-ED5876499EAD}">
+      <dgm:prSet/>
+      <dgm:spPr/>
+      <dgm:t>
+        <a:bodyPr/>
+        <a:lstStyle/>
+        <a:p>
+          <a:r>
+            <a:rPr lang="en-US" dirty="0" smtClean="0"/>
+            <a:t>Painless to detect</a:t>
+          </a:r>
+          <a:endParaRPr lang="en-US" dirty="0"/>
+        </a:p>
+      </dgm:t>
+    </dgm:pt>
+    <dgm:pt modelId="{D359490A-9258-44D0-9693-56DE0718D236}" type="parTrans" cxnId="{9D9F3C87-138D-4BFA-8BBD-9E85B12C3F8D}">
+      <dgm:prSet/>
+      <dgm:spPr/>
+    </dgm:pt>
+    <dgm:pt modelId="{FD048BD9-322E-4A32-9FF2-980406B52126}" type="sibTrans" cxnId="{9D9F3C87-138D-4BFA-8BBD-9E85B12C3F8D}">
+      <dgm:prSet/>
+      <dgm:spPr/>
     </dgm:pt>
     <dgm:pt modelId="{0BB7D9AF-789B-48E9-AF1D-94078572A0EA}" type="pres">
       <dgm:prSet presAssocID="{63EFF2B8-FA42-48DE-86AD-63FC2262D43F}" presName="diagram" presStyleCnt="0">
@@ -5323,7 +6891,7 @@
       <dgm:spPr/>
     </dgm:pt>
     <dgm:pt modelId="{59F92D86-7EB4-4DA3-8F8D-FA11DAD86209}" type="pres">
-      <dgm:prSet presAssocID="{4380517D-BE21-4B1A-BA9C-B264D6488C41}" presName="Name13" presStyleLbl="parChTrans1D2" presStyleIdx="0" presStyleCnt="3"/>
+      <dgm:prSet presAssocID="{4380517D-BE21-4B1A-BA9C-B264D6488C41}" presName="Name13" presStyleLbl="parChTrans1D2" presStyleIdx="0" presStyleCnt="6"/>
       <dgm:spPr/>
       <dgm:t>
         <a:bodyPr/>
@@ -5334,7 +6902,33 @@
       </dgm:t>
     </dgm:pt>
     <dgm:pt modelId="{AE845357-41FB-45FC-BB51-CD77F8426DF4}" type="pres">
-      <dgm:prSet presAssocID="{B6CC46EB-8752-4720-A532-2C506B14AF4A}" presName="childText" presStyleLbl="bgAcc1" presStyleIdx="0" presStyleCnt="3">
+      <dgm:prSet presAssocID="{B6CC46EB-8752-4720-A532-2C506B14AF4A}" presName="childText" presStyleLbl="bgAcc1" presStyleIdx="0" presStyleCnt="6">
+        <dgm:presLayoutVars>
+          <dgm:bulletEnabled val="1"/>
+        </dgm:presLayoutVars>
+      </dgm:prSet>
+      <dgm:spPr/>
+      <dgm:t>
+        <a:bodyPr/>
+        <a:lstStyle/>
+        <a:p>
+          <a:endParaRPr lang="en-US"/>
+        </a:p>
+      </dgm:t>
+    </dgm:pt>
+    <dgm:pt modelId="{50064A5E-A449-428E-812F-0900832E2F20}" type="pres">
+      <dgm:prSet presAssocID="{AFF88E45-E251-4832-8AA3-F0E647AAFB58}" presName="Name13" presStyleLbl="parChTrans1D2" presStyleIdx="1" presStyleCnt="6"/>
+      <dgm:spPr/>
+      <dgm:t>
+        <a:bodyPr/>
+        <a:lstStyle/>
+        <a:p>
+          <a:endParaRPr lang="en-US"/>
+        </a:p>
+      </dgm:t>
+    </dgm:pt>
+    <dgm:pt modelId="{F9929AA2-946E-4489-A04B-18395F8C0F29}" type="pres">
+      <dgm:prSet presAssocID="{135958F1-D8E2-47F2-9F88-6A53D29DEEC4}" presName="childText" presStyleLbl="bgAcc1" presStyleIdx="1" presStyleCnt="6">
         <dgm:presLayoutVars>
           <dgm:bulletEnabled val="1"/>
         </dgm:presLayoutVars>
@@ -5383,7 +6977,7 @@
       <dgm:spPr/>
     </dgm:pt>
     <dgm:pt modelId="{64C6F06D-75A8-412A-8DD5-5A436B420339}" type="pres">
-      <dgm:prSet presAssocID="{F6F22387-4B49-4A26-A161-4ACA904D9707}" presName="Name13" presStyleLbl="parChTrans1D2" presStyleIdx="1" presStyleCnt="3"/>
+      <dgm:prSet presAssocID="{F6F22387-4B49-4A26-A161-4ACA904D9707}" presName="Name13" presStyleLbl="parChTrans1D2" presStyleIdx="2" presStyleCnt="6"/>
       <dgm:spPr/>
       <dgm:t>
         <a:bodyPr/>
@@ -5394,7 +6988,33 @@
       </dgm:t>
     </dgm:pt>
     <dgm:pt modelId="{7AD682C4-D691-480B-B251-95985202C79F}" type="pres">
-      <dgm:prSet presAssocID="{A5770817-7B6E-41FC-8EC8-FC57ED4F78C2}" presName="childText" presStyleLbl="bgAcc1" presStyleIdx="1" presStyleCnt="3">
+      <dgm:prSet presAssocID="{A5770817-7B6E-41FC-8EC8-FC57ED4F78C2}" presName="childText" presStyleLbl="bgAcc1" presStyleIdx="2" presStyleCnt="6">
+        <dgm:presLayoutVars>
+          <dgm:bulletEnabled val="1"/>
+        </dgm:presLayoutVars>
+      </dgm:prSet>
+      <dgm:spPr/>
+      <dgm:t>
+        <a:bodyPr/>
+        <a:lstStyle/>
+        <a:p>
+          <a:endParaRPr lang="en-US"/>
+        </a:p>
+      </dgm:t>
+    </dgm:pt>
+    <dgm:pt modelId="{EE5A6168-7F65-48F7-9C0D-9A62BABED2B9}" type="pres">
+      <dgm:prSet presAssocID="{48C98AE9-C73B-40B8-9157-BD1B69AEB374}" presName="Name13" presStyleLbl="parChTrans1D2" presStyleIdx="3" presStyleCnt="6"/>
+      <dgm:spPr/>
+      <dgm:t>
+        <a:bodyPr/>
+        <a:lstStyle/>
+        <a:p>
+          <a:endParaRPr lang="en-US"/>
+        </a:p>
+      </dgm:t>
+    </dgm:pt>
+    <dgm:pt modelId="{7B8522B4-2470-41A7-AD88-4E829189493D}" type="pres">
+      <dgm:prSet presAssocID="{91C53457-6B92-497A-9436-A10DED6FDC2B}" presName="childText" presStyleLbl="bgAcc1" presStyleIdx="3" presStyleCnt="6">
         <dgm:presLayoutVars>
           <dgm:bulletEnabled val="1"/>
         </dgm:presLayoutVars>
@@ -5443,7 +7063,7 @@
       <dgm:spPr/>
     </dgm:pt>
     <dgm:pt modelId="{D309E9B5-F4E0-4763-94F9-8AE08AF244C6}" type="pres">
-      <dgm:prSet presAssocID="{AF0C6532-1EF5-4DC0-9401-7A7F8E950A6A}" presName="Name13" presStyleLbl="parChTrans1D2" presStyleIdx="2" presStyleCnt="3"/>
+      <dgm:prSet presAssocID="{AF0C6532-1EF5-4DC0-9401-7A7F8E950A6A}" presName="Name13" presStyleLbl="parChTrans1D2" presStyleIdx="4" presStyleCnt="6"/>
       <dgm:spPr/>
       <dgm:t>
         <a:bodyPr/>
@@ -5454,7 +7074,26 @@
       </dgm:t>
     </dgm:pt>
     <dgm:pt modelId="{041506C0-697F-485C-BE27-E9A388660F88}" type="pres">
-      <dgm:prSet presAssocID="{BFB06111-A6C6-4067-9DF0-56E2DB1125D5}" presName="childText" presStyleLbl="bgAcc1" presStyleIdx="2" presStyleCnt="3">
+      <dgm:prSet presAssocID="{BFB06111-A6C6-4067-9DF0-56E2DB1125D5}" presName="childText" presStyleLbl="bgAcc1" presStyleIdx="4" presStyleCnt="6">
+        <dgm:presLayoutVars>
+          <dgm:bulletEnabled val="1"/>
+        </dgm:presLayoutVars>
+      </dgm:prSet>
+      <dgm:spPr/>
+      <dgm:t>
+        <a:bodyPr/>
+        <a:lstStyle/>
+        <a:p>
+          <a:endParaRPr lang="en-US"/>
+        </a:p>
+      </dgm:t>
+    </dgm:pt>
+    <dgm:pt modelId="{0152353E-B13E-4EC7-AD84-2EE36F26FC4F}" type="pres">
+      <dgm:prSet presAssocID="{D359490A-9258-44D0-9693-56DE0718D236}" presName="Name13" presStyleLbl="parChTrans1D2" presStyleIdx="5" presStyleCnt="6"/>
+      <dgm:spPr/>
+    </dgm:pt>
+    <dgm:pt modelId="{B36EEAEE-5828-42F5-84CD-9D9E02F7534E}" type="pres">
+      <dgm:prSet presAssocID="{52281A13-2EC7-451C-B482-ED5876499EAD}" presName="childText" presStyleLbl="bgAcc1" presStyleIdx="5" presStyleCnt="6">
         <dgm:presLayoutVars>
           <dgm:bulletEnabled val="1"/>
         </dgm:presLayoutVars>
@@ -5470,46 +7109,61 @@
     </dgm:pt>
   </dgm:ptLst>
   <dgm:cxnLst>
+    <dgm:cxn modelId="{13998FB8-CD56-4E4E-B791-81EB4B5695CE}" type="presOf" srcId="{723E0E71-C2E9-450E-B9D5-9A9F177859A2}" destId="{6B893459-FD32-44E5-B068-09AE2EFEA057}" srcOrd="0" destOrd="0" presId="urn:microsoft.com/office/officeart/2005/8/layout/hierarchy3"/>
+    <dgm:cxn modelId="{AB8EC584-1A83-4C0C-95E0-033EB9FD654E}" type="presOf" srcId="{52281A13-2EC7-451C-B482-ED5876499EAD}" destId="{B36EEAEE-5828-42F5-84CD-9D9E02F7534E}" srcOrd="0" destOrd="0" presId="urn:microsoft.com/office/officeart/2005/8/layout/hierarchy3"/>
+    <dgm:cxn modelId="{759762E2-D15A-491D-9363-CEE4BF10A5D8}" srcId="{3F61756A-FFE2-4736-8F2D-882BD5552AA8}" destId="{A5770817-7B6E-41FC-8EC8-FC57ED4F78C2}" srcOrd="0" destOrd="0" parTransId="{F6F22387-4B49-4A26-A161-4ACA904D9707}" sibTransId="{CBC89730-C0FA-493B-858D-1C9BC755577C}"/>
+    <dgm:cxn modelId="{23B59C54-E8A6-4880-870B-BB3AECB355E1}" type="presOf" srcId="{AF0C6532-1EF5-4DC0-9401-7A7F8E950A6A}" destId="{D309E9B5-F4E0-4763-94F9-8AE08AF244C6}" srcOrd="0" destOrd="0" presId="urn:microsoft.com/office/officeart/2005/8/layout/hierarchy3"/>
+    <dgm:cxn modelId="{FB8546E4-4766-490B-8D3D-3CB052B76C0C}" type="presOf" srcId="{135958F1-D8E2-47F2-9F88-6A53D29DEEC4}" destId="{F9929AA2-946E-4489-A04B-18395F8C0F29}" srcOrd="0" destOrd="0" presId="urn:microsoft.com/office/officeart/2005/8/layout/hierarchy3"/>
+    <dgm:cxn modelId="{866E1AF3-6B72-4695-B173-8E6C51CF4426}" type="presOf" srcId="{91C53457-6B92-497A-9436-A10DED6FDC2B}" destId="{7B8522B4-2470-41A7-AD88-4E829189493D}" srcOrd="0" destOrd="0" presId="urn:microsoft.com/office/officeart/2005/8/layout/hierarchy3"/>
+    <dgm:cxn modelId="{DE54CAD3-5C7D-4F7C-8872-E5FC7BA47DE8}" type="presOf" srcId="{3F61756A-FFE2-4736-8F2D-882BD5552AA8}" destId="{67A9576A-2067-44AB-AF89-E5F155DC42BE}" srcOrd="1" destOrd="0" presId="urn:microsoft.com/office/officeart/2005/8/layout/hierarchy3"/>
+    <dgm:cxn modelId="{D863515B-A511-43C5-88D3-C2949A524A47}" type="presOf" srcId="{63EFF2B8-FA42-48DE-86AD-63FC2262D43F}" destId="{0BB7D9AF-789B-48E9-AF1D-94078572A0EA}" srcOrd="0" destOrd="0" presId="urn:microsoft.com/office/officeart/2005/8/layout/hierarchy3"/>
+    <dgm:cxn modelId="{82D40935-5598-4334-8235-0C12EB3F5365}" type="presOf" srcId="{B6CC46EB-8752-4720-A532-2C506B14AF4A}" destId="{AE845357-41FB-45FC-BB51-CD77F8426DF4}" srcOrd="0" destOrd="0" presId="urn:microsoft.com/office/officeart/2005/8/layout/hierarchy3"/>
+    <dgm:cxn modelId="{49FD5CD6-982E-43EA-B88D-6D91BA06D340}" srcId="{3F61756A-FFE2-4736-8F2D-882BD5552AA8}" destId="{91C53457-6B92-497A-9436-A10DED6FDC2B}" srcOrd="1" destOrd="0" parTransId="{48C98AE9-C73B-40B8-9157-BD1B69AEB374}" sibTransId="{82286411-B5FF-4803-AA1B-541C0084A740}"/>
+    <dgm:cxn modelId="{105DBB76-7602-408C-A57D-1194CFCEFE97}" srcId="{63EFF2B8-FA42-48DE-86AD-63FC2262D43F}" destId="{723E0E71-C2E9-450E-B9D5-9A9F177859A2}" srcOrd="2" destOrd="0" parTransId="{D33F3B73-E9A7-41CB-B500-028A8459815A}" sibTransId="{8D3FC22A-1845-4EE0-B9B1-F7DD07E51B15}"/>
+    <dgm:cxn modelId="{0F00E65B-2570-47D0-B6F8-CFE4FEB71E8F}" srcId="{723E0E71-C2E9-450E-B9D5-9A9F177859A2}" destId="{BFB06111-A6C6-4067-9DF0-56E2DB1125D5}" srcOrd="0" destOrd="0" parTransId="{AF0C6532-1EF5-4DC0-9401-7A7F8E950A6A}" sibTransId="{D6BB9CF9-E834-44DB-8AB6-572545631172}"/>
+    <dgm:cxn modelId="{F9AEA245-F38A-48F8-8B0F-7029B6690FE3}" type="presOf" srcId="{48C98AE9-C73B-40B8-9157-BD1B69AEB374}" destId="{EE5A6168-7F65-48F7-9C0D-9A62BABED2B9}" srcOrd="0" destOrd="0" presId="urn:microsoft.com/office/officeart/2005/8/layout/hierarchy3"/>
+    <dgm:cxn modelId="{744AEBFE-F8AB-40AB-908C-0C92FB3C2447}" type="presOf" srcId="{38FDB9F1-E202-4C33-AB1A-18EF144197AE}" destId="{A1B6EB25-389A-49C2-BA2F-1BCE6C4DB98D}" srcOrd="1" destOrd="0" presId="urn:microsoft.com/office/officeart/2005/8/layout/hierarchy3"/>
+    <dgm:cxn modelId="{27532FA1-1D1A-4A81-A246-84FD623BA33D}" type="presOf" srcId="{A5770817-7B6E-41FC-8EC8-FC57ED4F78C2}" destId="{7AD682C4-D691-480B-B251-95985202C79F}" srcOrd="0" destOrd="0" presId="urn:microsoft.com/office/officeart/2005/8/layout/hierarchy3"/>
+    <dgm:cxn modelId="{95A5AD33-5046-42EE-98DB-9F47DE3FCD60}" srcId="{63EFF2B8-FA42-48DE-86AD-63FC2262D43F}" destId="{38FDB9F1-E202-4C33-AB1A-18EF144197AE}" srcOrd="0" destOrd="0" parTransId="{90823777-33FC-4DE9-8DCF-B5AA59F8A49D}" sibTransId="{049AB118-6A71-4E9F-8698-F7AC4E574550}"/>
+    <dgm:cxn modelId="{E3841B34-5394-42F4-86C9-F52DE9573429}" type="presOf" srcId="{4380517D-BE21-4B1A-BA9C-B264D6488C41}" destId="{59F92D86-7EB4-4DA3-8F8D-FA11DAD86209}" srcOrd="0" destOrd="0" presId="urn:microsoft.com/office/officeart/2005/8/layout/hierarchy3"/>
+    <dgm:cxn modelId="{72723B7F-2122-4C99-8EAF-970D8A641697}" type="presOf" srcId="{AFF88E45-E251-4832-8AA3-F0E647AAFB58}" destId="{50064A5E-A449-428E-812F-0900832E2F20}" srcOrd="0" destOrd="0" presId="urn:microsoft.com/office/officeart/2005/8/layout/hierarchy3"/>
+    <dgm:cxn modelId="{BE2F16AA-4738-4E00-A2A7-A465C6E0BB1E}" type="presOf" srcId="{38FDB9F1-E202-4C33-AB1A-18EF144197AE}" destId="{768F005E-A484-4309-8F14-86445FAF87DD}" srcOrd="0" destOrd="0" presId="urn:microsoft.com/office/officeart/2005/8/layout/hierarchy3"/>
     <dgm:cxn modelId="{9BC5B480-E3F5-40CC-81CC-C31CD3DB6D9E}" srcId="{63EFF2B8-FA42-48DE-86AD-63FC2262D43F}" destId="{3F61756A-FFE2-4736-8F2D-882BD5552AA8}" srcOrd="1" destOrd="0" parTransId="{BF34C817-3FE5-499B-98AD-7235361DBE30}" sibTransId="{79500AEA-122D-44E1-9E16-1B5CAC5436BF}"/>
-    <dgm:cxn modelId="{95A5AD33-5046-42EE-98DB-9F47DE3FCD60}" srcId="{63EFF2B8-FA42-48DE-86AD-63FC2262D43F}" destId="{38FDB9F1-E202-4C33-AB1A-18EF144197AE}" srcOrd="0" destOrd="0" parTransId="{90823777-33FC-4DE9-8DCF-B5AA59F8A49D}" sibTransId="{049AB118-6A71-4E9F-8698-F7AC4E574550}"/>
-    <dgm:cxn modelId="{DB807925-872D-4C39-8199-AE00E27B677B}" type="presOf" srcId="{F6F22387-4B49-4A26-A161-4ACA904D9707}" destId="{64C6F06D-75A8-412A-8DD5-5A436B420339}" srcOrd="0" destOrd="0" presId="urn:microsoft.com/office/officeart/2005/8/layout/hierarchy3"/>
-    <dgm:cxn modelId="{513A73CD-45D4-4970-8B4A-E1D3C1A6749A}" type="presOf" srcId="{4380517D-BE21-4B1A-BA9C-B264D6488C41}" destId="{59F92D86-7EB4-4DA3-8F8D-FA11DAD86209}" srcOrd="0" destOrd="0" presId="urn:microsoft.com/office/officeart/2005/8/layout/hierarchy3"/>
-    <dgm:cxn modelId="{0F00E65B-2570-47D0-B6F8-CFE4FEB71E8F}" srcId="{723E0E71-C2E9-450E-B9D5-9A9F177859A2}" destId="{BFB06111-A6C6-4067-9DF0-56E2DB1125D5}" srcOrd="0" destOrd="0" parTransId="{AF0C6532-1EF5-4DC0-9401-7A7F8E950A6A}" sibTransId="{D6BB9CF9-E834-44DB-8AB6-572545631172}"/>
+    <dgm:cxn modelId="{9D9F3C87-138D-4BFA-8BBD-9E85B12C3F8D}" srcId="{723E0E71-C2E9-450E-B9D5-9A9F177859A2}" destId="{52281A13-2EC7-451C-B482-ED5876499EAD}" srcOrd="1" destOrd="0" parTransId="{D359490A-9258-44D0-9693-56DE0718D236}" sibTransId="{FD048BD9-322E-4A32-9FF2-980406B52126}"/>
+    <dgm:cxn modelId="{760B19A3-AD28-4A35-9553-6111A572D48D}" type="presOf" srcId="{D359490A-9258-44D0-9693-56DE0718D236}" destId="{0152353E-B13E-4EC7-AD84-2EE36F26FC4F}" srcOrd="0" destOrd="0" presId="urn:microsoft.com/office/officeart/2005/8/layout/hierarchy3"/>
+    <dgm:cxn modelId="{954DD198-2F46-4174-A1C0-E11E44D5B4AE}" type="presOf" srcId="{3F61756A-FFE2-4736-8F2D-882BD5552AA8}" destId="{4061B5B9-17C4-4D4A-9823-68D18C8355D2}" srcOrd="0" destOrd="0" presId="urn:microsoft.com/office/officeart/2005/8/layout/hierarchy3"/>
+    <dgm:cxn modelId="{9F1BA384-1775-4D72-8B80-6DF8DA2CBCE4}" type="presOf" srcId="{F6F22387-4B49-4A26-A161-4ACA904D9707}" destId="{64C6F06D-75A8-412A-8DD5-5A436B420339}" srcOrd="0" destOrd="0" presId="urn:microsoft.com/office/officeart/2005/8/layout/hierarchy3"/>
+    <dgm:cxn modelId="{B2B25478-5479-42CA-BC79-FC991C2BC349}" type="presOf" srcId="{BFB06111-A6C6-4067-9DF0-56E2DB1125D5}" destId="{041506C0-697F-485C-BE27-E9A388660F88}" srcOrd="0" destOrd="0" presId="urn:microsoft.com/office/officeart/2005/8/layout/hierarchy3"/>
     <dgm:cxn modelId="{569706F5-AD5B-4B91-AAE2-D2F21FD083FA}" srcId="{38FDB9F1-E202-4C33-AB1A-18EF144197AE}" destId="{B6CC46EB-8752-4720-A532-2C506B14AF4A}" srcOrd="0" destOrd="0" parTransId="{4380517D-BE21-4B1A-BA9C-B264D6488C41}" sibTransId="{71971FCA-C962-4F41-ADC8-3ADFB4932CBD}"/>
-    <dgm:cxn modelId="{759762E2-D15A-491D-9363-CEE4BF10A5D8}" srcId="{3F61756A-FFE2-4736-8F2D-882BD5552AA8}" destId="{A5770817-7B6E-41FC-8EC8-FC57ED4F78C2}" srcOrd="0" destOrd="0" parTransId="{F6F22387-4B49-4A26-A161-4ACA904D9707}" sibTransId="{CBC89730-C0FA-493B-858D-1C9BC755577C}"/>
-    <dgm:cxn modelId="{DB071264-2051-49D6-AB0B-A1D145D6A4EA}" type="presOf" srcId="{38FDB9F1-E202-4C33-AB1A-18EF144197AE}" destId="{768F005E-A484-4309-8F14-86445FAF87DD}" srcOrd="0" destOrd="0" presId="urn:microsoft.com/office/officeart/2005/8/layout/hierarchy3"/>
-    <dgm:cxn modelId="{0F0A6E0F-DA1E-4348-B80F-69AD208DA52B}" type="presOf" srcId="{723E0E71-C2E9-450E-B9D5-9A9F177859A2}" destId="{6B893459-FD32-44E5-B068-09AE2EFEA057}" srcOrd="0" destOrd="0" presId="urn:microsoft.com/office/officeart/2005/8/layout/hierarchy3"/>
-    <dgm:cxn modelId="{A9EAA77F-B9FC-41EE-9BDF-15E1884AEE5A}" type="presOf" srcId="{B6CC46EB-8752-4720-A532-2C506B14AF4A}" destId="{AE845357-41FB-45FC-BB51-CD77F8426DF4}" srcOrd="0" destOrd="0" presId="urn:microsoft.com/office/officeart/2005/8/layout/hierarchy3"/>
-    <dgm:cxn modelId="{105DBB76-7602-408C-A57D-1194CFCEFE97}" srcId="{63EFF2B8-FA42-48DE-86AD-63FC2262D43F}" destId="{723E0E71-C2E9-450E-B9D5-9A9F177859A2}" srcOrd="2" destOrd="0" parTransId="{D33F3B73-E9A7-41CB-B500-028A8459815A}" sibTransId="{8D3FC22A-1845-4EE0-B9B1-F7DD07E51B15}"/>
-    <dgm:cxn modelId="{C6372B6F-F552-4EEB-A9E7-78EED0AE04C4}" type="presOf" srcId="{3F61756A-FFE2-4736-8F2D-882BD5552AA8}" destId="{4061B5B9-17C4-4D4A-9823-68D18C8355D2}" srcOrd="0" destOrd="0" presId="urn:microsoft.com/office/officeart/2005/8/layout/hierarchy3"/>
-    <dgm:cxn modelId="{183C0CCD-DC0D-48AE-BD04-E52AE738E5FC}" type="presOf" srcId="{3F61756A-FFE2-4736-8F2D-882BD5552AA8}" destId="{67A9576A-2067-44AB-AF89-E5F155DC42BE}" srcOrd="1" destOrd="0" presId="urn:microsoft.com/office/officeart/2005/8/layout/hierarchy3"/>
-    <dgm:cxn modelId="{24049873-C3B0-45B6-98EB-A74318E2BDD5}" type="presOf" srcId="{723E0E71-C2E9-450E-B9D5-9A9F177859A2}" destId="{8EDBB0EB-7C12-459A-978A-AFCC46C3EDB0}" srcOrd="1" destOrd="0" presId="urn:microsoft.com/office/officeart/2005/8/layout/hierarchy3"/>
-    <dgm:cxn modelId="{11B987CB-C271-4014-8F01-042DA8CA716D}" type="presOf" srcId="{38FDB9F1-E202-4C33-AB1A-18EF144197AE}" destId="{A1B6EB25-389A-49C2-BA2F-1BCE6C4DB98D}" srcOrd="1" destOrd="0" presId="urn:microsoft.com/office/officeart/2005/8/layout/hierarchy3"/>
-    <dgm:cxn modelId="{EBC398B5-FE74-4A9D-87FA-9C5E1D404961}" type="presOf" srcId="{A5770817-7B6E-41FC-8EC8-FC57ED4F78C2}" destId="{7AD682C4-D691-480B-B251-95985202C79F}" srcOrd="0" destOrd="0" presId="urn:microsoft.com/office/officeart/2005/8/layout/hierarchy3"/>
-    <dgm:cxn modelId="{EBC020FA-6011-4AAC-B82C-53BE7ACCFEAA}" type="presOf" srcId="{AF0C6532-1EF5-4DC0-9401-7A7F8E950A6A}" destId="{D309E9B5-F4E0-4763-94F9-8AE08AF244C6}" srcOrd="0" destOrd="0" presId="urn:microsoft.com/office/officeart/2005/8/layout/hierarchy3"/>
-    <dgm:cxn modelId="{9AC2E1ED-C967-485E-BACC-226CB37B7659}" type="presOf" srcId="{BFB06111-A6C6-4067-9DF0-56E2DB1125D5}" destId="{041506C0-697F-485C-BE27-E9A388660F88}" srcOrd="0" destOrd="0" presId="urn:microsoft.com/office/officeart/2005/8/layout/hierarchy3"/>
-    <dgm:cxn modelId="{19FF1FC0-AE16-40C7-90EF-319DEF3B81CA}" type="presOf" srcId="{63EFF2B8-FA42-48DE-86AD-63FC2262D43F}" destId="{0BB7D9AF-789B-48E9-AF1D-94078572A0EA}" srcOrd="0" destOrd="0" presId="urn:microsoft.com/office/officeart/2005/8/layout/hierarchy3"/>
-    <dgm:cxn modelId="{11C216A0-2160-4043-ADD1-F6D8C6404946}" type="presParOf" srcId="{0BB7D9AF-789B-48E9-AF1D-94078572A0EA}" destId="{AE3140F3-D011-4B79-A18F-96FC831AF3DD}" srcOrd="0" destOrd="0" presId="urn:microsoft.com/office/officeart/2005/8/layout/hierarchy3"/>
-    <dgm:cxn modelId="{EC8A0D98-5843-4E25-9670-E0BC6F803F7B}" type="presParOf" srcId="{AE3140F3-D011-4B79-A18F-96FC831AF3DD}" destId="{3F73598D-393F-4B09-8B39-CE4419338725}" srcOrd="0" destOrd="0" presId="urn:microsoft.com/office/officeart/2005/8/layout/hierarchy3"/>
-    <dgm:cxn modelId="{4ED655F0-FAA6-42FB-87C0-59616B83FEC5}" type="presParOf" srcId="{3F73598D-393F-4B09-8B39-CE4419338725}" destId="{768F005E-A484-4309-8F14-86445FAF87DD}" srcOrd="0" destOrd="0" presId="urn:microsoft.com/office/officeart/2005/8/layout/hierarchy3"/>
-    <dgm:cxn modelId="{17B5252A-9700-430C-A202-7F874BCAD709}" type="presParOf" srcId="{3F73598D-393F-4B09-8B39-CE4419338725}" destId="{A1B6EB25-389A-49C2-BA2F-1BCE6C4DB98D}" srcOrd="1" destOrd="0" presId="urn:microsoft.com/office/officeart/2005/8/layout/hierarchy3"/>
-    <dgm:cxn modelId="{A13E1AEB-4FED-4721-9822-D86C74565ED5}" type="presParOf" srcId="{AE3140F3-D011-4B79-A18F-96FC831AF3DD}" destId="{709A398B-DE4C-4C6E-B7B7-72E114C0A8B6}" srcOrd="1" destOrd="0" presId="urn:microsoft.com/office/officeart/2005/8/layout/hierarchy3"/>
-    <dgm:cxn modelId="{4B0E8669-A206-4B08-9496-C0CE3FE98EE0}" type="presParOf" srcId="{709A398B-DE4C-4C6E-B7B7-72E114C0A8B6}" destId="{59F92D86-7EB4-4DA3-8F8D-FA11DAD86209}" srcOrd="0" destOrd="0" presId="urn:microsoft.com/office/officeart/2005/8/layout/hierarchy3"/>
-    <dgm:cxn modelId="{E61771F7-3414-413B-B4BE-9A3DFE55E5F5}" type="presParOf" srcId="{709A398B-DE4C-4C6E-B7B7-72E114C0A8B6}" destId="{AE845357-41FB-45FC-BB51-CD77F8426DF4}" srcOrd="1" destOrd="0" presId="urn:microsoft.com/office/officeart/2005/8/layout/hierarchy3"/>
-    <dgm:cxn modelId="{C55829C2-807F-4B7A-8673-FD558439CBE2}" type="presParOf" srcId="{0BB7D9AF-789B-48E9-AF1D-94078572A0EA}" destId="{6E9B1E6F-BA8F-4023-AAE4-78E76B88F95F}" srcOrd="1" destOrd="0" presId="urn:microsoft.com/office/officeart/2005/8/layout/hierarchy3"/>
-    <dgm:cxn modelId="{80788845-5432-4832-B640-B92B8E1ED10C}" type="presParOf" srcId="{6E9B1E6F-BA8F-4023-AAE4-78E76B88F95F}" destId="{7930C936-A123-400C-AC26-232142E5391C}" srcOrd="0" destOrd="0" presId="urn:microsoft.com/office/officeart/2005/8/layout/hierarchy3"/>
-    <dgm:cxn modelId="{F5798A84-C9E0-4BD5-86C8-97E7672C8354}" type="presParOf" srcId="{7930C936-A123-400C-AC26-232142E5391C}" destId="{4061B5B9-17C4-4D4A-9823-68D18C8355D2}" srcOrd="0" destOrd="0" presId="urn:microsoft.com/office/officeart/2005/8/layout/hierarchy3"/>
-    <dgm:cxn modelId="{C2C1E935-B471-4B7C-8FE9-ABDA1F6EFC44}" type="presParOf" srcId="{7930C936-A123-400C-AC26-232142E5391C}" destId="{67A9576A-2067-44AB-AF89-E5F155DC42BE}" srcOrd="1" destOrd="0" presId="urn:microsoft.com/office/officeart/2005/8/layout/hierarchy3"/>
-    <dgm:cxn modelId="{4B9375AC-91DC-44B5-97E8-C2071039CC12}" type="presParOf" srcId="{6E9B1E6F-BA8F-4023-AAE4-78E76B88F95F}" destId="{1FC3B049-62EA-4A5B-A6DB-BB1C5820DDFA}" srcOrd="1" destOrd="0" presId="urn:microsoft.com/office/officeart/2005/8/layout/hierarchy3"/>
-    <dgm:cxn modelId="{C26766A4-6D88-4FFA-8D06-C91A4D40450B}" type="presParOf" srcId="{1FC3B049-62EA-4A5B-A6DB-BB1C5820DDFA}" destId="{64C6F06D-75A8-412A-8DD5-5A436B420339}" srcOrd="0" destOrd="0" presId="urn:microsoft.com/office/officeart/2005/8/layout/hierarchy3"/>
-    <dgm:cxn modelId="{D8C1D6A4-75EC-4F6E-A1EA-24932E236D1B}" type="presParOf" srcId="{1FC3B049-62EA-4A5B-A6DB-BB1C5820DDFA}" destId="{7AD682C4-D691-480B-B251-95985202C79F}" srcOrd="1" destOrd="0" presId="urn:microsoft.com/office/officeart/2005/8/layout/hierarchy3"/>
-    <dgm:cxn modelId="{F8E19ABE-A336-4D38-A68E-603A2AA1A2EA}" type="presParOf" srcId="{0BB7D9AF-789B-48E9-AF1D-94078572A0EA}" destId="{18538623-AF39-44C8-8936-E9B09B9D47C7}" srcOrd="2" destOrd="0" presId="urn:microsoft.com/office/officeart/2005/8/layout/hierarchy3"/>
-    <dgm:cxn modelId="{70BB8313-7801-474B-917E-77C6B675645F}" type="presParOf" srcId="{18538623-AF39-44C8-8936-E9B09B9D47C7}" destId="{7DFA0906-B59F-4F8C-AAD6-36113F1DFBAA}" srcOrd="0" destOrd="0" presId="urn:microsoft.com/office/officeart/2005/8/layout/hierarchy3"/>
-    <dgm:cxn modelId="{8AB8AB25-39E8-4F1B-9140-5A0FB716FB17}" type="presParOf" srcId="{7DFA0906-B59F-4F8C-AAD6-36113F1DFBAA}" destId="{6B893459-FD32-44E5-B068-09AE2EFEA057}" srcOrd="0" destOrd="0" presId="urn:microsoft.com/office/officeart/2005/8/layout/hierarchy3"/>
-    <dgm:cxn modelId="{5D29E308-E26A-4D8A-ADFD-1CB326CF0947}" type="presParOf" srcId="{7DFA0906-B59F-4F8C-AAD6-36113F1DFBAA}" destId="{8EDBB0EB-7C12-459A-978A-AFCC46C3EDB0}" srcOrd="1" destOrd="0" presId="urn:microsoft.com/office/officeart/2005/8/layout/hierarchy3"/>
-    <dgm:cxn modelId="{A4CF577E-EE05-49D6-B837-44DCAF76E074}" type="presParOf" srcId="{18538623-AF39-44C8-8936-E9B09B9D47C7}" destId="{EABA646A-54E2-420B-AF6E-31A79DD3797B}" srcOrd="1" destOrd="0" presId="urn:microsoft.com/office/officeart/2005/8/layout/hierarchy3"/>
-    <dgm:cxn modelId="{B14B020F-6568-4642-8959-3146BC53CA5E}" type="presParOf" srcId="{EABA646A-54E2-420B-AF6E-31A79DD3797B}" destId="{D309E9B5-F4E0-4763-94F9-8AE08AF244C6}" srcOrd="0" destOrd="0" presId="urn:microsoft.com/office/officeart/2005/8/layout/hierarchy3"/>
-    <dgm:cxn modelId="{8AEB2A50-D7F4-48FA-BCE3-E6393EF6BBB2}" type="presParOf" srcId="{EABA646A-54E2-420B-AF6E-31A79DD3797B}" destId="{041506C0-697F-485C-BE27-E9A388660F88}" srcOrd="1" destOrd="0" presId="urn:microsoft.com/office/officeart/2005/8/layout/hierarchy3"/>
+    <dgm:cxn modelId="{9FFB8D43-A3FE-44D6-A08E-E2D7D851DB83}" type="presOf" srcId="{723E0E71-C2E9-450E-B9D5-9A9F177859A2}" destId="{8EDBB0EB-7C12-459A-978A-AFCC46C3EDB0}" srcOrd="1" destOrd="0" presId="urn:microsoft.com/office/officeart/2005/8/layout/hierarchy3"/>
+    <dgm:cxn modelId="{C9CB77B8-F5E1-4FA3-AF0C-D670703A203D}" srcId="{38FDB9F1-E202-4C33-AB1A-18EF144197AE}" destId="{135958F1-D8E2-47F2-9F88-6A53D29DEEC4}" srcOrd="1" destOrd="0" parTransId="{AFF88E45-E251-4832-8AA3-F0E647AAFB58}" sibTransId="{9E005692-7016-4DB3-8CA0-E9F7FE810E34}"/>
+    <dgm:cxn modelId="{6DED7979-47BA-4484-92C3-AED22209E9A3}" type="presParOf" srcId="{0BB7D9AF-789B-48E9-AF1D-94078572A0EA}" destId="{AE3140F3-D011-4B79-A18F-96FC831AF3DD}" srcOrd="0" destOrd="0" presId="urn:microsoft.com/office/officeart/2005/8/layout/hierarchy3"/>
+    <dgm:cxn modelId="{B97A2B66-4611-4839-8627-8D2DA702527A}" type="presParOf" srcId="{AE3140F3-D011-4B79-A18F-96FC831AF3DD}" destId="{3F73598D-393F-4B09-8B39-CE4419338725}" srcOrd="0" destOrd="0" presId="urn:microsoft.com/office/officeart/2005/8/layout/hierarchy3"/>
+    <dgm:cxn modelId="{61D75655-1869-44F2-B046-066538D9EED6}" type="presParOf" srcId="{3F73598D-393F-4B09-8B39-CE4419338725}" destId="{768F005E-A484-4309-8F14-86445FAF87DD}" srcOrd="0" destOrd="0" presId="urn:microsoft.com/office/officeart/2005/8/layout/hierarchy3"/>
+    <dgm:cxn modelId="{773F149A-4F58-4D51-B03F-296E894CDA62}" type="presParOf" srcId="{3F73598D-393F-4B09-8B39-CE4419338725}" destId="{A1B6EB25-389A-49C2-BA2F-1BCE6C4DB98D}" srcOrd="1" destOrd="0" presId="urn:microsoft.com/office/officeart/2005/8/layout/hierarchy3"/>
+    <dgm:cxn modelId="{DC6C8809-26D1-4076-898B-360C4202FC96}" type="presParOf" srcId="{AE3140F3-D011-4B79-A18F-96FC831AF3DD}" destId="{709A398B-DE4C-4C6E-B7B7-72E114C0A8B6}" srcOrd="1" destOrd="0" presId="urn:microsoft.com/office/officeart/2005/8/layout/hierarchy3"/>
+    <dgm:cxn modelId="{75AF17AA-542B-4B1E-86EE-967D9B072BE2}" type="presParOf" srcId="{709A398B-DE4C-4C6E-B7B7-72E114C0A8B6}" destId="{59F92D86-7EB4-4DA3-8F8D-FA11DAD86209}" srcOrd="0" destOrd="0" presId="urn:microsoft.com/office/officeart/2005/8/layout/hierarchy3"/>
+    <dgm:cxn modelId="{B9768507-5041-4EC6-8811-E40E628E3788}" type="presParOf" srcId="{709A398B-DE4C-4C6E-B7B7-72E114C0A8B6}" destId="{AE845357-41FB-45FC-BB51-CD77F8426DF4}" srcOrd="1" destOrd="0" presId="urn:microsoft.com/office/officeart/2005/8/layout/hierarchy3"/>
+    <dgm:cxn modelId="{9D265C33-F577-4E32-9828-AA0B199C2A56}" type="presParOf" srcId="{709A398B-DE4C-4C6E-B7B7-72E114C0A8B6}" destId="{50064A5E-A449-428E-812F-0900832E2F20}" srcOrd="2" destOrd="0" presId="urn:microsoft.com/office/officeart/2005/8/layout/hierarchy3"/>
+    <dgm:cxn modelId="{5BACE6FF-E665-406B-B5CB-CD12A76CF953}" type="presParOf" srcId="{709A398B-DE4C-4C6E-B7B7-72E114C0A8B6}" destId="{F9929AA2-946E-4489-A04B-18395F8C0F29}" srcOrd="3" destOrd="0" presId="urn:microsoft.com/office/officeart/2005/8/layout/hierarchy3"/>
+    <dgm:cxn modelId="{681E4903-BA31-4923-8D38-23871C7587A2}" type="presParOf" srcId="{0BB7D9AF-789B-48E9-AF1D-94078572A0EA}" destId="{6E9B1E6F-BA8F-4023-AAE4-78E76B88F95F}" srcOrd="1" destOrd="0" presId="urn:microsoft.com/office/officeart/2005/8/layout/hierarchy3"/>
+    <dgm:cxn modelId="{3192DBE2-17FE-4B6B-AE11-E26DC95072FB}" type="presParOf" srcId="{6E9B1E6F-BA8F-4023-AAE4-78E76B88F95F}" destId="{7930C936-A123-400C-AC26-232142E5391C}" srcOrd="0" destOrd="0" presId="urn:microsoft.com/office/officeart/2005/8/layout/hierarchy3"/>
+    <dgm:cxn modelId="{40DC3C14-372C-4ADA-9E0D-EAEC24F4D511}" type="presParOf" srcId="{7930C936-A123-400C-AC26-232142E5391C}" destId="{4061B5B9-17C4-4D4A-9823-68D18C8355D2}" srcOrd="0" destOrd="0" presId="urn:microsoft.com/office/officeart/2005/8/layout/hierarchy3"/>
+    <dgm:cxn modelId="{A5496C22-4829-4473-BCA2-416196B025E0}" type="presParOf" srcId="{7930C936-A123-400C-AC26-232142E5391C}" destId="{67A9576A-2067-44AB-AF89-E5F155DC42BE}" srcOrd="1" destOrd="0" presId="urn:microsoft.com/office/officeart/2005/8/layout/hierarchy3"/>
+    <dgm:cxn modelId="{76A88987-203A-4EA5-B45C-FDAE8A5630BC}" type="presParOf" srcId="{6E9B1E6F-BA8F-4023-AAE4-78E76B88F95F}" destId="{1FC3B049-62EA-4A5B-A6DB-BB1C5820DDFA}" srcOrd="1" destOrd="0" presId="urn:microsoft.com/office/officeart/2005/8/layout/hierarchy3"/>
+    <dgm:cxn modelId="{646A6C39-6140-44CD-B538-F1F21D463348}" type="presParOf" srcId="{1FC3B049-62EA-4A5B-A6DB-BB1C5820DDFA}" destId="{64C6F06D-75A8-412A-8DD5-5A436B420339}" srcOrd="0" destOrd="0" presId="urn:microsoft.com/office/officeart/2005/8/layout/hierarchy3"/>
+    <dgm:cxn modelId="{36EA92DF-8E91-4646-9AE7-8569087466F2}" type="presParOf" srcId="{1FC3B049-62EA-4A5B-A6DB-BB1C5820DDFA}" destId="{7AD682C4-D691-480B-B251-95985202C79F}" srcOrd="1" destOrd="0" presId="urn:microsoft.com/office/officeart/2005/8/layout/hierarchy3"/>
+    <dgm:cxn modelId="{5E2A50B2-6E5D-43D4-B19B-B900C51B8CCB}" type="presParOf" srcId="{1FC3B049-62EA-4A5B-A6DB-BB1C5820DDFA}" destId="{EE5A6168-7F65-48F7-9C0D-9A62BABED2B9}" srcOrd="2" destOrd="0" presId="urn:microsoft.com/office/officeart/2005/8/layout/hierarchy3"/>
+    <dgm:cxn modelId="{CE6EB86C-0E7A-444C-B2F0-B50B564F4053}" type="presParOf" srcId="{1FC3B049-62EA-4A5B-A6DB-BB1C5820DDFA}" destId="{7B8522B4-2470-41A7-AD88-4E829189493D}" srcOrd="3" destOrd="0" presId="urn:microsoft.com/office/officeart/2005/8/layout/hierarchy3"/>
+    <dgm:cxn modelId="{E596F289-BC13-4CDF-BAFE-DE6B5798AD52}" type="presParOf" srcId="{0BB7D9AF-789B-48E9-AF1D-94078572A0EA}" destId="{18538623-AF39-44C8-8936-E9B09B9D47C7}" srcOrd="2" destOrd="0" presId="urn:microsoft.com/office/officeart/2005/8/layout/hierarchy3"/>
+    <dgm:cxn modelId="{D983EC33-FD78-4F1F-B4BF-6756008C5637}" type="presParOf" srcId="{18538623-AF39-44C8-8936-E9B09B9D47C7}" destId="{7DFA0906-B59F-4F8C-AAD6-36113F1DFBAA}" srcOrd="0" destOrd="0" presId="urn:microsoft.com/office/officeart/2005/8/layout/hierarchy3"/>
+    <dgm:cxn modelId="{DA990298-AB6D-491B-9E95-3C2F607EE9D8}" type="presParOf" srcId="{7DFA0906-B59F-4F8C-AAD6-36113F1DFBAA}" destId="{6B893459-FD32-44E5-B068-09AE2EFEA057}" srcOrd="0" destOrd="0" presId="urn:microsoft.com/office/officeart/2005/8/layout/hierarchy3"/>
+    <dgm:cxn modelId="{288B539D-3F56-41DD-BFFF-3DE3CFA1C51A}" type="presParOf" srcId="{7DFA0906-B59F-4F8C-AAD6-36113F1DFBAA}" destId="{8EDBB0EB-7C12-459A-978A-AFCC46C3EDB0}" srcOrd="1" destOrd="0" presId="urn:microsoft.com/office/officeart/2005/8/layout/hierarchy3"/>
+    <dgm:cxn modelId="{708D0505-1EBE-4984-8FB7-0A2A7CD908CB}" type="presParOf" srcId="{18538623-AF39-44C8-8936-E9B09B9D47C7}" destId="{EABA646A-54E2-420B-AF6E-31A79DD3797B}" srcOrd="1" destOrd="0" presId="urn:microsoft.com/office/officeart/2005/8/layout/hierarchy3"/>
+    <dgm:cxn modelId="{80DFBFCB-0615-4814-8D9C-6C2EC7D96436}" type="presParOf" srcId="{EABA646A-54E2-420B-AF6E-31A79DD3797B}" destId="{D309E9B5-F4E0-4763-94F9-8AE08AF244C6}" srcOrd="0" destOrd="0" presId="urn:microsoft.com/office/officeart/2005/8/layout/hierarchy3"/>
+    <dgm:cxn modelId="{17E119FB-725E-427A-A0DA-93943DFCA4AA}" type="presParOf" srcId="{EABA646A-54E2-420B-AF6E-31A79DD3797B}" destId="{041506C0-697F-485C-BE27-E9A388660F88}" srcOrd="1" destOrd="0" presId="urn:microsoft.com/office/officeart/2005/8/layout/hierarchy3"/>
+    <dgm:cxn modelId="{312B0A82-8D88-45DB-B535-3B0CC23908EA}" type="presParOf" srcId="{EABA646A-54E2-420B-AF6E-31A79DD3797B}" destId="{0152353E-B13E-4EC7-AD84-2EE36F26FC4F}" srcOrd="2" destOrd="0" presId="urn:microsoft.com/office/officeart/2005/8/layout/hierarchy3"/>
+    <dgm:cxn modelId="{71A74CEC-5A1A-4166-AB8D-7761B7536353}" type="presParOf" srcId="{EABA646A-54E2-420B-AF6E-31A79DD3797B}" destId="{B36EEAEE-5828-42F5-84CD-9D9E02F7534E}" srcOrd="3" destOrd="0" presId="urn:microsoft.com/office/officeart/2005/8/layout/hierarchy3"/>
   </dgm:cxnLst>
   <dgm:bg/>
   <dgm:whole/>
@@ -6028,7 +7682,7 @@
           </a:pPr>
           <a:r>
             <a:rPr lang="en-US" sz="2100" kern="1200" dirty="0" smtClean="0"/>
-            <a:t>Device acts as a passive tag</a:t>
+            <a:t>Device acts as a passive tag (Target)</a:t>
           </a:r>
           <a:endParaRPr lang="en-US" sz="2100" kern="1200" dirty="0"/>
         </a:p>
@@ -6256,7 +7910,7 @@
           </a:pPr>
           <a:r>
             <a:rPr lang="en-US" sz="2100" kern="1200" dirty="0" smtClean="0"/>
-            <a:t>Device is a active card reader</a:t>
+            <a:t>Device is a active card reader (Initiator)</a:t>
           </a:r>
           <a:endParaRPr lang="en-US" sz="2100" kern="1200" dirty="0"/>
         </a:p>
@@ -6578,6 +8232,736 @@
 </file>
 
 <file path=ppt/diagrams/drawing3.xml><?xml version="1.0" encoding="utf-8"?>
+<dsp:drawing xmlns:dgm="http://schemas.openxmlformats.org/drawingml/2006/diagram" xmlns:a="http://schemas.openxmlformats.org/drawingml/2006/main" xmlns:dsp="http://schemas.microsoft.com/office/drawing/2008/diagram">
+  <dsp:spTree>
+    <dsp:nvGrpSpPr>
+      <dsp:cNvPr id="0" name=""/>
+      <dsp:cNvGrpSpPr/>
+    </dsp:nvGrpSpPr>
+    <dsp:grpSpPr/>
+    <dsp:sp modelId="{DFFB47A0-CAA6-42B0-BB1A-3020E4674706}">
+      <dsp:nvSpPr>
+        <dsp:cNvPr id="0" name=""/>
+        <dsp:cNvSpPr/>
+      </dsp:nvSpPr>
+      <dsp:spPr>
+        <a:xfrm>
+          <a:off x="0" y="6254"/>
+          <a:ext cx="8229600" cy="468000"/>
+        </a:xfrm>
+        <a:prstGeom prst="roundRect">
+          <a:avLst/>
+        </a:prstGeom>
+        <a:solidFill>
+          <a:schemeClr val="accent5">
+            <a:hueOff val="0"/>
+            <a:satOff val="0"/>
+            <a:lumOff val="0"/>
+            <a:alphaOff val="0"/>
+          </a:schemeClr>
+        </a:solidFill>
+        <a:ln w="19050" cap="flat" cmpd="sng" algn="ctr">
+          <a:solidFill>
+            <a:schemeClr val="lt1">
+              <a:hueOff val="0"/>
+              <a:satOff val="0"/>
+              <a:lumOff val="0"/>
+              <a:alphaOff val="0"/>
+            </a:schemeClr>
+          </a:solidFill>
+          <a:prstDash val="solid"/>
+        </a:ln>
+        <a:effectLst/>
+      </dsp:spPr>
+      <dsp:style>
+        <a:lnRef idx="2">
+          <a:scrgbClr r="0" g="0" b="0"/>
+        </a:lnRef>
+        <a:fillRef idx="1">
+          <a:scrgbClr r="0" g="0" b="0"/>
+        </a:fillRef>
+        <a:effectRef idx="0">
+          <a:scrgbClr r="0" g="0" b="0"/>
+        </a:effectRef>
+        <a:fontRef idx="minor">
+          <a:schemeClr val="lt1"/>
+        </a:fontRef>
+      </dsp:style>
+      <dsp:txBody>
+        <a:bodyPr spcFirstLastPara="0" vert="horz" wrap="square" lIns="76200" tIns="76200" rIns="76200" bIns="76200" numCol="1" spcCol="1270" anchor="ctr" anchorCtr="0">
+          <a:noAutofit/>
+        </a:bodyPr>
+        <a:lstStyle/>
+        <a:p>
+          <a:pPr lvl="0" algn="l" defTabSz="889000" rtl="0">
+            <a:lnSpc>
+              <a:spcPct val="90000"/>
+            </a:lnSpc>
+            <a:spcBef>
+              <a:spcPct val="0"/>
+            </a:spcBef>
+            <a:spcAft>
+              <a:spcPct val="35000"/>
+            </a:spcAft>
+          </a:pPr>
+          <a:r>
+            <a:rPr lang="en-US" sz="2000" kern="1200" dirty="0" smtClean="0"/>
+            <a:t>PAIR:</a:t>
+          </a:r>
+          <a:endParaRPr lang="en-US" sz="2000" kern="1200" dirty="0"/>
+        </a:p>
+      </dsp:txBody>
+      <dsp:txXfrm>
+        <a:off x="0" y="6254"/>
+        <a:ext cx="8229600" cy="468000"/>
+      </dsp:txXfrm>
+    </dsp:sp>
+    <dsp:sp modelId="{4F8C8037-0DE3-4D37-A91A-2A055D52B275}">
+      <dsp:nvSpPr>
+        <dsp:cNvPr id="0" name=""/>
+        <dsp:cNvSpPr/>
+      </dsp:nvSpPr>
+      <dsp:spPr>
+        <a:xfrm>
+          <a:off x="0" y="474255"/>
+          <a:ext cx="8229600" cy="527850"/>
+        </a:xfrm>
+        <a:prstGeom prst="rect">
+          <a:avLst/>
+        </a:prstGeom>
+        <a:noFill/>
+        <a:ln>
+          <a:noFill/>
+        </a:ln>
+        <a:effectLst/>
+      </dsp:spPr>
+      <dsp:style>
+        <a:lnRef idx="0">
+          <a:scrgbClr r="0" g="0" b="0"/>
+        </a:lnRef>
+        <a:fillRef idx="0">
+          <a:scrgbClr r="0" g="0" b="0"/>
+        </a:fillRef>
+        <a:effectRef idx="0">
+          <a:scrgbClr r="0" g="0" b="0"/>
+        </a:effectRef>
+        <a:fontRef idx="minor"/>
+      </dsp:style>
+      <dsp:txBody>
+        <a:bodyPr spcFirstLastPara="0" vert="horz" wrap="square" lIns="261290" tIns="25400" rIns="142240" bIns="25400" numCol="1" spcCol="1270" anchor="t" anchorCtr="0">
+          <a:noAutofit/>
+        </a:bodyPr>
+        <a:lstStyle/>
+        <a:p>
+          <a:pPr marL="171450" lvl="1" indent="-171450" algn="l" defTabSz="711200" rtl="0">
+            <a:lnSpc>
+              <a:spcPct val="90000"/>
+            </a:lnSpc>
+            <a:spcBef>
+              <a:spcPct val="0"/>
+            </a:spcBef>
+            <a:spcAft>
+              <a:spcPct val="20000"/>
+            </a:spcAft>
+            <a:buChar char="••"/>
+          </a:pPr>
+          <a:r>
+            <a:rPr lang="en-US" sz="1600" kern="1200" dirty="0" smtClean="0"/>
+            <a:t>Pair two </a:t>
+          </a:r>
+          <a:r>
+            <a:rPr lang="en-US" sz="1600" kern="1200" dirty="0" err="1" smtClean="0"/>
+            <a:t>nfc</a:t>
+          </a:r>
+          <a:r>
+            <a:rPr lang="en-US" sz="1600" kern="1200" dirty="0" smtClean="0"/>
+            <a:t>-enabled devices by a simple bump (easier than by </a:t>
+          </a:r>
+          <a:r>
+            <a:rPr lang="en-US" sz="1600" kern="1200" dirty="0" err="1" smtClean="0"/>
+            <a:t>bluetooth</a:t>
+          </a:r>
+          <a:r>
+            <a:rPr lang="en-US" sz="1600" kern="1200" dirty="0" smtClean="0"/>
+            <a:t>).</a:t>
+          </a:r>
+          <a:endParaRPr lang="en-US" sz="1600" kern="1200" dirty="0"/>
+        </a:p>
+        <a:p>
+          <a:pPr marL="342900" lvl="2" indent="-171450" algn="l" defTabSz="711200" rtl="0">
+            <a:lnSpc>
+              <a:spcPct val="90000"/>
+            </a:lnSpc>
+            <a:spcBef>
+              <a:spcPct val="0"/>
+            </a:spcBef>
+            <a:spcAft>
+              <a:spcPct val="20000"/>
+            </a:spcAft>
+            <a:buChar char="••"/>
+          </a:pPr>
+          <a:r>
+            <a:rPr lang="en-US" sz="1600" kern="1200" dirty="0" smtClean="0"/>
+            <a:t>Connect phone to speakers or other NFC aware devices</a:t>
+          </a:r>
+          <a:endParaRPr lang="en-US" sz="1600" kern="1200" dirty="0"/>
+        </a:p>
+      </dsp:txBody>
+      <dsp:txXfrm>
+        <a:off x="0" y="474255"/>
+        <a:ext cx="8229600" cy="527850"/>
+      </dsp:txXfrm>
+    </dsp:sp>
+    <dsp:sp modelId="{055C8BBF-1FE8-487E-8F42-DCFCEB6E7C63}">
+      <dsp:nvSpPr>
+        <dsp:cNvPr id="0" name=""/>
+        <dsp:cNvSpPr/>
+      </dsp:nvSpPr>
+      <dsp:spPr>
+        <a:xfrm>
+          <a:off x="0" y="1002105"/>
+          <a:ext cx="8229600" cy="468000"/>
+        </a:xfrm>
+        <a:prstGeom prst="roundRect">
+          <a:avLst/>
+        </a:prstGeom>
+        <a:solidFill>
+          <a:schemeClr val="accent5">
+            <a:hueOff val="0"/>
+            <a:satOff val="0"/>
+            <a:lumOff val="0"/>
+            <a:alphaOff val="0"/>
+          </a:schemeClr>
+        </a:solidFill>
+        <a:ln w="19050" cap="flat" cmpd="sng" algn="ctr">
+          <a:solidFill>
+            <a:schemeClr val="lt1">
+              <a:hueOff val="0"/>
+              <a:satOff val="0"/>
+              <a:lumOff val="0"/>
+              <a:alphaOff val="0"/>
+            </a:schemeClr>
+          </a:solidFill>
+          <a:prstDash val="solid"/>
+        </a:ln>
+        <a:effectLst/>
+      </dsp:spPr>
+      <dsp:style>
+        <a:lnRef idx="2">
+          <a:scrgbClr r="0" g="0" b="0"/>
+        </a:lnRef>
+        <a:fillRef idx="1">
+          <a:scrgbClr r="0" g="0" b="0"/>
+        </a:fillRef>
+        <a:effectRef idx="0">
+          <a:scrgbClr r="0" g="0" b="0"/>
+        </a:effectRef>
+        <a:fontRef idx="minor">
+          <a:schemeClr val="lt1"/>
+        </a:fontRef>
+      </dsp:style>
+      <dsp:txBody>
+        <a:bodyPr spcFirstLastPara="0" vert="horz" wrap="square" lIns="76200" tIns="76200" rIns="76200" bIns="76200" numCol="1" spcCol="1270" anchor="ctr" anchorCtr="0">
+          <a:noAutofit/>
+        </a:bodyPr>
+        <a:lstStyle/>
+        <a:p>
+          <a:pPr lvl="0" algn="l" defTabSz="889000" rtl="0">
+            <a:lnSpc>
+              <a:spcPct val="90000"/>
+            </a:lnSpc>
+            <a:spcBef>
+              <a:spcPct val="0"/>
+            </a:spcBef>
+            <a:spcAft>
+              <a:spcPct val="35000"/>
+            </a:spcAft>
+          </a:pPr>
+          <a:r>
+            <a:rPr lang="en-US" sz="2000" kern="1200" dirty="0" smtClean="0"/>
+            <a:t>SHARE:</a:t>
+          </a:r>
+          <a:endParaRPr lang="en-US" sz="2000" kern="1200" dirty="0"/>
+        </a:p>
+      </dsp:txBody>
+      <dsp:txXfrm>
+        <a:off x="0" y="1002105"/>
+        <a:ext cx="8229600" cy="468000"/>
+      </dsp:txXfrm>
+    </dsp:sp>
+    <dsp:sp modelId="{B070C0AB-2AB2-4F75-8E4B-4E1A7DD1E53C}">
+      <dsp:nvSpPr>
+        <dsp:cNvPr id="0" name=""/>
+        <dsp:cNvSpPr/>
+      </dsp:nvSpPr>
+      <dsp:spPr>
+        <a:xfrm>
+          <a:off x="0" y="1470105"/>
+          <a:ext cx="8229600" cy="745200"/>
+        </a:xfrm>
+        <a:prstGeom prst="rect">
+          <a:avLst/>
+        </a:prstGeom>
+        <a:noFill/>
+        <a:ln>
+          <a:noFill/>
+        </a:ln>
+        <a:effectLst/>
+      </dsp:spPr>
+      <dsp:style>
+        <a:lnRef idx="0">
+          <a:scrgbClr r="0" g="0" b="0"/>
+        </a:lnRef>
+        <a:fillRef idx="0">
+          <a:scrgbClr r="0" g="0" b="0"/>
+        </a:fillRef>
+        <a:effectRef idx="0">
+          <a:scrgbClr r="0" g="0" b="0"/>
+        </a:effectRef>
+        <a:fontRef idx="minor"/>
+      </dsp:style>
+      <dsp:txBody>
+        <a:bodyPr spcFirstLastPara="0" vert="horz" wrap="square" lIns="261290" tIns="25400" rIns="142240" bIns="25400" numCol="1" spcCol="1270" anchor="t" anchorCtr="0">
+          <a:noAutofit/>
+        </a:bodyPr>
+        <a:lstStyle/>
+        <a:p>
+          <a:pPr marL="171450" lvl="1" indent="-171450" algn="l" defTabSz="711200" rtl="0">
+            <a:lnSpc>
+              <a:spcPct val="90000"/>
+            </a:lnSpc>
+            <a:spcBef>
+              <a:spcPct val="0"/>
+            </a:spcBef>
+            <a:spcAft>
+              <a:spcPct val="20000"/>
+            </a:spcAft>
+            <a:buChar char="••"/>
+          </a:pPr>
+          <a:r>
+            <a:rPr lang="en-US" sz="1600" kern="1200" dirty="0" smtClean="0"/>
+            <a:t>Share contact information with a simple bump of phones.</a:t>
+          </a:r>
+          <a:endParaRPr lang="en-US" sz="1600" kern="1200" dirty="0"/>
+        </a:p>
+        <a:p>
+          <a:pPr marL="342900" lvl="2" indent="-171450" algn="l" defTabSz="711200" rtl="0">
+            <a:lnSpc>
+              <a:spcPct val="90000"/>
+            </a:lnSpc>
+            <a:spcBef>
+              <a:spcPct val="0"/>
+            </a:spcBef>
+            <a:spcAft>
+              <a:spcPct val="20000"/>
+            </a:spcAft>
+            <a:buChar char="••"/>
+          </a:pPr>
+          <a:r>
+            <a:rPr lang="en-US" sz="1600" kern="1200" dirty="0" smtClean="0"/>
+            <a:t>Establish a connection for playing networked games (use </a:t>
+          </a:r>
+          <a:r>
+            <a:rPr lang="en-US" sz="1600" kern="1200" dirty="0" err="1" smtClean="0"/>
+            <a:t>nfc</a:t>
+          </a:r>
+          <a:r>
+            <a:rPr lang="en-US" sz="1600" kern="1200" dirty="0" smtClean="0"/>
+            <a:t> to initiate the </a:t>
+          </a:r>
+          <a:r>
+            <a:rPr lang="en-US" sz="1600" kern="1200" dirty="0" err="1" smtClean="0"/>
+            <a:t>bluetooth</a:t>
+          </a:r>
+          <a:r>
+            <a:rPr lang="en-US" sz="1600" kern="1200" dirty="0" smtClean="0"/>
+            <a:t> / </a:t>
+          </a:r>
+          <a:r>
+            <a:rPr lang="en-US" sz="1600" kern="1200" dirty="0" err="1" smtClean="0"/>
+            <a:t>wifi</a:t>
+          </a:r>
+          <a:r>
+            <a:rPr lang="en-US" sz="1600" kern="1200" dirty="0" smtClean="0"/>
+            <a:t> </a:t>
+          </a:r>
+          <a:r>
+            <a:rPr lang="en-US" sz="1600" kern="1200" dirty="0" err="1" smtClean="0"/>
+            <a:t>adhoc</a:t>
+          </a:r>
+          <a:r>
+            <a:rPr lang="en-US" sz="1600" kern="1200" dirty="0" smtClean="0"/>
+            <a:t> connection).</a:t>
+          </a:r>
+          <a:endParaRPr lang="en-US" sz="1600" kern="1200" dirty="0"/>
+        </a:p>
+      </dsp:txBody>
+      <dsp:txXfrm>
+        <a:off x="0" y="1470105"/>
+        <a:ext cx="8229600" cy="745200"/>
+      </dsp:txXfrm>
+    </dsp:sp>
+    <dsp:sp modelId="{796020B1-3D5F-44EF-B292-FE6512B981C5}">
+      <dsp:nvSpPr>
+        <dsp:cNvPr id="0" name=""/>
+        <dsp:cNvSpPr/>
+      </dsp:nvSpPr>
+      <dsp:spPr>
+        <a:xfrm>
+          <a:off x="0" y="2215305"/>
+          <a:ext cx="8229600" cy="468000"/>
+        </a:xfrm>
+        <a:prstGeom prst="roundRect">
+          <a:avLst/>
+        </a:prstGeom>
+        <a:solidFill>
+          <a:schemeClr val="accent5">
+            <a:hueOff val="0"/>
+            <a:satOff val="0"/>
+            <a:lumOff val="0"/>
+            <a:alphaOff val="0"/>
+          </a:schemeClr>
+        </a:solidFill>
+        <a:ln w="19050" cap="flat" cmpd="sng" algn="ctr">
+          <a:solidFill>
+            <a:schemeClr val="lt1">
+              <a:hueOff val="0"/>
+              <a:satOff val="0"/>
+              <a:lumOff val="0"/>
+              <a:alphaOff val="0"/>
+            </a:schemeClr>
+          </a:solidFill>
+          <a:prstDash val="solid"/>
+        </a:ln>
+        <a:effectLst/>
+      </dsp:spPr>
+      <dsp:style>
+        <a:lnRef idx="2">
+          <a:scrgbClr r="0" g="0" b="0"/>
+        </a:lnRef>
+        <a:fillRef idx="1">
+          <a:scrgbClr r="0" g="0" b="0"/>
+        </a:fillRef>
+        <a:effectRef idx="0">
+          <a:scrgbClr r="0" g="0" b="0"/>
+        </a:effectRef>
+        <a:fontRef idx="minor">
+          <a:schemeClr val="lt1"/>
+        </a:fontRef>
+      </dsp:style>
+      <dsp:txBody>
+        <a:bodyPr spcFirstLastPara="0" vert="horz" wrap="square" lIns="76200" tIns="76200" rIns="76200" bIns="76200" numCol="1" spcCol="1270" anchor="ctr" anchorCtr="0">
+          <a:noAutofit/>
+        </a:bodyPr>
+        <a:lstStyle/>
+        <a:p>
+          <a:pPr lvl="0" algn="l" defTabSz="889000" rtl="0">
+            <a:lnSpc>
+              <a:spcPct val="90000"/>
+            </a:lnSpc>
+            <a:spcBef>
+              <a:spcPct val="0"/>
+            </a:spcBef>
+            <a:spcAft>
+              <a:spcPct val="35000"/>
+            </a:spcAft>
+          </a:pPr>
+          <a:r>
+            <a:rPr lang="en-US" sz="2000" kern="1200" dirty="0" smtClean="0"/>
+            <a:t>TRANSACTIONS:</a:t>
+          </a:r>
+          <a:endParaRPr lang="en-US" sz="2000" kern="1200" dirty="0"/>
+        </a:p>
+      </dsp:txBody>
+      <dsp:txXfrm>
+        <a:off x="0" y="2215305"/>
+        <a:ext cx="8229600" cy="468000"/>
+      </dsp:txXfrm>
+    </dsp:sp>
+    <dsp:sp modelId="{B68156C1-4134-4611-833B-074BF3B386BE}">
+      <dsp:nvSpPr>
+        <dsp:cNvPr id="0" name=""/>
+        <dsp:cNvSpPr/>
+      </dsp:nvSpPr>
+      <dsp:spPr>
+        <a:xfrm>
+          <a:off x="0" y="2683305"/>
+          <a:ext cx="8229600" cy="745200"/>
+        </a:xfrm>
+        <a:prstGeom prst="rect">
+          <a:avLst/>
+        </a:prstGeom>
+        <a:noFill/>
+        <a:ln>
+          <a:noFill/>
+        </a:ln>
+        <a:effectLst/>
+      </dsp:spPr>
+      <dsp:style>
+        <a:lnRef idx="0">
+          <a:scrgbClr r="0" g="0" b="0"/>
+        </a:lnRef>
+        <a:fillRef idx="0">
+          <a:scrgbClr r="0" g="0" b="0"/>
+        </a:fillRef>
+        <a:effectRef idx="0">
+          <a:scrgbClr r="0" g="0" b="0"/>
+        </a:effectRef>
+        <a:fontRef idx="minor"/>
+      </dsp:style>
+      <dsp:txBody>
+        <a:bodyPr spcFirstLastPara="0" vert="horz" wrap="square" lIns="261290" tIns="25400" rIns="142240" bIns="25400" numCol="1" spcCol="1270" anchor="t" anchorCtr="0">
+          <a:noAutofit/>
+        </a:bodyPr>
+        <a:lstStyle/>
+        <a:p>
+          <a:pPr marL="171450" lvl="1" indent="-171450" algn="l" defTabSz="711200" rtl="0">
+            <a:lnSpc>
+              <a:spcPct val="90000"/>
+            </a:lnSpc>
+            <a:spcBef>
+              <a:spcPct val="0"/>
+            </a:spcBef>
+            <a:spcAft>
+              <a:spcPct val="20000"/>
+            </a:spcAft>
+            <a:buChar char="••"/>
+          </a:pPr>
+          <a:r>
+            <a:rPr lang="en-US" sz="1600" kern="1200" dirty="0" smtClean="0"/>
+            <a:t>Use to pay at </a:t>
+          </a:r>
+          <a:r>
+            <a:rPr lang="en-US" sz="1600" kern="1200" dirty="0" err="1" smtClean="0"/>
+            <a:t>nfc</a:t>
+          </a:r>
+          <a:r>
+            <a:rPr lang="en-US" sz="1600" kern="1200" dirty="0" smtClean="0"/>
+            <a:t>-enabled payment stations (similar to swiping a transit card to pay a toll).</a:t>
+          </a:r>
+          <a:endParaRPr lang="en-US" sz="1600" kern="1200" dirty="0"/>
+        </a:p>
+        <a:p>
+          <a:pPr marL="342900" lvl="2" indent="-171450" algn="l" defTabSz="711200" rtl="0">
+            <a:lnSpc>
+              <a:spcPct val="90000"/>
+            </a:lnSpc>
+            <a:spcBef>
+              <a:spcPct val="0"/>
+            </a:spcBef>
+            <a:spcAft>
+              <a:spcPct val="20000"/>
+            </a:spcAft>
+            <a:buChar char="••"/>
+          </a:pPr>
+          <a:r>
+            <a:rPr lang="en-US" sz="1600" kern="1200" dirty="0" smtClean="0"/>
+            <a:t>Eventually replace the need to carry all kinds of credit cards</a:t>
+          </a:r>
+          <a:endParaRPr lang="en-US" sz="1600" kern="1200" dirty="0"/>
+        </a:p>
+      </dsp:txBody>
+      <dsp:txXfrm>
+        <a:off x="0" y="2683305"/>
+        <a:ext cx="8229600" cy="745200"/>
+      </dsp:txXfrm>
+    </dsp:sp>
+    <dsp:sp modelId="{6B1645DE-F167-46CA-8B6E-BDEDC5D12718}">
+      <dsp:nvSpPr>
+        <dsp:cNvPr id="0" name=""/>
+        <dsp:cNvSpPr/>
+      </dsp:nvSpPr>
+      <dsp:spPr>
+        <a:xfrm>
+          <a:off x="0" y="3428505"/>
+          <a:ext cx="8229600" cy="468000"/>
+        </a:xfrm>
+        <a:prstGeom prst="roundRect">
+          <a:avLst/>
+        </a:prstGeom>
+        <a:solidFill>
+          <a:schemeClr val="accent5">
+            <a:hueOff val="0"/>
+            <a:satOff val="0"/>
+            <a:lumOff val="0"/>
+            <a:alphaOff val="0"/>
+          </a:schemeClr>
+        </a:solidFill>
+        <a:ln w="19050" cap="flat" cmpd="sng" algn="ctr">
+          <a:solidFill>
+            <a:schemeClr val="lt1">
+              <a:hueOff val="0"/>
+              <a:satOff val="0"/>
+              <a:lumOff val="0"/>
+              <a:alphaOff val="0"/>
+            </a:schemeClr>
+          </a:solidFill>
+          <a:prstDash val="solid"/>
+        </a:ln>
+        <a:effectLst/>
+      </dsp:spPr>
+      <dsp:style>
+        <a:lnRef idx="2">
+          <a:scrgbClr r="0" g="0" b="0"/>
+        </a:lnRef>
+        <a:fillRef idx="1">
+          <a:scrgbClr r="0" g="0" b="0"/>
+        </a:fillRef>
+        <a:effectRef idx="0">
+          <a:scrgbClr r="0" g="0" b="0"/>
+        </a:effectRef>
+        <a:fontRef idx="minor">
+          <a:schemeClr val="lt1"/>
+        </a:fontRef>
+      </dsp:style>
+      <dsp:txBody>
+        <a:bodyPr spcFirstLastPara="0" vert="horz" wrap="square" lIns="76200" tIns="76200" rIns="76200" bIns="76200" numCol="1" spcCol="1270" anchor="ctr" anchorCtr="0">
+          <a:noAutofit/>
+        </a:bodyPr>
+        <a:lstStyle/>
+        <a:p>
+          <a:pPr lvl="0" algn="l" defTabSz="889000" rtl="0">
+            <a:lnSpc>
+              <a:spcPct val="90000"/>
+            </a:lnSpc>
+            <a:spcBef>
+              <a:spcPct val="0"/>
+            </a:spcBef>
+            <a:spcAft>
+              <a:spcPct val="35000"/>
+            </a:spcAft>
+          </a:pPr>
+          <a:r>
+            <a:rPr lang="en-US" sz="2000" kern="1200" dirty="0" smtClean="0"/>
+            <a:t>IDENTIFICATION:</a:t>
+          </a:r>
+          <a:endParaRPr lang="en-US" sz="2000" kern="1200" dirty="0"/>
+        </a:p>
+      </dsp:txBody>
+      <dsp:txXfrm>
+        <a:off x="0" y="3428505"/>
+        <a:ext cx="8229600" cy="468000"/>
+      </dsp:txXfrm>
+    </dsp:sp>
+    <dsp:sp modelId="{45FA3829-6A95-45B4-892E-D607870AD566}">
+      <dsp:nvSpPr>
+        <dsp:cNvPr id="0" name=""/>
+        <dsp:cNvSpPr/>
+      </dsp:nvSpPr>
+      <dsp:spPr>
+        <a:xfrm>
+          <a:off x="0" y="3896505"/>
+          <a:ext cx="8229600" cy="1035000"/>
+        </a:xfrm>
+        <a:prstGeom prst="rect">
+          <a:avLst/>
+        </a:prstGeom>
+        <a:noFill/>
+        <a:ln>
+          <a:noFill/>
+        </a:ln>
+        <a:effectLst/>
+      </dsp:spPr>
+      <dsp:style>
+        <a:lnRef idx="0">
+          <a:scrgbClr r="0" g="0" b="0"/>
+        </a:lnRef>
+        <a:fillRef idx="0">
+          <a:scrgbClr r="0" g="0" b="0"/>
+        </a:fillRef>
+        <a:effectRef idx="0">
+          <a:scrgbClr r="0" g="0" b="0"/>
+        </a:effectRef>
+        <a:fontRef idx="minor"/>
+      </dsp:style>
+      <dsp:txBody>
+        <a:bodyPr spcFirstLastPara="0" vert="horz" wrap="square" lIns="261290" tIns="25400" rIns="142240" bIns="25400" numCol="1" spcCol="1270" anchor="t" anchorCtr="0">
+          <a:noAutofit/>
+        </a:bodyPr>
+        <a:lstStyle/>
+        <a:p>
+          <a:pPr marL="171450" lvl="1" indent="-171450" algn="l" defTabSz="711200" rtl="0">
+            <a:lnSpc>
+              <a:spcPct val="90000"/>
+            </a:lnSpc>
+            <a:spcBef>
+              <a:spcPct val="0"/>
+            </a:spcBef>
+            <a:spcAft>
+              <a:spcPct val="20000"/>
+            </a:spcAft>
+            <a:buChar char="••"/>
+          </a:pPr>
+          <a:r>
+            <a:rPr lang="en-US" sz="1600" kern="1200" dirty="0" smtClean="0"/>
+            <a:t>Could be used in place of government issued ID.</a:t>
+          </a:r>
+          <a:endParaRPr lang="en-US" sz="1600" kern="1200" dirty="0"/>
+        </a:p>
+        <a:p>
+          <a:pPr marL="342900" lvl="2" indent="-171450" algn="l" defTabSz="711200" rtl="0">
+            <a:lnSpc>
+              <a:spcPct val="90000"/>
+            </a:lnSpc>
+            <a:spcBef>
+              <a:spcPct val="0"/>
+            </a:spcBef>
+            <a:spcAft>
+              <a:spcPct val="20000"/>
+            </a:spcAft>
+            <a:buChar char="••"/>
+          </a:pPr>
+          <a:r>
+            <a:rPr lang="en-US" sz="1600" kern="1200" dirty="0" smtClean="0"/>
+            <a:t>Could be used to replace corporate ID badges</a:t>
+          </a:r>
+          <a:endParaRPr lang="en-US" sz="1600" kern="1200" dirty="0"/>
+        </a:p>
+        <a:p>
+          <a:pPr marL="342900" lvl="2" indent="-171450" algn="l" defTabSz="711200" rtl="0">
+            <a:lnSpc>
+              <a:spcPct val="90000"/>
+            </a:lnSpc>
+            <a:spcBef>
+              <a:spcPct val="0"/>
+            </a:spcBef>
+            <a:spcAft>
+              <a:spcPct val="20000"/>
+            </a:spcAft>
+            <a:buChar char="••"/>
+          </a:pPr>
+          <a:r>
+            <a:rPr lang="en-US" sz="1600" kern="1200" dirty="0" smtClean="0"/>
+            <a:t>Already used in passports to provide various pieces of personal information.</a:t>
+          </a:r>
+          <a:endParaRPr lang="en-US" sz="1600" kern="1200" dirty="0"/>
+        </a:p>
+        <a:p>
+          <a:pPr marL="514350" lvl="3" indent="-171450" algn="l" defTabSz="711200" rtl="0">
+            <a:lnSpc>
+              <a:spcPct val="90000"/>
+            </a:lnSpc>
+            <a:spcBef>
+              <a:spcPct val="0"/>
+            </a:spcBef>
+            <a:spcAft>
+              <a:spcPct val="20000"/>
+            </a:spcAft>
+            <a:buChar char="••"/>
+          </a:pPr>
+          <a:endParaRPr lang="en-US" sz="1600" kern="1200" dirty="0"/>
+        </a:p>
+      </dsp:txBody>
+      <dsp:txXfrm>
+        <a:off x="0" y="3896505"/>
+        <a:ext cx="8229600" cy="1035000"/>
+      </dsp:txXfrm>
+    </dsp:sp>
+  </dsp:spTree>
+</dsp:drawing>
+</file>
+
+<file path=ppt/diagrams/drawing4.xml><?xml version="1.0" encoding="utf-8"?>
 <dsp:drawing xmlns:dgm="http://schemas.openxmlformats.org/drawingml/2006/diagram" xmlns:a="http://schemas.openxmlformats.org/drawingml/2006/main" xmlns:dsp="http://schemas.microsoft.com/office/drawing/2008/diagram">
   <dsp:spTree>
     <dsp:nvGrpSpPr>
@@ -7233,7 +9617,7 @@
 </dsp:drawing>
 </file>
 
-<file path=ppt/diagrams/drawing4.xml><?xml version="1.0" encoding="utf-8"?>
+<file path=ppt/diagrams/drawing5.xml><?xml version="1.0" encoding="utf-8"?>
 <dsp:drawing xmlns:dgm="http://schemas.openxmlformats.org/drawingml/2006/diagram" xmlns:a="http://schemas.openxmlformats.org/drawingml/2006/main" xmlns:dsp="http://schemas.microsoft.com/office/drawing/2008/diagram">
   <dsp:spTree>
     <dsp:nvGrpSpPr>
@@ -7248,7 +9632,7 @@
       </dsp:nvSpPr>
       <dsp:spPr>
         <a:xfrm>
-          <a:off x="1004" y="1146588"/>
+          <a:off x="1004" y="411982"/>
           <a:ext cx="2350740" cy="1175370"/>
         </a:xfrm>
         <a:prstGeom prst="roundRect">
@@ -7317,7 +9701,7 @@
         </a:p>
       </dsp:txBody>
       <dsp:txXfrm>
-        <a:off x="1004" y="1146588"/>
+        <a:off x="1004" y="411982"/>
         <a:ext cx="2350740" cy="1175370"/>
       </dsp:txXfrm>
     </dsp:sp>
@@ -7328,7 +9712,7 @@
       </dsp:nvSpPr>
       <dsp:spPr>
         <a:xfrm>
-          <a:off x="236078" y="2321958"/>
+          <a:off x="236078" y="1587352"/>
           <a:ext cx="235074" cy="881527"/>
         </a:xfrm>
         <a:custGeom>
@@ -7386,7 +9770,7 @@
       </dsp:nvSpPr>
       <dsp:spPr>
         <a:xfrm>
-          <a:off x="471152" y="2615801"/>
+          <a:off x="471152" y="1881194"/>
           <a:ext cx="1880592" cy="1175370"/>
         </a:xfrm>
         <a:prstGeom prst="roundRect">
@@ -7430,12 +9814,12 @@
         <a:fontRef idx="minor"/>
       </dsp:style>
       <dsp:txBody>
-        <a:bodyPr spcFirstLastPara="0" vert="horz" wrap="square" lIns="123825" tIns="82550" rIns="123825" bIns="82550" numCol="1" spcCol="1270" anchor="ctr" anchorCtr="0">
+        <a:bodyPr spcFirstLastPara="0" vert="horz" wrap="square" lIns="45720" tIns="30480" rIns="45720" bIns="30480" numCol="1" spcCol="1270" anchor="ctr" anchorCtr="0">
           <a:noAutofit/>
         </a:bodyPr>
         <a:lstStyle/>
         <a:p>
-          <a:pPr lvl="0" algn="ctr" defTabSz="2889250" rtl="0">
+          <a:pPr lvl="0" algn="ctr" defTabSz="1066800" rtl="0">
             <a:lnSpc>
               <a:spcPct val="90000"/>
             </a:lnSpc>
@@ -7447,14 +9831,151 @@
             </a:spcAft>
           </a:pPr>
           <a:r>
-            <a:rPr lang="en-US" sz="6500" kern="1200" dirty="0" smtClean="0"/>
-            <a:t>a</a:t>
+            <a:rPr lang="en-US" sz="2400" kern="1200" dirty="0" smtClean="0"/>
+            <a:t>Complicated</a:t>
           </a:r>
-          <a:endParaRPr lang="en-US" sz="6500" kern="1200" dirty="0"/>
+          <a:endParaRPr lang="en-US" sz="2400" kern="1200" dirty="0"/>
         </a:p>
       </dsp:txBody>
       <dsp:txXfrm>
-        <a:off x="471152" y="2615801"/>
+        <a:off x="471152" y="1881194"/>
+        <a:ext cx="1880592" cy="1175370"/>
+      </dsp:txXfrm>
+    </dsp:sp>
+    <dsp:sp modelId="{50064A5E-A449-428E-812F-0900832E2F20}">
+      <dsp:nvSpPr>
+        <dsp:cNvPr id="0" name=""/>
+        <dsp:cNvSpPr/>
+      </dsp:nvSpPr>
+      <dsp:spPr>
+        <a:xfrm>
+          <a:off x="236078" y="1587352"/>
+          <a:ext cx="235074" cy="2350740"/>
+        </a:xfrm>
+        <a:custGeom>
+          <a:avLst/>
+          <a:gdLst/>
+          <a:ahLst/>
+          <a:cxnLst/>
+          <a:rect l="0" t="0" r="0" b="0"/>
+          <a:pathLst>
+            <a:path>
+              <a:moveTo>
+                <a:pt x="0" y="0"/>
+              </a:moveTo>
+              <a:lnTo>
+                <a:pt x="0" y="2350740"/>
+              </a:lnTo>
+              <a:lnTo>
+                <a:pt x="235074" y="2350740"/>
+              </a:lnTo>
+            </a:path>
+          </a:pathLst>
+        </a:custGeom>
+        <a:noFill/>
+        <a:ln w="19050" cap="flat" cmpd="sng" algn="ctr">
+          <a:solidFill>
+            <a:schemeClr val="accent3">
+              <a:tint val="99000"/>
+              <a:hueOff val="0"/>
+              <a:satOff val="0"/>
+              <a:lumOff val="0"/>
+              <a:alphaOff val="0"/>
+            </a:schemeClr>
+          </a:solidFill>
+          <a:prstDash val="solid"/>
+        </a:ln>
+        <a:effectLst/>
+      </dsp:spPr>
+      <dsp:style>
+        <a:lnRef idx="2">
+          <a:scrgbClr r="0" g="0" b="0"/>
+        </a:lnRef>
+        <a:fillRef idx="0">
+          <a:scrgbClr r="0" g="0" b="0"/>
+        </a:fillRef>
+        <a:effectRef idx="0">
+          <a:scrgbClr r="0" g="0" b="0"/>
+        </a:effectRef>
+        <a:fontRef idx="minor"/>
+      </dsp:style>
+    </dsp:sp>
+    <dsp:sp modelId="{F9929AA2-946E-4489-A04B-18395F8C0F29}">
+      <dsp:nvSpPr>
+        <dsp:cNvPr id="0" name=""/>
+        <dsp:cNvSpPr/>
+      </dsp:nvSpPr>
+      <dsp:spPr>
+        <a:xfrm>
+          <a:off x="471152" y="3350407"/>
+          <a:ext cx="1880592" cy="1175370"/>
+        </a:xfrm>
+        <a:prstGeom prst="roundRect">
+          <a:avLst>
+            <a:gd name="adj" fmla="val 10000"/>
+          </a:avLst>
+        </a:prstGeom>
+        <a:solidFill>
+          <a:schemeClr val="lt1">
+            <a:alpha val="90000"/>
+            <a:hueOff val="0"/>
+            <a:satOff val="0"/>
+            <a:lumOff val="0"/>
+            <a:alphaOff val="0"/>
+          </a:schemeClr>
+        </a:solidFill>
+        <a:ln w="19050" cap="flat" cmpd="sng" algn="ctr">
+          <a:solidFill>
+            <a:schemeClr val="accent3">
+              <a:shade val="80000"/>
+              <a:hueOff val="106694"/>
+              <a:satOff val="-10156"/>
+              <a:lumOff val="7559"/>
+              <a:alphaOff val="0"/>
+            </a:schemeClr>
+          </a:solidFill>
+          <a:prstDash val="solid"/>
+        </a:ln>
+        <a:effectLst/>
+      </dsp:spPr>
+      <dsp:style>
+        <a:lnRef idx="2">
+          <a:scrgbClr r="0" g="0" b="0"/>
+        </a:lnRef>
+        <a:fillRef idx="1">
+          <a:scrgbClr r="0" g="0" b="0"/>
+        </a:fillRef>
+        <a:effectRef idx="0">
+          <a:scrgbClr r="0" g="0" b="0"/>
+        </a:effectRef>
+        <a:fontRef idx="minor"/>
+      </dsp:style>
+      <dsp:txBody>
+        <a:bodyPr spcFirstLastPara="0" vert="horz" wrap="square" lIns="45720" tIns="30480" rIns="45720" bIns="30480" numCol="1" spcCol="1270" anchor="ctr" anchorCtr="0">
+          <a:noAutofit/>
+        </a:bodyPr>
+        <a:lstStyle/>
+        <a:p>
+          <a:pPr lvl="0" algn="ctr" defTabSz="1066800">
+            <a:lnSpc>
+              <a:spcPct val="90000"/>
+            </a:lnSpc>
+            <a:spcBef>
+              <a:spcPct val="0"/>
+            </a:spcBef>
+            <a:spcAft>
+              <a:spcPct val="35000"/>
+            </a:spcAft>
+          </a:pPr>
+          <a:r>
+            <a:rPr lang="en-US" sz="2400" kern="1200" dirty="0" smtClean="0"/>
+            <a:t>Requires proximity</a:t>
+          </a:r>
+          <a:endParaRPr lang="en-US" sz="2400" kern="1200" dirty="0"/>
+        </a:p>
+      </dsp:txBody>
+      <dsp:txXfrm>
+        <a:off x="471152" y="3350407"/>
         <a:ext cx="1880592" cy="1175370"/>
       </dsp:txXfrm>
     </dsp:sp>
@@ -7465,7 +9986,7 @@
       </dsp:nvSpPr>
       <dsp:spPr>
         <a:xfrm>
-          <a:off x="2939429" y="1146588"/>
+          <a:off x="2939429" y="411982"/>
           <a:ext cx="2350740" cy="1175370"/>
         </a:xfrm>
         <a:prstGeom prst="roundRect">
@@ -7534,7 +10055,7 @@
         </a:p>
       </dsp:txBody>
       <dsp:txXfrm>
-        <a:off x="2939429" y="1146588"/>
+        <a:off x="2939429" y="411982"/>
         <a:ext cx="2350740" cy="1175370"/>
       </dsp:txXfrm>
     </dsp:sp>
@@ -7545,7 +10066,7 @@
       </dsp:nvSpPr>
       <dsp:spPr>
         <a:xfrm>
-          <a:off x="3174503" y="2321958"/>
+          <a:off x="3174503" y="1587352"/>
           <a:ext cx="235074" cy="881527"/>
         </a:xfrm>
         <a:custGeom>
@@ -7603,7 +10124,7 @@
       </dsp:nvSpPr>
       <dsp:spPr>
         <a:xfrm>
-          <a:off x="3409577" y="2615801"/>
+          <a:off x="3409577" y="1881194"/>
           <a:ext cx="1880592" cy="1175370"/>
         </a:xfrm>
         <a:prstGeom prst="roundRect">
@@ -7624,9 +10145,9 @@
           <a:solidFill>
             <a:schemeClr val="accent3">
               <a:shade val="80000"/>
-              <a:hueOff val="266734"/>
-              <a:satOff val="-25391"/>
-              <a:lumOff val="18897"/>
+              <a:hueOff val="213387"/>
+              <a:satOff val="-20313"/>
+              <a:lumOff val="15118"/>
               <a:alphaOff val="0"/>
             </a:schemeClr>
           </a:solidFill>
@@ -7647,12 +10168,12 @@
         <a:fontRef idx="minor"/>
       </dsp:style>
       <dsp:txBody>
-        <a:bodyPr spcFirstLastPara="0" vert="horz" wrap="square" lIns="123825" tIns="82550" rIns="123825" bIns="82550" numCol="1" spcCol="1270" anchor="ctr" anchorCtr="0">
+        <a:bodyPr spcFirstLastPara="0" vert="horz" wrap="square" lIns="45720" tIns="30480" rIns="45720" bIns="30480" numCol="1" spcCol="1270" anchor="ctr" anchorCtr="0">
           <a:noAutofit/>
         </a:bodyPr>
         <a:lstStyle/>
         <a:p>
-          <a:pPr lvl="0" algn="ctr" defTabSz="2889250" rtl="0">
+          <a:pPr lvl="0" algn="ctr" defTabSz="1066800" rtl="0">
             <a:lnSpc>
               <a:spcPct val="90000"/>
             </a:lnSpc>
@@ -7664,14 +10185,150 @@
             </a:spcAft>
           </a:pPr>
           <a:r>
-            <a:rPr lang="en-US" sz="6500" kern="1200" dirty="0" smtClean="0"/>
-            <a:t>a</a:t>
+            <a:rPr lang="en-US" sz="2400" kern="1200" dirty="0" smtClean="0"/>
+            <a:t>Easy to perform</a:t>
           </a:r>
-          <a:endParaRPr lang="en-US" sz="6500" kern="1200" dirty="0"/>
         </a:p>
       </dsp:txBody>
       <dsp:txXfrm>
-        <a:off x="3409577" y="2615801"/>
+        <a:off x="3409577" y="1881194"/>
+        <a:ext cx="1880592" cy="1175370"/>
+      </dsp:txXfrm>
+    </dsp:sp>
+    <dsp:sp modelId="{EE5A6168-7F65-48F7-9C0D-9A62BABED2B9}">
+      <dsp:nvSpPr>
+        <dsp:cNvPr id="0" name=""/>
+        <dsp:cNvSpPr/>
+      </dsp:nvSpPr>
+      <dsp:spPr>
+        <a:xfrm>
+          <a:off x="3174503" y="1587352"/>
+          <a:ext cx="235074" cy="2350740"/>
+        </a:xfrm>
+        <a:custGeom>
+          <a:avLst/>
+          <a:gdLst/>
+          <a:ahLst/>
+          <a:cxnLst/>
+          <a:rect l="0" t="0" r="0" b="0"/>
+          <a:pathLst>
+            <a:path>
+              <a:moveTo>
+                <a:pt x="0" y="0"/>
+              </a:moveTo>
+              <a:lnTo>
+                <a:pt x="0" y="2350740"/>
+              </a:lnTo>
+              <a:lnTo>
+                <a:pt x="235074" y="2350740"/>
+              </a:lnTo>
+            </a:path>
+          </a:pathLst>
+        </a:custGeom>
+        <a:noFill/>
+        <a:ln w="19050" cap="flat" cmpd="sng" algn="ctr">
+          <a:solidFill>
+            <a:schemeClr val="accent3">
+              <a:tint val="99000"/>
+              <a:hueOff val="0"/>
+              <a:satOff val="0"/>
+              <a:lumOff val="0"/>
+              <a:alphaOff val="0"/>
+            </a:schemeClr>
+          </a:solidFill>
+          <a:prstDash val="solid"/>
+        </a:ln>
+        <a:effectLst/>
+      </dsp:spPr>
+      <dsp:style>
+        <a:lnRef idx="2">
+          <a:scrgbClr r="0" g="0" b="0"/>
+        </a:lnRef>
+        <a:fillRef idx="0">
+          <a:scrgbClr r="0" g="0" b="0"/>
+        </a:fillRef>
+        <a:effectRef idx="0">
+          <a:scrgbClr r="0" g="0" b="0"/>
+        </a:effectRef>
+        <a:fontRef idx="minor"/>
+      </dsp:style>
+    </dsp:sp>
+    <dsp:sp modelId="{7B8522B4-2470-41A7-AD88-4E829189493D}">
+      <dsp:nvSpPr>
+        <dsp:cNvPr id="0" name=""/>
+        <dsp:cNvSpPr/>
+      </dsp:nvSpPr>
+      <dsp:spPr>
+        <a:xfrm>
+          <a:off x="3409577" y="3350407"/>
+          <a:ext cx="1880592" cy="1175370"/>
+        </a:xfrm>
+        <a:prstGeom prst="roundRect">
+          <a:avLst>
+            <a:gd name="adj" fmla="val 10000"/>
+          </a:avLst>
+        </a:prstGeom>
+        <a:solidFill>
+          <a:schemeClr val="lt1">
+            <a:alpha val="90000"/>
+            <a:hueOff val="0"/>
+            <a:satOff val="0"/>
+            <a:lumOff val="0"/>
+            <a:alphaOff val="0"/>
+          </a:schemeClr>
+        </a:solidFill>
+        <a:ln w="19050" cap="flat" cmpd="sng" algn="ctr">
+          <a:solidFill>
+            <a:schemeClr val="accent3">
+              <a:shade val="80000"/>
+              <a:hueOff val="320081"/>
+              <a:satOff val="-30469"/>
+              <a:lumOff val="22676"/>
+              <a:alphaOff val="0"/>
+            </a:schemeClr>
+          </a:solidFill>
+          <a:prstDash val="solid"/>
+        </a:ln>
+        <a:effectLst/>
+      </dsp:spPr>
+      <dsp:style>
+        <a:lnRef idx="2">
+          <a:scrgbClr r="0" g="0" b="0"/>
+        </a:lnRef>
+        <a:fillRef idx="1">
+          <a:scrgbClr r="0" g="0" b="0"/>
+        </a:fillRef>
+        <a:effectRef idx="0">
+          <a:scrgbClr r="0" g="0" b="0"/>
+        </a:effectRef>
+        <a:fontRef idx="minor"/>
+      </dsp:style>
+      <dsp:txBody>
+        <a:bodyPr spcFirstLastPara="0" vert="horz" wrap="square" lIns="45720" tIns="30480" rIns="45720" bIns="30480" numCol="1" spcCol="1270" anchor="ctr" anchorCtr="0">
+          <a:noAutofit/>
+        </a:bodyPr>
+        <a:lstStyle/>
+        <a:p>
+          <a:pPr lvl="0" algn="ctr" defTabSz="1066800">
+            <a:lnSpc>
+              <a:spcPct val="90000"/>
+            </a:lnSpc>
+            <a:spcBef>
+              <a:spcPct val="0"/>
+            </a:spcBef>
+            <a:spcAft>
+              <a:spcPct val="35000"/>
+            </a:spcAft>
+          </a:pPr>
+          <a:r>
+            <a:rPr lang="en-US" sz="2400" kern="1200" dirty="0" smtClean="0"/>
+            <a:t>Almost impossible to prevent</a:t>
+          </a:r>
+          <a:endParaRPr lang="en-US" sz="2400" kern="1200" dirty="0"/>
+        </a:p>
+      </dsp:txBody>
+      <dsp:txXfrm>
+        <a:off x="3409577" y="3350407"/>
         <a:ext cx="1880592" cy="1175370"/>
       </dsp:txXfrm>
     </dsp:sp>
@@ -7682,7 +10339,7 @@
       </dsp:nvSpPr>
       <dsp:spPr>
         <a:xfrm>
-          <a:off x="5877855" y="1146588"/>
+          <a:off x="5877855" y="411982"/>
           <a:ext cx="2350740" cy="1175370"/>
         </a:xfrm>
         <a:prstGeom prst="roundRect">
@@ -7745,13 +10402,13 @@
           </a:pPr>
           <a:r>
             <a:rPr lang="en-US" sz="2500" kern="1200" dirty="0" smtClean="0"/>
-            <a:t>Man-in-the-Middle</a:t>
+            <a:t>Man-in-the-Middle attacks</a:t>
           </a:r>
           <a:endParaRPr lang="en-US" sz="2500" kern="1200" dirty="0"/>
         </a:p>
       </dsp:txBody>
       <dsp:txXfrm>
-        <a:off x="5877855" y="1146588"/>
+        <a:off x="5877855" y="411982"/>
         <a:ext cx="2350740" cy="1175370"/>
       </dsp:txXfrm>
     </dsp:sp>
@@ -7762,7 +10419,7 @@
       </dsp:nvSpPr>
       <dsp:spPr>
         <a:xfrm>
-          <a:off x="6112929" y="2321958"/>
+          <a:off x="6112929" y="1587352"/>
           <a:ext cx="235074" cy="881527"/>
         </a:xfrm>
         <a:custGeom>
@@ -7820,7 +10477,144 @@
       </dsp:nvSpPr>
       <dsp:spPr>
         <a:xfrm>
-          <a:off x="6348003" y="2615801"/>
+          <a:off x="6348003" y="1881194"/>
+          <a:ext cx="1880592" cy="1175370"/>
+        </a:xfrm>
+        <a:prstGeom prst="roundRect">
+          <a:avLst>
+            <a:gd name="adj" fmla="val 10000"/>
+          </a:avLst>
+        </a:prstGeom>
+        <a:solidFill>
+          <a:schemeClr val="lt1">
+            <a:alpha val="90000"/>
+            <a:hueOff val="0"/>
+            <a:satOff val="0"/>
+            <a:lumOff val="0"/>
+            <a:alphaOff val="0"/>
+          </a:schemeClr>
+        </a:solidFill>
+        <a:ln w="19050" cap="flat" cmpd="sng" algn="ctr">
+          <a:solidFill>
+            <a:schemeClr val="accent3">
+              <a:shade val="80000"/>
+              <a:hueOff val="426775"/>
+              <a:satOff val="-40626"/>
+              <a:lumOff val="30235"/>
+              <a:alphaOff val="0"/>
+            </a:schemeClr>
+          </a:solidFill>
+          <a:prstDash val="solid"/>
+        </a:ln>
+        <a:effectLst/>
+      </dsp:spPr>
+      <dsp:style>
+        <a:lnRef idx="2">
+          <a:scrgbClr r="0" g="0" b="0"/>
+        </a:lnRef>
+        <a:fillRef idx="1">
+          <a:scrgbClr r="0" g="0" b="0"/>
+        </a:fillRef>
+        <a:effectRef idx="0">
+          <a:scrgbClr r="0" g="0" b="0"/>
+        </a:effectRef>
+        <a:fontRef idx="minor"/>
+      </dsp:style>
+      <dsp:txBody>
+        <a:bodyPr spcFirstLastPara="0" vert="horz" wrap="square" lIns="45720" tIns="30480" rIns="45720" bIns="30480" numCol="1" spcCol="1270" anchor="ctr" anchorCtr="0">
+          <a:noAutofit/>
+        </a:bodyPr>
+        <a:lstStyle/>
+        <a:p>
+          <a:pPr lvl="0" algn="ctr" defTabSz="1066800" rtl="0">
+            <a:lnSpc>
+              <a:spcPct val="90000"/>
+            </a:lnSpc>
+            <a:spcBef>
+              <a:spcPct val="0"/>
+            </a:spcBef>
+            <a:spcAft>
+              <a:spcPct val="35000"/>
+            </a:spcAft>
+          </a:pPr>
+          <a:r>
+            <a:rPr lang="en-US" sz="2400" kern="1200" dirty="0" smtClean="0"/>
+            <a:t>Short range makes MITM hard</a:t>
+          </a:r>
+          <a:endParaRPr lang="en-US" sz="2400" kern="1200" dirty="0"/>
+        </a:p>
+      </dsp:txBody>
+      <dsp:txXfrm>
+        <a:off x="6348003" y="1881194"/>
+        <a:ext cx="1880592" cy="1175370"/>
+      </dsp:txXfrm>
+    </dsp:sp>
+    <dsp:sp modelId="{0152353E-B13E-4EC7-AD84-2EE36F26FC4F}">
+      <dsp:nvSpPr>
+        <dsp:cNvPr id="0" name=""/>
+        <dsp:cNvSpPr/>
+      </dsp:nvSpPr>
+      <dsp:spPr>
+        <a:xfrm>
+          <a:off x="6112929" y="1587352"/>
+          <a:ext cx="235074" cy="2350740"/>
+        </a:xfrm>
+        <a:custGeom>
+          <a:avLst/>
+          <a:gdLst/>
+          <a:ahLst/>
+          <a:cxnLst/>
+          <a:rect l="0" t="0" r="0" b="0"/>
+          <a:pathLst>
+            <a:path>
+              <a:moveTo>
+                <a:pt x="0" y="0"/>
+              </a:moveTo>
+              <a:lnTo>
+                <a:pt x="0" y="2350740"/>
+              </a:lnTo>
+              <a:lnTo>
+                <a:pt x="235074" y="2350740"/>
+              </a:lnTo>
+            </a:path>
+          </a:pathLst>
+        </a:custGeom>
+        <a:noFill/>
+        <a:ln w="19050" cap="flat" cmpd="sng" algn="ctr">
+          <a:solidFill>
+            <a:schemeClr val="accent3">
+              <a:tint val="99000"/>
+              <a:hueOff val="0"/>
+              <a:satOff val="0"/>
+              <a:lumOff val="0"/>
+              <a:alphaOff val="0"/>
+            </a:schemeClr>
+          </a:solidFill>
+          <a:prstDash val="solid"/>
+        </a:ln>
+        <a:effectLst/>
+      </dsp:spPr>
+      <dsp:style>
+        <a:lnRef idx="2">
+          <a:scrgbClr r="0" g="0" b="0"/>
+        </a:lnRef>
+        <a:fillRef idx="0">
+          <a:scrgbClr r="0" g="0" b="0"/>
+        </a:fillRef>
+        <a:effectRef idx="0">
+          <a:scrgbClr r="0" g="0" b="0"/>
+        </a:effectRef>
+        <a:fontRef idx="minor"/>
+      </dsp:style>
+    </dsp:sp>
+    <dsp:sp modelId="{B36EEAEE-5828-42F5-84CD-9D9E02F7534E}">
+      <dsp:nvSpPr>
+        <dsp:cNvPr id="0" name=""/>
+        <dsp:cNvSpPr/>
+      </dsp:nvSpPr>
+      <dsp:spPr>
+        <a:xfrm>
+          <a:off x="6348003" y="3350407"/>
           <a:ext cx="1880592" cy="1175370"/>
         </a:xfrm>
         <a:prstGeom prst="roundRect">
@@ -7864,12 +10658,12 @@
         <a:fontRef idx="minor"/>
       </dsp:style>
       <dsp:txBody>
-        <a:bodyPr spcFirstLastPara="0" vert="horz" wrap="square" lIns="123825" tIns="82550" rIns="123825" bIns="82550" numCol="1" spcCol="1270" anchor="ctr" anchorCtr="0">
+        <a:bodyPr spcFirstLastPara="0" vert="horz" wrap="square" lIns="45720" tIns="30480" rIns="45720" bIns="30480" numCol="1" spcCol="1270" anchor="ctr" anchorCtr="0">
           <a:noAutofit/>
         </a:bodyPr>
         <a:lstStyle/>
         <a:p>
-          <a:pPr lvl="0" algn="ctr" defTabSz="2889250" rtl="0">
+          <a:pPr lvl="0" algn="ctr" defTabSz="1066800">
             <a:lnSpc>
               <a:spcPct val="90000"/>
             </a:lnSpc>
@@ -7881,14 +10675,14 @@
             </a:spcAft>
           </a:pPr>
           <a:r>
-            <a:rPr lang="en-US" sz="6500" kern="1200" dirty="0" smtClean="0"/>
-            <a:t>a</a:t>
+            <a:rPr lang="en-US" sz="2400" kern="1200" dirty="0" smtClean="0"/>
+            <a:t>Painless to detect</a:t>
           </a:r>
-          <a:endParaRPr lang="en-US" sz="6500" kern="1200" dirty="0"/>
+          <a:endParaRPr lang="en-US" sz="2400" kern="1200" dirty="0"/>
         </a:p>
       </dsp:txBody>
       <dsp:txXfrm>
-        <a:off x="6348003" y="2615801"/>
+        <a:off x="6348003" y="3350407"/>
         <a:ext cx="1880592" cy="1175370"/>
       </dsp:txXfrm>
     </dsp:sp>
@@ -8343,6 +11137,173 @@
 </file>
 
 <file path=ppt/diagrams/layout3.xml><?xml version="1.0" encoding="utf-8"?>
+<dgm:layoutDef xmlns:dgm="http://schemas.openxmlformats.org/drawingml/2006/diagram" xmlns:a="http://schemas.openxmlformats.org/drawingml/2006/main" uniqueId="urn:microsoft.com/office/officeart/2005/8/layout/vList2">
+  <dgm:title val=""/>
+  <dgm:desc val=""/>
+  <dgm:catLst>
+    <dgm:cat type="list" pri="3000"/>
+    <dgm:cat type="convert" pri="1000"/>
+  </dgm:catLst>
+  <dgm:sampData>
+    <dgm:dataModel>
+      <dgm:ptLst>
+        <dgm:pt modelId="0" type="doc"/>
+        <dgm:pt modelId="1">
+          <dgm:prSet phldr="1"/>
+        </dgm:pt>
+        <dgm:pt modelId="11">
+          <dgm:prSet phldr="1"/>
+        </dgm:pt>
+        <dgm:pt modelId="2">
+          <dgm:prSet phldr="1"/>
+        </dgm:pt>
+        <dgm:pt modelId="21">
+          <dgm:prSet phldr="1"/>
+        </dgm:pt>
+      </dgm:ptLst>
+      <dgm:cxnLst>
+        <dgm:cxn modelId="4" srcId="0" destId="1" srcOrd="0" destOrd="0"/>
+        <dgm:cxn modelId="5" srcId="0" destId="2" srcOrd="1" destOrd="0"/>
+        <dgm:cxn modelId="12" srcId="1" destId="11" srcOrd="0" destOrd="0"/>
+        <dgm:cxn modelId="23" srcId="2" destId="21" srcOrd="0" destOrd="0"/>
+      </dgm:cxnLst>
+      <dgm:bg/>
+      <dgm:whole/>
+    </dgm:dataModel>
+  </dgm:sampData>
+  <dgm:styleData>
+    <dgm:dataModel>
+      <dgm:ptLst>
+        <dgm:pt modelId="0" type="doc"/>
+        <dgm:pt modelId="1"/>
+        <dgm:pt modelId="2"/>
+      </dgm:ptLst>
+      <dgm:cxnLst>
+        <dgm:cxn modelId="3" srcId="0" destId="1" srcOrd="0" destOrd="0"/>
+        <dgm:cxn modelId="4" srcId="0" destId="2" srcOrd="1" destOrd="0"/>
+      </dgm:cxnLst>
+      <dgm:bg/>
+      <dgm:whole/>
+    </dgm:dataModel>
+  </dgm:styleData>
+  <dgm:clrData>
+    <dgm:dataModel>
+      <dgm:ptLst>
+        <dgm:pt modelId="0" type="doc"/>
+        <dgm:pt modelId="1"/>
+        <dgm:pt modelId="2"/>
+        <dgm:pt modelId="3"/>
+        <dgm:pt modelId="4"/>
+      </dgm:ptLst>
+      <dgm:cxnLst>
+        <dgm:cxn modelId="5" srcId="0" destId="1" srcOrd="0" destOrd="0"/>
+        <dgm:cxn modelId="6" srcId="0" destId="2" srcOrd="1" destOrd="0"/>
+        <dgm:cxn modelId="7" srcId="0" destId="3" srcOrd="2" destOrd="0"/>
+        <dgm:cxn modelId="8" srcId="0" destId="4" srcOrd="3" destOrd="0"/>
+      </dgm:cxnLst>
+      <dgm:bg/>
+      <dgm:whole/>
+    </dgm:dataModel>
+  </dgm:clrData>
+  <dgm:layoutNode name="linear">
+    <dgm:varLst>
+      <dgm:animLvl val="lvl"/>
+      <dgm:resizeHandles val="exact"/>
+    </dgm:varLst>
+    <dgm:alg type="lin">
+      <dgm:param type="linDir" val="fromT"/>
+      <dgm:param type="vertAlign" val="mid"/>
+    </dgm:alg>
+    <dgm:shape xmlns:r="http://schemas.openxmlformats.org/officeDocument/2006/relationships" r:blip="">
+      <dgm:adjLst/>
+    </dgm:shape>
+    <dgm:presOf/>
+    <dgm:constrLst>
+      <dgm:constr type="w" for="ch" forName="parentText" refType="w"/>
+      <dgm:constr type="h" for="ch" forName="parentText" refType="primFontSz" refFor="ch" refForName="parentText" fact="0.52"/>
+      <dgm:constr type="w" for="ch" forName="childText" refType="w"/>
+      <dgm:constr type="h" for="ch" forName="childText" refType="primFontSz" refFor="ch" refForName="parentText" fact="0.46"/>
+      <dgm:constr type="h" for="ch" forName="parentText" op="equ"/>
+      <dgm:constr type="primFontSz" for="ch" forName="parentText" op="equ" val="65"/>
+      <dgm:constr type="primFontSz" for="ch" forName="childText" refType="primFontSz" refFor="ch" refForName="parentText" op="equ"/>
+      <dgm:constr type="h" for="ch" forName="spacer" refType="primFontSz" refFor="ch" refForName="parentText" fact="0.08"/>
+    </dgm:constrLst>
+    <dgm:ruleLst>
+      <dgm:rule type="primFontSz" for="ch" forName="parentText" val="5" fact="NaN" max="NaN"/>
+    </dgm:ruleLst>
+    <dgm:forEach name="Name0" axis="ch" ptType="node">
+      <dgm:layoutNode name="parentText" styleLbl="node1">
+        <dgm:varLst>
+          <dgm:chMax val="0"/>
+          <dgm:bulletEnabled val="1"/>
+        </dgm:varLst>
+        <dgm:alg type="tx">
+          <dgm:param type="parTxLTRAlign" val="l"/>
+          <dgm:param type="parTxRTLAlign" val="r"/>
+        </dgm:alg>
+        <dgm:shape xmlns:r="http://schemas.openxmlformats.org/officeDocument/2006/relationships" type="roundRect" r:blip="">
+          <dgm:adjLst/>
+        </dgm:shape>
+        <dgm:presOf axis="self"/>
+        <dgm:constrLst>
+          <dgm:constr type="tMarg" refType="primFontSz" fact="0.3"/>
+          <dgm:constr type="bMarg" refType="primFontSz" fact="0.3"/>
+          <dgm:constr type="lMarg" refType="primFontSz" fact="0.3"/>
+          <dgm:constr type="rMarg" refType="primFontSz" fact="0.3"/>
+        </dgm:constrLst>
+        <dgm:ruleLst>
+          <dgm:rule type="h" val="INF" fact="NaN" max="NaN"/>
+        </dgm:ruleLst>
+      </dgm:layoutNode>
+      <dgm:choose name="Name1">
+        <dgm:if name="Name2" axis="ch" ptType="node" func="cnt" op="gte" val="1">
+          <dgm:layoutNode name="childText" styleLbl="revTx">
+            <dgm:varLst>
+              <dgm:bulletEnabled val="1"/>
+            </dgm:varLst>
+            <dgm:alg type="tx">
+              <dgm:param type="stBulletLvl" val="1"/>
+              <dgm:param type="lnSpAfChP" val="20"/>
+            </dgm:alg>
+            <dgm:shape xmlns:r="http://schemas.openxmlformats.org/officeDocument/2006/relationships" type="rect" r:blip="">
+              <dgm:adjLst/>
+            </dgm:shape>
+            <dgm:presOf axis="des" ptType="node"/>
+            <dgm:constrLst>
+              <dgm:constr type="tMarg" refType="primFontSz" fact="0.1"/>
+              <dgm:constr type="bMarg" refType="primFontSz" fact="0.1"/>
+              <dgm:constr type="lMarg" refType="w" fact="0.09"/>
+            </dgm:constrLst>
+            <dgm:ruleLst>
+              <dgm:rule type="h" val="INF" fact="NaN" max="NaN"/>
+            </dgm:ruleLst>
+          </dgm:layoutNode>
+        </dgm:if>
+        <dgm:else name="Name3">
+          <dgm:choose name="Name4">
+            <dgm:if name="Name5" axis="par ch" ptType="doc node" func="cnt" op="gte" val="2">
+              <dgm:forEach name="Name6" axis="followSib" ptType="sibTrans" cnt="1">
+                <dgm:layoutNode name="spacer">
+                  <dgm:alg type="sp"/>
+                  <dgm:shape xmlns:r="http://schemas.openxmlformats.org/officeDocument/2006/relationships" r:blip="">
+                    <dgm:adjLst/>
+                  </dgm:shape>
+                  <dgm:presOf/>
+                  <dgm:constrLst/>
+                  <dgm:ruleLst/>
+                </dgm:layoutNode>
+              </dgm:forEach>
+            </dgm:if>
+            <dgm:else name="Name7"/>
+          </dgm:choose>
+        </dgm:else>
+      </dgm:choose>
+    </dgm:forEach>
+  </dgm:layoutNode>
+</dgm:layoutDef>
+</file>
+
+<file path=ppt/diagrams/layout4.xml><?xml version="1.0" encoding="utf-8"?>
 <dgm:layoutDef xmlns:dgm="http://schemas.openxmlformats.org/drawingml/2006/diagram" xmlns:a="http://schemas.openxmlformats.org/drawingml/2006/main" uniqueId="urn:microsoft.com/office/officeart/2005/8/layout/bList2">
   <dgm:title val=""/>
   <dgm:desc val=""/>
@@ -8590,7 +11551,7 @@
 </dgm:layoutDef>
 </file>
 
-<file path=ppt/diagrams/layout4.xml><?xml version="1.0" encoding="utf-8"?>
+<file path=ppt/diagrams/layout5.xml><?xml version="1.0" encoding="utf-8"?>
 <dgm:layoutDef xmlns:dgm="http://schemas.openxmlformats.org/drawingml/2006/diagram" xmlns:a="http://schemas.openxmlformats.org/drawingml/2006/main" uniqueId="urn:microsoft.com/office/officeart/2005/8/layout/hierarchy3">
   <dgm:title val=""/>
   <dgm:desc val=""/>
@@ -11985,6 +14946,1040 @@
 </file>
 
 <file path=ppt/diagrams/quickStyle4.xml><?xml version="1.0" encoding="utf-8"?>
+<dgm:styleDef xmlns:dgm="http://schemas.openxmlformats.org/drawingml/2006/diagram" xmlns:a="http://schemas.openxmlformats.org/drawingml/2006/main" uniqueId="urn:microsoft.com/office/officeart/2005/8/quickstyle/simple1">
+  <dgm:title val=""/>
+  <dgm:desc val=""/>
+  <dgm:catLst>
+    <dgm:cat type="simple" pri="10100"/>
+  </dgm:catLst>
+  <dgm:scene3d>
+    <a:camera prst="orthographicFront"/>
+    <a:lightRig rig="threePt" dir="t"/>
+  </dgm:scene3d>
+  <dgm:styleLbl name="node0">
+    <dgm:scene3d>
+      <a:camera prst="orthographicFront"/>
+      <a:lightRig rig="threePt" dir="t"/>
+    </dgm:scene3d>
+    <dgm:sp3d/>
+    <dgm:txPr/>
+    <dgm:style>
+      <a:lnRef idx="2">
+        <a:scrgbClr r="0" g="0" b="0"/>
+      </a:lnRef>
+      <a:fillRef idx="1">
+        <a:scrgbClr r="0" g="0" b="0"/>
+      </a:fillRef>
+      <a:effectRef idx="0">
+        <a:scrgbClr r="0" g="0" b="0"/>
+      </a:effectRef>
+      <a:fontRef idx="minor">
+        <a:schemeClr val="lt1"/>
+      </a:fontRef>
+    </dgm:style>
+  </dgm:styleLbl>
+  <dgm:styleLbl name="lnNode1">
+    <dgm:scene3d>
+      <a:camera prst="orthographicFront"/>
+      <a:lightRig rig="threePt" dir="t"/>
+    </dgm:scene3d>
+    <dgm:sp3d/>
+    <dgm:txPr/>
+    <dgm:style>
+      <a:lnRef idx="2">
+        <a:scrgbClr r="0" g="0" b="0"/>
+      </a:lnRef>
+      <a:fillRef idx="1">
+        <a:scrgbClr r="0" g="0" b="0"/>
+      </a:fillRef>
+      <a:effectRef idx="0">
+        <a:scrgbClr r="0" g="0" b="0"/>
+      </a:effectRef>
+      <a:fontRef idx="minor">
+        <a:schemeClr val="lt1"/>
+      </a:fontRef>
+    </dgm:style>
+  </dgm:styleLbl>
+  <dgm:styleLbl name="vennNode1">
+    <dgm:scene3d>
+      <a:camera prst="orthographicFront"/>
+      <a:lightRig rig="threePt" dir="t"/>
+    </dgm:scene3d>
+    <dgm:sp3d/>
+    <dgm:txPr/>
+    <dgm:style>
+      <a:lnRef idx="2">
+        <a:scrgbClr r="0" g="0" b="0"/>
+      </a:lnRef>
+      <a:fillRef idx="1">
+        <a:scrgbClr r="0" g="0" b="0"/>
+      </a:fillRef>
+      <a:effectRef idx="0">
+        <a:scrgbClr r="0" g="0" b="0"/>
+      </a:effectRef>
+      <a:fontRef idx="minor">
+        <a:schemeClr val="tx1"/>
+      </a:fontRef>
+    </dgm:style>
+  </dgm:styleLbl>
+  <dgm:styleLbl name="alignNode1">
+    <dgm:scene3d>
+      <a:camera prst="orthographicFront"/>
+      <a:lightRig rig="threePt" dir="t"/>
+    </dgm:scene3d>
+    <dgm:sp3d/>
+    <dgm:txPr/>
+    <dgm:style>
+      <a:lnRef idx="2">
+        <a:scrgbClr r="0" g="0" b="0"/>
+      </a:lnRef>
+      <a:fillRef idx="1">
+        <a:scrgbClr r="0" g="0" b="0"/>
+      </a:fillRef>
+      <a:effectRef idx="0">
+        <a:scrgbClr r="0" g="0" b="0"/>
+      </a:effectRef>
+      <a:fontRef idx="minor">
+        <a:schemeClr val="lt1"/>
+      </a:fontRef>
+    </dgm:style>
+  </dgm:styleLbl>
+  <dgm:styleLbl name="node1">
+    <dgm:scene3d>
+      <a:camera prst="orthographicFront"/>
+      <a:lightRig rig="threePt" dir="t"/>
+    </dgm:scene3d>
+    <dgm:sp3d/>
+    <dgm:txPr/>
+    <dgm:style>
+      <a:lnRef idx="2">
+        <a:scrgbClr r="0" g="0" b="0"/>
+      </a:lnRef>
+      <a:fillRef idx="1">
+        <a:scrgbClr r="0" g="0" b="0"/>
+      </a:fillRef>
+      <a:effectRef idx="0">
+        <a:scrgbClr r="0" g="0" b="0"/>
+      </a:effectRef>
+      <a:fontRef idx="minor">
+        <a:schemeClr val="lt1"/>
+      </a:fontRef>
+    </dgm:style>
+  </dgm:styleLbl>
+  <dgm:styleLbl name="node2">
+    <dgm:scene3d>
+      <a:camera prst="orthographicFront"/>
+      <a:lightRig rig="threePt" dir="t"/>
+    </dgm:scene3d>
+    <dgm:sp3d/>
+    <dgm:txPr/>
+    <dgm:style>
+      <a:lnRef idx="2">
+        <a:scrgbClr r="0" g="0" b="0"/>
+      </a:lnRef>
+      <a:fillRef idx="1">
+        <a:scrgbClr r="0" g="0" b="0"/>
+      </a:fillRef>
+      <a:effectRef idx="0">
+        <a:scrgbClr r="0" g="0" b="0"/>
+      </a:effectRef>
+      <a:fontRef idx="minor">
+        <a:schemeClr val="lt1"/>
+      </a:fontRef>
+    </dgm:style>
+  </dgm:styleLbl>
+  <dgm:styleLbl name="node3">
+    <dgm:scene3d>
+      <a:camera prst="orthographicFront"/>
+      <a:lightRig rig="threePt" dir="t"/>
+    </dgm:scene3d>
+    <dgm:sp3d/>
+    <dgm:txPr/>
+    <dgm:style>
+      <a:lnRef idx="2">
+        <a:scrgbClr r="0" g="0" b="0"/>
+      </a:lnRef>
+      <a:fillRef idx="1">
+        <a:scrgbClr r="0" g="0" b="0"/>
+      </a:fillRef>
+      <a:effectRef idx="0">
+        <a:scrgbClr r="0" g="0" b="0"/>
+      </a:effectRef>
+      <a:fontRef idx="minor">
+        <a:schemeClr val="lt1"/>
+      </a:fontRef>
+    </dgm:style>
+  </dgm:styleLbl>
+  <dgm:styleLbl name="node4">
+    <dgm:scene3d>
+      <a:camera prst="orthographicFront"/>
+      <a:lightRig rig="threePt" dir="t"/>
+    </dgm:scene3d>
+    <dgm:sp3d/>
+    <dgm:txPr/>
+    <dgm:style>
+      <a:lnRef idx="2">
+        <a:scrgbClr r="0" g="0" b="0"/>
+      </a:lnRef>
+      <a:fillRef idx="1">
+        <a:scrgbClr r="0" g="0" b="0"/>
+      </a:fillRef>
+      <a:effectRef idx="0">
+        <a:scrgbClr r="0" g="0" b="0"/>
+      </a:effectRef>
+      <a:fontRef idx="minor">
+        <a:schemeClr val="lt1"/>
+      </a:fontRef>
+    </dgm:style>
+  </dgm:styleLbl>
+  <dgm:styleLbl name="fgImgPlace1">
+    <dgm:scene3d>
+      <a:camera prst="orthographicFront"/>
+      <a:lightRig rig="threePt" dir="t"/>
+    </dgm:scene3d>
+    <dgm:sp3d/>
+    <dgm:txPr/>
+    <dgm:style>
+      <a:lnRef idx="2">
+        <a:scrgbClr r="0" g="0" b="0"/>
+      </a:lnRef>
+      <a:fillRef idx="1">
+        <a:scrgbClr r="0" g="0" b="0"/>
+      </a:fillRef>
+      <a:effectRef idx="0">
+        <a:scrgbClr r="0" g="0" b="0"/>
+      </a:effectRef>
+      <a:fontRef idx="minor"/>
+    </dgm:style>
+  </dgm:styleLbl>
+  <dgm:styleLbl name="alignImgPlace1">
+    <dgm:scene3d>
+      <a:camera prst="orthographicFront"/>
+      <a:lightRig rig="threePt" dir="t"/>
+    </dgm:scene3d>
+    <dgm:sp3d/>
+    <dgm:txPr/>
+    <dgm:style>
+      <a:lnRef idx="2">
+        <a:scrgbClr r="0" g="0" b="0"/>
+      </a:lnRef>
+      <a:fillRef idx="1">
+        <a:scrgbClr r="0" g="0" b="0"/>
+      </a:fillRef>
+      <a:effectRef idx="0">
+        <a:scrgbClr r="0" g="0" b="0"/>
+      </a:effectRef>
+      <a:fontRef idx="minor"/>
+    </dgm:style>
+  </dgm:styleLbl>
+  <dgm:styleLbl name="bgImgPlace1">
+    <dgm:scene3d>
+      <a:camera prst="orthographicFront"/>
+      <a:lightRig rig="threePt" dir="t"/>
+    </dgm:scene3d>
+    <dgm:sp3d/>
+    <dgm:txPr/>
+    <dgm:style>
+      <a:lnRef idx="2">
+        <a:scrgbClr r="0" g="0" b="0"/>
+      </a:lnRef>
+      <a:fillRef idx="1">
+        <a:scrgbClr r="0" g="0" b="0"/>
+      </a:fillRef>
+      <a:effectRef idx="0">
+        <a:scrgbClr r="0" g="0" b="0"/>
+      </a:effectRef>
+      <a:fontRef idx="minor"/>
+    </dgm:style>
+  </dgm:styleLbl>
+  <dgm:styleLbl name="sibTrans2D1">
+    <dgm:scene3d>
+      <a:camera prst="orthographicFront"/>
+      <a:lightRig rig="threePt" dir="t"/>
+    </dgm:scene3d>
+    <dgm:sp3d/>
+    <dgm:txPr/>
+    <dgm:style>
+      <a:lnRef idx="0">
+        <a:scrgbClr r="0" g="0" b="0"/>
+      </a:lnRef>
+      <a:fillRef idx="1">
+        <a:scrgbClr r="0" g="0" b="0"/>
+      </a:fillRef>
+      <a:effectRef idx="0">
+        <a:scrgbClr r="0" g="0" b="0"/>
+      </a:effectRef>
+      <a:fontRef idx="minor">
+        <a:schemeClr val="lt1"/>
+      </a:fontRef>
+    </dgm:style>
+  </dgm:styleLbl>
+  <dgm:styleLbl name="fgSibTrans2D1">
+    <dgm:scene3d>
+      <a:camera prst="orthographicFront"/>
+      <a:lightRig rig="threePt" dir="t"/>
+    </dgm:scene3d>
+    <dgm:sp3d/>
+    <dgm:txPr/>
+    <dgm:style>
+      <a:lnRef idx="0">
+        <a:scrgbClr r="0" g="0" b="0"/>
+      </a:lnRef>
+      <a:fillRef idx="1">
+        <a:scrgbClr r="0" g="0" b="0"/>
+      </a:fillRef>
+      <a:effectRef idx="0">
+        <a:scrgbClr r="0" g="0" b="0"/>
+      </a:effectRef>
+      <a:fontRef idx="minor">
+        <a:schemeClr val="lt1"/>
+      </a:fontRef>
+    </dgm:style>
+  </dgm:styleLbl>
+  <dgm:styleLbl name="bgSibTrans2D1">
+    <dgm:scene3d>
+      <a:camera prst="orthographicFront"/>
+      <a:lightRig rig="threePt" dir="t"/>
+    </dgm:scene3d>
+    <dgm:sp3d/>
+    <dgm:txPr/>
+    <dgm:style>
+      <a:lnRef idx="0">
+        <a:scrgbClr r="0" g="0" b="0"/>
+      </a:lnRef>
+      <a:fillRef idx="1">
+        <a:scrgbClr r="0" g="0" b="0"/>
+      </a:fillRef>
+      <a:effectRef idx="0">
+        <a:scrgbClr r="0" g="0" b="0"/>
+      </a:effectRef>
+      <a:fontRef idx="minor">
+        <a:schemeClr val="lt1"/>
+      </a:fontRef>
+    </dgm:style>
+  </dgm:styleLbl>
+  <dgm:styleLbl name="sibTrans1D1">
+    <dgm:scene3d>
+      <a:camera prst="orthographicFront"/>
+      <a:lightRig rig="threePt" dir="t"/>
+    </dgm:scene3d>
+    <dgm:sp3d/>
+    <dgm:txPr/>
+    <dgm:style>
+      <a:lnRef idx="1">
+        <a:scrgbClr r="0" g="0" b="0"/>
+      </a:lnRef>
+      <a:fillRef idx="0">
+        <a:scrgbClr r="0" g="0" b="0"/>
+      </a:fillRef>
+      <a:effectRef idx="0">
+        <a:scrgbClr r="0" g="0" b="0"/>
+      </a:effectRef>
+      <a:fontRef idx="minor"/>
+    </dgm:style>
+  </dgm:styleLbl>
+  <dgm:styleLbl name="callout">
+    <dgm:scene3d>
+      <a:camera prst="orthographicFront"/>
+      <a:lightRig rig="threePt" dir="t"/>
+    </dgm:scene3d>
+    <dgm:sp3d/>
+    <dgm:txPr/>
+    <dgm:style>
+      <a:lnRef idx="2">
+        <a:scrgbClr r="0" g="0" b="0"/>
+      </a:lnRef>
+      <a:fillRef idx="1">
+        <a:scrgbClr r="0" g="0" b="0"/>
+      </a:fillRef>
+      <a:effectRef idx="0">
+        <a:scrgbClr r="0" g="0" b="0"/>
+      </a:effectRef>
+      <a:fontRef idx="minor"/>
+    </dgm:style>
+  </dgm:styleLbl>
+  <dgm:styleLbl name="asst0">
+    <dgm:scene3d>
+      <a:camera prst="orthographicFront"/>
+      <a:lightRig rig="threePt" dir="t"/>
+    </dgm:scene3d>
+    <dgm:sp3d/>
+    <dgm:txPr/>
+    <dgm:style>
+      <a:lnRef idx="2">
+        <a:scrgbClr r="0" g="0" b="0"/>
+      </a:lnRef>
+      <a:fillRef idx="1">
+        <a:scrgbClr r="0" g="0" b="0"/>
+      </a:fillRef>
+      <a:effectRef idx="0">
+        <a:scrgbClr r="0" g="0" b="0"/>
+      </a:effectRef>
+      <a:fontRef idx="minor">
+        <a:schemeClr val="lt1"/>
+      </a:fontRef>
+    </dgm:style>
+  </dgm:styleLbl>
+  <dgm:styleLbl name="asst1">
+    <dgm:scene3d>
+      <a:camera prst="orthographicFront"/>
+      <a:lightRig rig="threePt" dir="t"/>
+    </dgm:scene3d>
+    <dgm:sp3d/>
+    <dgm:txPr/>
+    <dgm:style>
+      <a:lnRef idx="2">
+        <a:scrgbClr r="0" g="0" b="0"/>
+      </a:lnRef>
+      <a:fillRef idx="1">
+        <a:scrgbClr r="0" g="0" b="0"/>
+      </a:fillRef>
+      <a:effectRef idx="0">
+        <a:scrgbClr r="0" g="0" b="0"/>
+      </a:effectRef>
+      <a:fontRef idx="minor">
+        <a:schemeClr val="lt1"/>
+      </a:fontRef>
+    </dgm:style>
+  </dgm:styleLbl>
+  <dgm:styleLbl name="asst2">
+    <dgm:scene3d>
+      <a:camera prst="orthographicFront"/>
+      <a:lightRig rig="threePt" dir="t"/>
+    </dgm:scene3d>
+    <dgm:sp3d/>
+    <dgm:txPr/>
+    <dgm:style>
+      <a:lnRef idx="2">
+        <a:scrgbClr r="0" g="0" b="0"/>
+      </a:lnRef>
+      <a:fillRef idx="1">
+        <a:scrgbClr r="0" g="0" b="0"/>
+      </a:fillRef>
+      <a:effectRef idx="0">
+        <a:scrgbClr r="0" g="0" b="0"/>
+      </a:effectRef>
+      <a:fontRef idx="minor">
+        <a:schemeClr val="lt1"/>
+      </a:fontRef>
+    </dgm:style>
+  </dgm:styleLbl>
+  <dgm:styleLbl name="asst3">
+    <dgm:scene3d>
+      <a:camera prst="orthographicFront"/>
+      <a:lightRig rig="threePt" dir="t"/>
+    </dgm:scene3d>
+    <dgm:sp3d/>
+    <dgm:txPr/>
+    <dgm:style>
+      <a:lnRef idx="2">
+        <a:scrgbClr r="0" g="0" b="0"/>
+      </a:lnRef>
+      <a:fillRef idx="1">
+        <a:scrgbClr r="0" g="0" b="0"/>
+      </a:fillRef>
+      <a:effectRef idx="0">
+        <a:scrgbClr r="0" g="0" b="0"/>
+      </a:effectRef>
+      <a:fontRef idx="minor">
+        <a:schemeClr val="lt1"/>
+      </a:fontRef>
+    </dgm:style>
+  </dgm:styleLbl>
+  <dgm:styleLbl name="asst4">
+    <dgm:scene3d>
+      <a:camera prst="orthographicFront"/>
+      <a:lightRig rig="threePt" dir="t"/>
+    </dgm:scene3d>
+    <dgm:sp3d/>
+    <dgm:txPr/>
+    <dgm:style>
+      <a:lnRef idx="2">
+        <a:scrgbClr r="0" g="0" b="0"/>
+      </a:lnRef>
+      <a:fillRef idx="1">
+        <a:scrgbClr r="0" g="0" b="0"/>
+      </a:fillRef>
+      <a:effectRef idx="0">
+        <a:scrgbClr r="0" g="0" b="0"/>
+      </a:effectRef>
+      <a:fontRef idx="minor">
+        <a:schemeClr val="lt1"/>
+      </a:fontRef>
+    </dgm:style>
+  </dgm:styleLbl>
+  <dgm:styleLbl name="parChTrans2D1">
+    <dgm:scene3d>
+      <a:camera prst="orthographicFront"/>
+      <a:lightRig rig="threePt" dir="t"/>
+    </dgm:scene3d>
+    <dgm:sp3d/>
+    <dgm:txPr/>
+    <dgm:style>
+      <a:lnRef idx="2">
+        <a:scrgbClr r="0" g="0" b="0"/>
+      </a:lnRef>
+      <a:fillRef idx="1">
+        <a:scrgbClr r="0" g="0" b="0"/>
+      </a:fillRef>
+      <a:effectRef idx="0">
+        <a:scrgbClr r="0" g="0" b="0"/>
+      </a:effectRef>
+      <a:fontRef idx="minor">
+        <a:schemeClr val="lt1"/>
+      </a:fontRef>
+    </dgm:style>
+  </dgm:styleLbl>
+  <dgm:styleLbl name="parChTrans2D2">
+    <dgm:scene3d>
+      <a:camera prst="orthographicFront"/>
+      <a:lightRig rig="threePt" dir="t"/>
+    </dgm:scene3d>
+    <dgm:sp3d/>
+    <dgm:txPr/>
+    <dgm:style>
+      <a:lnRef idx="2">
+        <a:scrgbClr r="0" g="0" b="0"/>
+      </a:lnRef>
+      <a:fillRef idx="1">
+        <a:scrgbClr r="0" g="0" b="0"/>
+      </a:fillRef>
+      <a:effectRef idx="0">
+        <a:scrgbClr r="0" g="0" b="0"/>
+      </a:effectRef>
+      <a:fontRef idx="minor">
+        <a:schemeClr val="lt1"/>
+      </a:fontRef>
+    </dgm:style>
+  </dgm:styleLbl>
+  <dgm:styleLbl name="parChTrans2D3">
+    <dgm:scene3d>
+      <a:camera prst="orthographicFront"/>
+      <a:lightRig rig="threePt" dir="t"/>
+    </dgm:scene3d>
+    <dgm:sp3d/>
+    <dgm:txPr/>
+    <dgm:style>
+      <a:lnRef idx="2">
+        <a:scrgbClr r="0" g="0" b="0"/>
+      </a:lnRef>
+      <a:fillRef idx="1">
+        <a:scrgbClr r="0" g="0" b="0"/>
+      </a:fillRef>
+      <a:effectRef idx="0">
+        <a:scrgbClr r="0" g="0" b="0"/>
+      </a:effectRef>
+      <a:fontRef idx="minor">
+        <a:schemeClr val="lt1"/>
+      </a:fontRef>
+    </dgm:style>
+  </dgm:styleLbl>
+  <dgm:styleLbl name="parChTrans2D4">
+    <dgm:scene3d>
+      <a:camera prst="orthographicFront"/>
+      <a:lightRig rig="threePt" dir="t"/>
+    </dgm:scene3d>
+    <dgm:sp3d/>
+    <dgm:txPr/>
+    <dgm:style>
+      <a:lnRef idx="2">
+        <a:scrgbClr r="0" g="0" b="0"/>
+      </a:lnRef>
+      <a:fillRef idx="1">
+        <a:scrgbClr r="0" g="0" b="0"/>
+      </a:fillRef>
+      <a:effectRef idx="0">
+        <a:scrgbClr r="0" g="0" b="0"/>
+      </a:effectRef>
+      <a:fontRef idx="minor">
+        <a:schemeClr val="lt1"/>
+      </a:fontRef>
+    </dgm:style>
+  </dgm:styleLbl>
+  <dgm:styleLbl name="parChTrans1D1">
+    <dgm:scene3d>
+      <a:camera prst="orthographicFront"/>
+      <a:lightRig rig="threePt" dir="t"/>
+    </dgm:scene3d>
+    <dgm:sp3d/>
+    <dgm:txPr/>
+    <dgm:style>
+      <a:lnRef idx="2">
+        <a:scrgbClr r="0" g="0" b="0"/>
+      </a:lnRef>
+      <a:fillRef idx="0">
+        <a:scrgbClr r="0" g="0" b="0"/>
+      </a:fillRef>
+      <a:effectRef idx="0">
+        <a:scrgbClr r="0" g="0" b="0"/>
+      </a:effectRef>
+      <a:fontRef idx="minor"/>
+    </dgm:style>
+  </dgm:styleLbl>
+  <dgm:styleLbl name="parChTrans1D2">
+    <dgm:scene3d>
+      <a:camera prst="orthographicFront"/>
+      <a:lightRig rig="threePt" dir="t"/>
+    </dgm:scene3d>
+    <dgm:sp3d/>
+    <dgm:txPr/>
+    <dgm:style>
+      <a:lnRef idx="2">
+        <a:scrgbClr r="0" g="0" b="0"/>
+      </a:lnRef>
+      <a:fillRef idx="0">
+        <a:scrgbClr r="0" g="0" b="0"/>
+      </a:fillRef>
+      <a:effectRef idx="0">
+        <a:scrgbClr r="0" g="0" b="0"/>
+      </a:effectRef>
+      <a:fontRef idx="minor"/>
+    </dgm:style>
+  </dgm:styleLbl>
+  <dgm:styleLbl name="parChTrans1D3">
+    <dgm:scene3d>
+      <a:camera prst="orthographicFront"/>
+      <a:lightRig rig="threePt" dir="t"/>
+    </dgm:scene3d>
+    <dgm:sp3d/>
+    <dgm:txPr/>
+    <dgm:style>
+      <a:lnRef idx="2">
+        <a:scrgbClr r="0" g="0" b="0"/>
+      </a:lnRef>
+      <a:fillRef idx="0">
+        <a:scrgbClr r="0" g="0" b="0"/>
+      </a:fillRef>
+      <a:effectRef idx="0">
+        <a:scrgbClr r="0" g="0" b="0"/>
+      </a:effectRef>
+      <a:fontRef idx="minor"/>
+    </dgm:style>
+  </dgm:styleLbl>
+  <dgm:styleLbl name="parChTrans1D4">
+    <dgm:scene3d>
+      <a:camera prst="orthographicFront"/>
+      <a:lightRig rig="threePt" dir="t"/>
+    </dgm:scene3d>
+    <dgm:sp3d/>
+    <dgm:txPr/>
+    <dgm:style>
+      <a:lnRef idx="2">
+        <a:scrgbClr r="0" g="0" b="0"/>
+      </a:lnRef>
+      <a:fillRef idx="0">
+        <a:scrgbClr r="0" g="0" b="0"/>
+      </a:fillRef>
+      <a:effectRef idx="0">
+        <a:scrgbClr r="0" g="0" b="0"/>
+      </a:effectRef>
+      <a:fontRef idx="minor"/>
+    </dgm:style>
+  </dgm:styleLbl>
+  <dgm:styleLbl name="fgAcc1">
+    <dgm:scene3d>
+      <a:camera prst="orthographicFront"/>
+      <a:lightRig rig="threePt" dir="t"/>
+    </dgm:scene3d>
+    <dgm:sp3d/>
+    <dgm:txPr/>
+    <dgm:style>
+      <a:lnRef idx="2">
+        <a:scrgbClr r="0" g="0" b="0"/>
+      </a:lnRef>
+      <a:fillRef idx="1">
+        <a:scrgbClr r="0" g="0" b="0"/>
+      </a:fillRef>
+      <a:effectRef idx="0">
+        <a:scrgbClr r="0" g="0" b="0"/>
+      </a:effectRef>
+      <a:fontRef idx="minor"/>
+    </dgm:style>
+  </dgm:styleLbl>
+  <dgm:styleLbl name="conFgAcc1">
+    <dgm:scene3d>
+      <a:camera prst="orthographicFront"/>
+      <a:lightRig rig="threePt" dir="t"/>
+    </dgm:scene3d>
+    <dgm:sp3d/>
+    <dgm:txPr/>
+    <dgm:style>
+      <a:lnRef idx="2">
+        <a:scrgbClr r="0" g="0" b="0"/>
+      </a:lnRef>
+      <a:fillRef idx="1">
+        <a:scrgbClr r="0" g="0" b="0"/>
+      </a:fillRef>
+      <a:effectRef idx="0">
+        <a:scrgbClr r="0" g="0" b="0"/>
+      </a:effectRef>
+      <a:fontRef idx="minor"/>
+    </dgm:style>
+  </dgm:styleLbl>
+  <dgm:styleLbl name="alignAcc1">
+    <dgm:scene3d>
+      <a:camera prst="orthographicFront"/>
+      <a:lightRig rig="threePt" dir="t"/>
+    </dgm:scene3d>
+    <dgm:sp3d/>
+    <dgm:txPr/>
+    <dgm:style>
+      <a:lnRef idx="2">
+        <a:scrgbClr r="0" g="0" b="0"/>
+      </a:lnRef>
+      <a:fillRef idx="1">
+        <a:scrgbClr r="0" g="0" b="0"/>
+      </a:fillRef>
+      <a:effectRef idx="0">
+        <a:scrgbClr r="0" g="0" b="0"/>
+      </a:effectRef>
+      <a:fontRef idx="minor"/>
+    </dgm:style>
+  </dgm:styleLbl>
+  <dgm:styleLbl name="trAlignAcc1">
+    <dgm:scene3d>
+      <a:camera prst="orthographicFront"/>
+      <a:lightRig rig="threePt" dir="t"/>
+    </dgm:scene3d>
+    <dgm:sp3d/>
+    <dgm:txPr/>
+    <dgm:style>
+      <a:lnRef idx="1">
+        <a:scrgbClr r="0" g="0" b="0"/>
+      </a:lnRef>
+      <a:fillRef idx="1">
+        <a:scrgbClr r="0" g="0" b="0"/>
+      </a:fillRef>
+      <a:effectRef idx="0">
+        <a:scrgbClr r="0" g="0" b="0"/>
+      </a:effectRef>
+      <a:fontRef idx="minor"/>
+    </dgm:style>
+  </dgm:styleLbl>
+  <dgm:styleLbl name="bgAcc1">
+    <dgm:scene3d>
+      <a:camera prst="orthographicFront"/>
+      <a:lightRig rig="threePt" dir="t"/>
+    </dgm:scene3d>
+    <dgm:sp3d/>
+    <dgm:txPr/>
+    <dgm:style>
+      <a:lnRef idx="2">
+        <a:scrgbClr r="0" g="0" b="0"/>
+      </a:lnRef>
+      <a:fillRef idx="1">
+        <a:scrgbClr r="0" g="0" b="0"/>
+      </a:fillRef>
+      <a:effectRef idx="0">
+        <a:scrgbClr r="0" g="0" b="0"/>
+      </a:effectRef>
+      <a:fontRef idx="minor"/>
+    </dgm:style>
+  </dgm:styleLbl>
+  <dgm:styleLbl name="solidFgAcc1">
+    <dgm:scene3d>
+      <a:camera prst="orthographicFront"/>
+      <a:lightRig rig="threePt" dir="t"/>
+    </dgm:scene3d>
+    <dgm:sp3d/>
+    <dgm:txPr/>
+    <dgm:style>
+      <a:lnRef idx="2">
+        <a:scrgbClr r="0" g="0" b="0"/>
+      </a:lnRef>
+      <a:fillRef idx="1">
+        <a:scrgbClr r="0" g="0" b="0"/>
+      </a:fillRef>
+      <a:effectRef idx="0">
+        <a:scrgbClr r="0" g="0" b="0"/>
+      </a:effectRef>
+      <a:fontRef idx="minor"/>
+    </dgm:style>
+  </dgm:styleLbl>
+  <dgm:styleLbl name="solidAlignAcc1">
+    <dgm:scene3d>
+      <a:camera prst="orthographicFront"/>
+      <a:lightRig rig="threePt" dir="t"/>
+    </dgm:scene3d>
+    <dgm:sp3d/>
+    <dgm:txPr/>
+    <dgm:style>
+      <a:lnRef idx="2">
+        <a:scrgbClr r="0" g="0" b="0"/>
+      </a:lnRef>
+      <a:fillRef idx="1">
+        <a:scrgbClr r="0" g="0" b="0"/>
+      </a:fillRef>
+      <a:effectRef idx="0">
+        <a:scrgbClr r="0" g="0" b="0"/>
+      </a:effectRef>
+      <a:fontRef idx="minor"/>
+    </dgm:style>
+  </dgm:styleLbl>
+  <dgm:styleLbl name="solidBgAcc1">
+    <dgm:scene3d>
+      <a:camera prst="orthographicFront"/>
+      <a:lightRig rig="threePt" dir="t"/>
+    </dgm:scene3d>
+    <dgm:sp3d/>
+    <dgm:txPr/>
+    <dgm:style>
+      <a:lnRef idx="2">
+        <a:scrgbClr r="0" g="0" b="0"/>
+      </a:lnRef>
+      <a:fillRef idx="1">
+        <a:scrgbClr r="0" g="0" b="0"/>
+      </a:fillRef>
+      <a:effectRef idx="0">
+        <a:scrgbClr r="0" g="0" b="0"/>
+      </a:effectRef>
+      <a:fontRef idx="minor"/>
+    </dgm:style>
+  </dgm:styleLbl>
+  <dgm:styleLbl name="fgAccFollowNode1">
+    <dgm:scene3d>
+      <a:camera prst="orthographicFront"/>
+      <a:lightRig rig="threePt" dir="t"/>
+    </dgm:scene3d>
+    <dgm:sp3d/>
+    <dgm:txPr/>
+    <dgm:style>
+      <a:lnRef idx="2">
+        <a:scrgbClr r="0" g="0" b="0"/>
+      </a:lnRef>
+      <a:fillRef idx="1">
+        <a:scrgbClr r="0" g="0" b="0"/>
+      </a:fillRef>
+      <a:effectRef idx="0">
+        <a:scrgbClr r="0" g="0" b="0"/>
+      </a:effectRef>
+      <a:fontRef idx="minor"/>
+    </dgm:style>
+  </dgm:styleLbl>
+  <dgm:styleLbl name="alignAccFollowNode1">
+    <dgm:scene3d>
+      <a:camera prst="orthographicFront"/>
+      <a:lightRig rig="threePt" dir="t"/>
+    </dgm:scene3d>
+    <dgm:sp3d/>
+    <dgm:txPr/>
+    <dgm:style>
+      <a:lnRef idx="2">
+        <a:scrgbClr r="0" g="0" b="0"/>
+      </a:lnRef>
+      <a:fillRef idx="1">
+        <a:scrgbClr r="0" g="0" b="0"/>
+      </a:fillRef>
+      <a:effectRef idx="0">
+        <a:scrgbClr r="0" g="0" b="0"/>
+      </a:effectRef>
+      <a:fontRef idx="minor"/>
+    </dgm:style>
+  </dgm:styleLbl>
+  <dgm:styleLbl name="bgAccFollowNode1">
+    <dgm:scene3d>
+      <a:camera prst="orthographicFront"/>
+      <a:lightRig rig="threePt" dir="t"/>
+    </dgm:scene3d>
+    <dgm:sp3d/>
+    <dgm:txPr/>
+    <dgm:style>
+      <a:lnRef idx="2">
+        <a:scrgbClr r="0" g="0" b="0"/>
+      </a:lnRef>
+      <a:fillRef idx="1">
+        <a:scrgbClr r="0" g="0" b="0"/>
+      </a:fillRef>
+      <a:effectRef idx="0">
+        <a:scrgbClr r="0" g="0" b="0"/>
+      </a:effectRef>
+      <a:fontRef idx="minor"/>
+    </dgm:style>
+  </dgm:styleLbl>
+  <dgm:styleLbl name="fgAcc0">
+    <dgm:scene3d>
+      <a:camera prst="orthographicFront"/>
+      <a:lightRig rig="threePt" dir="t"/>
+    </dgm:scene3d>
+    <dgm:sp3d/>
+    <dgm:txPr/>
+    <dgm:style>
+      <a:lnRef idx="2">
+        <a:scrgbClr r="0" g="0" b="0"/>
+      </a:lnRef>
+      <a:fillRef idx="1">
+        <a:scrgbClr r="0" g="0" b="0"/>
+      </a:fillRef>
+      <a:effectRef idx="0">
+        <a:scrgbClr r="0" g="0" b="0"/>
+      </a:effectRef>
+      <a:fontRef idx="minor"/>
+    </dgm:style>
+  </dgm:styleLbl>
+  <dgm:styleLbl name="fgAcc2">
+    <dgm:scene3d>
+      <a:camera prst="orthographicFront"/>
+      <a:lightRig rig="threePt" dir="t"/>
+    </dgm:scene3d>
+    <dgm:sp3d/>
+    <dgm:txPr/>
+    <dgm:style>
+      <a:lnRef idx="2">
+        <a:scrgbClr r="0" g="0" b="0"/>
+      </a:lnRef>
+      <a:fillRef idx="1">
+        <a:scrgbClr r="0" g="0" b="0"/>
+      </a:fillRef>
+      <a:effectRef idx="0">
+        <a:scrgbClr r="0" g="0" b="0"/>
+      </a:effectRef>
+      <a:fontRef idx="minor"/>
+    </dgm:style>
+  </dgm:styleLbl>
+  <dgm:styleLbl name="fgAcc3">
+    <dgm:scene3d>
+      <a:camera prst="orthographicFront"/>
+      <a:lightRig rig="threePt" dir="t"/>
+    </dgm:scene3d>
+    <dgm:sp3d/>
+    <dgm:txPr/>
+    <dgm:style>
+      <a:lnRef idx="2">
+        <a:scrgbClr r="0" g="0" b="0"/>
+      </a:lnRef>
+      <a:fillRef idx="1">
+        <a:scrgbClr r="0" g="0" b="0"/>
+      </a:fillRef>
+      <a:effectRef idx="0">
+        <a:scrgbClr r="0" g="0" b="0"/>
+      </a:effectRef>
+      <a:fontRef idx="minor"/>
+    </dgm:style>
+  </dgm:styleLbl>
+  <dgm:styleLbl name="fgAcc4">
+    <dgm:scene3d>
+      <a:camera prst="orthographicFront"/>
+      <a:lightRig rig="threePt" dir="t"/>
+    </dgm:scene3d>
+    <dgm:sp3d/>
+    <dgm:txPr/>
+    <dgm:style>
+      <a:lnRef idx="2">
+        <a:scrgbClr r="0" g="0" b="0"/>
+      </a:lnRef>
+      <a:fillRef idx="1">
+        <a:scrgbClr r="0" g="0" b="0"/>
+      </a:fillRef>
+      <a:effectRef idx="0">
+        <a:scrgbClr r="0" g="0" b="0"/>
+      </a:effectRef>
+      <a:fontRef idx="minor"/>
+    </dgm:style>
+  </dgm:styleLbl>
+  <dgm:styleLbl name="bgShp">
+    <dgm:scene3d>
+      <a:camera prst="orthographicFront"/>
+      <a:lightRig rig="threePt" dir="t"/>
+    </dgm:scene3d>
+    <dgm:sp3d/>
+    <dgm:txPr/>
+    <dgm:style>
+      <a:lnRef idx="0">
+        <a:scrgbClr r="0" g="0" b="0"/>
+      </a:lnRef>
+      <a:fillRef idx="1">
+        <a:scrgbClr r="0" g="0" b="0"/>
+      </a:fillRef>
+      <a:effectRef idx="0">
+        <a:scrgbClr r="0" g="0" b="0"/>
+      </a:effectRef>
+      <a:fontRef idx="minor"/>
+    </dgm:style>
+  </dgm:styleLbl>
+  <dgm:styleLbl name="dkBgShp">
+    <dgm:scene3d>
+      <a:camera prst="orthographicFront"/>
+      <a:lightRig rig="threePt" dir="t"/>
+    </dgm:scene3d>
+    <dgm:sp3d/>
+    <dgm:txPr/>
+    <dgm:style>
+      <a:lnRef idx="0">
+        <a:scrgbClr r="0" g="0" b="0"/>
+      </a:lnRef>
+      <a:fillRef idx="1">
+        <a:scrgbClr r="0" g="0" b="0"/>
+      </a:fillRef>
+      <a:effectRef idx="0">
+        <a:scrgbClr r="0" g="0" b="0"/>
+      </a:effectRef>
+      <a:fontRef idx="minor"/>
+    </dgm:style>
+  </dgm:styleLbl>
+  <dgm:styleLbl name="trBgShp">
+    <dgm:scene3d>
+      <a:camera prst="orthographicFront"/>
+      <a:lightRig rig="threePt" dir="t"/>
+    </dgm:scene3d>
+    <dgm:sp3d/>
+    <dgm:txPr/>
+    <dgm:style>
+      <a:lnRef idx="0">
+        <a:scrgbClr r="0" g="0" b="0"/>
+      </a:lnRef>
+      <a:fillRef idx="1">
+        <a:scrgbClr r="0" g="0" b="0"/>
+      </a:fillRef>
+      <a:effectRef idx="0">
+        <a:scrgbClr r="0" g="0" b="0"/>
+      </a:effectRef>
+      <a:fontRef idx="minor"/>
+    </dgm:style>
+  </dgm:styleLbl>
+  <dgm:styleLbl name="fgShp">
+    <dgm:scene3d>
+      <a:camera prst="orthographicFront"/>
+      <a:lightRig rig="threePt" dir="t"/>
+    </dgm:scene3d>
+    <dgm:sp3d/>
+    <dgm:txPr/>
+    <dgm:style>
+      <a:lnRef idx="2">
+        <a:scrgbClr r="0" g="0" b="0"/>
+      </a:lnRef>
+      <a:fillRef idx="1">
+        <a:scrgbClr r="0" g="0" b="0"/>
+      </a:fillRef>
+      <a:effectRef idx="0">
+        <a:scrgbClr r="0" g="0" b="0"/>
+      </a:effectRef>
+      <a:fontRef idx="minor"/>
+    </dgm:style>
+  </dgm:styleLbl>
+  <dgm:styleLbl name="revTx">
+    <dgm:scene3d>
+      <a:camera prst="orthographicFront"/>
+      <a:lightRig rig="threePt" dir="t"/>
+    </dgm:scene3d>
+    <dgm:sp3d/>
+    <dgm:txPr/>
+    <dgm:style>
+      <a:lnRef idx="0">
+        <a:scrgbClr r="0" g="0" b="0"/>
+      </a:lnRef>
+      <a:fillRef idx="0">
+        <a:scrgbClr r="0" g="0" b="0"/>
+      </a:fillRef>
+      <a:effectRef idx="0">
+        <a:scrgbClr r="0" g="0" b="0"/>
+      </a:effectRef>
+      <a:fontRef idx="minor"/>
+    </dgm:style>
+  </dgm:styleLbl>
+</dgm:styleDef>
+</file>
+
+<file path=ppt/diagrams/quickStyle5.xml><?xml version="1.0" encoding="utf-8"?>
 <dgm:styleDef xmlns:dgm="http://schemas.openxmlformats.org/drawingml/2006/diagram" xmlns:a="http://schemas.openxmlformats.org/drawingml/2006/main" uniqueId="urn:microsoft.com/office/officeart/2005/8/quickstyle/simple1">
   <dgm:title val=""/>
   <dgm:desc val=""/>
@@ -13449,417 +17444,7 @@
 </p:notes>
 </file>
 
-<file path=ppt/notesSlides/notesSlide10.xml><?xml version="1.0" encoding="utf-8"?>
-<p:notes xmlns:a="http://schemas.openxmlformats.org/drawingml/2006/main" xmlns:r="http://schemas.openxmlformats.org/officeDocument/2006/relationships" xmlns:p="http://schemas.openxmlformats.org/presentationml/2006/main">
-  <p:cSld>
-    <p:spTree>
-      <p:nvGrpSpPr>
-        <p:cNvPr id="1" name=""/>
-        <p:cNvGrpSpPr/>
-        <p:nvPr/>
-      </p:nvGrpSpPr>
-      <p:grpSpPr>
-        <a:xfrm>
-          <a:off x="0" y="0"/>
-          <a:ext cx="0" cy="0"/>
-          <a:chOff x="0" y="0"/>
-          <a:chExt cx="0" cy="0"/>
-        </a:xfrm>
-      </p:grpSpPr>
-      <p:sp>
-        <p:nvSpPr>
-          <p:cNvPr id="2" name="Slide Image Placeholder 1"/>
-          <p:cNvSpPr>
-            <a:spLocks noGrp="1" noRot="1" noChangeAspect="1"/>
-          </p:cNvSpPr>
-          <p:nvPr>
-            <p:ph type="sldImg"/>
-          </p:nvPr>
-        </p:nvSpPr>
-        <p:spPr/>
-      </p:sp>
-      <p:sp>
-        <p:nvSpPr>
-          <p:cNvPr id="3" name="Notes Placeholder 2"/>
-          <p:cNvSpPr>
-            <a:spLocks noGrp="1"/>
-          </p:cNvSpPr>
-          <p:nvPr>
-            <p:ph type="body" idx="1"/>
-          </p:nvPr>
-        </p:nvSpPr>
-        <p:spPr/>
-        <p:txBody>
-          <a:bodyPr>
-            <a:normAutofit/>
-          </a:bodyPr>
-          <a:lstStyle/>
-          <a:p>
-            <a:endParaRPr lang="en-US"/>
-          </a:p>
-        </p:txBody>
-      </p:sp>
-      <p:sp>
-        <p:nvSpPr>
-          <p:cNvPr id="4" name="Slide Number Placeholder 3"/>
-          <p:cNvSpPr>
-            <a:spLocks noGrp="1"/>
-          </p:cNvSpPr>
-          <p:nvPr>
-            <p:ph type="sldNum" sz="quarter" idx="10"/>
-          </p:nvPr>
-        </p:nvSpPr>
-        <p:spPr/>
-        <p:txBody>
-          <a:bodyPr/>
-          <a:lstStyle/>
-          <a:p>
-            <a:fld id="{394D8DB5-5FC1-4510-BABE-87359DBFAF17}" type="slidenum">
-              <a:rPr lang="en-US" smtClean="0"/>
-              <a:pPr/>
-              <a:t>10</a:t>
-            </a:fld>
-            <a:endParaRPr lang="en-US"/>
-          </a:p>
-        </p:txBody>
-      </p:sp>
-    </p:spTree>
-  </p:cSld>
-  <p:clrMapOvr>
-    <a:masterClrMapping/>
-  </p:clrMapOvr>
-</p:notes>
-</file>
-
-<file path=ppt/notesSlides/notesSlide11.xml><?xml version="1.0" encoding="utf-8"?>
-<p:notes xmlns:a="http://schemas.openxmlformats.org/drawingml/2006/main" xmlns:r="http://schemas.openxmlformats.org/officeDocument/2006/relationships" xmlns:p="http://schemas.openxmlformats.org/presentationml/2006/main">
-  <p:cSld>
-    <p:spTree>
-      <p:nvGrpSpPr>
-        <p:cNvPr id="1" name=""/>
-        <p:cNvGrpSpPr/>
-        <p:nvPr/>
-      </p:nvGrpSpPr>
-      <p:grpSpPr>
-        <a:xfrm>
-          <a:off x="0" y="0"/>
-          <a:ext cx="0" cy="0"/>
-          <a:chOff x="0" y="0"/>
-          <a:chExt cx="0" cy="0"/>
-        </a:xfrm>
-      </p:grpSpPr>
-      <p:sp>
-        <p:nvSpPr>
-          <p:cNvPr id="2" name="Slide Image Placeholder 1"/>
-          <p:cNvSpPr>
-            <a:spLocks noGrp="1" noRot="1" noChangeAspect="1"/>
-          </p:cNvSpPr>
-          <p:nvPr>
-            <p:ph type="sldImg"/>
-          </p:nvPr>
-        </p:nvSpPr>
-        <p:spPr/>
-      </p:sp>
-      <p:sp>
-        <p:nvSpPr>
-          <p:cNvPr id="3" name="Notes Placeholder 2"/>
-          <p:cNvSpPr>
-            <a:spLocks noGrp="1"/>
-          </p:cNvSpPr>
-          <p:nvPr>
-            <p:ph type="body" idx="1"/>
-          </p:nvPr>
-        </p:nvSpPr>
-        <p:spPr/>
-        <p:txBody>
-          <a:bodyPr>
-            <a:normAutofit/>
-          </a:bodyPr>
-          <a:lstStyle/>
-          <a:p>
-            <a:endParaRPr lang="en-US"/>
-          </a:p>
-        </p:txBody>
-      </p:sp>
-      <p:sp>
-        <p:nvSpPr>
-          <p:cNvPr id="4" name="Slide Number Placeholder 3"/>
-          <p:cNvSpPr>
-            <a:spLocks noGrp="1"/>
-          </p:cNvSpPr>
-          <p:nvPr>
-            <p:ph type="sldNum" sz="quarter" idx="10"/>
-          </p:nvPr>
-        </p:nvSpPr>
-        <p:spPr/>
-        <p:txBody>
-          <a:bodyPr/>
-          <a:lstStyle/>
-          <a:p>
-            <a:fld id="{394D8DB5-5FC1-4510-BABE-87359DBFAF17}" type="slidenum">
-              <a:rPr lang="en-US" smtClean="0"/>
-              <a:pPr/>
-              <a:t>11</a:t>
-            </a:fld>
-            <a:endParaRPr lang="en-US"/>
-          </a:p>
-        </p:txBody>
-      </p:sp>
-    </p:spTree>
-  </p:cSld>
-  <p:clrMapOvr>
-    <a:masterClrMapping/>
-  </p:clrMapOvr>
-</p:notes>
-</file>
-
-<file path=ppt/notesSlides/notesSlide12.xml><?xml version="1.0" encoding="utf-8"?>
-<p:notes xmlns:a="http://schemas.openxmlformats.org/drawingml/2006/main" xmlns:r="http://schemas.openxmlformats.org/officeDocument/2006/relationships" xmlns:p="http://schemas.openxmlformats.org/presentationml/2006/main">
-  <p:cSld>
-    <p:spTree>
-      <p:nvGrpSpPr>
-        <p:cNvPr id="1" name=""/>
-        <p:cNvGrpSpPr/>
-        <p:nvPr/>
-      </p:nvGrpSpPr>
-      <p:grpSpPr>
-        <a:xfrm>
-          <a:off x="0" y="0"/>
-          <a:ext cx="0" cy="0"/>
-          <a:chOff x="0" y="0"/>
-          <a:chExt cx="0" cy="0"/>
-        </a:xfrm>
-      </p:grpSpPr>
-      <p:sp>
-        <p:nvSpPr>
-          <p:cNvPr id="2" name="Slide Image Placeholder 1"/>
-          <p:cNvSpPr>
-            <a:spLocks noGrp="1" noRot="1" noChangeAspect="1"/>
-          </p:cNvSpPr>
-          <p:nvPr>
-            <p:ph type="sldImg"/>
-          </p:nvPr>
-        </p:nvSpPr>
-        <p:spPr/>
-      </p:sp>
-      <p:sp>
-        <p:nvSpPr>
-          <p:cNvPr id="3" name="Notes Placeholder 2"/>
-          <p:cNvSpPr>
-            <a:spLocks noGrp="1"/>
-          </p:cNvSpPr>
-          <p:nvPr>
-            <p:ph type="body" idx="1"/>
-          </p:nvPr>
-        </p:nvSpPr>
-        <p:spPr/>
-        <p:txBody>
-          <a:bodyPr>
-            <a:normAutofit/>
-          </a:bodyPr>
-          <a:lstStyle/>
-          <a:p>
-            <a:endParaRPr lang="en-US"/>
-          </a:p>
-        </p:txBody>
-      </p:sp>
-      <p:sp>
-        <p:nvSpPr>
-          <p:cNvPr id="4" name="Slide Number Placeholder 3"/>
-          <p:cNvSpPr>
-            <a:spLocks noGrp="1"/>
-          </p:cNvSpPr>
-          <p:nvPr>
-            <p:ph type="sldNum" sz="quarter" idx="10"/>
-          </p:nvPr>
-        </p:nvSpPr>
-        <p:spPr/>
-        <p:txBody>
-          <a:bodyPr/>
-          <a:lstStyle/>
-          <a:p>
-            <a:fld id="{394D8DB5-5FC1-4510-BABE-87359DBFAF17}" type="slidenum">
-              <a:rPr lang="en-US" smtClean="0"/>
-              <a:pPr/>
-              <a:t>12</a:t>
-            </a:fld>
-            <a:endParaRPr lang="en-US"/>
-          </a:p>
-        </p:txBody>
-      </p:sp>
-    </p:spTree>
-  </p:cSld>
-  <p:clrMapOvr>
-    <a:masterClrMapping/>
-  </p:clrMapOvr>
-</p:notes>
-</file>
-
 <file path=ppt/notesSlides/notesSlide2.xml><?xml version="1.0" encoding="utf-8"?>
-<p:notes xmlns:a="http://schemas.openxmlformats.org/drawingml/2006/main" xmlns:r="http://schemas.openxmlformats.org/officeDocument/2006/relationships" xmlns:p="http://schemas.openxmlformats.org/presentationml/2006/main">
-  <p:cSld>
-    <p:spTree>
-      <p:nvGrpSpPr>
-        <p:cNvPr id="1" name=""/>
-        <p:cNvGrpSpPr/>
-        <p:nvPr/>
-      </p:nvGrpSpPr>
-      <p:grpSpPr>
-        <a:xfrm>
-          <a:off x="0" y="0"/>
-          <a:ext cx="0" cy="0"/>
-          <a:chOff x="0" y="0"/>
-          <a:chExt cx="0" cy="0"/>
-        </a:xfrm>
-      </p:grpSpPr>
-      <p:sp>
-        <p:nvSpPr>
-          <p:cNvPr id="2" name="Slide Image Placeholder 1"/>
-          <p:cNvSpPr>
-            <a:spLocks noGrp="1" noRot="1" noChangeAspect="1"/>
-          </p:cNvSpPr>
-          <p:nvPr>
-            <p:ph type="sldImg"/>
-          </p:nvPr>
-        </p:nvSpPr>
-        <p:spPr/>
-      </p:sp>
-      <p:sp>
-        <p:nvSpPr>
-          <p:cNvPr id="3" name="Notes Placeholder 2"/>
-          <p:cNvSpPr>
-            <a:spLocks noGrp="1"/>
-          </p:cNvSpPr>
-          <p:nvPr>
-            <p:ph type="body" idx="1"/>
-          </p:nvPr>
-        </p:nvSpPr>
-        <p:spPr/>
-        <p:txBody>
-          <a:bodyPr>
-            <a:normAutofit/>
-          </a:bodyPr>
-          <a:lstStyle/>
-          <a:p>
-            <a:endParaRPr lang="en-US"/>
-          </a:p>
-        </p:txBody>
-      </p:sp>
-      <p:sp>
-        <p:nvSpPr>
-          <p:cNvPr id="4" name="Slide Number Placeholder 3"/>
-          <p:cNvSpPr>
-            <a:spLocks noGrp="1"/>
-          </p:cNvSpPr>
-          <p:nvPr>
-            <p:ph type="sldNum" sz="quarter" idx="10"/>
-          </p:nvPr>
-        </p:nvSpPr>
-        <p:spPr/>
-        <p:txBody>
-          <a:bodyPr/>
-          <a:lstStyle/>
-          <a:p>
-            <a:fld id="{394D8DB5-5FC1-4510-BABE-87359DBFAF17}" type="slidenum">
-              <a:rPr lang="en-US" smtClean="0"/>
-              <a:pPr/>
-              <a:t>2</a:t>
-            </a:fld>
-            <a:endParaRPr lang="en-US"/>
-          </a:p>
-        </p:txBody>
-      </p:sp>
-    </p:spTree>
-  </p:cSld>
-  <p:clrMapOvr>
-    <a:masterClrMapping/>
-  </p:clrMapOvr>
-</p:notes>
-</file>
-
-<file path=ppt/notesSlides/notesSlide3.xml><?xml version="1.0" encoding="utf-8"?>
-<p:notes xmlns:a="http://schemas.openxmlformats.org/drawingml/2006/main" xmlns:r="http://schemas.openxmlformats.org/officeDocument/2006/relationships" xmlns:p="http://schemas.openxmlformats.org/presentationml/2006/main">
-  <p:cSld>
-    <p:spTree>
-      <p:nvGrpSpPr>
-        <p:cNvPr id="1" name=""/>
-        <p:cNvGrpSpPr/>
-        <p:nvPr/>
-      </p:nvGrpSpPr>
-      <p:grpSpPr>
-        <a:xfrm>
-          <a:off x="0" y="0"/>
-          <a:ext cx="0" cy="0"/>
-          <a:chOff x="0" y="0"/>
-          <a:chExt cx="0" cy="0"/>
-        </a:xfrm>
-      </p:grpSpPr>
-      <p:sp>
-        <p:nvSpPr>
-          <p:cNvPr id="2" name="Slide Image Placeholder 1"/>
-          <p:cNvSpPr>
-            <a:spLocks noGrp="1" noRot="1" noChangeAspect="1"/>
-          </p:cNvSpPr>
-          <p:nvPr>
-            <p:ph type="sldImg"/>
-          </p:nvPr>
-        </p:nvSpPr>
-        <p:spPr/>
-      </p:sp>
-      <p:sp>
-        <p:nvSpPr>
-          <p:cNvPr id="3" name="Notes Placeholder 2"/>
-          <p:cNvSpPr>
-            <a:spLocks noGrp="1"/>
-          </p:cNvSpPr>
-          <p:nvPr>
-            <p:ph type="body" idx="1"/>
-          </p:nvPr>
-        </p:nvSpPr>
-        <p:spPr/>
-        <p:txBody>
-          <a:bodyPr>
-            <a:normAutofit/>
-          </a:bodyPr>
-          <a:lstStyle/>
-          <a:p>
-            <a:endParaRPr lang="en-US"/>
-          </a:p>
-        </p:txBody>
-      </p:sp>
-      <p:sp>
-        <p:nvSpPr>
-          <p:cNvPr id="4" name="Slide Number Placeholder 3"/>
-          <p:cNvSpPr>
-            <a:spLocks noGrp="1"/>
-          </p:cNvSpPr>
-          <p:nvPr>
-            <p:ph type="sldNum" sz="quarter" idx="10"/>
-          </p:nvPr>
-        </p:nvSpPr>
-        <p:spPr/>
-        <p:txBody>
-          <a:bodyPr/>
-          <a:lstStyle/>
-          <a:p>
-            <a:fld id="{394D8DB5-5FC1-4510-BABE-87359DBFAF17}" type="slidenum">
-              <a:rPr lang="en-US" smtClean="0"/>
-              <a:pPr/>
-              <a:t>3</a:t>
-            </a:fld>
-            <a:endParaRPr lang="en-US"/>
-          </a:p>
-        </p:txBody>
-      </p:sp>
-    </p:spTree>
-  </p:cSld>
-  <p:clrMapOvr>
-    <a:masterClrMapping/>
-  </p:clrMapOvr>
-</p:notes>
-</file>
-
-<file path=ppt/notesSlides/notesSlide4.xml><?xml version="1.0" encoding="utf-8"?>
 <p:notes xmlns:a="http://schemas.openxmlformats.org/drawingml/2006/main" xmlns:r="http://schemas.openxmlformats.org/officeDocument/2006/relationships" xmlns:p="http://schemas.openxmlformats.org/presentationml/2006/main">
   <p:cSld>
     <p:spTree>
@@ -13986,7 +17571,29 @@
                 <a:ea typeface="+mn-ea"/>
                 <a:cs typeface="+mn-cs"/>
               </a:rPr>
-              <a:t> the Theremin is a contactless electronic musical instrument</a:t>
+              <a:t> the Theremin is a contactless electronic musical instrument with two antennas. The </a:t>
+            </a:r>
+            <a:r>
+              <a:rPr lang="en-US" sz="1050" kern="1200" baseline="0" dirty="0" err="1" smtClean="0">
+                <a:solidFill>
+                  <a:schemeClr val="tx1"/>
+                </a:solidFill>
+                <a:latin typeface="+mn-lt"/>
+                <a:ea typeface="+mn-ea"/>
+                <a:cs typeface="+mn-cs"/>
+              </a:rPr>
+              <a:t>thereminist</a:t>
+            </a:r>
+            <a:r>
+              <a:rPr lang="en-US" sz="1050" kern="1200" baseline="0" dirty="0" smtClean="0">
+                <a:solidFill>
+                  <a:schemeClr val="tx1"/>
+                </a:solidFill>
+                <a:latin typeface="+mn-lt"/>
+                <a:ea typeface="+mn-ea"/>
+                <a:cs typeface="+mn-cs"/>
+              </a:rPr>
+              <a:t> uses one hand to control the pitch and the other to control volume.</a:t>
             </a:r>
           </a:p>
         </p:txBody>
@@ -14023,7 +17630,7 @@
 </p:notes>
 </file>
 
-<file path=ppt/notesSlides/notesSlide5.xml><?xml version="1.0" encoding="utf-8"?>
+<file path=ppt/notesSlides/notesSlide3.xml><?xml version="1.0" encoding="utf-8"?>
 <p:notes xmlns:a="http://schemas.openxmlformats.org/drawingml/2006/main" xmlns:r="http://schemas.openxmlformats.org/officeDocument/2006/relationships" xmlns:p="http://schemas.openxmlformats.org/presentationml/2006/main">
   <p:cSld>
     <p:spTree>
@@ -14359,7 +17966,7 @@
                 <a:ea typeface="+mn-ea"/>
                 <a:cs typeface="+mn-cs"/>
               </a:rPr>
-              <a:t> Bug was presented to the UN in 1960, following the U-2 incident.</a:t>
+              <a:t> Bug was presented to the United Nations in 1960, following the U-2 incident.</a:t>
             </a:r>
             <a:endParaRPr lang="en-US" dirty="0"/>
           </a:p>
@@ -14397,7 +18004,7 @@
 </p:notes>
 </file>
 
-<file path=ppt/notesSlides/notesSlide6.xml><?xml version="1.0" encoding="utf-8"?>
+<file path=ppt/notesSlides/notesSlide4.xml><?xml version="1.0" encoding="utf-8"?>
 <p:notes xmlns:a="http://schemas.openxmlformats.org/drawingml/2006/main" xmlns:r="http://schemas.openxmlformats.org/officeDocument/2006/relationships" xmlns:p="http://schemas.openxmlformats.org/presentationml/2006/main">
   <p:cSld>
     <p:spTree>
@@ -14479,7 +18086,7 @@
 </p:notes>
 </file>
 
-<file path=ppt/notesSlides/notesSlide7.xml><?xml version="1.0" encoding="utf-8"?>
+<file path=ppt/notesSlides/notesSlide5.xml><?xml version="1.0" encoding="utf-8"?>
 <p:notes xmlns:a="http://schemas.openxmlformats.org/drawingml/2006/main" xmlns:r="http://schemas.openxmlformats.org/officeDocument/2006/relationships" xmlns:p="http://schemas.openxmlformats.org/presentationml/2006/main">
   <p:cSld>
     <p:spTree>
@@ -14561,7 +18168,7 @@
 </p:notes>
 </file>
 
-<file path=ppt/notesSlides/notesSlide8.xml><?xml version="1.0" encoding="utf-8"?>
+<file path=ppt/notesSlides/notesSlide6.xml><?xml version="1.0" encoding="utf-8"?>
 <p:notes xmlns:a="http://schemas.openxmlformats.org/drawingml/2006/main" xmlns:r="http://schemas.openxmlformats.org/officeDocument/2006/relationships" xmlns:p="http://schemas.openxmlformats.org/presentationml/2006/main">
   <p:cSld>
     <p:spTree>
@@ -14643,7 +18250,7 @@
 </p:notes>
 </file>
 
-<file path=ppt/notesSlides/notesSlide9.xml><?xml version="1.0" encoding="utf-8"?>
+<file path=ppt/notesSlides/notesSlide7.xml><?xml version="1.0" encoding="utf-8"?>
 <p:notes xmlns:a="http://schemas.openxmlformats.org/drawingml/2006/main" xmlns:r="http://schemas.openxmlformats.org/officeDocument/2006/relationships" xmlns:p="http://schemas.openxmlformats.org/presentationml/2006/main">
   <p:cSld>
     <p:spTree>
@@ -14712,6 +18319,230 @@
               <a:rPr lang="en-US" smtClean="0"/>
               <a:pPr/>
               <a:t>9</a:t>
+            </a:fld>
+            <a:endParaRPr lang="en-US"/>
+          </a:p>
+        </p:txBody>
+      </p:sp>
+    </p:spTree>
+  </p:cSld>
+  <p:clrMapOvr>
+    <a:masterClrMapping/>
+  </p:clrMapOvr>
+</p:notes>
+</file>
+
+<file path=ppt/notesSlides/notesSlide8.xml><?xml version="1.0" encoding="utf-8"?>
+<p:notes xmlns:a="http://schemas.openxmlformats.org/drawingml/2006/main" xmlns:r="http://schemas.openxmlformats.org/officeDocument/2006/relationships" xmlns:p="http://schemas.openxmlformats.org/presentationml/2006/main">
+  <p:cSld>
+    <p:spTree>
+      <p:nvGrpSpPr>
+        <p:cNvPr id="1" name=""/>
+        <p:cNvGrpSpPr/>
+        <p:nvPr/>
+      </p:nvGrpSpPr>
+      <p:grpSpPr>
+        <a:xfrm>
+          <a:off x="0" y="0"/>
+          <a:ext cx="0" cy="0"/>
+          <a:chOff x="0" y="0"/>
+          <a:chExt cx="0" cy="0"/>
+        </a:xfrm>
+      </p:grpSpPr>
+      <p:sp>
+        <p:nvSpPr>
+          <p:cNvPr id="2" name="Slide Image Placeholder 1"/>
+          <p:cNvSpPr>
+            <a:spLocks noGrp="1" noRot="1" noChangeAspect="1"/>
+          </p:cNvSpPr>
+          <p:nvPr>
+            <p:ph type="sldImg"/>
+          </p:nvPr>
+        </p:nvSpPr>
+        <p:spPr/>
+      </p:sp>
+      <p:sp>
+        <p:nvSpPr>
+          <p:cNvPr id="3" name="Notes Placeholder 2"/>
+          <p:cNvSpPr>
+            <a:spLocks noGrp="1"/>
+          </p:cNvSpPr>
+          <p:nvPr>
+            <p:ph type="body" idx="1"/>
+          </p:nvPr>
+        </p:nvSpPr>
+        <p:spPr/>
+        <p:txBody>
+          <a:bodyPr>
+            <a:normAutofit/>
+          </a:bodyPr>
+          <a:lstStyle/>
+          <a:p>
+            <a:r>
+              <a:rPr lang="en-US" b="1" dirty="0" smtClean="0"/>
+              <a:t>Eavesdropping/Sniffing</a:t>
+            </a:r>
+            <a:r>
+              <a:rPr lang="en-US" dirty="0" smtClean="0"/>
+              <a:t> on passive device</a:t>
+            </a:r>
+            <a:r>
+              <a:rPr lang="en-US" baseline="0" dirty="0" smtClean="0"/>
+              <a:t>s is nearly impossible because </a:t>
+            </a:r>
+            <a:r>
+              <a:rPr lang="en-US" dirty="0" smtClean="0"/>
+              <a:t>passive devices send data using inductive coupling on the field generated by the active devices. General</a:t>
+            </a:r>
+            <a:r>
+              <a:rPr lang="en-US" baseline="0" dirty="0" smtClean="0"/>
+              <a:t> rule of thumb is 1 m (~3.2 feet) for passive devices and 10 m for active devices</a:t>
+            </a:r>
+            <a:r>
+              <a:rPr lang="en-US" sz="1200" kern="1200" baseline="0" dirty="0" smtClean="0">
+                <a:solidFill>
+                  <a:schemeClr val="tx1"/>
+                </a:solidFill>
+                <a:latin typeface="+mn-lt"/>
+                <a:ea typeface="+mn-ea"/>
+                <a:cs typeface="+mn-cs"/>
+              </a:rPr>
+              <a:t>.</a:t>
+            </a:r>
+            <a:endParaRPr lang="en-US" dirty="0" smtClean="0"/>
+          </a:p>
+          <a:p>
+            <a:pPr marL="0" marR="0" lvl="0" indent="0" algn="l" defTabSz="914400" rtl="0" eaLnBrk="1" fontAlgn="auto" latinLnBrk="0" hangingPunct="1">
+              <a:lnSpc>
+                <a:spcPct val="100000"/>
+              </a:lnSpc>
+              <a:spcBef>
+                <a:spcPts val="0"/>
+              </a:spcBef>
+              <a:spcAft>
+                <a:spcPts val="0"/>
+              </a:spcAft>
+              <a:buClrTx/>
+              <a:buSzTx/>
+              <a:buFontTx/>
+              <a:buNone/>
+              <a:tabLst/>
+              <a:defRPr/>
+            </a:pPr>
+            <a:endParaRPr lang="en-US" dirty="0" smtClean="0"/>
+          </a:p>
+          <a:p>
+            <a:pPr marL="0" marR="0" lvl="0" indent="0" algn="l" defTabSz="914400" rtl="0" eaLnBrk="1" fontAlgn="auto" latinLnBrk="0" hangingPunct="1">
+              <a:lnSpc>
+                <a:spcPct val="100000"/>
+              </a:lnSpc>
+              <a:spcBef>
+                <a:spcPts val="0"/>
+              </a:spcBef>
+              <a:spcAft>
+                <a:spcPts val="0"/>
+              </a:spcAft>
+              <a:buClrTx/>
+              <a:buSzTx/>
+              <a:buFontTx/>
+              <a:buNone/>
+              <a:tabLst/>
+              <a:defRPr/>
+            </a:pPr>
+            <a:r>
+              <a:rPr lang="en-US" dirty="0" smtClean="0"/>
+              <a:t>The only thing an NFC device can do against </a:t>
+            </a:r>
+            <a:r>
+              <a:rPr lang="en-US" b="1" dirty="0" smtClean="0"/>
+              <a:t>data</a:t>
+            </a:r>
+            <a:r>
+              <a:rPr lang="en-US" b="1" baseline="0" dirty="0" smtClean="0"/>
+              <a:t> modification/Denial of Service attacks</a:t>
+            </a:r>
+            <a:r>
+              <a:rPr lang="en-US" baseline="0" dirty="0" smtClean="0"/>
+              <a:t> is to detect them.</a:t>
+            </a:r>
+          </a:p>
+          <a:p>
+            <a:pPr marL="0" marR="0" lvl="0" indent="0" algn="l" defTabSz="914400" rtl="0" eaLnBrk="1" fontAlgn="auto" latinLnBrk="0" hangingPunct="1">
+              <a:lnSpc>
+                <a:spcPct val="100000"/>
+              </a:lnSpc>
+              <a:spcBef>
+                <a:spcPts val="0"/>
+              </a:spcBef>
+              <a:spcAft>
+                <a:spcPts val="0"/>
+              </a:spcAft>
+              <a:buClrTx/>
+              <a:buSzTx/>
+              <a:buFontTx/>
+              <a:buNone/>
+              <a:tabLst/>
+              <a:defRPr/>
+            </a:pPr>
+            <a:endParaRPr lang="en-US" baseline="0" dirty="0" smtClean="0"/>
+          </a:p>
+          <a:p>
+            <a:r>
+              <a:rPr lang="en-US" sz="1200" kern="1200" baseline="0" dirty="0" smtClean="0">
+                <a:solidFill>
+                  <a:schemeClr val="tx1"/>
+                </a:solidFill>
+                <a:latin typeface="+mn-lt"/>
+                <a:ea typeface="+mn-ea"/>
+                <a:cs typeface="+mn-cs"/>
+              </a:rPr>
+              <a:t>NFC devices are able to receive and transmit data at the same time. They can verify the radio frequency field and detect a collision if the received signal does not match with the transmitted signal to twat </a:t>
+            </a:r>
+            <a:r>
+              <a:rPr lang="en-US" sz="1200" b="1" kern="1200" baseline="0" dirty="0" smtClean="0">
+                <a:solidFill>
+                  <a:schemeClr val="tx1"/>
+                </a:solidFill>
+                <a:latin typeface="+mn-lt"/>
+                <a:ea typeface="+mn-ea"/>
+                <a:cs typeface="+mn-cs"/>
+              </a:rPr>
+              <a:t>MITM attacks</a:t>
+            </a:r>
+            <a:r>
+              <a:rPr lang="en-US" sz="1200" kern="1200" baseline="0" dirty="0" smtClean="0">
+                <a:solidFill>
+                  <a:schemeClr val="tx1"/>
+                </a:solidFill>
+                <a:latin typeface="+mn-lt"/>
+                <a:ea typeface="+mn-ea"/>
+                <a:cs typeface="+mn-cs"/>
+              </a:rPr>
+              <a:t>.</a:t>
+            </a:r>
+            <a:endParaRPr lang="en-US" dirty="0"/>
+          </a:p>
+        </p:txBody>
+      </p:sp>
+      <p:sp>
+        <p:nvSpPr>
+          <p:cNvPr id="4" name="Slide Number Placeholder 3"/>
+          <p:cNvSpPr>
+            <a:spLocks noGrp="1"/>
+          </p:cNvSpPr>
+          <p:nvPr>
+            <p:ph type="sldNum" sz="quarter" idx="10"/>
+          </p:nvPr>
+        </p:nvSpPr>
+        <p:spPr/>
+        <p:txBody>
+          <a:bodyPr/>
+          <a:lstStyle/>
+          <a:p>
+            <a:fld id="{394D8DB5-5FC1-4510-BABE-87359DBFAF17}" type="slidenum">
+              <a:rPr lang="en-US" smtClean="0"/>
+              <a:pPr/>
+              <a:t>10</a:t>
             </a:fld>
             <a:endParaRPr lang="en-US"/>
           </a:p>
@@ -18518,7 +22349,15 @@
           <a:p>
             <a:r>
               <a:rPr lang="en-US" dirty="0" smtClean="0"/>
-              <a:t>NFC Security: Concerns (Brandi)</a:t>
+              <a:t>Security</a:t>
+            </a:r>
+            <a:r>
+              <a:rPr lang="en-US" dirty="0" smtClean="0"/>
+              <a:t>: </a:t>
+            </a:r>
+            <a:r>
+              <a:rPr lang="en-US" dirty="0" smtClean="0"/>
+              <a:t>Concerns</a:t>
             </a:r>
             <a:endParaRPr lang="en-US" dirty="0"/>
           </a:p>
@@ -18610,7 +22449,7 @@
           </p:nvPr>
         </p:nvPicPr>
         <p:blipFill>
-          <a:blip r:embed="rId3" cstate="print"/>
+          <a:blip r:embed="rId2" cstate="print"/>
           <a:stretch>
             <a:fillRect/>
           </a:stretch>
@@ -18690,165 +22529,233 @@
         <p:spPr/>
         <p:txBody>
           <a:bodyPr>
-            <a:normAutofit fontScale="55000" lnSpcReduction="20000"/>
+            <a:noAutofit/>
           </a:bodyPr>
           <a:lstStyle/>
           <a:p>
             <a:r>
-              <a:rPr lang="en-US" dirty="0" smtClean="0"/>
-              <a:t>Murray, Kevin D. “The Great Seal Bug Story.” Murray Associates, May 4 2011. Web. 27 May 2013. &lt;http://www.spybusters.com/Great_Seal_Bug.html&gt;</a:t>
+              <a:rPr lang="en-US" sz="1450" dirty="0" smtClean="0"/>
+              <a:t>Egan, Matt. </a:t>
+            </a:r>
+            <a:r>
+              <a:rPr lang="en-US" sz="1450" dirty="0" smtClean="0"/>
+              <a:t>“What </a:t>
+            </a:r>
+            <a:r>
+              <a:rPr lang="en-US" sz="1450" dirty="0" smtClean="0"/>
+              <a:t>is NFC? How does NFC work? For what might you use NFC? - a quick guide to </a:t>
+            </a:r>
+            <a:r>
+              <a:rPr lang="en-US" sz="1450" dirty="0" smtClean="0"/>
+              <a:t>NFC.” </a:t>
+            </a:r>
+            <a:r>
+              <a:rPr lang="en-US" sz="1450" dirty="0" smtClean="0"/>
+              <a:t>PC </a:t>
+            </a:r>
+            <a:r>
+              <a:rPr lang="en-US" sz="1450" dirty="0" smtClean="0"/>
+              <a:t>Advisor, Oct 9 2013. Web. 1 Apr 2014. &lt;http</a:t>
+            </a:r>
+            <a:r>
+              <a:rPr lang="en-US" sz="1450" dirty="0" smtClean="0"/>
+              <a:t>://www.pcadvisor.co.uk/how-to/mobile-phone/3472879/what-is-nfc-how-nfc-works-what-it-does</a:t>
+            </a:r>
+            <a:r>
+              <a:rPr lang="en-US" sz="1450" dirty="0" smtClean="0"/>
+              <a:t>/&gt;</a:t>
+            </a:r>
+            <a:endParaRPr lang="en-US" sz="1450" dirty="0" smtClean="0"/>
+          </a:p>
+          <a:p>
+            <a:r>
+              <a:rPr lang="en-US" sz="1450" dirty="0" smtClean="0"/>
+              <a:t>Murray</a:t>
+            </a:r>
+            <a:r>
+              <a:rPr lang="en-US" sz="1450" dirty="0" smtClean="0"/>
+              <a:t>, Kevin D. “The Great Seal Bug Story.” Murray Associates, May 4 2011. Web. 27 May </a:t>
+            </a:r>
+            <a:r>
+              <a:rPr lang="en-US" sz="1450" dirty="0" smtClean="0"/>
+              <a:t>2014. </a:t>
+            </a:r>
+            <a:r>
+              <a:rPr lang="en-US" sz="1450" dirty="0" smtClean="0"/>
+              <a:t>&lt;http://www.spybusters.com/Great_Seal_Bug.html&gt;</a:t>
             </a:r>
           </a:p>
           <a:p>
             <a:r>
-              <a:rPr lang="en-US" dirty="0" smtClean="0"/>
+              <a:rPr lang="en-US" sz="1450" dirty="0" smtClean="0"/>
               <a:t>Mr. J. “</a:t>
             </a:r>
             <a:r>
-              <a:rPr lang="en-US" dirty="0" err="1" smtClean="0"/>
+              <a:rPr lang="en-US" sz="1450" dirty="0" err="1" smtClean="0"/>
               <a:t>Wierd</a:t>
             </a:r>
             <a:r>
-              <a:rPr lang="en-US" dirty="0" smtClean="0"/>
-              <a:t> but True: The Theremin.” Mr. J’s Music Room, Jan 2 2011. Web. 27 May 2013. &lt;http://mrjsmusicroom.com/wierd%20but%20true/wierd%20but%20true%20january.html&gt;</a:t>
+              <a:rPr lang="en-US" sz="1450" dirty="0" smtClean="0"/>
+              <a:t> but True: The Theremin.” Mr. J’s Music Room, Jan 2 2011. Web. 27 May </a:t>
+            </a:r>
+            <a:r>
+              <a:rPr lang="en-US" sz="1450" dirty="0" smtClean="0"/>
+              <a:t>2014. </a:t>
+            </a:r>
+            <a:r>
+              <a:rPr lang="en-US" sz="1450" dirty="0" smtClean="0"/>
+              <a:t>&lt;http://mrjsmusicroom.com/wierd%20but%20true/wierd%20but%20true%20january.html&gt;</a:t>
             </a:r>
           </a:p>
           <a:p>
             <a:r>
-              <a:rPr lang="en-US" dirty="0" smtClean="0"/>
+              <a:rPr lang="en-US" sz="1450" dirty="0" smtClean="0"/>
               <a:t>Peter Pringle. “THEREMIN - Over The Rainbow.” Video. </a:t>
             </a:r>
             <a:r>
-              <a:rPr lang="en-US" dirty="0" err="1" smtClean="0"/>
+              <a:rPr lang="en-US" sz="1450" dirty="0" err="1" smtClean="0"/>
               <a:t>Youtube</a:t>
             </a:r>
             <a:r>
-              <a:rPr lang="en-US" dirty="0" smtClean="0"/>
-              <a:t>, Jan 10 2009. Web. 27 May 2013. &lt;https://www.youtube.com/watch?v=xcTPRjiCs6s#t=7&gt;</a:t>
+              <a:rPr lang="en-US" sz="1450" dirty="0" smtClean="0"/>
+              <a:t>, Jan 10 2009. Web. 27 May </a:t>
+            </a:r>
+            <a:r>
+              <a:rPr lang="en-US" sz="1450" dirty="0" smtClean="0"/>
+              <a:t>2014. &lt;https</a:t>
+            </a:r>
+            <a:r>
+              <a:rPr lang="en-US" sz="1450" dirty="0" smtClean="0"/>
+              <a:t>://</a:t>
+            </a:r>
+            <a:r>
+              <a:rPr lang="en-US" sz="1450" dirty="0" smtClean="0"/>
+              <a:t>www.youtube.com/watch?v=xcTPRjiCs6s#t=7&gt;</a:t>
+            </a:r>
+            <a:endParaRPr lang="en-US" sz="1450" dirty="0" smtClean="0"/>
+          </a:p>
+          <a:p>
+            <a:r>
+              <a:rPr lang="en-US" sz="1450" dirty="0" err="1" smtClean="0"/>
+              <a:t>Nosowitz</a:t>
+            </a:r>
+            <a:r>
+              <a:rPr lang="en-US" sz="1450" dirty="0" smtClean="0"/>
+              <a:t>, Dan. “Everything </a:t>
+            </a:r>
+            <a:r>
+              <a:rPr lang="en-US" sz="1450" dirty="0" smtClean="0"/>
+              <a:t>You Need to Know About Near Field </a:t>
+            </a:r>
+            <a:r>
+              <a:rPr lang="en-US" sz="1450" dirty="0" smtClean="0"/>
+              <a:t>Communication.” Popular Science, May 1 2011. Web. 1 Apr 2014. &lt;http</a:t>
+            </a:r>
+            <a:r>
+              <a:rPr lang="en-US" sz="1450" dirty="0" smtClean="0"/>
+              <a:t>://</a:t>
+            </a:r>
+            <a:r>
+              <a:rPr lang="en-US" sz="1450" dirty="0" smtClean="0"/>
+              <a:t>www.popsci.com/gadgets/article/2011-02/near-field-communication-helping-your-smartphone-replace-your-wallet-2010&gt;</a:t>
+            </a:r>
+            <a:endParaRPr lang="en-US" sz="1450" dirty="0" smtClean="0"/>
+          </a:p>
+          <a:p>
+            <a:r>
+              <a:rPr lang="en-US" sz="1450" dirty="0" smtClean="0"/>
+              <a:t>Smith, Chris. “How </a:t>
+            </a:r>
+            <a:r>
+              <a:rPr lang="en-US" sz="1450" dirty="0" smtClean="0"/>
+              <a:t>it Works: NFC (near field communication</a:t>
+            </a:r>
+            <a:r>
+              <a:rPr lang="en-US" sz="1450" dirty="0" smtClean="0"/>
+              <a:t>).” Android Authority, Jun 25 2012. Web. 31 May 2014. &lt;http</a:t>
+            </a:r>
+            <a:r>
+              <a:rPr lang="en-US" sz="1450" dirty="0" smtClean="0"/>
+              <a:t>://www.androidauthority.com/how-it-works-nfc-near-field-communication-97144</a:t>
+            </a:r>
+            <a:r>
+              <a:rPr lang="en-US" sz="1450" dirty="0" smtClean="0"/>
+              <a:t>/&gt;</a:t>
+            </a:r>
+            <a:endParaRPr lang="en-US" sz="1450" dirty="0" smtClean="0"/>
+          </a:p>
+          <a:p>
+            <a:r>
+              <a:rPr lang="en-US" sz="1450" dirty="0" err="1" smtClean="0"/>
+              <a:t>UniversalNewsreels</a:t>
+            </a:r>
+            <a:r>
+              <a:rPr lang="en-US" sz="1450" dirty="0" smtClean="0"/>
+              <a:t>. “UN Spy Debate, Reds 'Bugged' American Embassy 1960/5/27.” Video. </a:t>
+            </a:r>
+            <a:r>
+              <a:rPr lang="en-US" sz="1450" dirty="0" err="1" smtClean="0"/>
+              <a:t>Youtube</a:t>
+            </a:r>
+            <a:r>
+              <a:rPr lang="en-US" sz="1450" dirty="0" smtClean="0"/>
+              <a:t>, Sep 13 2006. Web. 27 May </a:t>
+            </a:r>
+            <a:r>
+              <a:rPr lang="en-US" sz="1450" dirty="0" smtClean="0"/>
+              <a:t>2014. </a:t>
+            </a:r>
+            <a:r>
+              <a:rPr lang="en-US" sz="1450" dirty="0" smtClean="0"/>
+              <a:t>&lt;https://www.youtube.com/watch?v=YPJjxiuyy4A&gt;</a:t>
             </a:r>
           </a:p>
           <a:p>
             <a:r>
-              <a:rPr lang="en-US" dirty="0" err="1" smtClean="0"/>
-              <a:t>UniversalNewsreels</a:t>
-            </a:r>
-            <a:r>
-              <a:rPr lang="en-US" dirty="0" smtClean="0"/>
-              <a:t>. “UN Spy Debate, Reds 'Bugged' American Embassy 1960/5/27.” Video. </a:t>
-            </a:r>
-            <a:r>
-              <a:rPr lang="en-US" dirty="0" err="1" smtClean="0"/>
-              <a:t>Youtube</a:t>
-            </a:r>
-            <a:r>
-              <a:rPr lang="en-US" dirty="0" smtClean="0"/>
-              <a:t>, Sep 13 2006. Web. 27 May 2013. &lt;https://www.youtube.com/watch?v=YPJjxiuyy4A&gt;</a:t>
-            </a:r>
-          </a:p>
-          <a:p>
-            <a:r>
-              <a:rPr lang="en-US" dirty="0" smtClean="0"/>
+              <a:rPr lang="en-US" sz="1450" dirty="0" smtClean="0"/>
               <a:t>Van </a:t>
             </a:r>
             <a:r>
-              <a:rPr lang="en-US" dirty="0" err="1" smtClean="0"/>
+              <a:rPr lang="en-US" sz="1450" dirty="0" err="1" smtClean="0"/>
               <a:t>Damme</a:t>
             </a:r>
             <a:r>
-              <a:rPr lang="en-US" dirty="0" smtClean="0"/>
+              <a:rPr lang="en-US" sz="1450" dirty="0" smtClean="0"/>
               <a:t>, Gauthier, and </a:t>
             </a:r>
             <a:r>
-              <a:rPr lang="en-US" dirty="0" err="1" smtClean="0"/>
+              <a:rPr lang="en-US" sz="1450" dirty="0" err="1" smtClean="0"/>
               <a:t>Karel</a:t>
             </a:r>
             <a:r>
-              <a:rPr lang="en-US" dirty="0" smtClean="0"/>
+              <a:rPr lang="en-US" sz="1450" dirty="0" smtClean="0"/>
               <a:t> </a:t>
             </a:r>
             <a:r>
-              <a:rPr lang="en-US" dirty="0" err="1" smtClean="0"/>
+              <a:rPr lang="en-US" sz="1450" dirty="0" err="1" smtClean="0"/>
               <a:t>Wouters</a:t>
             </a:r>
             <a:r>
-              <a:rPr lang="en-US" dirty="0" smtClean="0"/>
+              <a:rPr lang="en-US" sz="1450" dirty="0" smtClean="0"/>
               <a:t>. “Practical Experiences with NFC Security on Mobile Phones.” </a:t>
             </a:r>
             <a:r>
-              <a:rPr lang="en-US" dirty="0" err="1" smtClean="0"/>
+              <a:rPr lang="en-US" sz="1450" dirty="0" err="1" smtClean="0"/>
               <a:t>Katholieke</a:t>
             </a:r>
             <a:r>
-              <a:rPr lang="en-US" dirty="0" smtClean="0"/>
+              <a:rPr lang="en-US" sz="1450" dirty="0" smtClean="0"/>
               <a:t> </a:t>
             </a:r>
             <a:r>
-              <a:rPr lang="en-US" dirty="0" err="1" smtClean="0"/>
+              <a:rPr lang="en-US" sz="1450" dirty="0" err="1" smtClean="0"/>
               <a:t>Universiteit</a:t>
             </a:r>
             <a:r>
-              <a:rPr lang="en-US" dirty="0" smtClean="0"/>
+              <a:rPr lang="en-US" sz="1450" dirty="0" smtClean="0"/>
               <a:t> Leuven.</a:t>
             </a:r>
-          </a:p>
-          <a:p>
-            <a:r>
-              <a:rPr lang="en-US" dirty="0" smtClean="0"/>
-              <a:t>Everything You Need to Know About Near Field Communication | Popular Science </a:t>
-            </a:r>
-          </a:p>
-          <a:p>
-            <a:r>
-              <a:rPr lang="en-US" dirty="0" smtClean="0">
-                <a:hlinkClick r:id="rId3"/>
-              </a:rPr>
-              <a:t>http://www.popsci.com/gadgets/article/2011-02/near-field-communication-helping-your-</a:t>
-            </a:r>
-          </a:p>
-          <a:p>
-            <a:r>
-              <a:rPr lang="en-US" dirty="0" smtClean="0">
-                <a:hlinkClick r:id="rId3"/>
-              </a:rPr>
-              <a:t>smartphone-replace-your-wallet-2010</a:t>
-            </a:r>
-            <a:endParaRPr lang="en-US" dirty="0" smtClean="0"/>
-          </a:p>
-          <a:p>
-            <a:pPr lvl="1"/>
-            <a:r>
-              <a:rPr lang="en-US" dirty="0" smtClean="0"/>
-              <a:t>What is NFC? How does NFC work? For what might you use NFC? - a quick guide to NFC - PC Advisor</a:t>
-            </a:r>
-          </a:p>
-          <a:p>
-            <a:pPr lvl="1"/>
-            <a:r>
-              <a:rPr lang="en-US" dirty="0" smtClean="0"/>
-              <a:t>http://www.pcadvisor.co.uk/how-to/mobile-phone/3472879/what-is-nfc-how-nfc-works-what-it-does/</a:t>
-            </a:r>
-          </a:p>
-          <a:p>
-            <a:pPr lvl="1"/>
-            <a:endParaRPr lang="en-US" dirty="0" smtClean="0"/>
-          </a:p>
-          <a:p>
-            <a:pPr lvl="1"/>
-            <a:r>
-              <a:rPr lang="en-US" dirty="0" smtClean="0"/>
-              <a:t>How it Works: NFC (near field communication)</a:t>
-            </a:r>
-          </a:p>
-          <a:p>
-            <a:pPr lvl="1"/>
-            <a:r>
-              <a:rPr lang="en-US" dirty="0" smtClean="0"/>
-              <a:t>http://www.androidauthority.com/how-it-works-nfc-near-field-communication-97144/</a:t>
-            </a:r>
-          </a:p>
-          <a:p>
-            <a:pPr lvl="1"/>
-            <a:endParaRPr lang="en-US" dirty="0"/>
+            <a:endParaRPr lang="en-US" sz="1450" dirty="0"/>
           </a:p>
         </p:txBody>
       </p:sp>
@@ -18923,7 +22830,7 @@
         </p:xfrm>
         <a:graphic>
           <a:graphicData uri="http://schemas.openxmlformats.org/drawingml/2006/diagram">
-            <dgm:relIds xmlns:dgm="http://schemas.openxmlformats.org/drawingml/2006/diagram" xmlns:r="http://schemas.openxmlformats.org/officeDocument/2006/relationships" r:dm="rId3" r:lo="rId4" r:qs="rId5" r:cs="rId6"/>
+            <dgm:relIds xmlns:dgm="http://schemas.openxmlformats.org/drawingml/2006/diagram" xmlns:r="http://schemas.openxmlformats.org/officeDocument/2006/relationships" r:dm="rId2" r:lo="rId3" r:qs="rId4" r:cs="rId5"/>
           </a:graphicData>
         </a:graphic>
       </p:graphicFrame>
@@ -18998,7 +22905,7 @@
         </p:xfrm>
         <a:graphic>
           <a:graphicData uri="http://schemas.openxmlformats.org/drawingml/2006/diagram">
-            <dgm:relIds xmlns:dgm="http://schemas.openxmlformats.org/drawingml/2006/diagram" xmlns:r="http://schemas.openxmlformats.org/officeDocument/2006/relationships" r:dm="rId3" r:lo="rId4" r:qs="rId5" r:cs="rId6"/>
+            <dgm:relIds xmlns:dgm="http://schemas.openxmlformats.org/drawingml/2006/diagram" xmlns:r="http://schemas.openxmlformats.org/officeDocument/2006/relationships" r:dm="rId2" r:lo="rId3" r:qs="rId4" r:cs="rId5"/>
           </a:graphicData>
         </a:graphic>
       </p:graphicFrame>
@@ -19053,7 +22960,7 @@
           <a:p>
             <a:r>
               <a:rPr lang="en-US" dirty="0" smtClean="0"/>
-              <a:t>NFC History (Brandi): </a:t>
+              <a:t>History: </a:t>
             </a:r>
             <a:r>
               <a:rPr lang="en-US" dirty="0" smtClean="0">
@@ -19236,13 +23143,13 @@
         <p:spPr/>
         <p:txBody>
           <a:bodyPr>
-            <a:normAutofit fontScale="90000"/>
+            <a:normAutofit/>
           </a:bodyPr>
           <a:lstStyle/>
           <a:p>
             <a:r>
               <a:rPr lang="en-US" dirty="0" smtClean="0"/>
-              <a:t>NFC History (Brandi): </a:t>
+              <a:t>History: </a:t>
             </a:r>
             <a:r>
               <a:rPr lang="en-US" dirty="0" smtClean="0">
@@ -19389,7 +23296,11 @@
           <a:p>
             <a:r>
               <a:rPr lang="en-US" dirty="0" smtClean="0"/>
-              <a:t>Technical Details (Don)</a:t>
+              <a:t>Technical </a:t>
+            </a:r>
+            <a:r>
+              <a:rPr lang="en-US" dirty="0" smtClean="0"/>
+              <a:t>Details</a:t>
             </a:r>
             <a:endParaRPr lang="en-US" dirty="0"/>
           </a:p>
@@ -19418,11 +23329,7 @@
           <a:p>
             <a:r>
               <a:rPr lang="en-US" dirty="0" smtClean="0"/>
-              <a:t>NFC uses electromagnetic induction to generate current and exchange information</a:t>
-            </a:r>
-            <a:r>
-              <a:rPr lang="en-US" dirty="0" smtClean="0"/>
-              <a:t>.</a:t>
+              <a:t>NFC uses electromagnetic induction to generate current and exchange information.</a:t>
             </a:r>
           </a:p>
           <a:p>
@@ -19437,15 +23344,7 @@
           <a:p>
             <a:r>
               <a:rPr lang="en-US" dirty="0" smtClean="0"/>
-              <a:t>Absolute Maximum </a:t>
-            </a:r>
-            <a:r>
-              <a:rPr lang="en-US" dirty="0" smtClean="0"/>
-              <a:t>range: 20cm (7.5 inches</a:t>
-            </a:r>
-            <a:r>
-              <a:rPr lang="en-US" dirty="0" smtClean="0"/>
-              <a:t>).</a:t>
+              <a:t>Absolute Maximum range: 20cm (7.5 inches).</a:t>
             </a:r>
           </a:p>
           <a:p>
@@ -19453,7 +23352,6 @@
               <a:rPr lang="en-US" dirty="0" smtClean="0"/>
               <a:t>Practical Maximum range 10cm (4 inches).</a:t>
             </a:r>
-            <a:endParaRPr lang="en-US" dirty="0" smtClean="0"/>
           </a:p>
           <a:p>
             <a:r>
@@ -19607,206 +23505,32 @@
             </a:r>
             <a:r>
               <a:rPr lang="en-US" dirty="0" smtClean="0"/>
-              <a:t>USES</a:t>
+              <a:t>Uses</a:t>
             </a:r>
             <a:endParaRPr lang="en-US" dirty="0"/>
           </a:p>
         </p:txBody>
       </p:sp>
-      <p:sp>
-        <p:nvSpPr>
-          <p:cNvPr id="3" name="Content Placeholder 2"/>
-          <p:cNvSpPr>
-            <a:spLocks noGrp="1"/>
-          </p:cNvSpPr>
+      <p:graphicFrame>
+        <p:nvGraphicFramePr>
+          <p:cNvPr id="4" name="Content Placeholder 3"/>
+          <p:cNvGraphicFramePr>
+            <a:graphicFrameLocks noGrp="1"/>
+          </p:cNvGraphicFramePr>
           <p:nvPr>
             <p:ph sz="quarter" idx="1"/>
           </p:nvPr>
-        </p:nvSpPr>
-        <p:spPr/>
-        <p:txBody>
-          <a:bodyPr>
-            <a:normAutofit fontScale="77500" lnSpcReduction="20000"/>
-          </a:bodyPr>
-          <a:lstStyle/>
-          <a:p>
-            <a:r>
-              <a:rPr lang="en-US" dirty="0" smtClean="0"/>
-              <a:t>PAIR:</a:t>
-            </a:r>
-          </a:p>
-          <a:p>
-            <a:pPr lvl="1"/>
-            <a:r>
-              <a:rPr lang="en-US" dirty="0" smtClean="0"/>
-              <a:t>Pair two </a:t>
-            </a:r>
-            <a:r>
-              <a:rPr lang="en-US" dirty="0" err="1" smtClean="0"/>
-              <a:t>nfc</a:t>
-            </a:r>
-            <a:r>
-              <a:rPr lang="en-US" dirty="0" smtClean="0"/>
-              <a:t>-enabled devices by a simple bump (easier than by </a:t>
-            </a:r>
-            <a:r>
-              <a:rPr lang="en-US" dirty="0" err="1" smtClean="0"/>
-              <a:t>bluetooth</a:t>
-            </a:r>
-            <a:r>
-              <a:rPr lang="en-US" dirty="0" smtClean="0"/>
-              <a:t>).</a:t>
-            </a:r>
-          </a:p>
-          <a:p>
-            <a:pPr lvl="2">
-              <a:buNone/>
-            </a:pPr>
-            <a:r>
-              <a:rPr lang="en-US" dirty="0" smtClean="0"/>
-              <a:t>Connect phone to speakers or other </a:t>
-            </a:r>
-            <a:r>
-              <a:rPr lang="en-US" dirty="0" err="1" smtClean="0"/>
-              <a:t>nfc</a:t>
-            </a:r>
-            <a:r>
-              <a:rPr lang="en-US" dirty="0" smtClean="0"/>
-              <a:t> aware devices</a:t>
-            </a:r>
-          </a:p>
-          <a:p>
-            <a:pPr lvl="2"/>
-            <a:endParaRPr lang="en-US" dirty="0" smtClean="0"/>
-          </a:p>
-          <a:p>
-            <a:r>
-              <a:rPr lang="en-US" dirty="0" smtClean="0"/>
-              <a:t>SHARE:</a:t>
-            </a:r>
-          </a:p>
-          <a:p>
-            <a:pPr lvl="1"/>
-            <a:r>
-              <a:rPr lang="en-US" dirty="0" smtClean="0"/>
-              <a:t>Share contact information with a simple bump of phones.</a:t>
-            </a:r>
-          </a:p>
-          <a:p>
-            <a:pPr lvl="2"/>
-            <a:r>
-              <a:rPr lang="en-US" dirty="0" smtClean="0"/>
-              <a:t>Establish a connection for playing networked games (use </a:t>
-            </a:r>
-            <a:r>
-              <a:rPr lang="en-US" dirty="0" err="1" smtClean="0"/>
-              <a:t>nfc</a:t>
-            </a:r>
-            <a:r>
-              <a:rPr lang="en-US" dirty="0" smtClean="0"/>
-              <a:t> to initiate the </a:t>
-            </a:r>
-            <a:r>
-              <a:rPr lang="en-US" dirty="0" err="1" smtClean="0"/>
-              <a:t>bluetooth</a:t>
-            </a:r>
-            <a:r>
-              <a:rPr lang="en-US" dirty="0" smtClean="0"/>
-              <a:t> / </a:t>
-            </a:r>
-            <a:r>
-              <a:rPr lang="en-US" dirty="0" err="1" smtClean="0"/>
-              <a:t>wifi</a:t>
-            </a:r>
-            <a:r>
-              <a:rPr lang="en-US" dirty="0" smtClean="0"/>
-              <a:t> </a:t>
-            </a:r>
-            <a:r>
-              <a:rPr lang="en-US" dirty="0" err="1" smtClean="0"/>
-              <a:t>adhoc</a:t>
-            </a:r>
-            <a:r>
-              <a:rPr lang="en-US" dirty="0" smtClean="0"/>
-              <a:t> connection).</a:t>
-            </a:r>
-          </a:p>
-          <a:p>
-            <a:pPr lvl="2"/>
-            <a:endParaRPr lang="en-US" dirty="0" smtClean="0"/>
-          </a:p>
-          <a:p>
-            <a:r>
-              <a:rPr lang="en-US" dirty="0" smtClean="0"/>
-              <a:t>TRANSACTIONS:</a:t>
-            </a:r>
-          </a:p>
-          <a:p>
-            <a:pPr lvl="1"/>
-            <a:r>
-              <a:rPr lang="en-US" dirty="0" smtClean="0"/>
-              <a:t>Use to pay at </a:t>
-            </a:r>
-            <a:r>
-              <a:rPr lang="en-US" dirty="0" err="1" smtClean="0"/>
-              <a:t>nfc</a:t>
-            </a:r>
-            <a:r>
-              <a:rPr lang="en-US" dirty="0" smtClean="0"/>
-              <a:t>-enabled payment stations (similar to swiping a transit card to pay a toll).</a:t>
-            </a:r>
-          </a:p>
-          <a:p>
-            <a:pPr lvl="2">
-              <a:buNone/>
-            </a:pPr>
-            <a:r>
-              <a:rPr lang="en-US" dirty="0" smtClean="0"/>
-              <a:t>Eventually replace the need to carry all kinds of credit cards</a:t>
-            </a:r>
-          </a:p>
-          <a:p>
-            <a:pPr lvl="2"/>
-            <a:endParaRPr lang="en-US" dirty="0" smtClean="0"/>
-          </a:p>
-          <a:p>
-            <a:pPr lvl="2"/>
-            <a:r>
-              <a:rPr lang="en-US" dirty="0" smtClean="0"/>
-              <a:t>IDENTIFICATION:</a:t>
-            </a:r>
-          </a:p>
-          <a:p>
-            <a:pPr lvl="3"/>
-            <a:r>
-              <a:rPr lang="en-US" dirty="0" smtClean="0"/>
-              <a:t>Could be used in place of government issued ID.</a:t>
-            </a:r>
-          </a:p>
-          <a:p>
-            <a:pPr lvl="4">
-              <a:buNone/>
-            </a:pPr>
-            <a:r>
-              <a:rPr lang="en-US" dirty="0" smtClean="0"/>
-              <a:t>Could be used to replace corporate ID badges</a:t>
-            </a:r>
-          </a:p>
-          <a:p>
-            <a:pPr lvl="5">
-              <a:buNone/>
-            </a:pPr>
-            <a:r>
-              <a:rPr lang="en-US" dirty="0" smtClean="0"/>
-              <a:t>Already used in passports to provide various pieces of personal information.</a:t>
-            </a:r>
-          </a:p>
-          <a:p>
-            <a:pPr lvl="5"/>
-            <a:endParaRPr lang="en-US" dirty="0"/>
-          </a:p>
-        </p:txBody>
-      </p:sp>
+        </p:nvGraphicFramePr>
+        <p:xfrm>
+          <a:off x="457200" y="1219200"/>
+          <a:ext cx="8229600" cy="4937760"/>
+        </p:xfrm>
+        <a:graphic>
+          <a:graphicData uri="http://schemas.openxmlformats.org/drawingml/2006/diagram">
+            <dgm:relIds xmlns:dgm="http://schemas.openxmlformats.org/drawingml/2006/diagram" xmlns:r="http://schemas.openxmlformats.org/officeDocument/2006/relationships" r:dm="rId3" r:lo="rId4" r:qs="rId5" r:cs="rId6"/>
+          </a:graphicData>
+        </a:graphic>
+      </p:graphicFrame>
     </p:spTree>
   </p:cSld>
   <p:clrMapOvr>
@@ -19856,7 +23580,11 @@
           <a:p>
             <a:r>
               <a:rPr lang="en-US" dirty="0" smtClean="0"/>
-              <a:t>NFC vs. Bluetooth (Brandi)</a:t>
+              <a:t>NFC vs. </a:t>
+            </a:r>
+            <a:r>
+              <a:rPr lang="en-US" smtClean="0"/>
+              <a:t>Bluetooth</a:t>
             </a:r>
             <a:endParaRPr lang="en-US" dirty="0"/>
           </a:p>
